--- a/patterns/transaction-simple-read.pptx
+++ b/patterns/transaction-simple-read.pptx
@@ -205,7 +205,7 @@
           <a:p>
             <a:fld id="{CAD4BD24-A097-4F9D-85E9-6A2A24CA2D98}" type="datetimeFigureOut">
               <a:rPr lang="zh-CN" altLang="en-US" smtClean="0"/>
-              <a:t>2022/11/13</a:t>
+              <a:t>2023/1/12</a:t>
             </a:fld>
             <a:endParaRPr lang="zh-CN" altLang="en-US"/>
           </a:p>
@@ -2838,10 +2838,10 @@
         </p:nvGrpSpPr>
         <p:grpSpPr>
           <a:xfrm>
-            <a:off x="2069137" y="2004271"/>
-            <a:ext cx="7811432" cy="2809723"/>
-            <a:chOff x="2309313" y="1569195"/>
-            <a:chExt cx="7811432" cy="2809723"/>
+            <a:off x="2460076" y="1720714"/>
+            <a:ext cx="7480127" cy="3416571"/>
+            <a:chOff x="2640618" y="144611"/>
+            <a:chExt cx="7480127" cy="3416571"/>
           </a:xfrm>
         </p:grpSpPr>
         <p:sp>
@@ -3122,8 +3122,8 @@
           </p:nvSpPr>
           <p:spPr>
             <a:xfrm>
-              <a:off x="2309313" y="2993923"/>
-              <a:ext cx="2105297" cy="1384995"/>
+              <a:off x="4933241" y="144611"/>
+              <a:ext cx="3108249" cy="1384995"/>
             </a:xfrm>
             <a:prstGeom prst="rect">
               <a:avLst/>
@@ -3141,7 +3141,7 @@
                   <a:latin typeface="DengXian" panose="02010600030101010101" pitchFamily="2" charset="-122"/>
                   <a:ea typeface="DengXian" panose="02010600030101010101" pitchFamily="2" charset="-122"/>
                 </a:rPr>
-                <a:t>e1</a:t>
+                <a:t>edge1</a:t>
               </a:r>
               <a:r>
                 <a:rPr kumimoji="1" lang="en-US" altLang="zh-CN" sz="1200" dirty="0">
@@ -3171,7 +3171,7 @@
                   <a:latin typeface="DengXian" panose="02010600030101010101" pitchFamily="2" charset="-122"/>
                   <a:ea typeface="DengXian" panose="02010600030101010101" pitchFamily="2" charset="-122"/>
                 </a:rPr>
-                <a:t>e1</a:t>
+                <a:t>edge1</a:t>
               </a:r>
               <a:r>
                 <a:rPr kumimoji="1" lang="en-US" altLang="zh-CN" sz="1200" dirty="0">
@@ -3229,7 +3229,7 @@
                   <a:latin typeface="DengXian" panose="02010600030101010101" pitchFamily="2" charset="-122"/>
                   <a:ea typeface="DengXian" panose="02010600030101010101" pitchFamily="2" charset="-122"/>
                 </a:rPr>
-                <a:t>e1</a:t>
+                <a:t>edge1</a:t>
               </a:r>
               <a:r>
                 <a:rPr kumimoji="1" lang="en-US" altLang="zh-CN" sz="1200" dirty="0">
@@ -3293,7 +3293,7 @@
                   <a:latin typeface="DengXian" panose="02010600030101010101" pitchFamily="2" charset="-122"/>
                   <a:ea typeface="DengXian" panose="02010600030101010101" pitchFamily="2" charset="-122"/>
                 </a:rPr>
-                <a:t>e2</a:t>
+                <a:t>edge2</a:t>
               </a:r>
               <a:r>
                 <a:rPr kumimoji="1" lang="en-US" altLang="zh-CN" sz="1200" dirty="0">
@@ -3323,7 +3323,7 @@
                   <a:latin typeface="DengXian" panose="02010600030101010101" pitchFamily="2" charset="-122"/>
                   <a:ea typeface="DengXian" panose="02010600030101010101" pitchFamily="2" charset="-122"/>
                 </a:rPr>
-                <a:t>e2</a:t>
+                <a:t>edge2</a:t>
               </a:r>
               <a:r>
                 <a:rPr kumimoji="1" lang="en-US" altLang="zh-CN" sz="1200" dirty="0">
@@ -3381,7 +3381,7 @@
                   <a:latin typeface="DengXian" panose="02010600030101010101" pitchFamily="2" charset="-122"/>
                   <a:ea typeface="DengXian" panose="02010600030101010101" pitchFamily="2" charset="-122"/>
                 </a:rPr>
-                <a:t>e2</a:t>
+                <a:t>edge2</a:t>
               </a:r>
               <a:r>
                 <a:rPr kumimoji="1" lang="en-US" altLang="zh-CN" sz="1200" dirty="0">
@@ -3449,8 +3449,8 @@
           </p:nvSpPr>
           <p:spPr>
             <a:xfrm>
-              <a:off x="4533880" y="1569195"/>
-              <a:ext cx="3591339" cy="2777803"/>
+              <a:off x="4305280" y="1569195"/>
+              <a:ext cx="4184374" cy="1991987"/>
             </a:xfrm>
             <a:prstGeom prst="rect">
               <a:avLst/>
@@ -3522,7 +3522,7 @@
                   <a:latin typeface="DengXian" panose="02010600030101010101" pitchFamily="2" charset="-122"/>
                   <a:ea typeface="DengXian" panose="02010600030101010101" pitchFamily="2" charset="-122"/>
                 </a:rPr>
-                <a:t>e1</a:t>
+                <a:t>edge1</a:t>
               </a:r>
               <a:r>
                 <a:rPr kumimoji="1" lang="en-US" altLang="zh-CN" sz="1200" dirty="0">
@@ -3562,7 +3562,7 @@
                   <a:latin typeface="DengXian" panose="02010600030101010101" pitchFamily="2" charset="-122"/>
                   <a:ea typeface="DengXian" panose="02010600030101010101" pitchFamily="2" charset="-122"/>
                 </a:rPr>
-                <a:t>e1</a:t>
+                <a:t>edge1</a:t>
               </a:r>
               <a:r>
                 <a:rPr kumimoji="1" lang="en-US" altLang="zh-CN" sz="1200" dirty="0">
@@ -3602,7 +3602,7 @@
                   <a:latin typeface="DengXian" panose="02010600030101010101" pitchFamily="2" charset="-122"/>
                   <a:ea typeface="DengXian" panose="02010600030101010101" pitchFamily="2" charset="-122"/>
                 </a:rPr>
-                <a:t>e1</a:t>
+                <a:t>edge1</a:t>
               </a:r>
               <a:r>
                 <a:rPr kumimoji="1" lang="en-US" altLang="zh-CN" sz="1200" dirty="0">
@@ -3625,7 +3625,7 @@
                   <a:latin typeface="DengXian" panose="02010600030101010101" pitchFamily="2" charset="-122"/>
                   <a:ea typeface="DengXian" panose="02010600030101010101" pitchFamily="2" charset="-122"/>
                 </a:rPr>
-                <a:t>SUM(e</a:t>
+                <a:t>SUM(</a:t>
               </a:r>
               <a:r>
                 <a:rPr kumimoji="1" lang="en-US" altLang="zh-CN" sz="1200" b="1" dirty="0">
@@ -3635,7 +3635,7 @@
                   <a:latin typeface="DengXian" panose="02010600030101010101" pitchFamily="2" charset="-122"/>
                   <a:ea typeface="DengXian" panose="02010600030101010101" pitchFamily="2" charset="-122"/>
                 </a:rPr>
-                <a:t>1</a:t>
+                <a:t>edge1</a:t>
               </a:r>
               <a:r>
                 <a:rPr kumimoji="1" lang="en-US" altLang="zh-CN" sz="1200" dirty="0">
@@ -3675,7 +3675,7 @@
                   <a:latin typeface="DengXian" panose="02010600030101010101" pitchFamily="2" charset="-122"/>
                   <a:ea typeface="DengXian" panose="02010600030101010101" pitchFamily="2" charset="-122"/>
                 </a:rPr>
-                <a:t>e2</a:t>
+                <a:t>edge2</a:t>
               </a:r>
               <a:r>
                 <a:rPr kumimoji="1" lang="en-US" altLang="zh-CN" sz="1200" dirty="0">
@@ -3715,7 +3715,7 @@
                   <a:latin typeface="DengXian" panose="02010600030101010101" pitchFamily="2" charset="-122"/>
                   <a:ea typeface="DengXian" panose="02010600030101010101" pitchFamily="2" charset="-122"/>
                 </a:rPr>
-                <a:t>e2</a:t>
+                <a:t>edge2</a:t>
               </a:r>
               <a:r>
                 <a:rPr kumimoji="1" lang="en-US" altLang="zh-CN" sz="1200" dirty="0">
@@ -3981,7 +3981,7 @@
                   <a:latin typeface="DengXian" panose="02010600030101010101" pitchFamily="2" charset="-122"/>
                   <a:ea typeface="DengXian" panose="02010600030101010101" pitchFamily="2" charset="-122"/>
                 </a:rPr>
-                <a:t>e2</a:t>
+                <a:t>edge2</a:t>
               </a:r>
             </a:p>
           </p:txBody>
@@ -4020,7 +4020,7 @@
                   <a:latin typeface="DengXian" panose="02010600030101010101" pitchFamily="2" charset="-122"/>
                   <a:ea typeface="DengXian" panose="02010600030101010101" pitchFamily="2" charset="-122"/>
                 </a:rPr>
-                <a:t>e1</a:t>
+                <a:t>edge1</a:t>
               </a:r>
             </a:p>
           </p:txBody>

--- a/patterns/transaction-simple-read.pptx
+++ b/patterns/transaction-simple-read.pptx
@@ -205,7 +205,7 @@
           <a:p>
             <a:fld id="{CAD4BD24-A097-4F9D-85E9-6A2A24CA2D98}" type="datetimeFigureOut">
               <a:rPr lang="zh-CN" altLang="en-US" smtClean="0"/>
-              <a:t>2023/1/12</a:t>
+              <a:t>2023/1/13</a:t>
             </a:fld>
             <a:endParaRPr lang="zh-CN" altLang="en-US"/>
           </a:p>
@@ -2494,306 +2494,768 @@
           <a:chExt cx="0" cy="0"/>
         </a:xfrm>
       </p:grpSpPr>
-      <p:sp>
-        <p:nvSpPr>
-          <p:cNvPr id="2" name="矩形 1">
+      <p:grpSp>
+        <p:nvGrpSpPr>
+          <p:cNvPr id="13" name="Group 12">
             <a:extLst>
               <a:ext uri="{FF2B5EF4-FFF2-40B4-BE49-F238E27FC236}">
-                <a16:creationId xmlns:a16="http://schemas.microsoft.com/office/drawing/2014/main" id="{B72C642D-A526-CE45-ADFB-CA4FB6B38A11}"/>
+                <a16:creationId xmlns:a16="http://schemas.microsoft.com/office/drawing/2014/main" id="{5C8602AD-DA4E-8373-A4A1-319A52DFC519}"/>
               </a:ext>
             </a:extLst>
           </p:cNvPr>
-          <p:cNvSpPr/>
+          <p:cNvGrpSpPr/>
           <p:nvPr/>
-        </p:nvSpPr>
-        <p:spPr>
+        </p:nvGrpSpPr>
+        <p:grpSpPr>
           <a:xfrm>
-            <a:off x="4885466" y="2786061"/>
-            <a:ext cx="2421068" cy="505147"/>
+            <a:off x="2292625" y="2640495"/>
+            <a:ext cx="7610060" cy="1577009"/>
+            <a:chOff x="2292625" y="2640495"/>
+            <a:chExt cx="7610060" cy="1577009"/>
           </a:xfrm>
-          <a:prstGeom prst="rect">
-            <a:avLst/>
-          </a:prstGeom>
-          <a:solidFill>
-            <a:schemeClr val="accent5">
-              <a:lumMod val="60000"/>
-              <a:lumOff val="40000"/>
-            </a:schemeClr>
-          </a:solidFill>
-          <a:ln w="25400">
-            <a:solidFill>
-              <a:schemeClr val="tx1"/>
-            </a:solidFill>
-          </a:ln>
-        </p:spPr>
-        <p:style>
-          <a:lnRef idx="2">
-            <a:schemeClr val="accent2">
-              <a:shade val="50000"/>
-            </a:schemeClr>
-          </a:lnRef>
-          <a:fillRef idx="1">
-            <a:schemeClr val="accent2"/>
-          </a:fillRef>
-          <a:effectRef idx="0">
-            <a:schemeClr val="accent2"/>
-          </a:effectRef>
-          <a:fontRef idx="minor">
-            <a:schemeClr val="lt1"/>
-          </a:fontRef>
-        </p:style>
-        <p:txBody>
-          <a:bodyPr rtlCol="0" anchor="ctr"/>
-          <a:lstStyle/>
-          <a:p>
-            <a:r>
-              <a:rPr kumimoji="1" lang="en-US" altLang="zh-CN" sz="1200" b="1" dirty="0">
+        </p:grpSpPr>
+        <p:grpSp>
+          <p:nvGrpSpPr>
+            <p:cNvPr id="11" name="Group 10">
+              <a:extLst>
+                <a:ext uri="{FF2B5EF4-FFF2-40B4-BE49-F238E27FC236}">
+                  <a16:creationId xmlns:a16="http://schemas.microsoft.com/office/drawing/2014/main" id="{5168FCA5-A509-D54C-EC9F-42AEB9B2CE83}"/>
+                </a:ext>
+              </a:extLst>
+            </p:cNvPr>
+            <p:cNvGrpSpPr/>
+            <p:nvPr/>
+          </p:nvGrpSpPr>
+          <p:grpSpPr>
+            <a:xfrm>
+              <a:off x="2292625" y="2640495"/>
+              <a:ext cx="2716695" cy="1577009"/>
+              <a:chOff x="1606827" y="2640495"/>
+              <a:chExt cx="2716695" cy="1577009"/>
+            </a:xfrm>
+          </p:grpSpPr>
+          <p:sp>
+            <p:nvSpPr>
+              <p:cNvPr id="3" name="矩形 2">
+                <a:extLst>
+                  <a:ext uri="{FF2B5EF4-FFF2-40B4-BE49-F238E27FC236}">
+                    <a16:creationId xmlns:a16="http://schemas.microsoft.com/office/drawing/2014/main" id="{22DC280B-9C65-A140-A46D-687EE8B9A3F0}"/>
+                  </a:ext>
+                </a:extLst>
+              </p:cNvPr>
+              <p:cNvSpPr/>
+              <p:nvPr/>
+            </p:nvSpPr>
+            <p:spPr>
+              <a:xfrm>
+                <a:off x="1606827" y="2640495"/>
+                <a:ext cx="2716695" cy="1577009"/>
+              </a:xfrm>
+              <a:prstGeom prst="rect">
+                <a:avLst/>
+              </a:prstGeom>
+              <a:noFill/>
+              <a:ln w="25400">
                 <a:solidFill>
-                  <a:sysClr val="windowText" lastClr="000000"/>
+                  <a:schemeClr val="tx1"/>
                 </a:solidFill>
-              </a:rPr>
-              <a:t>account</a:t>
-            </a:r>
-            <a:r>
-              <a:rPr kumimoji="1" lang="en-US" altLang="zh-CN" sz="1200" dirty="0">
+                <a:prstDash val="dash"/>
+              </a:ln>
+            </p:spPr>
+            <p:style>
+              <a:lnRef idx="2">
+                <a:schemeClr val="accent2">
+                  <a:shade val="50000"/>
+                </a:schemeClr>
+              </a:lnRef>
+              <a:fillRef idx="1">
+                <a:schemeClr val="accent2"/>
+              </a:fillRef>
+              <a:effectRef idx="0">
+                <a:schemeClr val="accent2"/>
+              </a:effectRef>
+              <a:fontRef idx="minor">
+                <a:schemeClr val="lt1"/>
+              </a:fontRef>
+            </p:style>
+            <p:txBody>
+              <a:bodyPr rtlCol="0" anchor="b"/>
+              <a:lstStyle/>
+              <a:p>
+                <a:pPr algn="ctr"/>
+                <a:r>
+                  <a:rPr kumimoji="1" lang="en-US" altLang="zh-CN" sz="1200" b="1" dirty="0">
+                    <a:solidFill>
+                      <a:srgbClr val="FF0000"/>
+                    </a:solidFill>
+                    <a:latin typeface="DengXian" panose="02010600030101010101" pitchFamily="2" charset="-122"/>
+                    <a:ea typeface="DengXian" panose="02010600030101010101" pitchFamily="2" charset="-122"/>
+                  </a:rPr>
+                  <a:t>RESULT</a:t>
+                </a:r>
+                <a:r>
+                  <a:rPr kumimoji="1" lang="zh-CN" altLang="en-US" sz="1200" b="1" dirty="0">
+                    <a:solidFill>
+                      <a:srgbClr val="FF0000"/>
+                    </a:solidFill>
+                    <a:latin typeface="DengXian" panose="02010600030101010101" pitchFamily="2" charset="-122"/>
+                    <a:ea typeface="DengXian" panose="02010600030101010101" pitchFamily="2" charset="-122"/>
+                  </a:rPr>
+                  <a:t> </a:t>
+                </a:r>
+                <a:r>
+                  <a:rPr kumimoji="1" lang="en-US" altLang="zh-CN" sz="1200" dirty="0">
+                    <a:solidFill>
+                      <a:sysClr val="windowText" lastClr="000000"/>
+                    </a:solidFill>
+                    <a:latin typeface="DengXian" panose="02010600030101010101" pitchFamily="2" charset="-122"/>
+                    <a:ea typeface="DengXian" panose="02010600030101010101" pitchFamily="2" charset="-122"/>
+                  </a:rPr>
+                  <a:t>properties(</a:t>
+                </a:r>
+                <a:r>
+                  <a:rPr kumimoji="1" lang="en-US" altLang="zh-CN" sz="1200" b="1" dirty="0">
+                    <a:solidFill>
+                      <a:sysClr val="windowText" lastClr="000000"/>
+                    </a:solidFill>
+                    <a:latin typeface="DengXian" panose="02010600030101010101" pitchFamily="2" charset="-122"/>
+                    <a:ea typeface="DengXian" panose="02010600030101010101" pitchFamily="2" charset="-122"/>
+                  </a:rPr>
+                  <a:t>account</a:t>
+                </a:r>
+                <a:r>
+                  <a:rPr kumimoji="1" lang="en-US" altLang="zh-CN" sz="1200" dirty="0">
+                    <a:solidFill>
+                      <a:sysClr val="windowText" lastClr="000000"/>
+                    </a:solidFill>
+                    <a:latin typeface="DengXian" panose="02010600030101010101" pitchFamily="2" charset="-122"/>
+                    <a:ea typeface="DengXian" panose="02010600030101010101" pitchFamily="2" charset="-122"/>
+                  </a:rPr>
+                  <a:t>)</a:t>
+                </a:r>
+              </a:p>
+            </p:txBody>
+          </p:sp>
+          <p:grpSp>
+            <p:nvGrpSpPr>
+              <p:cNvPr id="9" name="Group 8">
+                <a:extLst>
+                  <a:ext uri="{FF2B5EF4-FFF2-40B4-BE49-F238E27FC236}">
+                    <a16:creationId xmlns:a16="http://schemas.microsoft.com/office/drawing/2014/main" id="{52A08965-7938-02E8-7A5E-CD3A10264DA7}"/>
+                  </a:ext>
+                </a:extLst>
+              </p:cNvPr>
+              <p:cNvGrpSpPr/>
+              <p:nvPr/>
+            </p:nvGrpSpPr>
+            <p:grpSpPr>
+              <a:xfrm>
+                <a:off x="1906774" y="2815878"/>
+                <a:ext cx="2116800" cy="1010292"/>
+                <a:chOff x="1814274" y="2815878"/>
+                <a:chExt cx="2116800" cy="1010292"/>
+              </a:xfrm>
+            </p:grpSpPr>
+            <p:sp>
+              <p:nvSpPr>
+                <p:cNvPr id="2" name="矩形 1">
+                  <a:extLst>
+                    <a:ext uri="{FF2B5EF4-FFF2-40B4-BE49-F238E27FC236}">
+                      <a16:creationId xmlns:a16="http://schemas.microsoft.com/office/drawing/2014/main" id="{B72C642D-A526-CE45-ADFB-CA4FB6B38A11}"/>
+                    </a:ext>
+                  </a:extLst>
+                </p:cNvPr>
+                <p:cNvSpPr/>
+                <p:nvPr/>
+              </p:nvSpPr>
+              <p:spPr>
+                <a:xfrm>
+                  <a:off x="1814274" y="2815878"/>
+                  <a:ext cx="2116800" cy="505147"/>
+                </a:xfrm>
+                <a:prstGeom prst="rect">
+                  <a:avLst/>
+                </a:prstGeom>
                 <a:solidFill>
-                  <a:sysClr val="windowText" lastClr="000000"/>
+                  <a:schemeClr val="accent5">
+                    <a:lumMod val="60000"/>
+                    <a:lumOff val="40000"/>
+                  </a:schemeClr>
                 </a:solidFill>
-              </a:rPr>
-              <a:t>:</a:t>
-            </a:r>
-            <a:r>
-              <a:rPr kumimoji="1" lang="zh-CN" altLang="en-US" sz="1200" dirty="0">
+                <a:ln w="25400">
+                  <a:solidFill>
+                    <a:schemeClr val="tx1"/>
+                  </a:solidFill>
+                </a:ln>
+              </p:spPr>
+              <p:style>
+                <a:lnRef idx="2">
+                  <a:schemeClr val="accent2">
+                    <a:shade val="50000"/>
+                  </a:schemeClr>
+                </a:lnRef>
+                <a:fillRef idx="1">
+                  <a:schemeClr val="accent2"/>
+                </a:fillRef>
+                <a:effectRef idx="0">
+                  <a:schemeClr val="accent2"/>
+                </a:effectRef>
+                <a:fontRef idx="minor">
+                  <a:schemeClr val="lt1"/>
+                </a:fontRef>
+              </p:style>
+              <p:txBody>
+                <a:bodyPr rtlCol="0" anchor="ctr"/>
+                <a:lstStyle/>
+                <a:p>
+                  <a:pPr algn="ctr"/>
+                  <a:r>
+                    <a:rPr kumimoji="1" lang="en-US" altLang="zh-CN" sz="1200" b="1" dirty="0">
+                      <a:solidFill>
+                        <a:sysClr val="windowText" lastClr="000000"/>
+                      </a:solidFill>
+                    </a:rPr>
+                    <a:t>account</a:t>
+                  </a:r>
+                  <a:r>
+                    <a:rPr kumimoji="1" lang="en-US" altLang="zh-CN" sz="1200" dirty="0">
+                      <a:solidFill>
+                        <a:sysClr val="windowText" lastClr="000000"/>
+                      </a:solidFill>
+                    </a:rPr>
+                    <a:t>:</a:t>
+                  </a:r>
+                  <a:r>
+                    <a:rPr kumimoji="1" lang="zh-CN" altLang="en-US" sz="1200" dirty="0">
+                      <a:solidFill>
+                        <a:sysClr val="windowText" lastClr="000000"/>
+                      </a:solidFill>
+                    </a:rPr>
+                    <a:t> </a:t>
+                  </a:r>
+                  <a:r>
+                    <a:rPr kumimoji="1" lang="en-US" altLang="zh-CN" sz="1200" dirty="0">
+                      <a:solidFill>
+                        <a:sysClr val="windowText" lastClr="000000"/>
+                      </a:solidFill>
+                    </a:rPr>
+                    <a:t>Account</a:t>
+                  </a:r>
+                  <a:endParaRPr kumimoji="1" lang="zh-CN" altLang="en-US" sz="1200" dirty="0">
+                    <a:solidFill>
+                      <a:sysClr val="windowText" lastClr="000000"/>
+                    </a:solidFill>
+                  </a:endParaRPr>
+                </a:p>
+              </p:txBody>
+            </p:sp>
+            <p:sp>
+              <p:nvSpPr>
+                <p:cNvPr id="6" name="矩形 3">
+                  <a:extLst>
+                    <a:ext uri="{FF2B5EF4-FFF2-40B4-BE49-F238E27FC236}">
+                      <a16:creationId xmlns:a16="http://schemas.microsoft.com/office/drawing/2014/main" id="{BD3A2398-8C0D-7E74-5100-BA996C38E61A}"/>
+                    </a:ext>
+                  </a:extLst>
+                </p:cNvPr>
+                <p:cNvSpPr/>
+                <p:nvPr/>
+              </p:nvSpPr>
+              <p:spPr>
+                <a:xfrm>
+                  <a:off x="1814274" y="3321023"/>
+                  <a:ext cx="2116800" cy="505147"/>
+                </a:xfrm>
+                <a:prstGeom prst="rect">
+                  <a:avLst/>
+                </a:prstGeom>
+                <a:noFill/>
+                <a:ln w="25400">
+                  <a:solidFill>
+                    <a:schemeClr val="tx1"/>
+                  </a:solidFill>
+                </a:ln>
+              </p:spPr>
+              <p:style>
+                <a:lnRef idx="2">
+                  <a:schemeClr val="accent2">
+                    <a:shade val="50000"/>
+                  </a:schemeClr>
+                </a:lnRef>
+                <a:fillRef idx="1">
+                  <a:schemeClr val="accent2"/>
+                </a:fillRef>
+                <a:effectRef idx="0">
+                  <a:schemeClr val="accent2"/>
+                </a:effectRef>
+                <a:fontRef idx="minor">
+                  <a:schemeClr val="lt1"/>
+                </a:fontRef>
+              </p:style>
+              <p:txBody>
+                <a:bodyPr rtlCol="0" anchor="ctr"/>
+                <a:lstStyle/>
+                <a:p>
+                  <a:pPr algn="ctr"/>
+                  <a:r>
+                    <a:rPr kumimoji="1" lang="en-US" altLang="zh-CN" sz="1200" b="1" dirty="0" err="1">
+                      <a:solidFill>
+                        <a:sysClr val="windowText" lastClr="000000"/>
+                      </a:solidFill>
+                      <a:latin typeface="DengXian" panose="02010600030101010101" pitchFamily="2" charset="-122"/>
+                      <a:ea typeface="DengXian" panose="02010600030101010101" pitchFamily="2" charset="-122"/>
+                    </a:rPr>
+                    <a:t>account</a:t>
+                  </a:r>
+                  <a:r>
+                    <a:rPr kumimoji="1" lang="en-US" altLang="zh-CN" sz="1200" dirty="0" err="1">
+                      <a:solidFill>
+                        <a:sysClr val="windowText" lastClr="000000"/>
+                      </a:solidFill>
+                      <a:latin typeface="DengXian" panose="02010600030101010101" pitchFamily="2" charset="-122"/>
+                      <a:ea typeface="DengXian" panose="02010600030101010101" pitchFamily="2" charset="-122"/>
+                    </a:rPr>
+                    <a:t>.id</a:t>
+                  </a:r>
+                  <a:r>
+                    <a:rPr kumimoji="1" lang="en-US" altLang="zh-CN" sz="1200" dirty="0">
+                      <a:solidFill>
+                        <a:sysClr val="windowText" lastClr="000000"/>
+                      </a:solidFill>
+                      <a:latin typeface="DengXian" panose="02010600030101010101" pitchFamily="2" charset="-122"/>
+                      <a:ea typeface="DengXian" panose="02010600030101010101" pitchFamily="2" charset="-122"/>
+                    </a:rPr>
+                    <a:t>:</a:t>
+                  </a:r>
+                  <a:r>
+                    <a:rPr kumimoji="1" lang="zh-CN" altLang="en-US" sz="1200" dirty="0">
+                      <a:solidFill>
+                        <a:sysClr val="windowText" lastClr="000000"/>
+                      </a:solidFill>
+                      <a:latin typeface="DengXian" panose="02010600030101010101" pitchFamily="2" charset="-122"/>
+                      <a:ea typeface="DengXian" panose="02010600030101010101" pitchFamily="2" charset="-122"/>
+                    </a:rPr>
+                    <a:t> </a:t>
+                  </a:r>
+                  <a:r>
+                    <a:rPr kumimoji="1" lang="en-US" altLang="zh-CN" sz="1200" dirty="0">
+                      <a:solidFill>
+                        <a:sysClr val="windowText" lastClr="000000"/>
+                      </a:solidFill>
+                      <a:latin typeface="DengXian" panose="02010600030101010101" pitchFamily="2" charset="-122"/>
+                      <a:ea typeface="DengXian" panose="02010600030101010101" pitchFamily="2" charset="-122"/>
+                    </a:rPr>
+                    <a:t>${id}</a:t>
+                  </a:r>
+                  <a:endParaRPr kumimoji="1" lang="zh-CN" altLang="en-US" sz="1200" dirty="0">
+                    <a:solidFill>
+                      <a:sysClr val="windowText" lastClr="000000"/>
+                    </a:solidFill>
+                    <a:latin typeface="DengXian" panose="02010600030101010101" pitchFamily="2" charset="-122"/>
+                    <a:ea typeface="DengXian" panose="02010600030101010101" pitchFamily="2" charset="-122"/>
+                  </a:endParaRPr>
+                </a:p>
+              </p:txBody>
+            </p:sp>
+          </p:grpSp>
+        </p:grpSp>
+        <p:grpSp>
+          <p:nvGrpSpPr>
+            <p:cNvPr id="10" name="Group 9">
+              <a:extLst>
+                <a:ext uri="{FF2B5EF4-FFF2-40B4-BE49-F238E27FC236}">
+                  <a16:creationId xmlns:a16="http://schemas.microsoft.com/office/drawing/2014/main" id="{A43BD305-30B1-E286-02CD-0C8134774423}"/>
+                </a:ext>
+              </a:extLst>
+            </p:cNvPr>
+            <p:cNvGrpSpPr/>
+            <p:nvPr/>
+          </p:nvGrpSpPr>
+          <p:grpSpPr>
+            <a:xfrm>
+              <a:off x="7185990" y="2640495"/>
+              <a:ext cx="2716695" cy="1577009"/>
+              <a:chOff x="6500192" y="2640495"/>
+              <a:chExt cx="2716695" cy="1577009"/>
+            </a:xfrm>
+          </p:grpSpPr>
+          <p:grpSp>
+            <p:nvGrpSpPr>
+              <p:cNvPr id="8" name="Group 7">
+                <a:extLst>
+                  <a:ext uri="{FF2B5EF4-FFF2-40B4-BE49-F238E27FC236}">
+                    <a16:creationId xmlns:a16="http://schemas.microsoft.com/office/drawing/2014/main" id="{7CE25A49-AE87-2B55-03D7-B1DC81E8A317}"/>
+                  </a:ext>
+                </a:extLst>
+              </p:cNvPr>
+              <p:cNvGrpSpPr/>
+              <p:nvPr/>
+            </p:nvGrpSpPr>
+            <p:grpSpPr>
+              <a:xfrm>
+                <a:off x="6800300" y="2815877"/>
+                <a:ext cx="2116478" cy="1010294"/>
+                <a:chOff x="6743980" y="2815877"/>
+                <a:chExt cx="2116478" cy="1010294"/>
+              </a:xfrm>
+            </p:grpSpPr>
+            <p:sp>
+              <p:nvSpPr>
+                <p:cNvPr id="4" name="矩形 3">
+                  <a:extLst>
+                    <a:ext uri="{FF2B5EF4-FFF2-40B4-BE49-F238E27FC236}">
+                      <a16:creationId xmlns:a16="http://schemas.microsoft.com/office/drawing/2014/main" id="{68924B86-E5E9-2247-A385-17C2F6B27826}"/>
+                    </a:ext>
+                  </a:extLst>
+                </p:cNvPr>
+                <p:cNvSpPr/>
+                <p:nvPr/>
+              </p:nvSpPr>
+              <p:spPr>
+                <a:xfrm>
+                  <a:off x="6743980" y="3321024"/>
+                  <a:ext cx="2116478" cy="505147"/>
+                </a:xfrm>
+                <a:prstGeom prst="rect">
+                  <a:avLst/>
+                </a:prstGeom>
+                <a:noFill/>
+                <a:ln w="25400">
+                  <a:solidFill>
+                    <a:schemeClr val="tx1"/>
+                  </a:solidFill>
+                </a:ln>
+              </p:spPr>
+              <p:style>
+                <a:lnRef idx="2">
+                  <a:schemeClr val="accent2">
+                    <a:shade val="50000"/>
+                  </a:schemeClr>
+                </a:lnRef>
+                <a:fillRef idx="1">
+                  <a:schemeClr val="accent2"/>
+                </a:fillRef>
+                <a:effectRef idx="0">
+                  <a:schemeClr val="accent2"/>
+                </a:effectRef>
+                <a:fontRef idx="minor">
+                  <a:schemeClr val="lt1"/>
+                </a:fontRef>
+              </p:style>
+              <p:txBody>
+                <a:bodyPr rtlCol="0" anchor="ctr"/>
+                <a:lstStyle/>
+                <a:p>
+                  <a:pPr algn="ctr"/>
+                  <a:r>
+                    <a:rPr kumimoji="1" lang="en-US" altLang="zh-CN" sz="1200" b="1" dirty="0" err="1">
+                      <a:solidFill>
+                        <a:sysClr val="windowText" lastClr="000000"/>
+                      </a:solidFill>
+                      <a:latin typeface="DengXian" panose="02010600030101010101" pitchFamily="2" charset="-122"/>
+                      <a:ea typeface="DengXian" panose="02010600030101010101" pitchFamily="2" charset="-122"/>
+                    </a:rPr>
+                    <a:t>person</a:t>
+                  </a:r>
+                  <a:r>
+                    <a:rPr kumimoji="1" lang="en-US" altLang="zh-CN" sz="1200" dirty="0" err="1">
+                      <a:solidFill>
+                        <a:sysClr val="windowText" lastClr="000000"/>
+                      </a:solidFill>
+                      <a:latin typeface="DengXian" panose="02010600030101010101" pitchFamily="2" charset="-122"/>
+                      <a:ea typeface="DengXian" panose="02010600030101010101" pitchFamily="2" charset="-122"/>
+                    </a:rPr>
+                    <a:t>.id</a:t>
+                  </a:r>
+                  <a:r>
+                    <a:rPr kumimoji="1" lang="en-US" altLang="zh-CN" sz="1200" dirty="0">
+                      <a:solidFill>
+                        <a:sysClr val="windowText" lastClr="000000"/>
+                      </a:solidFill>
+                      <a:latin typeface="DengXian" panose="02010600030101010101" pitchFamily="2" charset="-122"/>
+                      <a:ea typeface="DengXian" panose="02010600030101010101" pitchFamily="2" charset="-122"/>
+                    </a:rPr>
+                    <a:t>:</a:t>
+                  </a:r>
+                  <a:r>
+                    <a:rPr kumimoji="1" lang="zh-CN" altLang="en-US" sz="1200" dirty="0">
+                      <a:solidFill>
+                        <a:sysClr val="windowText" lastClr="000000"/>
+                      </a:solidFill>
+                      <a:latin typeface="DengXian" panose="02010600030101010101" pitchFamily="2" charset="-122"/>
+                      <a:ea typeface="DengXian" panose="02010600030101010101" pitchFamily="2" charset="-122"/>
+                    </a:rPr>
+                    <a:t> </a:t>
+                  </a:r>
+                  <a:r>
+                    <a:rPr kumimoji="1" lang="en-US" altLang="zh-CN" sz="1200" dirty="0">
+                      <a:solidFill>
+                        <a:sysClr val="windowText" lastClr="000000"/>
+                      </a:solidFill>
+                      <a:latin typeface="DengXian" panose="02010600030101010101" pitchFamily="2" charset="-122"/>
+                      <a:ea typeface="DengXian" panose="02010600030101010101" pitchFamily="2" charset="-122"/>
+                    </a:rPr>
+                    <a:t>${id}</a:t>
+                  </a:r>
+                  <a:endParaRPr kumimoji="1" lang="zh-CN" altLang="en-US" sz="1200" dirty="0">
+                    <a:solidFill>
+                      <a:sysClr val="windowText" lastClr="000000"/>
+                    </a:solidFill>
+                    <a:latin typeface="DengXian" panose="02010600030101010101" pitchFamily="2" charset="-122"/>
+                    <a:ea typeface="DengXian" panose="02010600030101010101" pitchFamily="2" charset="-122"/>
+                  </a:endParaRPr>
+                </a:p>
+              </p:txBody>
+            </p:sp>
+            <p:sp>
+              <p:nvSpPr>
+                <p:cNvPr id="5" name="矩形 9">
+                  <a:extLst>
+                    <a:ext uri="{FF2B5EF4-FFF2-40B4-BE49-F238E27FC236}">
+                      <a16:creationId xmlns:a16="http://schemas.microsoft.com/office/drawing/2014/main" id="{6641C98C-130F-B917-6069-671A355C0494}"/>
+                    </a:ext>
+                  </a:extLst>
+                </p:cNvPr>
+                <p:cNvSpPr/>
+                <p:nvPr/>
+              </p:nvSpPr>
+              <p:spPr>
+                <a:xfrm>
+                  <a:off x="6743980" y="2815877"/>
+                  <a:ext cx="2116478" cy="505147"/>
+                </a:xfrm>
+                <a:prstGeom prst="rect">
+                  <a:avLst/>
+                </a:prstGeom>
                 <a:solidFill>
-                  <a:sysClr val="windowText" lastClr="000000"/>
+                  <a:schemeClr val="accent6">
+                    <a:lumMod val="60000"/>
+                    <a:lumOff val="40000"/>
+                  </a:schemeClr>
                 </a:solidFill>
-              </a:rPr>
-              <a:t> </a:t>
-            </a:r>
-            <a:r>
-              <a:rPr kumimoji="1" lang="en-US" altLang="zh-CN" sz="1200" dirty="0">
+                <a:ln w="25400">
+                  <a:solidFill>
+                    <a:schemeClr val="tx1"/>
+                  </a:solidFill>
+                </a:ln>
+              </p:spPr>
+              <p:style>
+                <a:lnRef idx="2">
+                  <a:schemeClr val="accent2">
+                    <a:shade val="50000"/>
+                  </a:schemeClr>
+                </a:lnRef>
+                <a:fillRef idx="1">
+                  <a:schemeClr val="accent2"/>
+                </a:fillRef>
+                <a:effectRef idx="0">
+                  <a:schemeClr val="accent2"/>
+                </a:effectRef>
+                <a:fontRef idx="minor">
+                  <a:schemeClr val="lt1"/>
+                </a:fontRef>
+              </p:style>
+              <p:txBody>
+                <a:bodyPr rtlCol="0" anchor="ctr"/>
+                <a:lstStyle/>
+                <a:p>
+                  <a:pPr algn="ctr"/>
+                  <a:r>
+                    <a:rPr kumimoji="1" lang="en-US" altLang="zh-CN" sz="1200" b="1" dirty="0">
+                      <a:solidFill>
+                        <a:sysClr val="windowText" lastClr="000000"/>
+                      </a:solidFill>
+                    </a:rPr>
+                    <a:t>person</a:t>
+                  </a:r>
+                  <a:r>
+                    <a:rPr kumimoji="1" lang="zh-CN" altLang="en-US" sz="1200" dirty="0">
+                      <a:solidFill>
+                        <a:sysClr val="windowText" lastClr="000000"/>
+                      </a:solidFill>
+                    </a:rPr>
+                    <a:t> </a:t>
+                  </a:r>
+                  <a:r>
+                    <a:rPr kumimoji="1" lang="en-US" altLang="zh-CN" sz="1200" dirty="0">
+                      <a:solidFill>
+                        <a:sysClr val="windowText" lastClr="000000"/>
+                      </a:solidFill>
+                    </a:rPr>
+                    <a:t>:</a:t>
+                  </a:r>
+                  <a:r>
+                    <a:rPr kumimoji="1" lang="zh-CN" altLang="en-US" sz="1200" dirty="0">
+                      <a:solidFill>
+                        <a:sysClr val="windowText" lastClr="000000"/>
+                      </a:solidFill>
+                    </a:rPr>
+                    <a:t> </a:t>
+                  </a:r>
+                  <a:r>
+                    <a:rPr kumimoji="1" lang="en-US" altLang="zh-CN" sz="1200" dirty="0">
+                      <a:solidFill>
+                        <a:sysClr val="windowText" lastClr="000000"/>
+                      </a:solidFill>
+                    </a:rPr>
+                    <a:t>Person</a:t>
+                  </a:r>
+                  <a:endParaRPr kumimoji="1" lang="zh-CN" altLang="en-US" sz="1200" dirty="0">
+                    <a:solidFill>
+                      <a:sysClr val="windowText" lastClr="000000"/>
+                    </a:solidFill>
+                  </a:endParaRPr>
+                </a:p>
+              </p:txBody>
+            </p:sp>
+          </p:grpSp>
+          <p:sp>
+            <p:nvSpPr>
+              <p:cNvPr id="7" name="矩形 2">
+                <a:extLst>
+                  <a:ext uri="{FF2B5EF4-FFF2-40B4-BE49-F238E27FC236}">
+                    <a16:creationId xmlns:a16="http://schemas.microsoft.com/office/drawing/2014/main" id="{796335C9-7FF2-C371-B888-EBFB3C3FDC46}"/>
+                  </a:ext>
+                </a:extLst>
+              </p:cNvPr>
+              <p:cNvSpPr/>
+              <p:nvPr/>
+            </p:nvSpPr>
+            <p:spPr>
+              <a:xfrm>
+                <a:off x="6500192" y="2640495"/>
+                <a:ext cx="2716695" cy="1577009"/>
+              </a:xfrm>
+              <a:prstGeom prst="rect">
+                <a:avLst/>
+              </a:prstGeom>
+              <a:noFill/>
+              <a:ln w="25400">
                 <a:solidFill>
-                  <a:sysClr val="windowText" lastClr="000000"/>
+                  <a:schemeClr val="tx1"/>
                 </a:solidFill>
-              </a:rPr>
-              <a:t>Account</a:t>
-            </a:r>
-            <a:endParaRPr kumimoji="1" lang="zh-CN" altLang="en-US" sz="1200" dirty="0">
-              <a:solidFill>
-                <a:sysClr val="windowText" lastClr="000000"/>
-              </a:solidFill>
-            </a:endParaRPr>
-          </a:p>
-        </p:txBody>
-      </p:sp>
-      <p:sp>
-        <p:nvSpPr>
-          <p:cNvPr id="3" name="矩形 2">
-            <a:extLst>
-              <a:ext uri="{FF2B5EF4-FFF2-40B4-BE49-F238E27FC236}">
-                <a16:creationId xmlns:a16="http://schemas.microsoft.com/office/drawing/2014/main" id="{22DC280B-9C65-A140-A46D-687EE8B9A3F0}"/>
-              </a:ext>
-            </a:extLst>
-          </p:cNvPr>
-          <p:cNvSpPr/>
-          <p:nvPr/>
-        </p:nvSpPr>
-        <p:spPr>
-          <a:xfrm>
-            <a:off x="4757531" y="2610678"/>
-            <a:ext cx="2782956" cy="1577009"/>
-          </a:xfrm>
-          <a:prstGeom prst="rect">
-            <a:avLst/>
-          </a:prstGeom>
-          <a:noFill/>
-          <a:ln w="25400">
-            <a:solidFill>
-              <a:schemeClr val="tx1"/>
-            </a:solidFill>
-            <a:prstDash val="dash"/>
-          </a:ln>
-        </p:spPr>
-        <p:style>
-          <a:lnRef idx="2">
-            <a:schemeClr val="accent2">
-              <a:shade val="50000"/>
-            </a:schemeClr>
-          </a:lnRef>
-          <a:fillRef idx="1">
-            <a:schemeClr val="accent2"/>
-          </a:fillRef>
-          <a:effectRef idx="0">
-            <a:schemeClr val="accent2"/>
-          </a:effectRef>
-          <a:fontRef idx="minor">
-            <a:schemeClr val="lt1"/>
-          </a:fontRef>
-        </p:style>
-        <p:txBody>
-          <a:bodyPr rtlCol="0" anchor="b"/>
-          <a:lstStyle/>
-          <a:p>
-            <a:r>
-              <a:rPr kumimoji="1" lang="en-US" altLang="zh-CN" sz="1200" b="1" dirty="0">
-                <a:solidFill>
-                  <a:srgbClr val="FF0000"/>
-                </a:solidFill>
+                <a:prstDash val="dash"/>
+              </a:ln>
+            </p:spPr>
+            <p:style>
+              <a:lnRef idx="2">
+                <a:schemeClr val="accent2">
+                  <a:shade val="50000"/>
+                </a:schemeClr>
+              </a:lnRef>
+              <a:fillRef idx="1">
+                <a:schemeClr val="accent2"/>
+              </a:fillRef>
+              <a:effectRef idx="0">
+                <a:schemeClr val="accent2"/>
+              </a:effectRef>
+              <a:fontRef idx="minor">
+                <a:schemeClr val="lt1"/>
+              </a:fontRef>
+            </p:style>
+            <p:txBody>
+              <a:bodyPr rtlCol="0" anchor="b"/>
+              <a:lstStyle/>
+              <a:p>
+                <a:pPr algn="ctr"/>
+                <a:r>
+                  <a:rPr kumimoji="1" lang="en-US" altLang="zh-CN" sz="1200" b="1" dirty="0">
+                    <a:solidFill>
+                      <a:srgbClr val="FF0000"/>
+                    </a:solidFill>
+                    <a:latin typeface="DengXian" panose="02010600030101010101" pitchFamily="2" charset="-122"/>
+                    <a:ea typeface="DengXian" panose="02010600030101010101" pitchFamily="2" charset="-122"/>
+                  </a:rPr>
+                  <a:t>RESULT</a:t>
+                </a:r>
+                <a:r>
+                  <a:rPr kumimoji="1" lang="zh-CN" altLang="en-US" sz="1200" b="1" dirty="0">
+                    <a:solidFill>
+                      <a:srgbClr val="FF0000"/>
+                    </a:solidFill>
+                    <a:latin typeface="DengXian" panose="02010600030101010101" pitchFamily="2" charset="-122"/>
+                    <a:ea typeface="DengXian" panose="02010600030101010101" pitchFamily="2" charset="-122"/>
+                  </a:rPr>
+                  <a:t> </a:t>
+                </a:r>
+                <a:r>
+                  <a:rPr kumimoji="1" lang="en-US" altLang="zh-CN" sz="1200" dirty="0">
+                    <a:solidFill>
+                      <a:sysClr val="windowText" lastClr="000000"/>
+                    </a:solidFill>
+                    <a:latin typeface="DengXian" panose="02010600030101010101" pitchFamily="2" charset="-122"/>
+                    <a:ea typeface="DengXian" panose="02010600030101010101" pitchFamily="2" charset="-122"/>
+                  </a:rPr>
+                  <a:t>properties(</a:t>
+                </a:r>
+                <a:r>
+                  <a:rPr kumimoji="1" lang="en-US" altLang="zh-CN" sz="1200" b="1" dirty="0">
+                    <a:solidFill>
+                      <a:sysClr val="windowText" lastClr="000000"/>
+                    </a:solidFill>
+                    <a:latin typeface="DengXian" panose="02010600030101010101" pitchFamily="2" charset="-122"/>
+                    <a:ea typeface="DengXian" panose="02010600030101010101" pitchFamily="2" charset="-122"/>
+                  </a:rPr>
+                  <a:t>account</a:t>
+                </a:r>
+                <a:r>
+                  <a:rPr kumimoji="1" lang="en-US" altLang="zh-CN" sz="1200" dirty="0">
+                    <a:solidFill>
+                      <a:sysClr val="windowText" lastClr="000000"/>
+                    </a:solidFill>
+                    <a:latin typeface="DengXian" panose="02010600030101010101" pitchFamily="2" charset="-122"/>
+                    <a:ea typeface="DengXian" panose="02010600030101010101" pitchFamily="2" charset="-122"/>
+                  </a:rPr>
+                  <a:t>)</a:t>
+                </a:r>
+              </a:p>
+            </p:txBody>
+          </p:sp>
+        </p:grpSp>
+        <p:sp>
+          <p:nvSpPr>
+            <p:cNvPr id="12" name="文本框 7">
+              <a:extLst>
+                <a:ext uri="{FF2B5EF4-FFF2-40B4-BE49-F238E27FC236}">
+                  <a16:creationId xmlns:a16="http://schemas.microsoft.com/office/drawing/2014/main" id="{AD01137A-7769-D5E3-C126-DE166D6BD9DD}"/>
+                </a:ext>
+              </a:extLst>
+            </p:cNvPr>
+            <p:cNvSpPr txBox="1"/>
+            <p:nvPr/>
+          </p:nvSpPr>
+          <p:spPr>
+            <a:xfrm>
+              <a:off x="5768906" y="3228945"/>
+              <a:ext cx="654188" cy="400110"/>
+            </a:xfrm>
+            <a:prstGeom prst="rect">
+              <a:avLst/>
+            </a:prstGeom>
+            <a:noFill/>
+          </p:spPr>
+          <p:txBody>
+            <a:bodyPr wrap="square" rtlCol="0">
+              <a:spAutoFit/>
+            </a:bodyPr>
+            <a:lstStyle/>
+            <a:p>
+              <a:pPr algn="ctr"/>
+              <a:r>
+                <a:rPr kumimoji="1" lang="en-US" altLang="zh-CN" sz="2000" b="1" dirty="0">
+                  <a:latin typeface="DengXian" panose="02010600030101010101" pitchFamily="2" charset="-122"/>
+                  <a:ea typeface="DengXian" panose="02010600030101010101" pitchFamily="2" charset="-122"/>
+                </a:rPr>
+                <a:t>or</a:t>
+              </a:r>
+              <a:endParaRPr kumimoji="1" lang="en-US" altLang="zh-CN" sz="2000" dirty="0">
                 <a:latin typeface="DengXian" panose="02010600030101010101" pitchFamily="2" charset="-122"/>
                 <a:ea typeface="DengXian" panose="02010600030101010101" pitchFamily="2" charset="-122"/>
-              </a:rPr>
-              <a:t>RESULT</a:t>
-            </a:r>
-            <a:r>
-              <a:rPr kumimoji="1" lang="zh-CN" altLang="en-US" sz="1200" b="1" dirty="0">
-                <a:solidFill>
-                  <a:srgbClr val="FF0000"/>
-                </a:solidFill>
-                <a:latin typeface="DengXian" panose="02010600030101010101" pitchFamily="2" charset="-122"/>
-                <a:ea typeface="DengXian" panose="02010600030101010101" pitchFamily="2" charset="-122"/>
-              </a:rPr>
-              <a:t> </a:t>
-            </a:r>
-            <a:r>
-              <a:rPr kumimoji="1" lang="en-US" altLang="zh-CN" sz="1200" dirty="0">
-                <a:solidFill>
-                  <a:sysClr val="windowText" lastClr="000000"/>
-                </a:solidFill>
-                <a:latin typeface="DengXian" panose="02010600030101010101" pitchFamily="2" charset="-122"/>
-                <a:ea typeface="DengXian" panose="02010600030101010101" pitchFamily="2" charset="-122"/>
-              </a:rPr>
-              <a:t>properties(</a:t>
-            </a:r>
-            <a:r>
-              <a:rPr kumimoji="1" lang="en-US" altLang="zh-CN" sz="1200" b="1" dirty="0">
-                <a:solidFill>
-                  <a:sysClr val="windowText" lastClr="000000"/>
-                </a:solidFill>
-                <a:latin typeface="DengXian" panose="02010600030101010101" pitchFamily="2" charset="-122"/>
-                <a:ea typeface="DengXian" panose="02010600030101010101" pitchFamily="2" charset="-122"/>
-              </a:rPr>
-              <a:t>account</a:t>
-            </a:r>
-            <a:r>
-              <a:rPr kumimoji="1" lang="en-US" altLang="zh-CN" sz="1200" dirty="0">
-                <a:solidFill>
-                  <a:sysClr val="windowText" lastClr="000000"/>
-                </a:solidFill>
-                <a:latin typeface="DengXian" panose="02010600030101010101" pitchFamily="2" charset="-122"/>
-                <a:ea typeface="DengXian" panose="02010600030101010101" pitchFamily="2" charset="-122"/>
-              </a:rPr>
-              <a:t>)</a:t>
-            </a:r>
-          </a:p>
-        </p:txBody>
-      </p:sp>
-      <p:sp>
-        <p:nvSpPr>
-          <p:cNvPr id="4" name="矩形 3">
-            <a:extLst>
-              <a:ext uri="{FF2B5EF4-FFF2-40B4-BE49-F238E27FC236}">
-                <a16:creationId xmlns:a16="http://schemas.microsoft.com/office/drawing/2014/main" id="{68924B86-E5E9-2247-A385-17C2F6B27826}"/>
-              </a:ext>
-            </a:extLst>
-          </p:cNvPr>
-          <p:cNvSpPr/>
-          <p:nvPr/>
-        </p:nvSpPr>
-        <p:spPr>
-          <a:xfrm>
-            <a:off x="4885466" y="3291208"/>
-            <a:ext cx="2421068" cy="505147"/>
-          </a:xfrm>
-          <a:prstGeom prst="rect">
-            <a:avLst/>
-          </a:prstGeom>
-          <a:noFill/>
-          <a:ln w="25400">
-            <a:solidFill>
-              <a:schemeClr val="tx1"/>
-            </a:solidFill>
-          </a:ln>
-        </p:spPr>
-        <p:style>
-          <a:lnRef idx="2">
-            <a:schemeClr val="accent2">
-              <a:shade val="50000"/>
-            </a:schemeClr>
-          </a:lnRef>
-          <a:fillRef idx="1">
-            <a:schemeClr val="accent2"/>
-          </a:fillRef>
-          <a:effectRef idx="0">
-            <a:schemeClr val="accent2"/>
-          </a:effectRef>
-          <a:fontRef idx="minor">
-            <a:schemeClr val="lt1"/>
-          </a:fontRef>
-        </p:style>
-        <p:txBody>
-          <a:bodyPr rtlCol="0" anchor="ctr"/>
-          <a:lstStyle/>
-          <a:p>
-            <a:r>
-              <a:rPr kumimoji="1" lang="en-US" altLang="zh-CN" sz="1200" b="1" dirty="0" err="1">
-                <a:solidFill>
-                  <a:sysClr val="windowText" lastClr="000000"/>
-                </a:solidFill>
-                <a:latin typeface="DengXian" panose="02010600030101010101" pitchFamily="2" charset="-122"/>
-                <a:ea typeface="DengXian" panose="02010600030101010101" pitchFamily="2" charset="-122"/>
-              </a:rPr>
-              <a:t>account</a:t>
-            </a:r>
-            <a:r>
-              <a:rPr kumimoji="1" lang="en-US" altLang="zh-CN" sz="1200" dirty="0" err="1">
-                <a:solidFill>
-                  <a:sysClr val="windowText" lastClr="000000"/>
-                </a:solidFill>
-                <a:latin typeface="DengXian" panose="02010600030101010101" pitchFamily="2" charset="-122"/>
-                <a:ea typeface="DengXian" panose="02010600030101010101" pitchFamily="2" charset="-122"/>
-              </a:rPr>
-              <a:t>.id</a:t>
-            </a:r>
-            <a:r>
-              <a:rPr kumimoji="1" lang="en-US" altLang="zh-CN" sz="1200" dirty="0">
-                <a:solidFill>
-                  <a:sysClr val="windowText" lastClr="000000"/>
-                </a:solidFill>
-                <a:latin typeface="DengXian" panose="02010600030101010101" pitchFamily="2" charset="-122"/>
-                <a:ea typeface="DengXian" panose="02010600030101010101" pitchFamily="2" charset="-122"/>
-              </a:rPr>
-              <a:t>:</a:t>
-            </a:r>
-            <a:r>
-              <a:rPr kumimoji="1" lang="zh-CN" altLang="en-US" sz="1200" dirty="0">
-                <a:solidFill>
-                  <a:sysClr val="windowText" lastClr="000000"/>
-                </a:solidFill>
-                <a:latin typeface="DengXian" panose="02010600030101010101" pitchFamily="2" charset="-122"/>
-                <a:ea typeface="DengXian" panose="02010600030101010101" pitchFamily="2" charset="-122"/>
-              </a:rPr>
-              <a:t> </a:t>
-            </a:r>
-            <a:r>
-              <a:rPr kumimoji="1" lang="en-US" altLang="zh-CN" sz="1200" dirty="0">
-                <a:solidFill>
-                  <a:sysClr val="windowText" lastClr="000000"/>
-                </a:solidFill>
-                <a:latin typeface="DengXian" panose="02010600030101010101" pitchFamily="2" charset="-122"/>
-                <a:ea typeface="DengXian" panose="02010600030101010101" pitchFamily="2" charset="-122"/>
-              </a:rPr>
-              <a:t>${id}</a:t>
-            </a:r>
-            <a:endParaRPr kumimoji="1" lang="zh-CN" altLang="en-US" sz="1200" dirty="0">
-              <a:solidFill>
-                <a:sysClr val="windowText" lastClr="000000"/>
-              </a:solidFill>
-              <a:latin typeface="DengXian" panose="02010600030101010101" pitchFamily="2" charset="-122"/>
-              <a:ea typeface="DengXian" panose="02010600030101010101" pitchFamily="2" charset="-122"/>
-            </a:endParaRPr>
-          </a:p>
-        </p:txBody>
-      </p:sp>
+              </a:endParaRPr>
+            </a:p>
+          </p:txBody>
+        </p:sp>
+      </p:grpSp>
     </p:spTree>
     <p:extLst>
       <p:ext uri="{BB962C8B-B14F-4D97-AF65-F5344CB8AC3E}">

--- a/patterns/transaction-simple-read.pptx
+++ b/patterns/transaction-simple-read.pptx
@@ -205,7 +205,7 @@
           <a:p>
             <a:fld id="{CAD4BD24-A097-4F9D-85E9-6A2A24CA2D98}" type="datetimeFigureOut">
               <a:rPr lang="zh-CN" altLang="en-US" smtClean="0"/>
-              <a:t>2023/1/13</a:t>
+              <a:t>2023/2/23</a:t>
             </a:fld>
             <a:endParaRPr lang="zh-CN" altLang="en-US"/>
           </a:p>
@@ -7918,46 +7918,6 @@
                 </a:rPr>
                 <a:t>)</a:t>
               </a:r>
-            </a:p>
-            <a:p>
-              <a:pPr algn="r"/>
-              <a:r>
-                <a:rPr kumimoji="1" lang="en-US" altLang="zh-CN" sz="1200" b="1" dirty="0" err="1">
-                  <a:solidFill>
-                    <a:srgbClr val="FF0000"/>
-                  </a:solidFill>
-                  <a:latin typeface="DengXian" panose="02010600030101010101" pitchFamily="2" charset="-122"/>
-                  <a:ea typeface="DengXian" panose="02010600030101010101" pitchFamily="2" charset="-122"/>
-                </a:rPr>
-                <a:t>Groupby</a:t>
-              </a:r>
-              <a:r>
-                <a:rPr kumimoji="1" lang="zh-CN" altLang="en-US" sz="1200" dirty="0">
-                  <a:solidFill>
-                    <a:sysClr val="windowText" lastClr="000000"/>
-                  </a:solidFill>
-                  <a:latin typeface="DengXian" panose="02010600030101010101" pitchFamily="2" charset="-122"/>
-                  <a:ea typeface="DengXian" panose="02010600030101010101" pitchFamily="2" charset="-122"/>
-                </a:rPr>
-                <a:t> </a:t>
-              </a:r>
-              <a:r>
-                <a:rPr kumimoji="1" lang="en-US" altLang="zh-CN" sz="1200" dirty="0">
-                  <a:solidFill>
-                    <a:sysClr val="windowText" lastClr="000000"/>
-                  </a:solidFill>
-                  <a:latin typeface="DengXian" panose="02010600030101010101" pitchFamily="2" charset="-122"/>
-                  <a:ea typeface="DengXian" panose="02010600030101010101" pitchFamily="2" charset="-122"/>
-                </a:rPr>
-                <a:t>day</a:t>
-              </a:r>
-              <a:endParaRPr kumimoji="1" lang="zh-CN" altLang="en-US" sz="1200" dirty="0">
-                <a:solidFill>
-                  <a:sysClr val="windowText" lastClr="000000"/>
-                </a:solidFill>
-                <a:latin typeface="DengXian" panose="02010600030101010101" pitchFamily="2" charset="-122"/>
-                <a:ea typeface="DengXian" panose="02010600030101010101" pitchFamily="2" charset="-122"/>
-              </a:endParaRPr>
             </a:p>
           </p:txBody>
         </p:sp>

--- a/patterns/transaction-simple-read.pptx
+++ b/patterns/transaction-simple-read.pptx
@@ -206,7 +206,7 @@
           <a:p>
             <a:fld id="{CAD4BD24-A097-4F9D-85E9-6A2A24CA2D98}" type="datetimeFigureOut">
               <a:rPr lang="zh-CN" altLang="en-US" smtClean="0"/>
-              <a:t>2023/3/1</a:t>
+              <a:t>2023/3/10</a:t>
             </a:fld>
             <a:endParaRPr lang="zh-CN" altLang="en-US"/>
           </a:p>
@@ -4538,7 +4538,7 @@
                   <a:latin typeface="DengXian" panose="02010600030101010101" pitchFamily="2" charset="-122"/>
                   <a:ea typeface="DengXian" panose="02010600030101010101" pitchFamily="2" charset="-122"/>
                 </a:rPr>
-                <a:t>${id1}</a:t>
+                <a:t>${id}</a:t>
               </a:r>
               <a:endParaRPr kumimoji="1" lang="zh-CN" altLang="en-US" sz="1200" dirty="0">
                 <a:solidFill>

--- a/patterns/transaction-simple-read.pptx
+++ b/patterns/transaction-simple-read.pptx
@@ -206,7 +206,7 @@
           <a:p>
             <a:fld id="{CAD4BD24-A097-4F9D-85E9-6A2A24CA2D98}" type="datetimeFigureOut">
               <a:rPr lang="zh-CN" altLang="en-US" smtClean="0"/>
-              <a:t>2023/3/10</a:t>
+              <a:t>2023/4/27</a:t>
             </a:fld>
             <a:endParaRPr lang="zh-CN" altLang="en-US"/>
           </a:p>
@@ -4667,7 +4667,7 @@
                   <a:latin typeface="DengXian" panose="02010600030101010101" pitchFamily="2" charset="-122"/>
                   <a:ea typeface="DengXian" panose="02010600030101010101" pitchFamily="2" charset="-122"/>
                 </a:rPr>
-                <a:t>start_time</a:t>
+                <a:t>startTime</a:t>
               </a:r>
               <a:r>
                 <a:rPr kumimoji="1" lang="en-US" altLang="zh-CN" sz="1200" dirty="0">
@@ -4744,7 +4744,7 @@
                   <a:latin typeface="DengXian" panose="02010600030101010101" pitchFamily="2" charset="-122"/>
                   <a:ea typeface="DengXian" panose="02010600030101010101" pitchFamily="2" charset="-122"/>
                 </a:rPr>
-                <a:t>end_time</a:t>
+                <a:t>endTime</a:t>
               </a:r>
               <a:r>
                 <a:rPr kumimoji="1" lang="en-US" altLang="zh-CN" sz="1200" dirty="0">
@@ -4803,7 +4803,7 @@
                   <a:latin typeface="DengXian" panose="02010600030101010101" pitchFamily="2" charset="-122"/>
                   <a:ea typeface="DengXian" panose="02010600030101010101" pitchFamily="2" charset="-122"/>
                 </a:rPr>
-                <a:t>start_time</a:t>
+                <a:t>startTime</a:t>
               </a:r>
               <a:r>
                 <a:rPr kumimoji="1" lang="en-US" altLang="zh-CN" sz="1200" dirty="0">
@@ -4880,7 +4880,7 @@
                   <a:latin typeface="DengXian" panose="02010600030101010101" pitchFamily="2" charset="-122"/>
                   <a:ea typeface="DengXian" panose="02010600030101010101" pitchFamily="2" charset="-122"/>
                 </a:rPr>
-                <a:t>end_time</a:t>
+                <a:t>endTime</a:t>
               </a:r>
               <a:r>
                 <a:rPr kumimoji="1" lang="en-US" altLang="zh-CN" sz="1200" dirty="0">
@@ -6141,7 +6141,7 @@
                   <a:latin typeface="DengXian" panose="02010600030101010101" pitchFamily="2" charset="-122"/>
                   <a:ea typeface="DengXian" panose="02010600030101010101" pitchFamily="2" charset="-122"/>
                 </a:rPr>
-                <a:t>start_time</a:t>
+                <a:t>startTime</a:t>
               </a:r>
               <a:r>
                 <a:rPr kumimoji="1" lang="en-US" altLang="zh-CN" sz="1200" dirty="0">
@@ -6199,7 +6199,7 @@
                   <a:latin typeface="DengXian" panose="02010600030101010101" pitchFamily="2" charset="-122"/>
                   <a:ea typeface="DengXian" panose="02010600030101010101" pitchFamily="2" charset="-122"/>
                 </a:rPr>
-                <a:t>end_time</a:t>
+                <a:t>endTime</a:t>
               </a:r>
               <a:r>
                 <a:rPr kumimoji="1" lang="en-US" altLang="zh-CN" sz="1200" dirty="0">
@@ -7747,7 +7747,7 @@
                   <a:latin typeface="DengXian" panose="02010600030101010101" pitchFamily="2" charset="-122"/>
                   <a:ea typeface="DengXian" panose="02010600030101010101" pitchFamily="2" charset="-122"/>
                 </a:rPr>
-                <a:t>start_time</a:t>
+                <a:t>startTime</a:t>
               </a:r>
               <a:r>
                 <a:rPr kumimoji="1" lang="en-US" altLang="zh-CN" sz="1200" dirty="0">
@@ -7805,7 +7805,7 @@
                   <a:latin typeface="DengXian" panose="02010600030101010101" pitchFamily="2" charset="-122"/>
                   <a:ea typeface="DengXian" panose="02010600030101010101" pitchFamily="2" charset="-122"/>
                 </a:rPr>
-                <a:t>end_time</a:t>
+                <a:t>endTime</a:t>
               </a:r>
               <a:r>
                 <a:rPr kumimoji="1" lang="en-US" altLang="zh-CN" sz="1200" dirty="0">
@@ -8911,7 +8911,7 @@
                   <a:latin typeface="DengXian" panose="02010600030101010101" pitchFamily="2" charset="-122"/>
                   <a:ea typeface="DengXian" panose="02010600030101010101" pitchFamily="2" charset="-122"/>
                 </a:rPr>
-                <a:t>start_time</a:t>
+                <a:t>startTime</a:t>
               </a:r>
               <a:r>
                 <a:rPr kumimoji="1" lang="en-US" altLang="zh-CN" sz="1200" dirty="0">
@@ -8969,7 +8969,7 @@
                   <a:latin typeface="DengXian" panose="02010600030101010101" pitchFamily="2" charset="-122"/>
                   <a:ea typeface="DengXian" panose="02010600030101010101" pitchFamily="2" charset="-122"/>
                 </a:rPr>
-                <a:t>end_time</a:t>
+                <a:t>endTime</a:t>
               </a:r>
               <a:r>
                 <a:rPr kumimoji="1" lang="en-US" altLang="zh-CN" sz="1200" dirty="0">
@@ -11526,7 +11526,7 @@
                   <a:latin typeface="DengXian" panose="02010600030101010101" pitchFamily="2" charset="-122"/>
                   <a:ea typeface="DengXian" panose="02010600030101010101" pitchFamily="2" charset="-122"/>
                 </a:rPr>
-                <a:t>start_time</a:t>
+                <a:t>startTime</a:t>
               </a:r>
               <a:r>
                 <a:rPr kumimoji="1" lang="en-US" altLang="zh-CN" sz="1200" dirty="0">
@@ -11584,7 +11584,7 @@
                   <a:latin typeface="DengXian" panose="02010600030101010101" pitchFamily="2" charset="-122"/>
                   <a:ea typeface="DengXian" panose="02010600030101010101" pitchFamily="2" charset="-122"/>
                 </a:rPr>
-                <a:t>end_time</a:t>
+                <a:t>endTime</a:t>
               </a:r>
               <a:r>
                 <a:rPr kumimoji="1" lang="en-US" altLang="zh-CN" sz="1200" dirty="0">
@@ -11678,7 +11678,7 @@
                   <a:latin typeface="DengXian" panose="02010600030101010101" pitchFamily="2" charset="-122"/>
                   <a:ea typeface="DengXian" panose="02010600030101010101" pitchFamily="2" charset="-122"/>
                 </a:rPr>
-                <a:t>start_time</a:t>
+                <a:t>startTime</a:t>
               </a:r>
               <a:r>
                 <a:rPr kumimoji="1" lang="en-US" altLang="zh-CN" sz="1200" dirty="0">
@@ -11736,7 +11736,7 @@
                   <a:latin typeface="DengXian" panose="02010600030101010101" pitchFamily="2" charset="-122"/>
                   <a:ea typeface="DengXian" panose="02010600030101010101" pitchFamily="2" charset="-122"/>
                 </a:rPr>
-                <a:t>end_time</a:t>
+                <a:t>endTime</a:t>
               </a:r>
               <a:r>
                 <a:rPr kumimoji="1" lang="en-US" altLang="zh-CN" sz="1200" dirty="0">

--- a/patterns/transaction-simple-read.pptx
+++ b/patterns/transaction-simple-read.pptx
@@ -13,8 +13,8 @@
     <p:sldId id="388" r:id="rId4"/>
     <p:sldId id="414" r:id="rId5"/>
     <p:sldId id="363" r:id="rId6"/>
-    <p:sldId id="402" r:id="rId7"/>
-    <p:sldId id="373" r:id="rId8"/>
+    <p:sldId id="373" r:id="rId7"/>
+    <p:sldId id="402" r:id="rId8"/>
     <p:sldId id="398" r:id="rId9"/>
     <p:sldId id="418" r:id="rId10"/>
     <p:sldId id="417" r:id="rId11"/>
@@ -206,7 +206,7 @@
           <a:p>
             <a:fld id="{CAD4BD24-A097-4F9D-85E9-6A2A24CA2D98}" type="datetimeFigureOut">
               <a:rPr lang="zh-CN" altLang="en-US" smtClean="0"/>
-              <a:t>2023/4/27</a:t>
+              <a:t>2023/4/28</a:t>
             </a:fld>
             <a:endParaRPr lang="zh-CN" altLang="en-US"/>
           </a:p>
@@ -3523,10 +3523,10 @@
       </p:grpSpPr>
       <p:grpSp>
         <p:nvGrpSpPr>
-          <p:cNvPr id="11" name="Group 10">
+          <p:cNvPr id="13" name="Group 12">
             <a:extLst>
               <a:ext uri="{FF2B5EF4-FFF2-40B4-BE49-F238E27FC236}">
-                <a16:creationId xmlns:a16="http://schemas.microsoft.com/office/drawing/2014/main" id="{49787DD8-037E-BE2E-E59E-3E33E0C74EFF}"/>
+                <a16:creationId xmlns:a16="http://schemas.microsoft.com/office/drawing/2014/main" id="{C6EBC64F-75AE-3652-63AC-BF6E172327F3}"/>
               </a:ext>
             </a:extLst>
           </p:cNvPr>
@@ -3535,18 +3535,598 @@
         </p:nvGrpSpPr>
         <p:grpSpPr>
           <a:xfrm>
-            <a:off x="2460076" y="3238682"/>
-            <a:ext cx="1442689" cy="782450"/>
-            <a:chOff x="2460076" y="3656123"/>
-            <a:chExt cx="1442689" cy="782450"/>
+            <a:off x="2344068" y="1282148"/>
+            <a:ext cx="7616607" cy="4283765"/>
+            <a:chOff x="2460076" y="1282148"/>
+            <a:chExt cx="7616607" cy="4283765"/>
           </a:xfrm>
         </p:grpSpPr>
+        <p:grpSp>
+          <p:nvGrpSpPr>
+            <p:cNvPr id="11" name="Group 10">
+              <a:extLst>
+                <a:ext uri="{FF2B5EF4-FFF2-40B4-BE49-F238E27FC236}">
+                  <a16:creationId xmlns:a16="http://schemas.microsoft.com/office/drawing/2014/main" id="{49787DD8-037E-BE2E-E59E-3E33E0C74EFF}"/>
+                </a:ext>
+              </a:extLst>
+            </p:cNvPr>
+            <p:cNvGrpSpPr/>
+            <p:nvPr/>
+          </p:nvGrpSpPr>
+          <p:grpSpPr>
+            <a:xfrm>
+              <a:off x="2460076" y="3238682"/>
+              <a:ext cx="1442689" cy="782450"/>
+              <a:chOff x="2460076" y="3656123"/>
+              <a:chExt cx="1442689" cy="782450"/>
+            </a:xfrm>
+          </p:grpSpPr>
+          <p:sp>
+            <p:nvSpPr>
+              <p:cNvPr id="5" name="矩形 4">
+                <a:extLst>
+                  <a:ext uri="{FF2B5EF4-FFF2-40B4-BE49-F238E27FC236}">
+                    <a16:creationId xmlns:a16="http://schemas.microsoft.com/office/drawing/2014/main" id="{0CCD8DDE-16C4-CF45-9A0E-1344CDC25C34}"/>
+                  </a:ext>
+                </a:extLst>
+              </p:cNvPr>
+              <p:cNvSpPr/>
+              <p:nvPr/>
+            </p:nvSpPr>
+            <p:spPr>
+              <a:xfrm>
+                <a:off x="2460076" y="3656123"/>
+                <a:ext cx="1442689" cy="391225"/>
+              </a:xfrm>
+              <a:prstGeom prst="rect">
+                <a:avLst/>
+              </a:prstGeom>
+              <a:solidFill>
+                <a:schemeClr val="accent5">
+                  <a:lumMod val="60000"/>
+                  <a:lumOff val="40000"/>
+                </a:schemeClr>
+              </a:solidFill>
+              <a:ln w="25400">
+                <a:solidFill>
+                  <a:schemeClr val="tx1"/>
+                </a:solidFill>
+              </a:ln>
+            </p:spPr>
+            <p:style>
+              <a:lnRef idx="2">
+                <a:schemeClr val="accent2">
+                  <a:shade val="50000"/>
+                </a:schemeClr>
+              </a:lnRef>
+              <a:fillRef idx="1">
+                <a:schemeClr val="accent2"/>
+              </a:fillRef>
+              <a:effectRef idx="0">
+                <a:schemeClr val="accent2"/>
+              </a:effectRef>
+              <a:fontRef idx="minor">
+                <a:schemeClr val="lt1"/>
+              </a:fontRef>
+            </p:style>
+            <p:txBody>
+              <a:bodyPr rtlCol="0" anchor="ctr"/>
+              <a:lstStyle/>
+              <a:p>
+                <a:pPr algn="ctr"/>
+                <a:r>
+                  <a:rPr kumimoji="1" lang="en-US" altLang="zh-CN" sz="1200" b="1" dirty="0" err="1">
+                    <a:solidFill>
+                      <a:sysClr val="windowText" lastClr="000000"/>
+                    </a:solidFill>
+                  </a:rPr>
+                  <a:t>src</a:t>
+                </a:r>
+                <a:r>
+                  <a:rPr kumimoji="1" lang="zh-CN" altLang="en-US" sz="1200" dirty="0">
+                    <a:solidFill>
+                      <a:sysClr val="windowText" lastClr="000000"/>
+                    </a:solidFill>
+                  </a:rPr>
+                  <a:t> </a:t>
+                </a:r>
+                <a:r>
+                  <a:rPr kumimoji="1" lang="en-US" altLang="zh-CN" sz="1200" dirty="0">
+                    <a:solidFill>
+                      <a:sysClr val="windowText" lastClr="000000"/>
+                    </a:solidFill>
+                  </a:rPr>
+                  <a:t>:</a:t>
+                </a:r>
+                <a:r>
+                  <a:rPr kumimoji="1" lang="zh-CN" altLang="en-US" sz="1200" dirty="0">
+                    <a:solidFill>
+                      <a:sysClr val="windowText" lastClr="000000"/>
+                    </a:solidFill>
+                  </a:rPr>
+                  <a:t> </a:t>
+                </a:r>
+                <a:r>
+                  <a:rPr kumimoji="1" lang="en-US" altLang="zh-CN" sz="1200" dirty="0">
+                    <a:solidFill>
+                      <a:sysClr val="windowText" lastClr="000000"/>
+                    </a:solidFill>
+                  </a:rPr>
+                  <a:t>Account</a:t>
+                </a:r>
+                <a:endParaRPr kumimoji="1" lang="zh-CN" altLang="en-US" sz="1200" dirty="0">
+                  <a:solidFill>
+                    <a:sysClr val="windowText" lastClr="000000"/>
+                  </a:solidFill>
+                </a:endParaRPr>
+              </a:p>
+            </p:txBody>
+          </p:sp>
+          <p:sp>
+            <p:nvSpPr>
+              <p:cNvPr id="6" name="矩形 5">
+                <a:extLst>
+                  <a:ext uri="{FF2B5EF4-FFF2-40B4-BE49-F238E27FC236}">
+                    <a16:creationId xmlns:a16="http://schemas.microsoft.com/office/drawing/2014/main" id="{9F65CFC6-EDB1-3142-9A84-B430D61FC9AE}"/>
+                  </a:ext>
+                </a:extLst>
+              </p:cNvPr>
+              <p:cNvSpPr/>
+              <p:nvPr/>
+            </p:nvSpPr>
+            <p:spPr>
+              <a:xfrm>
+                <a:off x="2460077" y="4047348"/>
+                <a:ext cx="1442688" cy="391225"/>
+              </a:xfrm>
+              <a:prstGeom prst="rect">
+                <a:avLst/>
+              </a:prstGeom>
+              <a:noFill/>
+              <a:ln w="25400">
+                <a:solidFill>
+                  <a:schemeClr val="tx1"/>
+                </a:solidFill>
+              </a:ln>
+            </p:spPr>
+            <p:style>
+              <a:lnRef idx="2">
+                <a:schemeClr val="accent2">
+                  <a:shade val="50000"/>
+                </a:schemeClr>
+              </a:lnRef>
+              <a:fillRef idx="1">
+                <a:schemeClr val="accent2"/>
+              </a:fillRef>
+              <a:effectRef idx="0">
+                <a:schemeClr val="accent2"/>
+              </a:effectRef>
+              <a:fontRef idx="minor">
+                <a:schemeClr val="lt1"/>
+              </a:fontRef>
+            </p:style>
+            <p:txBody>
+              <a:bodyPr rtlCol="0" anchor="ctr"/>
+              <a:lstStyle/>
+              <a:p>
+                <a:pPr algn="ctr"/>
+                <a:r>
+                  <a:rPr kumimoji="1" lang="en-US" altLang="zh-CN" sz="1200" b="1" dirty="0" err="1">
+                    <a:solidFill>
+                      <a:sysClr val="windowText" lastClr="000000"/>
+                    </a:solidFill>
+                  </a:rPr>
+                  <a:t>src</a:t>
+                </a:r>
+                <a:r>
+                  <a:rPr kumimoji="1" lang="en-US" altLang="zh-CN" sz="1200" dirty="0" err="1">
+                    <a:solidFill>
+                      <a:sysClr val="windowText" lastClr="000000"/>
+                    </a:solidFill>
+                    <a:latin typeface="DengXian" panose="02010600030101010101" pitchFamily="2" charset="-122"/>
+                    <a:ea typeface="DengXian" panose="02010600030101010101" pitchFamily="2" charset="-122"/>
+                  </a:rPr>
+                  <a:t>.id</a:t>
+                </a:r>
+                <a:r>
+                  <a:rPr kumimoji="1" lang="zh-CN" altLang="en-US" sz="1200" dirty="0">
+                    <a:solidFill>
+                      <a:sysClr val="windowText" lastClr="000000"/>
+                    </a:solidFill>
+                    <a:latin typeface="DengXian" panose="02010600030101010101" pitchFamily="2" charset="-122"/>
+                    <a:ea typeface="DengXian" panose="02010600030101010101" pitchFamily="2" charset="-122"/>
+                  </a:rPr>
+                  <a:t> </a:t>
+                </a:r>
+                <a:r>
+                  <a:rPr kumimoji="1" lang="en-US" altLang="zh-CN" sz="1200" dirty="0">
+                    <a:solidFill>
+                      <a:sysClr val="windowText" lastClr="000000"/>
+                    </a:solidFill>
+                    <a:latin typeface="DengXian" panose="02010600030101010101" pitchFamily="2" charset="-122"/>
+                    <a:ea typeface="DengXian" panose="02010600030101010101" pitchFamily="2" charset="-122"/>
+                  </a:rPr>
+                  <a:t>=</a:t>
+                </a:r>
+                <a:r>
+                  <a:rPr kumimoji="1" lang="zh-CN" altLang="en-US" sz="1200" dirty="0">
+                    <a:solidFill>
+                      <a:sysClr val="windowText" lastClr="000000"/>
+                    </a:solidFill>
+                    <a:latin typeface="DengXian" panose="02010600030101010101" pitchFamily="2" charset="-122"/>
+                    <a:ea typeface="DengXian" panose="02010600030101010101" pitchFamily="2" charset="-122"/>
+                  </a:rPr>
+                  <a:t> </a:t>
+                </a:r>
+                <a:r>
+                  <a:rPr kumimoji="1" lang="en-US" altLang="zh-CN" sz="1200" dirty="0">
+                    <a:solidFill>
+                      <a:sysClr val="windowText" lastClr="000000"/>
+                    </a:solidFill>
+                    <a:latin typeface="DengXian" panose="02010600030101010101" pitchFamily="2" charset="-122"/>
+                    <a:ea typeface="DengXian" panose="02010600030101010101" pitchFamily="2" charset="-122"/>
+                  </a:rPr>
+                  <a:t>${id}</a:t>
+                </a:r>
+                <a:endParaRPr kumimoji="1" lang="zh-CN" altLang="en-US" sz="1200" dirty="0">
+                  <a:solidFill>
+                    <a:sysClr val="windowText" lastClr="000000"/>
+                  </a:solidFill>
+                  <a:latin typeface="DengXian" panose="02010600030101010101" pitchFamily="2" charset="-122"/>
+                  <a:ea typeface="DengXian" panose="02010600030101010101" pitchFamily="2" charset="-122"/>
+                </a:endParaRPr>
+              </a:p>
+            </p:txBody>
+          </p:sp>
+        </p:grpSp>
+        <p:cxnSp>
+          <p:nvCxnSpPr>
+            <p:cNvPr id="7" name="直线箭头连接符 6" descr="jytjh">
+              <a:extLst>
+                <a:ext uri="{FF2B5EF4-FFF2-40B4-BE49-F238E27FC236}">
+                  <a16:creationId xmlns:a16="http://schemas.microsoft.com/office/drawing/2014/main" id="{E5C20355-C5DA-4A4A-AA82-43ACE501ABAA}"/>
+                </a:ext>
+              </a:extLst>
+            </p:cNvPr>
+            <p:cNvCxnSpPr>
+              <a:cxnSpLocks/>
+              <a:stCxn id="5" idx="3"/>
+              <a:endCxn id="10" idx="1"/>
+            </p:cNvCxnSpPr>
+            <p:nvPr/>
+          </p:nvCxnSpPr>
+          <p:spPr>
+            <a:xfrm flipV="1">
+              <a:off x="3902765" y="2446241"/>
+              <a:ext cx="4642220" cy="988054"/>
+            </a:xfrm>
+            <a:prstGeom prst="straightConnector1">
+              <a:avLst/>
+            </a:prstGeom>
+            <a:ln w="19050">
+              <a:solidFill>
+                <a:schemeClr val="tx1"/>
+              </a:solidFill>
+              <a:headEnd type="none" w="lg" len="med"/>
+              <a:tailEnd type="arrow" w="sm" len="lg"/>
+            </a:ln>
+          </p:spPr>
+          <p:style>
+            <a:lnRef idx="1">
+              <a:schemeClr val="accent1"/>
+            </a:lnRef>
+            <a:fillRef idx="0">
+              <a:schemeClr val="accent1"/>
+            </a:fillRef>
+            <a:effectRef idx="0">
+              <a:schemeClr val="accent1"/>
+            </a:effectRef>
+            <a:fontRef idx="minor">
+              <a:schemeClr val="tx1"/>
+            </a:fontRef>
+          </p:style>
+        </p:cxnSp>
         <p:sp>
           <p:nvSpPr>
-            <p:cNvPr id="5" name="矩形 4">
+            <p:cNvPr id="8" name="文本框 7">
               <a:extLst>
                 <a:ext uri="{FF2B5EF4-FFF2-40B4-BE49-F238E27FC236}">
-                  <a16:creationId xmlns:a16="http://schemas.microsoft.com/office/drawing/2014/main" id="{0CCD8DDE-16C4-CF45-9A0E-1344CDC25C34}"/>
+                  <a16:creationId xmlns:a16="http://schemas.microsoft.com/office/drawing/2014/main" id="{D20BE444-91AF-7B4C-86C4-6BADAF5A7779}"/>
+                </a:ext>
+              </a:extLst>
+            </p:cNvPr>
+            <p:cNvSpPr txBox="1"/>
+            <p:nvPr/>
+          </p:nvSpPr>
+          <p:spPr>
+            <a:xfrm>
+              <a:off x="4152296" y="1294022"/>
+              <a:ext cx="3281777" cy="1015663"/>
+            </a:xfrm>
+            <a:prstGeom prst="rect">
+              <a:avLst/>
+            </a:prstGeom>
+            <a:noFill/>
+          </p:spPr>
+          <p:txBody>
+            <a:bodyPr wrap="square" rtlCol="0">
+              <a:spAutoFit/>
+            </a:bodyPr>
+            <a:lstStyle/>
+            <a:p>
+              <a:r>
+                <a:rPr kumimoji="1" lang="en-US" altLang="zh-CN" sz="1200" b="1" dirty="0">
+                  <a:latin typeface="DengXian" panose="02010600030101010101" pitchFamily="2" charset="-122"/>
+                  <a:ea typeface="DengXian" panose="02010600030101010101" pitchFamily="2" charset="-122"/>
+                </a:rPr>
+                <a:t>edge1</a:t>
+              </a:r>
+              <a:r>
+                <a:rPr kumimoji="1" lang="en-US" altLang="zh-CN" sz="1200" dirty="0">
+                  <a:latin typeface="DengXian" panose="02010600030101010101" pitchFamily="2" charset="-122"/>
+                  <a:ea typeface="DengXian" panose="02010600030101010101" pitchFamily="2" charset="-122"/>
+                </a:rPr>
+                <a:t>:</a:t>
+              </a:r>
+              <a:r>
+                <a:rPr kumimoji="1" lang="zh-CN" altLang="en-US" sz="1200" dirty="0">
+                  <a:latin typeface="DengXian" panose="02010600030101010101" pitchFamily="2" charset="-122"/>
+                  <a:ea typeface="DengXian" panose="02010600030101010101" pitchFamily="2" charset="-122"/>
+                </a:rPr>
+                <a:t> </a:t>
+              </a:r>
+              <a:r>
+                <a:rPr kumimoji="1" lang="en-US" altLang="zh-CN" sz="1200" dirty="0">
+                  <a:latin typeface="DengXian" panose="02010600030101010101" pitchFamily="2" charset="-122"/>
+                  <a:ea typeface="DengXian" panose="02010600030101010101" pitchFamily="2" charset="-122"/>
+                </a:rPr>
+                <a:t>transfer</a:t>
+              </a:r>
+            </a:p>
+            <a:p>
+              <a:r>
+                <a:rPr kumimoji="1" lang="en-US" altLang="zh-CN" sz="1200" dirty="0">
+                  <a:latin typeface="DengXian" panose="02010600030101010101" pitchFamily="2" charset="-122"/>
+                  <a:ea typeface="DengXian" panose="02010600030101010101" pitchFamily="2" charset="-122"/>
+                </a:rPr>
+                <a:t>${</a:t>
+              </a:r>
+              <a:r>
+                <a:rPr kumimoji="1" lang="en-US" altLang="zh-CN" sz="1200" dirty="0" err="1">
+                  <a:latin typeface="DengXian" panose="02010600030101010101" pitchFamily="2" charset="-122"/>
+                  <a:ea typeface="DengXian" panose="02010600030101010101" pitchFamily="2" charset="-122"/>
+                </a:rPr>
+                <a:t>startTime</a:t>
+              </a:r>
+              <a:r>
+                <a:rPr kumimoji="1" lang="en-US" altLang="zh-CN" sz="1200" dirty="0">
+                  <a:latin typeface="DengXian" panose="02010600030101010101" pitchFamily="2" charset="-122"/>
+                  <a:ea typeface="DengXian" panose="02010600030101010101" pitchFamily="2" charset="-122"/>
+                </a:rPr>
+                <a:t>}</a:t>
+              </a:r>
+              <a:r>
+                <a:rPr kumimoji="1" lang="zh-CN" altLang="en-US" sz="1200" dirty="0">
+                  <a:latin typeface="DengXian" panose="02010600030101010101" pitchFamily="2" charset="-122"/>
+                  <a:ea typeface="DengXian" panose="02010600030101010101" pitchFamily="2" charset="-122"/>
+                </a:rPr>
+                <a:t> </a:t>
+              </a:r>
+              <a:r>
+                <a:rPr kumimoji="1" lang="en-US" altLang="zh-CN" sz="1200" dirty="0">
+                  <a:latin typeface="DengXian" panose="02010600030101010101" pitchFamily="2" charset="-122"/>
+                  <a:ea typeface="DengXian" panose="02010600030101010101" pitchFamily="2" charset="-122"/>
+                </a:rPr>
+                <a:t>&lt;</a:t>
+              </a:r>
+              <a:r>
+                <a:rPr kumimoji="1" lang="zh-CN" altLang="en-US" sz="1200" dirty="0">
+                  <a:latin typeface="DengXian" panose="02010600030101010101" pitchFamily="2" charset="-122"/>
+                  <a:ea typeface="DengXian" panose="02010600030101010101" pitchFamily="2" charset="-122"/>
+                </a:rPr>
+                <a:t> </a:t>
+              </a:r>
+              <a:r>
+                <a:rPr kumimoji="1" lang="en-US" altLang="zh-CN" sz="1200" b="1" dirty="0">
+                  <a:latin typeface="DengXian" panose="02010600030101010101" pitchFamily="2" charset="-122"/>
+                  <a:ea typeface="DengXian" panose="02010600030101010101" pitchFamily="2" charset="-122"/>
+                </a:rPr>
+                <a:t>edge1</a:t>
+              </a:r>
+              <a:r>
+                <a:rPr kumimoji="1" lang="en-US" altLang="zh-CN" sz="1200" dirty="0">
+                  <a:latin typeface="DengXian" panose="02010600030101010101" pitchFamily="2" charset="-122"/>
+                  <a:ea typeface="DengXian" panose="02010600030101010101" pitchFamily="2" charset="-122"/>
+                </a:rPr>
+                <a:t>.timestamp</a:t>
+              </a:r>
+              <a:r>
+                <a:rPr kumimoji="1" lang="zh-CN" altLang="en-US" sz="1200" dirty="0">
+                  <a:latin typeface="DengXian" panose="02010600030101010101" pitchFamily="2" charset="-122"/>
+                  <a:ea typeface="DengXian" panose="02010600030101010101" pitchFamily="2" charset="-122"/>
+                </a:rPr>
+                <a:t> </a:t>
+              </a:r>
+              <a:r>
+                <a:rPr kumimoji="1" lang="en-US" altLang="zh-CN" sz="1200" dirty="0">
+                  <a:latin typeface="DengXian" panose="02010600030101010101" pitchFamily="2" charset="-122"/>
+                  <a:ea typeface="DengXian" panose="02010600030101010101" pitchFamily="2" charset="-122"/>
+                </a:rPr>
+                <a:t>&lt;</a:t>
+              </a:r>
+              <a:r>
+                <a:rPr kumimoji="1" lang="zh-CN" altLang="en-US" sz="1200" dirty="0">
+                  <a:latin typeface="DengXian" panose="02010600030101010101" pitchFamily="2" charset="-122"/>
+                  <a:ea typeface="DengXian" panose="02010600030101010101" pitchFamily="2" charset="-122"/>
+                </a:rPr>
+                <a:t> </a:t>
+              </a:r>
+              <a:r>
+                <a:rPr kumimoji="1" lang="en-US" altLang="zh-CN" sz="1200" dirty="0">
+                  <a:latin typeface="DengXian" panose="02010600030101010101" pitchFamily="2" charset="-122"/>
+                  <a:ea typeface="DengXian" panose="02010600030101010101" pitchFamily="2" charset="-122"/>
+                </a:rPr>
+                <a:t>${</a:t>
+              </a:r>
+              <a:r>
+                <a:rPr kumimoji="1" lang="en-US" altLang="zh-CN" sz="1200" dirty="0" err="1">
+                  <a:latin typeface="DengXian" panose="02010600030101010101" pitchFamily="2" charset="-122"/>
+                  <a:ea typeface="DengXian" panose="02010600030101010101" pitchFamily="2" charset="-122"/>
+                </a:rPr>
+                <a:t>endTime</a:t>
+              </a:r>
+              <a:r>
+                <a:rPr kumimoji="1" lang="en-US" altLang="zh-CN" sz="1200" dirty="0">
+                  <a:latin typeface="DengXian" panose="02010600030101010101" pitchFamily="2" charset="-122"/>
+                  <a:ea typeface="DengXian" panose="02010600030101010101" pitchFamily="2" charset="-122"/>
+                </a:rPr>
+                <a:t>}</a:t>
+              </a:r>
+            </a:p>
+            <a:p>
+              <a:endParaRPr kumimoji="1" lang="en-US" altLang="zh-CN" sz="1200" dirty="0">
+                <a:latin typeface="DengXian" panose="02010600030101010101" pitchFamily="2" charset="-122"/>
+                <a:ea typeface="DengXian" panose="02010600030101010101" pitchFamily="2" charset="-122"/>
+              </a:endParaRPr>
+            </a:p>
+            <a:p>
+              <a:r>
+                <a:rPr kumimoji="1" lang="en-US" altLang="zh-CN" sz="1200" b="1" dirty="0">
+                  <a:latin typeface="DengXian" panose="02010600030101010101" pitchFamily="2" charset="-122"/>
+                  <a:ea typeface="DengXian" panose="02010600030101010101" pitchFamily="2" charset="-122"/>
+                </a:rPr>
+                <a:t>edge2</a:t>
+              </a:r>
+              <a:r>
+                <a:rPr kumimoji="1" lang="en-US" altLang="zh-CN" sz="1200" dirty="0">
+                  <a:latin typeface="DengXian" panose="02010600030101010101" pitchFamily="2" charset="-122"/>
+                  <a:ea typeface="DengXian" panose="02010600030101010101" pitchFamily="2" charset="-122"/>
+                </a:rPr>
+                <a:t>:</a:t>
+              </a:r>
+              <a:r>
+                <a:rPr kumimoji="1" lang="zh-CN" altLang="en-US" sz="1200" dirty="0">
+                  <a:latin typeface="DengXian" panose="02010600030101010101" pitchFamily="2" charset="-122"/>
+                  <a:ea typeface="DengXian" panose="02010600030101010101" pitchFamily="2" charset="-122"/>
+                </a:rPr>
+                <a:t> </a:t>
+              </a:r>
+              <a:r>
+                <a:rPr kumimoji="1" lang="en-US" altLang="zh-CN" sz="1200" dirty="0">
+                  <a:latin typeface="DengXian" panose="02010600030101010101" pitchFamily="2" charset="-122"/>
+                  <a:ea typeface="DengXian" panose="02010600030101010101" pitchFamily="2" charset="-122"/>
+                </a:rPr>
+                <a:t>transfer</a:t>
+              </a:r>
+            </a:p>
+            <a:p>
+              <a:r>
+                <a:rPr kumimoji="1" lang="en-US" altLang="zh-CN" sz="1200" dirty="0">
+                  <a:latin typeface="DengXian" panose="02010600030101010101" pitchFamily="2" charset="-122"/>
+                  <a:ea typeface="DengXian" panose="02010600030101010101" pitchFamily="2" charset="-122"/>
+                </a:rPr>
+                <a:t>${</a:t>
+              </a:r>
+              <a:r>
+                <a:rPr kumimoji="1" lang="en-US" altLang="zh-CN" sz="1200" dirty="0" err="1">
+                  <a:latin typeface="DengXian" panose="02010600030101010101" pitchFamily="2" charset="-122"/>
+                  <a:ea typeface="DengXian" panose="02010600030101010101" pitchFamily="2" charset="-122"/>
+                </a:rPr>
+                <a:t>startTime</a:t>
+              </a:r>
+              <a:r>
+                <a:rPr kumimoji="1" lang="en-US" altLang="zh-CN" sz="1200" dirty="0">
+                  <a:latin typeface="DengXian" panose="02010600030101010101" pitchFamily="2" charset="-122"/>
+                  <a:ea typeface="DengXian" panose="02010600030101010101" pitchFamily="2" charset="-122"/>
+                </a:rPr>
+                <a:t>}</a:t>
+              </a:r>
+              <a:r>
+                <a:rPr kumimoji="1" lang="zh-CN" altLang="en-US" sz="1200" dirty="0">
+                  <a:latin typeface="DengXian" panose="02010600030101010101" pitchFamily="2" charset="-122"/>
+                  <a:ea typeface="DengXian" panose="02010600030101010101" pitchFamily="2" charset="-122"/>
+                </a:rPr>
+                <a:t> </a:t>
+              </a:r>
+              <a:r>
+                <a:rPr kumimoji="1" lang="en-US" altLang="zh-CN" sz="1200" dirty="0">
+                  <a:latin typeface="DengXian" panose="02010600030101010101" pitchFamily="2" charset="-122"/>
+                  <a:ea typeface="DengXian" panose="02010600030101010101" pitchFamily="2" charset="-122"/>
+                </a:rPr>
+                <a:t>&lt;</a:t>
+              </a:r>
+              <a:r>
+                <a:rPr kumimoji="1" lang="zh-CN" altLang="en-US" sz="1200" dirty="0">
+                  <a:latin typeface="DengXian" panose="02010600030101010101" pitchFamily="2" charset="-122"/>
+                  <a:ea typeface="DengXian" panose="02010600030101010101" pitchFamily="2" charset="-122"/>
+                </a:rPr>
+                <a:t> </a:t>
+              </a:r>
+              <a:r>
+                <a:rPr kumimoji="1" lang="en-US" altLang="zh-CN" sz="1200" b="1" dirty="0">
+                  <a:latin typeface="DengXian" panose="02010600030101010101" pitchFamily="2" charset="-122"/>
+                  <a:ea typeface="DengXian" panose="02010600030101010101" pitchFamily="2" charset="-122"/>
+                </a:rPr>
+                <a:t>edge2</a:t>
+              </a:r>
+              <a:r>
+                <a:rPr kumimoji="1" lang="en-US" altLang="zh-CN" sz="1200" dirty="0">
+                  <a:latin typeface="DengXian" panose="02010600030101010101" pitchFamily="2" charset="-122"/>
+                  <a:ea typeface="DengXian" panose="02010600030101010101" pitchFamily="2" charset="-122"/>
+                </a:rPr>
+                <a:t>.timestamp</a:t>
+              </a:r>
+              <a:r>
+                <a:rPr kumimoji="1" lang="zh-CN" altLang="en-US" sz="1200" dirty="0">
+                  <a:latin typeface="DengXian" panose="02010600030101010101" pitchFamily="2" charset="-122"/>
+                  <a:ea typeface="DengXian" panose="02010600030101010101" pitchFamily="2" charset="-122"/>
+                </a:rPr>
+                <a:t> </a:t>
+              </a:r>
+              <a:r>
+                <a:rPr kumimoji="1" lang="en-US" altLang="zh-CN" sz="1200" dirty="0">
+                  <a:latin typeface="DengXian" panose="02010600030101010101" pitchFamily="2" charset="-122"/>
+                  <a:ea typeface="DengXian" panose="02010600030101010101" pitchFamily="2" charset="-122"/>
+                </a:rPr>
+                <a:t>&lt;</a:t>
+              </a:r>
+              <a:r>
+                <a:rPr kumimoji="1" lang="zh-CN" altLang="en-US" sz="1200" dirty="0">
+                  <a:latin typeface="DengXian" panose="02010600030101010101" pitchFamily="2" charset="-122"/>
+                  <a:ea typeface="DengXian" panose="02010600030101010101" pitchFamily="2" charset="-122"/>
+                </a:rPr>
+                <a:t> </a:t>
+              </a:r>
+              <a:r>
+                <a:rPr kumimoji="1" lang="en-US" altLang="zh-CN" sz="1200" dirty="0">
+                  <a:latin typeface="DengXian" panose="02010600030101010101" pitchFamily="2" charset="-122"/>
+                  <a:ea typeface="DengXian" panose="02010600030101010101" pitchFamily="2" charset="-122"/>
+                </a:rPr>
+                <a:t>${</a:t>
+              </a:r>
+              <a:r>
+                <a:rPr kumimoji="1" lang="en-US" altLang="zh-CN" sz="1200" dirty="0" err="1">
+                  <a:latin typeface="DengXian" panose="02010600030101010101" pitchFamily="2" charset="-122"/>
+                  <a:ea typeface="DengXian" panose="02010600030101010101" pitchFamily="2" charset="-122"/>
+                </a:rPr>
+                <a:t>endTime</a:t>
+              </a:r>
+              <a:r>
+                <a:rPr kumimoji="1" lang="en-US" altLang="zh-CN" sz="1200" dirty="0">
+                  <a:latin typeface="DengXian" panose="02010600030101010101" pitchFamily="2" charset="-122"/>
+                  <a:ea typeface="DengXian" panose="02010600030101010101" pitchFamily="2" charset="-122"/>
+                </a:rPr>
+                <a:t>}</a:t>
+              </a:r>
+            </a:p>
+          </p:txBody>
+        </p:sp>
+        <p:sp>
+          <p:nvSpPr>
+            <p:cNvPr id="9" name="矩形 8">
+              <a:extLst>
+                <a:ext uri="{FF2B5EF4-FFF2-40B4-BE49-F238E27FC236}">
+                  <a16:creationId xmlns:a16="http://schemas.microsoft.com/office/drawing/2014/main" id="{BCA8EA9B-7F48-984C-9B0C-7D4440256228}"/>
                 </a:ext>
               </a:extLst>
             </p:cNvPr>
@@ -3555,8 +4135,302 @@
           </p:nvSpPr>
           <p:spPr>
             <a:xfrm>
-              <a:off x="2460076" y="3656123"/>
-              <a:ext cx="1442689" cy="391225"/>
+              <a:off x="4124738" y="1282148"/>
+              <a:ext cx="4184374" cy="4283765"/>
+            </a:xfrm>
+            <a:prstGeom prst="rect">
+              <a:avLst/>
+            </a:prstGeom>
+            <a:noFill/>
+            <a:ln w="25400">
+              <a:solidFill>
+                <a:schemeClr val="tx1"/>
+              </a:solidFill>
+              <a:prstDash val="dash"/>
+            </a:ln>
+          </p:spPr>
+          <p:style>
+            <a:lnRef idx="2">
+              <a:schemeClr val="accent2">
+                <a:shade val="50000"/>
+              </a:schemeClr>
+            </a:lnRef>
+            <a:fillRef idx="1">
+              <a:schemeClr val="accent2"/>
+            </a:fillRef>
+            <a:effectRef idx="0">
+              <a:schemeClr val="accent2"/>
+            </a:effectRef>
+            <a:fontRef idx="minor">
+              <a:schemeClr val="lt1"/>
+            </a:fontRef>
+          </p:style>
+          <p:txBody>
+            <a:bodyPr bIns="72000" rtlCol="0" anchor="b"/>
+            <a:lstStyle/>
+            <a:p>
+              <a:r>
+                <a:rPr kumimoji="1" lang="en-US" altLang="zh-CN" sz="1200" b="1" dirty="0">
+                  <a:solidFill>
+                    <a:srgbClr val="FF0000"/>
+                  </a:solidFill>
+                  <a:latin typeface="DengXian" panose="02010600030101010101" pitchFamily="2" charset="-122"/>
+                  <a:ea typeface="DengXian" panose="02010600030101010101" pitchFamily="2" charset="-122"/>
+                </a:rPr>
+                <a:t>RESULT</a:t>
+              </a:r>
+              <a:endParaRPr kumimoji="1" lang="en-US" altLang="zh-CN" sz="1200" dirty="0">
+                <a:solidFill>
+                  <a:srgbClr val="FF0000"/>
+                </a:solidFill>
+                <a:latin typeface="DengXian" panose="02010600030101010101" pitchFamily="2" charset="-122"/>
+                <a:ea typeface="DengXian" panose="02010600030101010101" pitchFamily="2" charset="-122"/>
+              </a:endParaRPr>
+            </a:p>
+            <a:p>
+              <a:pPr algn="ctr"/>
+              <a:r>
+                <a:rPr kumimoji="1" lang="en-US" altLang="zh-CN" sz="1200" dirty="0">
+                  <a:solidFill>
+                    <a:sysClr val="windowText" lastClr="000000"/>
+                  </a:solidFill>
+                  <a:latin typeface="DengXian" panose="02010600030101010101" pitchFamily="2" charset="-122"/>
+                  <a:ea typeface="DengXian" panose="02010600030101010101" pitchFamily="2" charset="-122"/>
+                </a:rPr>
+                <a:t>SUM(</a:t>
+              </a:r>
+              <a:r>
+                <a:rPr kumimoji="1" lang="en-US" altLang="zh-CN" sz="1200" b="1" dirty="0">
+                  <a:solidFill>
+                    <a:sysClr val="windowText" lastClr="000000"/>
+                  </a:solidFill>
+                  <a:latin typeface="DengXian" panose="02010600030101010101" pitchFamily="2" charset="-122"/>
+                  <a:ea typeface="DengXian" panose="02010600030101010101" pitchFamily="2" charset="-122"/>
+                </a:rPr>
+                <a:t>edge1</a:t>
+              </a:r>
+              <a:r>
+                <a:rPr kumimoji="1" lang="en-US" altLang="zh-CN" sz="1200" dirty="0">
+                  <a:solidFill>
+                    <a:sysClr val="windowText" lastClr="000000"/>
+                  </a:solidFill>
+                  <a:latin typeface="DengXian" panose="02010600030101010101" pitchFamily="2" charset="-122"/>
+                  <a:ea typeface="DengXian" panose="02010600030101010101" pitchFamily="2" charset="-122"/>
+                </a:rPr>
+                <a:t>.amount),</a:t>
+              </a:r>
+              <a:r>
+                <a:rPr kumimoji="1" lang="zh-CN" altLang="en-US" sz="1200" dirty="0">
+                  <a:solidFill>
+                    <a:sysClr val="windowText" lastClr="000000"/>
+                  </a:solidFill>
+                  <a:latin typeface="DengXian" panose="02010600030101010101" pitchFamily="2" charset="-122"/>
+                  <a:ea typeface="DengXian" panose="02010600030101010101" pitchFamily="2" charset="-122"/>
+                </a:rPr>
+                <a:t> </a:t>
+              </a:r>
+              <a:r>
+                <a:rPr kumimoji="1" lang="en-US" altLang="zh-CN" sz="1200" dirty="0">
+                  <a:solidFill>
+                    <a:sysClr val="windowText" lastClr="000000"/>
+                  </a:solidFill>
+                  <a:latin typeface="DengXian" panose="02010600030101010101" pitchFamily="2" charset="-122"/>
+                  <a:ea typeface="DengXian" panose="02010600030101010101" pitchFamily="2" charset="-122"/>
+                </a:rPr>
+                <a:t>MAX(</a:t>
+              </a:r>
+              <a:r>
+                <a:rPr kumimoji="1" lang="en-US" altLang="zh-CN" sz="1200" b="1" dirty="0">
+                  <a:solidFill>
+                    <a:sysClr val="windowText" lastClr="000000"/>
+                  </a:solidFill>
+                  <a:latin typeface="DengXian" panose="02010600030101010101" pitchFamily="2" charset="-122"/>
+                  <a:ea typeface="DengXian" panose="02010600030101010101" pitchFamily="2" charset="-122"/>
+                </a:rPr>
+                <a:t>edge1</a:t>
+              </a:r>
+              <a:r>
+                <a:rPr kumimoji="1" lang="en-US" altLang="zh-CN" sz="1200" dirty="0">
+                  <a:solidFill>
+                    <a:sysClr val="windowText" lastClr="000000"/>
+                  </a:solidFill>
+                  <a:latin typeface="DengXian" panose="02010600030101010101" pitchFamily="2" charset="-122"/>
+                  <a:ea typeface="DengXian" panose="02010600030101010101" pitchFamily="2" charset="-122"/>
+                </a:rPr>
+                <a:t>.amount),</a:t>
+              </a:r>
+              <a:r>
+                <a:rPr kumimoji="1" lang="zh-CN" altLang="en-US" sz="1200" dirty="0">
+                  <a:solidFill>
+                    <a:sysClr val="windowText" lastClr="000000"/>
+                  </a:solidFill>
+                  <a:latin typeface="DengXian" panose="02010600030101010101" pitchFamily="2" charset="-122"/>
+                  <a:ea typeface="DengXian" panose="02010600030101010101" pitchFamily="2" charset="-122"/>
+                </a:rPr>
+                <a:t> </a:t>
+              </a:r>
+              <a:r>
+                <a:rPr kumimoji="1" lang="en-US" altLang="zh-CN" sz="1200" dirty="0">
+                  <a:solidFill>
+                    <a:sysClr val="windowText" lastClr="000000"/>
+                  </a:solidFill>
+                  <a:latin typeface="DengXian" panose="02010600030101010101" pitchFamily="2" charset="-122"/>
+                  <a:ea typeface="DengXian" panose="02010600030101010101" pitchFamily="2" charset="-122"/>
+                </a:rPr>
+                <a:t>COUNT(</a:t>
+              </a:r>
+              <a:r>
+                <a:rPr kumimoji="1" lang="en-US" altLang="zh-CN" sz="1200" b="1" dirty="0">
+                  <a:solidFill>
+                    <a:sysClr val="windowText" lastClr="000000"/>
+                  </a:solidFill>
+                  <a:latin typeface="DengXian" panose="02010600030101010101" pitchFamily="2" charset="-122"/>
+                  <a:ea typeface="DengXian" panose="02010600030101010101" pitchFamily="2" charset="-122"/>
+                </a:rPr>
+                <a:t>edge1</a:t>
+              </a:r>
+              <a:r>
+                <a:rPr kumimoji="1" lang="en-US" altLang="zh-CN" sz="1200" dirty="0">
+                  <a:solidFill>
+                    <a:sysClr val="windowText" lastClr="000000"/>
+                  </a:solidFill>
+                  <a:latin typeface="DengXian" panose="02010600030101010101" pitchFamily="2" charset="-122"/>
+                  <a:ea typeface="DengXian" panose="02010600030101010101" pitchFamily="2" charset="-122"/>
+                </a:rPr>
+                <a:t>)</a:t>
+              </a:r>
+            </a:p>
+            <a:p>
+              <a:pPr algn="ctr"/>
+              <a:r>
+                <a:rPr kumimoji="1" lang="en-US" altLang="zh-CN" sz="1200" dirty="0">
+                  <a:solidFill>
+                    <a:sysClr val="windowText" lastClr="000000"/>
+                  </a:solidFill>
+                  <a:latin typeface="DengXian" panose="02010600030101010101" pitchFamily="2" charset="-122"/>
+                  <a:ea typeface="DengXian" panose="02010600030101010101" pitchFamily="2" charset="-122"/>
+                </a:rPr>
+                <a:t>SUM(</a:t>
+              </a:r>
+              <a:r>
+                <a:rPr kumimoji="1" lang="en-US" altLang="zh-CN" sz="1200" b="1" dirty="0">
+                  <a:solidFill>
+                    <a:sysClr val="windowText" lastClr="000000"/>
+                  </a:solidFill>
+                  <a:latin typeface="DengXian" panose="02010600030101010101" pitchFamily="2" charset="-122"/>
+                  <a:ea typeface="DengXian" panose="02010600030101010101" pitchFamily="2" charset="-122"/>
+                </a:rPr>
+                <a:t>edge2</a:t>
+              </a:r>
+              <a:r>
+                <a:rPr kumimoji="1" lang="en-US" altLang="zh-CN" sz="1200" dirty="0">
+                  <a:solidFill>
+                    <a:sysClr val="windowText" lastClr="000000"/>
+                  </a:solidFill>
+                  <a:latin typeface="DengXian" panose="02010600030101010101" pitchFamily="2" charset="-122"/>
+                  <a:ea typeface="DengXian" panose="02010600030101010101" pitchFamily="2" charset="-122"/>
+                </a:rPr>
+                <a:t>.amount),</a:t>
+              </a:r>
+              <a:r>
+                <a:rPr kumimoji="1" lang="zh-CN" altLang="en-US" sz="1200" dirty="0">
+                  <a:solidFill>
+                    <a:sysClr val="windowText" lastClr="000000"/>
+                  </a:solidFill>
+                  <a:latin typeface="DengXian" panose="02010600030101010101" pitchFamily="2" charset="-122"/>
+                  <a:ea typeface="DengXian" panose="02010600030101010101" pitchFamily="2" charset="-122"/>
+                </a:rPr>
+                <a:t> </a:t>
+              </a:r>
+              <a:r>
+                <a:rPr kumimoji="1" lang="en-US" altLang="zh-CN" sz="1200" dirty="0">
+                  <a:solidFill>
+                    <a:sysClr val="windowText" lastClr="000000"/>
+                  </a:solidFill>
+                  <a:latin typeface="DengXian" panose="02010600030101010101" pitchFamily="2" charset="-122"/>
+                  <a:ea typeface="DengXian" panose="02010600030101010101" pitchFamily="2" charset="-122"/>
+                </a:rPr>
+                <a:t>MAX(</a:t>
+              </a:r>
+              <a:r>
+                <a:rPr kumimoji="1" lang="en-US" altLang="zh-CN" sz="1200" b="1" dirty="0">
+                  <a:solidFill>
+                    <a:sysClr val="windowText" lastClr="000000"/>
+                  </a:solidFill>
+                  <a:latin typeface="DengXian" panose="02010600030101010101" pitchFamily="2" charset="-122"/>
+                  <a:ea typeface="DengXian" panose="02010600030101010101" pitchFamily="2" charset="-122"/>
+                </a:rPr>
+                <a:t>edge2</a:t>
+              </a:r>
+              <a:r>
+                <a:rPr kumimoji="1" lang="en-US" altLang="zh-CN" sz="1200" dirty="0">
+                  <a:solidFill>
+                    <a:sysClr val="windowText" lastClr="000000"/>
+                  </a:solidFill>
+                  <a:latin typeface="DengXian" panose="02010600030101010101" pitchFamily="2" charset="-122"/>
+                  <a:ea typeface="DengXian" panose="02010600030101010101" pitchFamily="2" charset="-122"/>
+                </a:rPr>
+                <a:t>.amount),</a:t>
+              </a:r>
+              <a:r>
+                <a:rPr kumimoji="1" lang="zh-CN" altLang="en-US" sz="1200" dirty="0">
+                  <a:solidFill>
+                    <a:sysClr val="windowText" lastClr="000000"/>
+                  </a:solidFill>
+                  <a:latin typeface="DengXian" panose="02010600030101010101" pitchFamily="2" charset="-122"/>
+                  <a:ea typeface="DengXian" panose="02010600030101010101" pitchFamily="2" charset="-122"/>
+                </a:rPr>
+                <a:t> </a:t>
+              </a:r>
+              <a:r>
+                <a:rPr kumimoji="1" lang="en-US" altLang="zh-CN" sz="1200" dirty="0">
+                  <a:solidFill>
+                    <a:sysClr val="windowText" lastClr="000000"/>
+                  </a:solidFill>
+                  <a:latin typeface="DengXian" panose="02010600030101010101" pitchFamily="2" charset="-122"/>
+                  <a:ea typeface="DengXian" panose="02010600030101010101" pitchFamily="2" charset="-122"/>
+                </a:rPr>
+                <a:t>COUNT(</a:t>
+              </a:r>
+              <a:r>
+                <a:rPr kumimoji="1" lang="en-US" altLang="zh-CN" sz="1200" b="1" dirty="0">
+                  <a:solidFill>
+                    <a:sysClr val="windowText" lastClr="000000"/>
+                  </a:solidFill>
+                  <a:latin typeface="DengXian" panose="02010600030101010101" pitchFamily="2" charset="-122"/>
+                  <a:ea typeface="DengXian" panose="02010600030101010101" pitchFamily="2" charset="-122"/>
+                </a:rPr>
+                <a:t>edge2</a:t>
+              </a:r>
+              <a:r>
+                <a:rPr kumimoji="1" lang="en-US" altLang="zh-CN" sz="1200" dirty="0">
+                  <a:solidFill>
+                    <a:sysClr val="windowText" lastClr="000000"/>
+                  </a:solidFill>
+                  <a:latin typeface="DengXian" panose="02010600030101010101" pitchFamily="2" charset="-122"/>
+                  <a:ea typeface="DengXian" panose="02010600030101010101" pitchFamily="2" charset="-122"/>
+                </a:rPr>
+                <a:t>)</a:t>
+              </a:r>
+            </a:p>
+          </p:txBody>
+        </p:sp>
+        <p:sp>
+          <p:nvSpPr>
+            <p:cNvPr id="10" name="矩形 9">
+              <a:extLst>
+                <a:ext uri="{FF2B5EF4-FFF2-40B4-BE49-F238E27FC236}">
+                  <a16:creationId xmlns:a16="http://schemas.microsoft.com/office/drawing/2014/main" id="{926FC845-3668-4F41-9CDF-AA897260FB1A}"/>
+                </a:ext>
+              </a:extLst>
+            </p:cNvPr>
+            <p:cNvSpPr/>
+            <p:nvPr/>
+          </p:nvSpPr>
+          <p:spPr>
+            <a:xfrm>
+              <a:off x="8544985" y="2193667"/>
+              <a:ext cx="1531698" cy="505147"/>
             </a:xfrm>
             <a:prstGeom prst="rect">
               <a:avLst/>
@@ -3595,12 +4469,12 @@
             <a:p>
               <a:pPr algn="ctr"/>
               <a:r>
-                <a:rPr kumimoji="1" lang="en-US" altLang="zh-CN" sz="1200" b="1" dirty="0" err="1">
-                  <a:solidFill>
-                    <a:sysClr val="windowText" lastClr="000000"/>
-                  </a:solidFill>
-                </a:rPr>
-                <a:t>src</a:t>
+                <a:rPr kumimoji="1" lang="en-US" altLang="zh-CN" sz="1200" b="1" dirty="0">
+                  <a:solidFill>
+                    <a:sysClr val="windowText" lastClr="000000"/>
+                  </a:solidFill>
+                </a:rPr>
+                <a:t>dst1</a:t>
               </a:r>
               <a:r>
                 <a:rPr kumimoji="1" lang="zh-CN" altLang="en-US" sz="1200" dirty="0">
@@ -3644,10 +4518,135 @@
         </p:sp>
         <p:sp>
           <p:nvSpPr>
-            <p:cNvPr id="6" name="矩形 5">
+            <p:cNvPr id="17" name="文本框 16">
               <a:extLst>
                 <a:ext uri="{FF2B5EF4-FFF2-40B4-BE49-F238E27FC236}">
-                  <a16:creationId xmlns:a16="http://schemas.microsoft.com/office/drawing/2014/main" id="{9F65CFC6-EDB1-3142-9A84-B430D61FC9AE}"/>
+                  <a16:creationId xmlns:a16="http://schemas.microsoft.com/office/drawing/2014/main" id="{E53A1D19-57AE-624A-B91B-DF5760B062B1}"/>
+                </a:ext>
+              </a:extLst>
+            </p:cNvPr>
+            <p:cNvSpPr txBox="1"/>
+            <p:nvPr/>
+          </p:nvSpPr>
+          <p:spPr>
+            <a:xfrm>
+              <a:off x="4752699" y="4247095"/>
+              <a:ext cx="2743269" cy="276999"/>
+            </a:xfrm>
+            <a:prstGeom prst="rect">
+              <a:avLst/>
+            </a:prstGeom>
+            <a:noFill/>
+          </p:spPr>
+          <p:txBody>
+            <a:bodyPr wrap="square" rtlCol="0">
+              <a:spAutoFit/>
+            </a:bodyPr>
+            <a:lstStyle/>
+            <a:p>
+              <a:pPr algn="ctr"/>
+              <a:r>
+                <a:rPr kumimoji="1" lang="en-US" altLang="zh-CN" sz="1200" b="1" dirty="0">
+                  <a:latin typeface="DengXian" panose="02010600030101010101" pitchFamily="2" charset="-122"/>
+                  <a:ea typeface="DengXian" panose="02010600030101010101" pitchFamily="2" charset="-122"/>
+                </a:rPr>
+                <a:t>edge2</a:t>
+              </a:r>
+            </a:p>
+          </p:txBody>
+        </p:sp>
+        <p:sp>
+          <p:nvSpPr>
+            <p:cNvPr id="2" name="文本框 16">
+              <a:extLst>
+                <a:ext uri="{FF2B5EF4-FFF2-40B4-BE49-F238E27FC236}">
+                  <a16:creationId xmlns:a16="http://schemas.microsoft.com/office/drawing/2014/main" id="{59AE8049-7FD2-0638-35AC-39165EE3680E}"/>
+                </a:ext>
+              </a:extLst>
+            </p:cNvPr>
+            <p:cNvSpPr txBox="1"/>
+            <p:nvPr/>
+          </p:nvSpPr>
+          <p:spPr>
+            <a:xfrm>
+              <a:off x="4752699" y="2553752"/>
+              <a:ext cx="2743269" cy="276999"/>
+            </a:xfrm>
+            <a:prstGeom prst="rect">
+              <a:avLst/>
+            </a:prstGeom>
+            <a:noFill/>
+          </p:spPr>
+          <p:txBody>
+            <a:bodyPr wrap="square" rtlCol="0">
+              <a:spAutoFit/>
+            </a:bodyPr>
+            <a:lstStyle/>
+            <a:p>
+              <a:pPr algn="ctr"/>
+              <a:r>
+                <a:rPr kumimoji="1" lang="en-US" altLang="zh-CN" sz="1200" b="1" dirty="0">
+                  <a:latin typeface="DengXian" panose="02010600030101010101" pitchFamily="2" charset="-122"/>
+                  <a:ea typeface="DengXian" panose="02010600030101010101" pitchFamily="2" charset="-122"/>
+                </a:rPr>
+                <a:t>edge1</a:t>
+              </a:r>
+            </a:p>
+          </p:txBody>
+        </p:sp>
+        <p:cxnSp>
+          <p:nvCxnSpPr>
+            <p:cNvPr id="4" name="直线箭头连接符 6" descr="jytjh">
+              <a:extLst>
+                <a:ext uri="{FF2B5EF4-FFF2-40B4-BE49-F238E27FC236}">
+                  <a16:creationId xmlns:a16="http://schemas.microsoft.com/office/drawing/2014/main" id="{F78EFA5A-18FA-75E8-F0C6-F92E73F41374}"/>
+                </a:ext>
+              </a:extLst>
+            </p:cNvPr>
+            <p:cNvCxnSpPr>
+              <a:cxnSpLocks/>
+              <a:stCxn id="3" idx="1"/>
+              <a:endCxn id="6" idx="3"/>
+            </p:cNvCxnSpPr>
+            <p:nvPr/>
+          </p:nvCxnSpPr>
+          <p:spPr>
+            <a:xfrm flipH="1" flipV="1">
+              <a:off x="3902765" y="3825520"/>
+              <a:ext cx="4642220" cy="793231"/>
+            </a:xfrm>
+            <a:prstGeom prst="straightConnector1">
+              <a:avLst/>
+            </a:prstGeom>
+            <a:ln w="19050">
+              <a:solidFill>
+                <a:schemeClr val="tx1"/>
+              </a:solidFill>
+              <a:headEnd type="none" w="lg" len="med"/>
+              <a:tailEnd type="arrow" w="sm" len="lg"/>
+            </a:ln>
+          </p:spPr>
+          <p:style>
+            <a:lnRef idx="1">
+              <a:schemeClr val="accent1"/>
+            </a:lnRef>
+            <a:fillRef idx="0">
+              <a:schemeClr val="accent1"/>
+            </a:fillRef>
+            <a:effectRef idx="0">
+              <a:schemeClr val="accent1"/>
+            </a:effectRef>
+            <a:fontRef idx="minor">
+              <a:schemeClr val="tx1"/>
+            </a:fontRef>
+          </p:style>
+        </p:cxnSp>
+        <p:sp>
+          <p:nvSpPr>
+            <p:cNvPr id="3" name="矩形 9">
+              <a:extLst>
+                <a:ext uri="{FF2B5EF4-FFF2-40B4-BE49-F238E27FC236}">
+                  <a16:creationId xmlns:a16="http://schemas.microsoft.com/office/drawing/2014/main" id="{EEEE5731-4C0C-2B16-C159-9E67255E1164}"/>
                 </a:ext>
               </a:extLst>
             </p:cNvPr>
@@ -3656,13 +4655,18 @@
           </p:nvSpPr>
           <p:spPr>
             <a:xfrm>
-              <a:off x="2460077" y="4047348"/>
-              <a:ext cx="1442688" cy="391225"/>
+              <a:off x="8544985" y="4366177"/>
+              <a:ext cx="1531698" cy="505147"/>
             </a:xfrm>
             <a:prstGeom prst="rect">
               <a:avLst/>
             </a:prstGeom>
-            <a:noFill/>
+            <a:solidFill>
+              <a:schemeClr val="accent5">
+                <a:lumMod val="60000"/>
+                <a:lumOff val="40000"/>
+              </a:schemeClr>
+            </a:solidFill>
             <a:ln w="25400">
               <a:solidFill>
                 <a:schemeClr val="tx1"/>
@@ -3691,30 +4695,18 @@
             <a:p>
               <a:pPr algn="ctr"/>
               <a:r>
-                <a:rPr kumimoji="1" lang="en-US" altLang="zh-CN" sz="1200" b="1" dirty="0" err="1">
-                  <a:solidFill>
-                    <a:sysClr val="windowText" lastClr="000000"/>
-                  </a:solidFill>
-                </a:rPr>
-                <a:t>src</a:t>
-              </a:r>
-              <a:r>
-                <a:rPr kumimoji="1" lang="en-US" altLang="zh-CN" sz="1200" dirty="0" err="1">
-                  <a:solidFill>
-                    <a:sysClr val="windowText" lastClr="000000"/>
-                  </a:solidFill>
-                  <a:latin typeface="DengXian" panose="02010600030101010101" pitchFamily="2" charset="-122"/>
-                  <a:ea typeface="DengXian" panose="02010600030101010101" pitchFamily="2" charset="-122"/>
-                </a:rPr>
-                <a:t>.id</a:t>
+                <a:rPr kumimoji="1" lang="en-US" altLang="zh-CN" sz="1200" b="1" dirty="0">
+                  <a:solidFill>
+                    <a:sysClr val="windowText" lastClr="000000"/>
+                  </a:solidFill>
+                </a:rPr>
+                <a:t>dst2</a:t>
               </a:r>
               <a:r>
                 <a:rPr kumimoji="1" lang="zh-CN" altLang="en-US" sz="1200" dirty="0">
                   <a:solidFill>
                     <a:sysClr val="windowText" lastClr="000000"/>
                   </a:solidFill>
-                  <a:latin typeface="DengXian" panose="02010600030101010101" pitchFamily="2" charset="-122"/>
-                  <a:ea typeface="DengXian" panose="02010600030101010101" pitchFamily="2" charset="-122"/>
                 </a:rPr>
                 <a:t> </a:t>
               </a:r>
@@ -3723,18 +4715,14 @@
                   <a:solidFill>
                     <a:sysClr val="windowText" lastClr="000000"/>
                   </a:solidFill>
-                  <a:latin typeface="DengXian" panose="02010600030101010101" pitchFamily="2" charset="-122"/>
-                  <a:ea typeface="DengXian" panose="02010600030101010101" pitchFamily="2" charset="-122"/>
-                </a:rPr>
-                <a:t>=</a:t>
+                </a:rPr>
+                <a:t>:</a:t>
               </a:r>
               <a:r>
                 <a:rPr kumimoji="1" lang="zh-CN" altLang="en-US" sz="1200" dirty="0">
                   <a:solidFill>
                     <a:sysClr val="windowText" lastClr="000000"/>
                   </a:solidFill>
-                  <a:latin typeface="DengXian" panose="02010600030101010101" pitchFamily="2" charset="-122"/>
-                  <a:ea typeface="DengXian" panose="02010600030101010101" pitchFamily="2" charset="-122"/>
                 </a:rPr>
                 <a:t> </a:t>
               </a:r>
@@ -3743,985 +4731,18 @@
                   <a:solidFill>
                     <a:sysClr val="windowText" lastClr="000000"/>
                   </a:solidFill>
-                  <a:latin typeface="DengXian" panose="02010600030101010101" pitchFamily="2" charset="-122"/>
-                  <a:ea typeface="DengXian" panose="02010600030101010101" pitchFamily="2" charset="-122"/>
-                </a:rPr>
-                <a:t>${id}</a:t>
+                </a:rPr>
+                <a:t>Account</a:t>
               </a:r>
               <a:endParaRPr kumimoji="1" lang="zh-CN" altLang="en-US" sz="1200" dirty="0">
                 <a:solidFill>
                   <a:sysClr val="windowText" lastClr="000000"/>
                 </a:solidFill>
-                <a:latin typeface="DengXian" panose="02010600030101010101" pitchFamily="2" charset="-122"/>
-                <a:ea typeface="DengXian" panose="02010600030101010101" pitchFamily="2" charset="-122"/>
               </a:endParaRPr>
             </a:p>
           </p:txBody>
         </p:sp>
       </p:grpSp>
-      <p:cxnSp>
-        <p:nvCxnSpPr>
-          <p:cNvPr id="7" name="直线箭头连接符 6" descr="jytjh">
-            <a:extLst>
-              <a:ext uri="{FF2B5EF4-FFF2-40B4-BE49-F238E27FC236}">
-                <a16:creationId xmlns:a16="http://schemas.microsoft.com/office/drawing/2014/main" id="{E5C20355-C5DA-4A4A-AA82-43ACE501ABAA}"/>
-              </a:ext>
-            </a:extLst>
-          </p:cNvPr>
-          <p:cNvCxnSpPr>
-            <a:cxnSpLocks/>
-            <a:stCxn id="5" idx="3"/>
-            <a:endCxn id="10" idx="1"/>
-          </p:cNvCxnSpPr>
-          <p:nvPr/>
-        </p:nvCxnSpPr>
-        <p:spPr>
-          <a:xfrm flipV="1">
-            <a:off x="3902765" y="2446241"/>
-            <a:ext cx="4505740" cy="988054"/>
-          </a:xfrm>
-          <a:prstGeom prst="straightConnector1">
-            <a:avLst/>
-          </a:prstGeom>
-          <a:ln w="19050">
-            <a:solidFill>
-              <a:schemeClr val="tx1"/>
-            </a:solidFill>
-            <a:headEnd type="none" w="lg" len="med"/>
-            <a:tailEnd type="arrow" w="sm" len="lg"/>
-          </a:ln>
-        </p:spPr>
-        <p:style>
-          <a:lnRef idx="1">
-            <a:schemeClr val="accent1"/>
-          </a:lnRef>
-          <a:fillRef idx="0">
-            <a:schemeClr val="accent1"/>
-          </a:fillRef>
-          <a:effectRef idx="0">
-            <a:schemeClr val="accent1"/>
-          </a:effectRef>
-          <a:fontRef idx="minor">
-            <a:schemeClr val="tx1"/>
-          </a:fontRef>
-        </p:style>
-      </p:cxnSp>
-      <p:sp>
-        <p:nvSpPr>
-          <p:cNvPr id="8" name="文本框 7">
-            <a:extLst>
-              <a:ext uri="{FF2B5EF4-FFF2-40B4-BE49-F238E27FC236}">
-                <a16:creationId xmlns:a16="http://schemas.microsoft.com/office/drawing/2014/main" id="{D20BE444-91AF-7B4C-86C4-6BADAF5A7779}"/>
-              </a:ext>
-            </a:extLst>
-          </p:cNvPr>
-          <p:cNvSpPr txBox="1"/>
-          <p:nvPr/>
-        </p:nvSpPr>
-        <p:spPr>
-          <a:xfrm>
-            <a:off x="4152296" y="1294022"/>
-            <a:ext cx="3281777" cy="1015663"/>
-          </a:xfrm>
-          <a:prstGeom prst="rect">
-            <a:avLst/>
-          </a:prstGeom>
-          <a:noFill/>
-        </p:spPr>
-        <p:txBody>
-          <a:bodyPr wrap="square" rtlCol="0">
-            <a:spAutoFit/>
-          </a:bodyPr>
-          <a:lstStyle/>
-          <a:p>
-            <a:r>
-              <a:rPr kumimoji="1" lang="en-US" altLang="zh-CN" sz="1200" b="1" dirty="0">
-                <a:latin typeface="DengXian" panose="02010600030101010101" pitchFamily="2" charset="-122"/>
-                <a:ea typeface="DengXian" panose="02010600030101010101" pitchFamily="2" charset="-122"/>
-              </a:rPr>
-              <a:t>edge1</a:t>
-            </a:r>
-            <a:r>
-              <a:rPr kumimoji="1" lang="en-US" altLang="zh-CN" sz="1200" dirty="0">
-                <a:latin typeface="DengXian" panose="02010600030101010101" pitchFamily="2" charset="-122"/>
-                <a:ea typeface="DengXian" panose="02010600030101010101" pitchFamily="2" charset="-122"/>
-              </a:rPr>
-              <a:t>:</a:t>
-            </a:r>
-            <a:r>
-              <a:rPr kumimoji="1" lang="zh-CN" altLang="en-US" sz="1200" dirty="0">
-                <a:latin typeface="DengXian" panose="02010600030101010101" pitchFamily="2" charset="-122"/>
-                <a:ea typeface="DengXian" panose="02010600030101010101" pitchFamily="2" charset="-122"/>
-              </a:rPr>
-              <a:t> </a:t>
-            </a:r>
-            <a:r>
-              <a:rPr kumimoji="1" lang="en-US" altLang="zh-CN" sz="1200" dirty="0">
-                <a:latin typeface="DengXian" panose="02010600030101010101" pitchFamily="2" charset="-122"/>
-                <a:ea typeface="DengXian" panose="02010600030101010101" pitchFamily="2" charset="-122"/>
-              </a:rPr>
-              <a:t>transfer</a:t>
-            </a:r>
-          </a:p>
-          <a:p>
-            <a:r>
-              <a:rPr kumimoji="1" lang="en-US" altLang="zh-CN" sz="1200" dirty="0">
-                <a:latin typeface="DengXian" panose="02010600030101010101" pitchFamily="2" charset="-122"/>
-                <a:ea typeface="DengXian" panose="02010600030101010101" pitchFamily="2" charset="-122"/>
-              </a:rPr>
-              <a:t>${</a:t>
-            </a:r>
-            <a:r>
-              <a:rPr kumimoji="1" lang="en-US" altLang="zh-CN" sz="1200" dirty="0" err="1">
-                <a:latin typeface="DengXian" panose="02010600030101010101" pitchFamily="2" charset="-122"/>
-                <a:ea typeface="DengXian" panose="02010600030101010101" pitchFamily="2" charset="-122"/>
-              </a:rPr>
-              <a:t>startTime</a:t>
-            </a:r>
-            <a:r>
-              <a:rPr kumimoji="1" lang="en-US" altLang="zh-CN" sz="1200" dirty="0">
-                <a:latin typeface="DengXian" panose="02010600030101010101" pitchFamily="2" charset="-122"/>
-                <a:ea typeface="DengXian" panose="02010600030101010101" pitchFamily="2" charset="-122"/>
-              </a:rPr>
-              <a:t>}</a:t>
-            </a:r>
-            <a:r>
-              <a:rPr kumimoji="1" lang="zh-CN" altLang="en-US" sz="1200" dirty="0">
-                <a:latin typeface="DengXian" panose="02010600030101010101" pitchFamily="2" charset="-122"/>
-                <a:ea typeface="DengXian" panose="02010600030101010101" pitchFamily="2" charset="-122"/>
-              </a:rPr>
-              <a:t> </a:t>
-            </a:r>
-            <a:r>
-              <a:rPr kumimoji="1" lang="en-US" altLang="zh-CN" sz="1200" dirty="0">
-                <a:latin typeface="DengXian" panose="02010600030101010101" pitchFamily="2" charset="-122"/>
-                <a:ea typeface="DengXian" panose="02010600030101010101" pitchFamily="2" charset="-122"/>
-              </a:rPr>
-              <a:t>&lt;</a:t>
-            </a:r>
-            <a:r>
-              <a:rPr kumimoji="1" lang="zh-CN" altLang="en-US" sz="1200" dirty="0">
-                <a:latin typeface="DengXian" panose="02010600030101010101" pitchFamily="2" charset="-122"/>
-                <a:ea typeface="DengXian" panose="02010600030101010101" pitchFamily="2" charset="-122"/>
-              </a:rPr>
-              <a:t> </a:t>
-            </a:r>
-            <a:r>
-              <a:rPr kumimoji="1" lang="en-US" altLang="zh-CN" sz="1200" b="1" dirty="0">
-                <a:latin typeface="DengXian" panose="02010600030101010101" pitchFamily="2" charset="-122"/>
-                <a:ea typeface="DengXian" panose="02010600030101010101" pitchFamily="2" charset="-122"/>
-              </a:rPr>
-              <a:t>edge1</a:t>
-            </a:r>
-            <a:r>
-              <a:rPr kumimoji="1" lang="en-US" altLang="zh-CN" sz="1200" dirty="0">
-                <a:latin typeface="DengXian" panose="02010600030101010101" pitchFamily="2" charset="-122"/>
-                <a:ea typeface="DengXian" panose="02010600030101010101" pitchFamily="2" charset="-122"/>
-              </a:rPr>
-              <a:t>.timestamp</a:t>
-            </a:r>
-            <a:r>
-              <a:rPr kumimoji="1" lang="zh-CN" altLang="en-US" sz="1200" dirty="0">
-                <a:latin typeface="DengXian" panose="02010600030101010101" pitchFamily="2" charset="-122"/>
-                <a:ea typeface="DengXian" panose="02010600030101010101" pitchFamily="2" charset="-122"/>
-              </a:rPr>
-              <a:t> </a:t>
-            </a:r>
-            <a:r>
-              <a:rPr kumimoji="1" lang="en-US" altLang="zh-CN" sz="1200" dirty="0">
-                <a:latin typeface="DengXian" panose="02010600030101010101" pitchFamily="2" charset="-122"/>
-                <a:ea typeface="DengXian" panose="02010600030101010101" pitchFamily="2" charset="-122"/>
-              </a:rPr>
-              <a:t>&lt;</a:t>
-            </a:r>
-            <a:r>
-              <a:rPr kumimoji="1" lang="zh-CN" altLang="en-US" sz="1200" dirty="0">
-                <a:latin typeface="DengXian" panose="02010600030101010101" pitchFamily="2" charset="-122"/>
-                <a:ea typeface="DengXian" panose="02010600030101010101" pitchFamily="2" charset="-122"/>
-              </a:rPr>
-              <a:t> </a:t>
-            </a:r>
-            <a:r>
-              <a:rPr kumimoji="1" lang="en-US" altLang="zh-CN" sz="1200" dirty="0">
-                <a:latin typeface="DengXian" panose="02010600030101010101" pitchFamily="2" charset="-122"/>
-                <a:ea typeface="DengXian" panose="02010600030101010101" pitchFamily="2" charset="-122"/>
-              </a:rPr>
-              <a:t>${</a:t>
-            </a:r>
-            <a:r>
-              <a:rPr kumimoji="1" lang="en-US" altLang="zh-CN" sz="1200" dirty="0" err="1">
-                <a:latin typeface="DengXian" panose="02010600030101010101" pitchFamily="2" charset="-122"/>
-                <a:ea typeface="DengXian" panose="02010600030101010101" pitchFamily="2" charset="-122"/>
-              </a:rPr>
-              <a:t>endTime</a:t>
-            </a:r>
-            <a:r>
-              <a:rPr kumimoji="1" lang="en-US" altLang="zh-CN" sz="1200" dirty="0">
-                <a:latin typeface="DengXian" panose="02010600030101010101" pitchFamily="2" charset="-122"/>
-                <a:ea typeface="DengXian" panose="02010600030101010101" pitchFamily="2" charset="-122"/>
-              </a:rPr>
-              <a:t>}</a:t>
-            </a:r>
-          </a:p>
-          <a:p>
-            <a:endParaRPr kumimoji="1" lang="en-US" altLang="zh-CN" sz="1200" dirty="0">
-              <a:latin typeface="DengXian" panose="02010600030101010101" pitchFamily="2" charset="-122"/>
-              <a:ea typeface="DengXian" panose="02010600030101010101" pitchFamily="2" charset="-122"/>
-            </a:endParaRPr>
-          </a:p>
-          <a:p>
-            <a:r>
-              <a:rPr kumimoji="1" lang="en-US" altLang="zh-CN" sz="1200" b="1" dirty="0">
-                <a:latin typeface="DengXian" panose="02010600030101010101" pitchFamily="2" charset="-122"/>
-                <a:ea typeface="DengXian" panose="02010600030101010101" pitchFamily="2" charset="-122"/>
-              </a:rPr>
-              <a:t>edge2</a:t>
-            </a:r>
-            <a:r>
-              <a:rPr kumimoji="1" lang="en-US" altLang="zh-CN" sz="1200" dirty="0">
-                <a:latin typeface="DengXian" panose="02010600030101010101" pitchFamily="2" charset="-122"/>
-                <a:ea typeface="DengXian" panose="02010600030101010101" pitchFamily="2" charset="-122"/>
-              </a:rPr>
-              <a:t>:</a:t>
-            </a:r>
-            <a:r>
-              <a:rPr kumimoji="1" lang="zh-CN" altLang="en-US" sz="1200" dirty="0">
-                <a:latin typeface="DengXian" panose="02010600030101010101" pitchFamily="2" charset="-122"/>
-                <a:ea typeface="DengXian" panose="02010600030101010101" pitchFamily="2" charset="-122"/>
-              </a:rPr>
-              <a:t> </a:t>
-            </a:r>
-            <a:r>
-              <a:rPr kumimoji="1" lang="en-US" altLang="zh-CN" sz="1200" dirty="0">
-                <a:latin typeface="DengXian" panose="02010600030101010101" pitchFamily="2" charset="-122"/>
-                <a:ea typeface="DengXian" panose="02010600030101010101" pitchFamily="2" charset="-122"/>
-              </a:rPr>
-              <a:t>transfer</a:t>
-            </a:r>
-          </a:p>
-          <a:p>
-            <a:r>
-              <a:rPr kumimoji="1" lang="en-US" altLang="zh-CN" sz="1200" dirty="0">
-                <a:latin typeface="DengXian" panose="02010600030101010101" pitchFamily="2" charset="-122"/>
-                <a:ea typeface="DengXian" panose="02010600030101010101" pitchFamily="2" charset="-122"/>
-              </a:rPr>
-              <a:t>${</a:t>
-            </a:r>
-            <a:r>
-              <a:rPr kumimoji="1" lang="en-US" altLang="zh-CN" sz="1200" dirty="0" err="1">
-                <a:latin typeface="DengXian" panose="02010600030101010101" pitchFamily="2" charset="-122"/>
-                <a:ea typeface="DengXian" panose="02010600030101010101" pitchFamily="2" charset="-122"/>
-              </a:rPr>
-              <a:t>startTime</a:t>
-            </a:r>
-            <a:r>
-              <a:rPr kumimoji="1" lang="en-US" altLang="zh-CN" sz="1200" dirty="0">
-                <a:latin typeface="DengXian" panose="02010600030101010101" pitchFamily="2" charset="-122"/>
-                <a:ea typeface="DengXian" panose="02010600030101010101" pitchFamily="2" charset="-122"/>
-              </a:rPr>
-              <a:t>}</a:t>
-            </a:r>
-            <a:r>
-              <a:rPr kumimoji="1" lang="zh-CN" altLang="en-US" sz="1200" dirty="0">
-                <a:latin typeface="DengXian" panose="02010600030101010101" pitchFamily="2" charset="-122"/>
-                <a:ea typeface="DengXian" panose="02010600030101010101" pitchFamily="2" charset="-122"/>
-              </a:rPr>
-              <a:t> </a:t>
-            </a:r>
-            <a:r>
-              <a:rPr kumimoji="1" lang="en-US" altLang="zh-CN" sz="1200" dirty="0">
-                <a:latin typeface="DengXian" panose="02010600030101010101" pitchFamily="2" charset="-122"/>
-                <a:ea typeface="DengXian" panose="02010600030101010101" pitchFamily="2" charset="-122"/>
-              </a:rPr>
-              <a:t>&lt;</a:t>
-            </a:r>
-            <a:r>
-              <a:rPr kumimoji="1" lang="zh-CN" altLang="en-US" sz="1200" dirty="0">
-                <a:latin typeface="DengXian" panose="02010600030101010101" pitchFamily="2" charset="-122"/>
-                <a:ea typeface="DengXian" panose="02010600030101010101" pitchFamily="2" charset="-122"/>
-              </a:rPr>
-              <a:t> </a:t>
-            </a:r>
-            <a:r>
-              <a:rPr kumimoji="1" lang="en-US" altLang="zh-CN" sz="1200" b="1" dirty="0">
-                <a:latin typeface="DengXian" panose="02010600030101010101" pitchFamily="2" charset="-122"/>
-                <a:ea typeface="DengXian" panose="02010600030101010101" pitchFamily="2" charset="-122"/>
-              </a:rPr>
-              <a:t>edge2</a:t>
-            </a:r>
-            <a:r>
-              <a:rPr kumimoji="1" lang="en-US" altLang="zh-CN" sz="1200" dirty="0">
-                <a:latin typeface="DengXian" panose="02010600030101010101" pitchFamily="2" charset="-122"/>
-                <a:ea typeface="DengXian" panose="02010600030101010101" pitchFamily="2" charset="-122"/>
-              </a:rPr>
-              <a:t>.timestamp</a:t>
-            </a:r>
-            <a:r>
-              <a:rPr kumimoji="1" lang="zh-CN" altLang="en-US" sz="1200" dirty="0">
-                <a:latin typeface="DengXian" panose="02010600030101010101" pitchFamily="2" charset="-122"/>
-                <a:ea typeface="DengXian" panose="02010600030101010101" pitchFamily="2" charset="-122"/>
-              </a:rPr>
-              <a:t> </a:t>
-            </a:r>
-            <a:r>
-              <a:rPr kumimoji="1" lang="en-US" altLang="zh-CN" sz="1200" dirty="0">
-                <a:latin typeface="DengXian" panose="02010600030101010101" pitchFamily="2" charset="-122"/>
-                <a:ea typeface="DengXian" panose="02010600030101010101" pitchFamily="2" charset="-122"/>
-              </a:rPr>
-              <a:t>&lt;</a:t>
-            </a:r>
-            <a:r>
-              <a:rPr kumimoji="1" lang="zh-CN" altLang="en-US" sz="1200" dirty="0">
-                <a:latin typeface="DengXian" panose="02010600030101010101" pitchFamily="2" charset="-122"/>
-                <a:ea typeface="DengXian" panose="02010600030101010101" pitchFamily="2" charset="-122"/>
-              </a:rPr>
-              <a:t> </a:t>
-            </a:r>
-            <a:r>
-              <a:rPr kumimoji="1" lang="en-US" altLang="zh-CN" sz="1200" dirty="0">
-                <a:latin typeface="DengXian" panose="02010600030101010101" pitchFamily="2" charset="-122"/>
-                <a:ea typeface="DengXian" panose="02010600030101010101" pitchFamily="2" charset="-122"/>
-              </a:rPr>
-              <a:t>${</a:t>
-            </a:r>
-            <a:r>
-              <a:rPr kumimoji="1" lang="en-US" altLang="zh-CN" sz="1200" dirty="0" err="1">
-                <a:latin typeface="DengXian" panose="02010600030101010101" pitchFamily="2" charset="-122"/>
-                <a:ea typeface="DengXian" panose="02010600030101010101" pitchFamily="2" charset="-122"/>
-              </a:rPr>
-              <a:t>endTime</a:t>
-            </a:r>
-            <a:r>
-              <a:rPr kumimoji="1" lang="en-US" altLang="zh-CN" sz="1200" dirty="0">
-                <a:latin typeface="DengXian" panose="02010600030101010101" pitchFamily="2" charset="-122"/>
-                <a:ea typeface="DengXian" panose="02010600030101010101" pitchFamily="2" charset="-122"/>
-              </a:rPr>
-              <a:t>}</a:t>
-            </a:r>
-          </a:p>
-        </p:txBody>
-      </p:sp>
-      <p:sp>
-        <p:nvSpPr>
-          <p:cNvPr id="9" name="矩形 8">
-            <a:extLst>
-              <a:ext uri="{FF2B5EF4-FFF2-40B4-BE49-F238E27FC236}">
-                <a16:creationId xmlns:a16="http://schemas.microsoft.com/office/drawing/2014/main" id="{BCA8EA9B-7F48-984C-9B0C-7D4440256228}"/>
-              </a:ext>
-            </a:extLst>
-          </p:cNvPr>
-          <p:cNvSpPr/>
-          <p:nvPr/>
-        </p:nvSpPr>
-        <p:spPr>
-          <a:xfrm>
-            <a:off x="4124738" y="1282148"/>
-            <a:ext cx="4184374" cy="4283765"/>
-          </a:xfrm>
-          <a:prstGeom prst="rect">
-            <a:avLst/>
-          </a:prstGeom>
-          <a:noFill/>
-          <a:ln w="25400">
-            <a:solidFill>
-              <a:schemeClr val="tx1"/>
-            </a:solidFill>
-            <a:prstDash val="dash"/>
-          </a:ln>
-        </p:spPr>
-        <p:style>
-          <a:lnRef idx="2">
-            <a:schemeClr val="accent2">
-              <a:shade val="50000"/>
-            </a:schemeClr>
-          </a:lnRef>
-          <a:fillRef idx="1">
-            <a:schemeClr val="accent2"/>
-          </a:fillRef>
-          <a:effectRef idx="0">
-            <a:schemeClr val="accent2"/>
-          </a:effectRef>
-          <a:fontRef idx="minor">
-            <a:schemeClr val="lt1"/>
-          </a:fontRef>
-        </p:style>
-        <p:txBody>
-          <a:bodyPr bIns="72000" rtlCol="0" anchor="b"/>
-          <a:lstStyle/>
-          <a:p>
-            <a:r>
-              <a:rPr kumimoji="1" lang="en-US" altLang="zh-CN" sz="1200" b="1" dirty="0">
-                <a:solidFill>
-                  <a:srgbClr val="FF0000"/>
-                </a:solidFill>
-                <a:latin typeface="DengXian" panose="02010600030101010101" pitchFamily="2" charset="-122"/>
-                <a:ea typeface="DengXian" panose="02010600030101010101" pitchFamily="2" charset="-122"/>
-              </a:rPr>
-              <a:t>RESULT</a:t>
-            </a:r>
-            <a:endParaRPr kumimoji="1" lang="en-US" altLang="zh-CN" sz="1200" dirty="0">
-              <a:solidFill>
-                <a:srgbClr val="FF0000"/>
-              </a:solidFill>
-              <a:latin typeface="DengXian" panose="02010600030101010101" pitchFamily="2" charset="-122"/>
-              <a:ea typeface="DengXian" panose="02010600030101010101" pitchFamily="2" charset="-122"/>
-            </a:endParaRPr>
-          </a:p>
-          <a:p>
-            <a:pPr algn="ctr"/>
-            <a:r>
-              <a:rPr kumimoji="1" lang="en-US" altLang="zh-CN" sz="1200" dirty="0">
-                <a:solidFill>
-                  <a:sysClr val="windowText" lastClr="000000"/>
-                </a:solidFill>
-                <a:latin typeface="DengXian" panose="02010600030101010101" pitchFamily="2" charset="-122"/>
-                <a:ea typeface="DengXian" panose="02010600030101010101" pitchFamily="2" charset="-122"/>
-              </a:rPr>
-              <a:t>SUM(</a:t>
-            </a:r>
-            <a:r>
-              <a:rPr kumimoji="1" lang="en-US" altLang="zh-CN" sz="1200" b="1" dirty="0">
-                <a:solidFill>
-                  <a:sysClr val="windowText" lastClr="000000"/>
-                </a:solidFill>
-                <a:latin typeface="DengXian" panose="02010600030101010101" pitchFamily="2" charset="-122"/>
-                <a:ea typeface="DengXian" panose="02010600030101010101" pitchFamily="2" charset="-122"/>
-              </a:rPr>
-              <a:t>edge1</a:t>
-            </a:r>
-            <a:r>
-              <a:rPr kumimoji="1" lang="en-US" altLang="zh-CN" sz="1200" dirty="0">
-                <a:solidFill>
-                  <a:sysClr val="windowText" lastClr="000000"/>
-                </a:solidFill>
-                <a:latin typeface="DengXian" panose="02010600030101010101" pitchFamily="2" charset="-122"/>
-                <a:ea typeface="DengXian" panose="02010600030101010101" pitchFamily="2" charset="-122"/>
-              </a:rPr>
-              <a:t>.amount),</a:t>
-            </a:r>
-            <a:r>
-              <a:rPr kumimoji="1" lang="zh-CN" altLang="en-US" sz="1200" dirty="0">
-                <a:solidFill>
-                  <a:sysClr val="windowText" lastClr="000000"/>
-                </a:solidFill>
-                <a:latin typeface="DengXian" panose="02010600030101010101" pitchFamily="2" charset="-122"/>
-                <a:ea typeface="DengXian" panose="02010600030101010101" pitchFamily="2" charset="-122"/>
-              </a:rPr>
-              <a:t> </a:t>
-            </a:r>
-            <a:r>
-              <a:rPr kumimoji="1" lang="en-US" altLang="zh-CN" sz="1200" dirty="0">
-                <a:solidFill>
-                  <a:sysClr val="windowText" lastClr="000000"/>
-                </a:solidFill>
-                <a:latin typeface="DengXian" panose="02010600030101010101" pitchFamily="2" charset="-122"/>
-                <a:ea typeface="DengXian" panose="02010600030101010101" pitchFamily="2" charset="-122"/>
-              </a:rPr>
-              <a:t>MAX(</a:t>
-            </a:r>
-            <a:r>
-              <a:rPr kumimoji="1" lang="en-US" altLang="zh-CN" sz="1200" b="1" dirty="0">
-                <a:solidFill>
-                  <a:sysClr val="windowText" lastClr="000000"/>
-                </a:solidFill>
-                <a:latin typeface="DengXian" panose="02010600030101010101" pitchFamily="2" charset="-122"/>
-                <a:ea typeface="DengXian" panose="02010600030101010101" pitchFamily="2" charset="-122"/>
-              </a:rPr>
-              <a:t>edge1</a:t>
-            </a:r>
-            <a:r>
-              <a:rPr kumimoji="1" lang="en-US" altLang="zh-CN" sz="1200" dirty="0">
-                <a:solidFill>
-                  <a:sysClr val="windowText" lastClr="000000"/>
-                </a:solidFill>
-                <a:latin typeface="DengXian" panose="02010600030101010101" pitchFamily="2" charset="-122"/>
-                <a:ea typeface="DengXian" panose="02010600030101010101" pitchFamily="2" charset="-122"/>
-              </a:rPr>
-              <a:t>.amount),</a:t>
-            </a:r>
-            <a:r>
-              <a:rPr kumimoji="1" lang="zh-CN" altLang="en-US" sz="1200" dirty="0">
-                <a:solidFill>
-                  <a:sysClr val="windowText" lastClr="000000"/>
-                </a:solidFill>
-                <a:latin typeface="DengXian" panose="02010600030101010101" pitchFamily="2" charset="-122"/>
-                <a:ea typeface="DengXian" panose="02010600030101010101" pitchFamily="2" charset="-122"/>
-              </a:rPr>
-              <a:t> </a:t>
-            </a:r>
-            <a:r>
-              <a:rPr kumimoji="1" lang="en-US" altLang="zh-CN" sz="1200" dirty="0">
-                <a:solidFill>
-                  <a:sysClr val="windowText" lastClr="000000"/>
-                </a:solidFill>
-                <a:latin typeface="DengXian" panose="02010600030101010101" pitchFamily="2" charset="-122"/>
-                <a:ea typeface="DengXian" panose="02010600030101010101" pitchFamily="2" charset="-122"/>
-              </a:rPr>
-              <a:t>COUNT(</a:t>
-            </a:r>
-            <a:r>
-              <a:rPr kumimoji="1" lang="en-US" altLang="zh-CN" sz="1200" b="1" dirty="0">
-                <a:solidFill>
-                  <a:sysClr val="windowText" lastClr="000000"/>
-                </a:solidFill>
-                <a:latin typeface="DengXian" panose="02010600030101010101" pitchFamily="2" charset="-122"/>
-                <a:ea typeface="DengXian" panose="02010600030101010101" pitchFamily="2" charset="-122"/>
-              </a:rPr>
-              <a:t>edge1</a:t>
-            </a:r>
-            <a:r>
-              <a:rPr kumimoji="1" lang="en-US" altLang="zh-CN" sz="1200" dirty="0">
-                <a:solidFill>
-                  <a:sysClr val="windowText" lastClr="000000"/>
-                </a:solidFill>
-                <a:latin typeface="DengXian" panose="02010600030101010101" pitchFamily="2" charset="-122"/>
-                <a:ea typeface="DengXian" panose="02010600030101010101" pitchFamily="2" charset="-122"/>
-              </a:rPr>
-              <a:t>)</a:t>
-            </a:r>
-          </a:p>
-          <a:p>
-            <a:pPr algn="ctr"/>
-            <a:r>
-              <a:rPr kumimoji="1" lang="en-US" altLang="zh-CN" sz="1200" dirty="0">
-                <a:solidFill>
-                  <a:sysClr val="windowText" lastClr="000000"/>
-                </a:solidFill>
-                <a:latin typeface="DengXian" panose="02010600030101010101" pitchFamily="2" charset="-122"/>
-                <a:ea typeface="DengXian" panose="02010600030101010101" pitchFamily="2" charset="-122"/>
-              </a:rPr>
-              <a:t>SUM(</a:t>
-            </a:r>
-            <a:r>
-              <a:rPr kumimoji="1" lang="en-US" altLang="zh-CN" sz="1200" b="1" dirty="0">
-                <a:solidFill>
-                  <a:sysClr val="windowText" lastClr="000000"/>
-                </a:solidFill>
-                <a:latin typeface="DengXian" panose="02010600030101010101" pitchFamily="2" charset="-122"/>
-                <a:ea typeface="DengXian" panose="02010600030101010101" pitchFamily="2" charset="-122"/>
-              </a:rPr>
-              <a:t>edge1</a:t>
-            </a:r>
-            <a:r>
-              <a:rPr kumimoji="1" lang="en-US" altLang="zh-CN" sz="1200" dirty="0">
-                <a:solidFill>
-                  <a:sysClr val="windowText" lastClr="000000"/>
-                </a:solidFill>
-                <a:latin typeface="DengXian" panose="02010600030101010101" pitchFamily="2" charset="-122"/>
-                <a:ea typeface="DengXian" panose="02010600030101010101" pitchFamily="2" charset="-122"/>
-              </a:rPr>
-              <a:t>.amount),</a:t>
-            </a:r>
-            <a:r>
-              <a:rPr kumimoji="1" lang="zh-CN" altLang="en-US" sz="1200" dirty="0">
-                <a:solidFill>
-                  <a:sysClr val="windowText" lastClr="000000"/>
-                </a:solidFill>
-                <a:latin typeface="DengXian" panose="02010600030101010101" pitchFamily="2" charset="-122"/>
-                <a:ea typeface="DengXian" panose="02010600030101010101" pitchFamily="2" charset="-122"/>
-              </a:rPr>
-              <a:t> </a:t>
-            </a:r>
-            <a:r>
-              <a:rPr kumimoji="1" lang="en-US" altLang="zh-CN" sz="1200" dirty="0">
-                <a:solidFill>
-                  <a:sysClr val="windowText" lastClr="000000"/>
-                </a:solidFill>
-                <a:latin typeface="DengXian" panose="02010600030101010101" pitchFamily="2" charset="-122"/>
-                <a:ea typeface="DengXian" panose="02010600030101010101" pitchFamily="2" charset="-122"/>
-              </a:rPr>
-              <a:t>MAX(</a:t>
-            </a:r>
-            <a:r>
-              <a:rPr kumimoji="1" lang="en-US" altLang="zh-CN" sz="1200" b="1" dirty="0">
-                <a:solidFill>
-                  <a:sysClr val="windowText" lastClr="000000"/>
-                </a:solidFill>
-                <a:latin typeface="DengXian" panose="02010600030101010101" pitchFamily="2" charset="-122"/>
-                <a:ea typeface="DengXian" panose="02010600030101010101" pitchFamily="2" charset="-122"/>
-              </a:rPr>
-              <a:t>edge2</a:t>
-            </a:r>
-            <a:r>
-              <a:rPr kumimoji="1" lang="en-US" altLang="zh-CN" sz="1200" dirty="0">
-                <a:solidFill>
-                  <a:sysClr val="windowText" lastClr="000000"/>
-                </a:solidFill>
-                <a:latin typeface="DengXian" panose="02010600030101010101" pitchFamily="2" charset="-122"/>
-                <a:ea typeface="DengXian" panose="02010600030101010101" pitchFamily="2" charset="-122"/>
-              </a:rPr>
-              <a:t>.amount),</a:t>
-            </a:r>
-            <a:r>
-              <a:rPr kumimoji="1" lang="zh-CN" altLang="en-US" sz="1200" dirty="0">
-                <a:solidFill>
-                  <a:sysClr val="windowText" lastClr="000000"/>
-                </a:solidFill>
-                <a:latin typeface="DengXian" panose="02010600030101010101" pitchFamily="2" charset="-122"/>
-                <a:ea typeface="DengXian" panose="02010600030101010101" pitchFamily="2" charset="-122"/>
-              </a:rPr>
-              <a:t> </a:t>
-            </a:r>
-            <a:r>
-              <a:rPr kumimoji="1" lang="en-US" altLang="zh-CN" sz="1200" dirty="0">
-                <a:solidFill>
-                  <a:sysClr val="windowText" lastClr="000000"/>
-                </a:solidFill>
-                <a:latin typeface="DengXian" panose="02010600030101010101" pitchFamily="2" charset="-122"/>
-                <a:ea typeface="DengXian" panose="02010600030101010101" pitchFamily="2" charset="-122"/>
-              </a:rPr>
-              <a:t>COUNT(</a:t>
-            </a:r>
-            <a:r>
-              <a:rPr kumimoji="1" lang="en-US" altLang="zh-CN" sz="1200" b="1" dirty="0">
-                <a:solidFill>
-                  <a:sysClr val="windowText" lastClr="000000"/>
-                </a:solidFill>
-                <a:latin typeface="DengXian" panose="02010600030101010101" pitchFamily="2" charset="-122"/>
-                <a:ea typeface="DengXian" panose="02010600030101010101" pitchFamily="2" charset="-122"/>
-              </a:rPr>
-              <a:t>edge2</a:t>
-            </a:r>
-            <a:r>
-              <a:rPr kumimoji="1" lang="en-US" altLang="zh-CN" sz="1200" dirty="0">
-                <a:solidFill>
-                  <a:sysClr val="windowText" lastClr="000000"/>
-                </a:solidFill>
-                <a:latin typeface="DengXian" panose="02010600030101010101" pitchFamily="2" charset="-122"/>
-                <a:ea typeface="DengXian" panose="02010600030101010101" pitchFamily="2" charset="-122"/>
-              </a:rPr>
-              <a:t>)</a:t>
-            </a:r>
-          </a:p>
-        </p:txBody>
-      </p:sp>
-      <p:sp>
-        <p:nvSpPr>
-          <p:cNvPr id="10" name="矩形 9">
-            <a:extLst>
-              <a:ext uri="{FF2B5EF4-FFF2-40B4-BE49-F238E27FC236}">
-                <a16:creationId xmlns:a16="http://schemas.microsoft.com/office/drawing/2014/main" id="{926FC845-3668-4F41-9CDF-AA897260FB1A}"/>
-              </a:ext>
-            </a:extLst>
-          </p:cNvPr>
-          <p:cNvSpPr/>
-          <p:nvPr/>
-        </p:nvSpPr>
-        <p:spPr>
-          <a:xfrm>
-            <a:off x="8408505" y="2193667"/>
-            <a:ext cx="1531698" cy="505147"/>
-          </a:xfrm>
-          <a:prstGeom prst="rect">
-            <a:avLst/>
-          </a:prstGeom>
-          <a:solidFill>
-            <a:schemeClr val="accent5">
-              <a:lumMod val="60000"/>
-              <a:lumOff val="40000"/>
-            </a:schemeClr>
-          </a:solidFill>
-          <a:ln w="25400">
-            <a:solidFill>
-              <a:schemeClr val="tx1"/>
-            </a:solidFill>
-          </a:ln>
-        </p:spPr>
-        <p:style>
-          <a:lnRef idx="2">
-            <a:schemeClr val="accent2">
-              <a:shade val="50000"/>
-            </a:schemeClr>
-          </a:lnRef>
-          <a:fillRef idx="1">
-            <a:schemeClr val="accent2"/>
-          </a:fillRef>
-          <a:effectRef idx="0">
-            <a:schemeClr val="accent2"/>
-          </a:effectRef>
-          <a:fontRef idx="minor">
-            <a:schemeClr val="lt1"/>
-          </a:fontRef>
-        </p:style>
-        <p:txBody>
-          <a:bodyPr rtlCol="0" anchor="ctr"/>
-          <a:lstStyle/>
-          <a:p>
-            <a:pPr algn="ctr"/>
-            <a:r>
-              <a:rPr kumimoji="1" lang="en-US" altLang="zh-CN" sz="1200" b="1" dirty="0">
-                <a:solidFill>
-                  <a:sysClr val="windowText" lastClr="000000"/>
-                </a:solidFill>
-              </a:rPr>
-              <a:t>dst1</a:t>
-            </a:r>
-            <a:r>
-              <a:rPr kumimoji="1" lang="zh-CN" altLang="en-US" sz="1200" dirty="0">
-                <a:solidFill>
-                  <a:sysClr val="windowText" lastClr="000000"/>
-                </a:solidFill>
-              </a:rPr>
-              <a:t> </a:t>
-            </a:r>
-            <a:r>
-              <a:rPr kumimoji="1" lang="en-US" altLang="zh-CN" sz="1200" dirty="0">
-                <a:solidFill>
-                  <a:sysClr val="windowText" lastClr="000000"/>
-                </a:solidFill>
-              </a:rPr>
-              <a:t>:</a:t>
-            </a:r>
-            <a:r>
-              <a:rPr kumimoji="1" lang="zh-CN" altLang="en-US" sz="1200" dirty="0">
-                <a:solidFill>
-                  <a:sysClr val="windowText" lastClr="000000"/>
-                </a:solidFill>
-              </a:rPr>
-              <a:t> </a:t>
-            </a:r>
-            <a:r>
-              <a:rPr kumimoji="1" lang="en-US" altLang="zh-CN" sz="1200" dirty="0">
-                <a:solidFill>
-                  <a:sysClr val="windowText" lastClr="000000"/>
-                </a:solidFill>
-              </a:rPr>
-              <a:t>Account</a:t>
-            </a:r>
-            <a:endParaRPr kumimoji="1" lang="zh-CN" altLang="en-US" sz="1200" dirty="0">
-              <a:solidFill>
-                <a:sysClr val="windowText" lastClr="000000"/>
-              </a:solidFill>
-            </a:endParaRPr>
-          </a:p>
-        </p:txBody>
-      </p:sp>
-      <p:sp>
-        <p:nvSpPr>
-          <p:cNvPr id="17" name="文本框 16">
-            <a:extLst>
-              <a:ext uri="{FF2B5EF4-FFF2-40B4-BE49-F238E27FC236}">
-                <a16:creationId xmlns:a16="http://schemas.microsoft.com/office/drawing/2014/main" id="{E53A1D19-57AE-624A-B91B-DF5760B062B1}"/>
-              </a:ext>
-            </a:extLst>
-          </p:cNvPr>
-          <p:cNvSpPr txBox="1"/>
-          <p:nvPr/>
-        </p:nvSpPr>
-        <p:spPr>
-          <a:xfrm>
-            <a:off x="4752699" y="4247095"/>
-            <a:ext cx="2743269" cy="276999"/>
-          </a:xfrm>
-          <a:prstGeom prst="rect">
-            <a:avLst/>
-          </a:prstGeom>
-          <a:noFill/>
-        </p:spPr>
-        <p:txBody>
-          <a:bodyPr wrap="square" rtlCol="0">
-            <a:spAutoFit/>
-          </a:bodyPr>
-          <a:lstStyle/>
-          <a:p>
-            <a:pPr algn="ctr"/>
-            <a:r>
-              <a:rPr kumimoji="1" lang="en-US" altLang="zh-CN" sz="1200" b="1" dirty="0">
-                <a:latin typeface="DengXian" panose="02010600030101010101" pitchFamily="2" charset="-122"/>
-                <a:ea typeface="DengXian" panose="02010600030101010101" pitchFamily="2" charset="-122"/>
-              </a:rPr>
-              <a:t>edge2</a:t>
-            </a:r>
-          </a:p>
-        </p:txBody>
-      </p:sp>
-      <p:sp>
-        <p:nvSpPr>
-          <p:cNvPr id="2" name="文本框 16">
-            <a:extLst>
-              <a:ext uri="{FF2B5EF4-FFF2-40B4-BE49-F238E27FC236}">
-                <a16:creationId xmlns:a16="http://schemas.microsoft.com/office/drawing/2014/main" id="{59AE8049-7FD2-0638-35AC-39165EE3680E}"/>
-              </a:ext>
-            </a:extLst>
-          </p:cNvPr>
-          <p:cNvSpPr txBox="1"/>
-          <p:nvPr/>
-        </p:nvSpPr>
-        <p:spPr>
-          <a:xfrm>
-            <a:off x="4752699" y="2553752"/>
-            <a:ext cx="2743269" cy="276999"/>
-          </a:xfrm>
-          <a:prstGeom prst="rect">
-            <a:avLst/>
-          </a:prstGeom>
-          <a:noFill/>
-        </p:spPr>
-        <p:txBody>
-          <a:bodyPr wrap="square" rtlCol="0">
-            <a:spAutoFit/>
-          </a:bodyPr>
-          <a:lstStyle/>
-          <a:p>
-            <a:pPr algn="ctr"/>
-            <a:r>
-              <a:rPr kumimoji="1" lang="en-US" altLang="zh-CN" sz="1200" b="1" dirty="0">
-                <a:latin typeface="DengXian" panose="02010600030101010101" pitchFamily="2" charset="-122"/>
-                <a:ea typeface="DengXian" panose="02010600030101010101" pitchFamily="2" charset="-122"/>
-              </a:rPr>
-              <a:t>edge1</a:t>
-            </a:r>
-          </a:p>
-        </p:txBody>
-      </p:sp>
-      <p:cxnSp>
-        <p:nvCxnSpPr>
-          <p:cNvPr id="4" name="直线箭头连接符 6" descr="jytjh">
-            <a:extLst>
-              <a:ext uri="{FF2B5EF4-FFF2-40B4-BE49-F238E27FC236}">
-                <a16:creationId xmlns:a16="http://schemas.microsoft.com/office/drawing/2014/main" id="{F78EFA5A-18FA-75E8-F0C6-F92E73F41374}"/>
-              </a:ext>
-            </a:extLst>
-          </p:cNvPr>
-          <p:cNvCxnSpPr>
-            <a:cxnSpLocks/>
-            <a:stCxn id="3" idx="1"/>
-            <a:endCxn id="5" idx="3"/>
-          </p:cNvCxnSpPr>
-          <p:nvPr/>
-        </p:nvCxnSpPr>
-        <p:spPr>
-          <a:xfrm flipH="1" flipV="1">
-            <a:off x="3902765" y="3434295"/>
-            <a:ext cx="4505740" cy="1184456"/>
-          </a:xfrm>
-          <a:prstGeom prst="straightConnector1">
-            <a:avLst/>
-          </a:prstGeom>
-          <a:ln w="19050">
-            <a:solidFill>
-              <a:schemeClr val="tx1"/>
-            </a:solidFill>
-            <a:headEnd type="none" w="lg" len="med"/>
-            <a:tailEnd type="arrow" w="sm" len="lg"/>
-          </a:ln>
-        </p:spPr>
-        <p:style>
-          <a:lnRef idx="1">
-            <a:schemeClr val="accent1"/>
-          </a:lnRef>
-          <a:fillRef idx="0">
-            <a:schemeClr val="accent1"/>
-          </a:fillRef>
-          <a:effectRef idx="0">
-            <a:schemeClr val="accent1"/>
-          </a:effectRef>
-          <a:fontRef idx="minor">
-            <a:schemeClr val="tx1"/>
-          </a:fontRef>
-        </p:style>
-      </p:cxnSp>
-      <p:sp>
-        <p:nvSpPr>
-          <p:cNvPr id="3" name="矩形 9">
-            <a:extLst>
-              <a:ext uri="{FF2B5EF4-FFF2-40B4-BE49-F238E27FC236}">
-                <a16:creationId xmlns:a16="http://schemas.microsoft.com/office/drawing/2014/main" id="{EEEE5731-4C0C-2B16-C159-9E67255E1164}"/>
-              </a:ext>
-            </a:extLst>
-          </p:cNvPr>
-          <p:cNvSpPr/>
-          <p:nvPr/>
-        </p:nvSpPr>
-        <p:spPr>
-          <a:xfrm>
-            <a:off x="8408505" y="4366177"/>
-            <a:ext cx="1531698" cy="505147"/>
-          </a:xfrm>
-          <a:prstGeom prst="rect">
-            <a:avLst/>
-          </a:prstGeom>
-          <a:solidFill>
-            <a:schemeClr val="accent5">
-              <a:lumMod val="60000"/>
-              <a:lumOff val="40000"/>
-            </a:schemeClr>
-          </a:solidFill>
-          <a:ln w="25400">
-            <a:solidFill>
-              <a:schemeClr val="tx1"/>
-            </a:solidFill>
-          </a:ln>
-        </p:spPr>
-        <p:style>
-          <a:lnRef idx="2">
-            <a:schemeClr val="accent2">
-              <a:shade val="50000"/>
-            </a:schemeClr>
-          </a:lnRef>
-          <a:fillRef idx="1">
-            <a:schemeClr val="accent2"/>
-          </a:fillRef>
-          <a:effectRef idx="0">
-            <a:schemeClr val="accent2"/>
-          </a:effectRef>
-          <a:fontRef idx="minor">
-            <a:schemeClr val="lt1"/>
-          </a:fontRef>
-        </p:style>
-        <p:txBody>
-          <a:bodyPr rtlCol="0" anchor="ctr"/>
-          <a:lstStyle/>
-          <a:p>
-            <a:pPr algn="ctr"/>
-            <a:r>
-              <a:rPr kumimoji="1" lang="en-US" altLang="zh-CN" sz="1200" b="1" dirty="0">
-                <a:solidFill>
-                  <a:sysClr val="windowText" lastClr="000000"/>
-                </a:solidFill>
-              </a:rPr>
-              <a:t>dst2</a:t>
-            </a:r>
-            <a:r>
-              <a:rPr kumimoji="1" lang="zh-CN" altLang="en-US" sz="1200" dirty="0">
-                <a:solidFill>
-                  <a:sysClr val="windowText" lastClr="000000"/>
-                </a:solidFill>
-              </a:rPr>
-              <a:t> </a:t>
-            </a:r>
-            <a:r>
-              <a:rPr kumimoji="1" lang="en-US" altLang="zh-CN" sz="1200" dirty="0">
-                <a:solidFill>
-                  <a:sysClr val="windowText" lastClr="000000"/>
-                </a:solidFill>
-              </a:rPr>
-              <a:t>:</a:t>
-            </a:r>
-            <a:r>
-              <a:rPr kumimoji="1" lang="zh-CN" altLang="en-US" sz="1200" dirty="0">
-                <a:solidFill>
-                  <a:sysClr val="windowText" lastClr="000000"/>
-                </a:solidFill>
-              </a:rPr>
-              <a:t> </a:t>
-            </a:r>
-            <a:r>
-              <a:rPr kumimoji="1" lang="en-US" altLang="zh-CN" sz="1200" dirty="0">
-                <a:solidFill>
-                  <a:sysClr val="windowText" lastClr="000000"/>
-                </a:solidFill>
-              </a:rPr>
-              <a:t>Account</a:t>
-            </a:r>
-            <a:endParaRPr kumimoji="1" lang="zh-CN" altLang="en-US" sz="1200" dirty="0">
-              <a:solidFill>
-                <a:sysClr val="windowText" lastClr="000000"/>
-              </a:solidFill>
-            </a:endParaRPr>
-          </a:p>
-        </p:txBody>
-      </p:sp>
     </p:spTree>
     <p:extLst>
       <p:ext uri="{BB962C8B-B14F-4D97-AF65-F5344CB8AC3E}">
@@ -7099,20 +7120,12 @@
             <a:p>
               <a:pPr algn="ctr"/>
               <a:r>
-                <a:rPr kumimoji="1" lang="en-US" altLang="zh-CN" sz="1200" b="1" dirty="0" err="1">
-                  <a:solidFill>
-                    <a:sysClr val="windowText" lastClr="000000"/>
-                  </a:solidFill>
-                </a:rPr>
-                <a:t>dst</a:t>
-              </a:r>
-              <a:r>
                 <a:rPr kumimoji="1" lang="en-US" altLang="zh-CN" sz="1200" b="1" dirty="0">
                   <a:solidFill>
                     <a:sysClr val="windowText" lastClr="000000"/>
                   </a:solidFill>
                 </a:rPr>
-                <a:t>:</a:t>
+                <a:t>dst1:</a:t>
               </a:r>
               <a:r>
                 <a:rPr kumimoji="1" lang="zh-CN" altLang="en-US" sz="1200" b="1" dirty="0">
@@ -7192,20 +7205,12 @@
             <a:p>
               <a:pPr algn="ctr"/>
               <a:r>
-                <a:rPr kumimoji="1" lang="en-US" altLang="zh-CN" sz="1200" b="1" dirty="0" err="1">
-                  <a:solidFill>
-                    <a:sysClr val="windowText" lastClr="000000"/>
-                  </a:solidFill>
-                </a:rPr>
-                <a:t>dst</a:t>
-              </a:r>
-              <a:r>
                 <a:rPr kumimoji="1" lang="en-US" altLang="zh-CN" sz="1200" b="1" dirty="0">
                   <a:solidFill>
                     <a:sysClr val="windowText" lastClr="000000"/>
                   </a:solidFill>
                 </a:rPr>
-                <a:t>:</a:t>
+                <a:t>dst2:</a:t>
               </a:r>
               <a:r>
                 <a:rPr kumimoji="1" lang="zh-CN" altLang="en-US" sz="1200" b="1" dirty="0">
@@ -8141,12 +8146,12 @@
           <a:p>
             <a:pPr algn="ctr"/>
             <a:r>
-              <a:rPr kumimoji="1" lang="en-US" altLang="zh-CN" sz="1200" b="1" dirty="0" err="1">
+              <a:rPr kumimoji="1" lang="en-US" altLang="zh-CN" sz="1200" b="1" dirty="0">
                 <a:solidFill>
                   <a:sysClr val="windowText" lastClr="000000"/>
                 </a:solidFill>
               </a:rPr>
-              <a:t>src</a:t>
+              <a:t>src2</a:t>
             </a:r>
             <a:r>
               <a:rPr kumimoji="1" lang="zh-CN" altLang="en-US" sz="1200" dirty="0">
@@ -8351,12 +8356,12 @@
           <a:p>
             <a:pPr algn="ctr"/>
             <a:r>
-              <a:rPr kumimoji="1" lang="en-US" altLang="zh-CN" sz="1200" b="1" dirty="0" err="1">
+              <a:rPr kumimoji="1" lang="en-US" altLang="zh-CN" sz="1200" b="1" dirty="0">
                 <a:solidFill>
                   <a:sysClr val="windowText" lastClr="000000"/>
                 </a:solidFill>
               </a:rPr>
-              <a:t>src</a:t>
+              <a:t>src1</a:t>
             </a:r>
             <a:r>
               <a:rPr kumimoji="1" lang="zh-CN" altLang="en-US" sz="1200" dirty="0">
@@ -8520,6 +8525,1825 @@
       </p:grpSpPr>
       <p:grpSp>
         <p:nvGrpSpPr>
+          <p:cNvPr id="31" name="Group 30">
+            <a:extLst>
+              <a:ext uri="{FF2B5EF4-FFF2-40B4-BE49-F238E27FC236}">
+                <a16:creationId xmlns:a16="http://schemas.microsoft.com/office/drawing/2014/main" id="{28B695F6-1443-28CA-72DB-1C63B4970414}"/>
+              </a:ext>
+            </a:extLst>
+          </p:cNvPr>
+          <p:cNvGrpSpPr/>
+          <p:nvPr/>
+        </p:nvGrpSpPr>
+        <p:grpSpPr>
+          <a:xfrm>
+            <a:off x="1937183" y="2829558"/>
+            <a:ext cx="1471936" cy="738264"/>
+            <a:chOff x="1488974" y="3296697"/>
+            <a:chExt cx="1471936" cy="738264"/>
+          </a:xfrm>
+        </p:grpSpPr>
+        <p:sp>
+          <p:nvSpPr>
+            <p:cNvPr id="5" name="矩形 4">
+              <a:extLst>
+                <a:ext uri="{FF2B5EF4-FFF2-40B4-BE49-F238E27FC236}">
+                  <a16:creationId xmlns:a16="http://schemas.microsoft.com/office/drawing/2014/main" id="{4F7CE573-D2EE-B544-9AF9-A133E6C5E6B5}"/>
+                </a:ext>
+              </a:extLst>
+            </p:cNvPr>
+            <p:cNvSpPr/>
+            <p:nvPr/>
+          </p:nvSpPr>
+          <p:spPr>
+            <a:xfrm>
+              <a:off x="1488974" y="3296697"/>
+              <a:ext cx="1471936" cy="430356"/>
+            </a:xfrm>
+            <a:prstGeom prst="rect">
+              <a:avLst/>
+            </a:prstGeom>
+            <a:solidFill>
+              <a:schemeClr val="accent5">
+                <a:lumMod val="60000"/>
+                <a:lumOff val="40000"/>
+              </a:schemeClr>
+            </a:solidFill>
+            <a:ln w="25400">
+              <a:solidFill>
+                <a:schemeClr val="tx1"/>
+              </a:solidFill>
+            </a:ln>
+          </p:spPr>
+          <p:style>
+            <a:lnRef idx="2">
+              <a:schemeClr val="accent2">
+                <a:shade val="50000"/>
+              </a:schemeClr>
+            </a:lnRef>
+            <a:fillRef idx="1">
+              <a:schemeClr val="accent2"/>
+            </a:fillRef>
+            <a:effectRef idx="0">
+              <a:schemeClr val="accent2"/>
+            </a:effectRef>
+            <a:fontRef idx="minor">
+              <a:schemeClr val="lt1"/>
+            </a:fontRef>
+          </p:style>
+          <p:txBody>
+            <a:bodyPr rtlCol="0" anchor="ctr"/>
+            <a:lstStyle/>
+            <a:p>
+              <a:pPr algn="ctr"/>
+              <a:r>
+                <a:rPr kumimoji="1" lang="en-US" altLang="zh-CN" sz="1200" b="1" dirty="0" err="1">
+                  <a:solidFill>
+                    <a:sysClr val="windowText" lastClr="000000"/>
+                  </a:solidFill>
+                </a:rPr>
+                <a:t>src</a:t>
+              </a:r>
+              <a:r>
+                <a:rPr kumimoji="1" lang="zh-CN" altLang="en-US" sz="1200" dirty="0">
+                  <a:solidFill>
+                    <a:sysClr val="windowText" lastClr="000000"/>
+                  </a:solidFill>
+                </a:rPr>
+                <a:t> </a:t>
+              </a:r>
+              <a:r>
+                <a:rPr kumimoji="1" lang="en-US" altLang="zh-CN" sz="1200" dirty="0">
+                  <a:solidFill>
+                    <a:sysClr val="windowText" lastClr="000000"/>
+                  </a:solidFill>
+                </a:rPr>
+                <a:t>:</a:t>
+              </a:r>
+              <a:r>
+                <a:rPr kumimoji="1" lang="zh-CN" altLang="en-US" sz="1200" dirty="0">
+                  <a:solidFill>
+                    <a:sysClr val="windowText" lastClr="000000"/>
+                  </a:solidFill>
+                </a:rPr>
+                <a:t> </a:t>
+              </a:r>
+              <a:r>
+                <a:rPr kumimoji="1" lang="en-US" altLang="zh-CN" sz="1200" dirty="0">
+                  <a:solidFill>
+                    <a:sysClr val="windowText" lastClr="000000"/>
+                  </a:solidFill>
+                </a:rPr>
+                <a:t>Account</a:t>
+              </a:r>
+              <a:endParaRPr kumimoji="1" lang="zh-CN" altLang="en-US" sz="1200" dirty="0">
+                <a:solidFill>
+                  <a:sysClr val="windowText" lastClr="000000"/>
+                </a:solidFill>
+              </a:endParaRPr>
+            </a:p>
+          </p:txBody>
+        </p:sp>
+        <p:sp>
+          <p:nvSpPr>
+            <p:cNvPr id="6" name="矩形 5">
+              <a:extLst>
+                <a:ext uri="{FF2B5EF4-FFF2-40B4-BE49-F238E27FC236}">
+                  <a16:creationId xmlns:a16="http://schemas.microsoft.com/office/drawing/2014/main" id="{D9E4A41A-CB40-AC47-87AB-621C9DE49842}"/>
+                </a:ext>
+              </a:extLst>
+            </p:cNvPr>
+            <p:cNvSpPr/>
+            <p:nvPr/>
+          </p:nvSpPr>
+          <p:spPr>
+            <a:xfrm>
+              <a:off x="1488974" y="3727053"/>
+              <a:ext cx="1471935" cy="307908"/>
+            </a:xfrm>
+            <a:prstGeom prst="rect">
+              <a:avLst/>
+            </a:prstGeom>
+            <a:noFill/>
+            <a:ln w="25400">
+              <a:solidFill>
+                <a:schemeClr val="tx1"/>
+              </a:solidFill>
+            </a:ln>
+          </p:spPr>
+          <p:style>
+            <a:lnRef idx="2">
+              <a:schemeClr val="accent2">
+                <a:shade val="50000"/>
+              </a:schemeClr>
+            </a:lnRef>
+            <a:fillRef idx="1">
+              <a:schemeClr val="accent2"/>
+            </a:fillRef>
+            <a:effectRef idx="0">
+              <a:schemeClr val="accent2"/>
+            </a:effectRef>
+            <a:fontRef idx="minor">
+              <a:schemeClr val="lt1"/>
+            </a:fontRef>
+          </p:style>
+          <p:txBody>
+            <a:bodyPr rtlCol="0" anchor="ctr"/>
+            <a:lstStyle/>
+            <a:p>
+              <a:pPr algn="ctr"/>
+              <a:r>
+                <a:rPr kumimoji="1" lang="en-US" altLang="zh-CN" sz="1200" b="1" dirty="0" err="1">
+                  <a:solidFill>
+                    <a:sysClr val="windowText" lastClr="000000"/>
+                  </a:solidFill>
+                  <a:latin typeface="DengXian" panose="02010600030101010101" pitchFamily="2" charset="-122"/>
+                  <a:ea typeface="DengXian" panose="02010600030101010101" pitchFamily="2" charset="-122"/>
+                </a:rPr>
+                <a:t>src</a:t>
+              </a:r>
+              <a:r>
+                <a:rPr kumimoji="1" lang="en-US" altLang="zh-CN" sz="1200" dirty="0" err="1">
+                  <a:solidFill>
+                    <a:sysClr val="windowText" lastClr="000000"/>
+                  </a:solidFill>
+                  <a:latin typeface="DengXian" panose="02010600030101010101" pitchFamily="2" charset="-122"/>
+                  <a:ea typeface="DengXian" panose="02010600030101010101" pitchFamily="2" charset="-122"/>
+                </a:rPr>
+                <a:t>.id</a:t>
+              </a:r>
+              <a:r>
+                <a:rPr kumimoji="1" lang="zh-CN" altLang="en-US" sz="1200" dirty="0">
+                  <a:solidFill>
+                    <a:sysClr val="windowText" lastClr="000000"/>
+                  </a:solidFill>
+                  <a:latin typeface="DengXian" panose="02010600030101010101" pitchFamily="2" charset="-122"/>
+                  <a:ea typeface="DengXian" panose="02010600030101010101" pitchFamily="2" charset="-122"/>
+                </a:rPr>
+                <a:t> </a:t>
+              </a:r>
+              <a:r>
+                <a:rPr kumimoji="1" lang="en-US" altLang="zh-CN" sz="1200" dirty="0">
+                  <a:solidFill>
+                    <a:sysClr val="windowText" lastClr="000000"/>
+                  </a:solidFill>
+                  <a:latin typeface="DengXian" panose="02010600030101010101" pitchFamily="2" charset="-122"/>
+                  <a:ea typeface="DengXian" panose="02010600030101010101" pitchFamily="2" charset="-122"/>
+                </a:rPr>
+                <a:t>=</a:t>
+              </a:r>
+              <a:r>
+                <a:rPr kumimoji="1" lang="zh-CN" altLang="en-US" sz="1200" dirty="0">
+                  <a:solidFill>
+                    <a:sysClr val="windowText" lastClr="000000"/>
+                  </a:solidFill>
+                  <a:latin typeface="DengXian" panose="02010600030101010101" pitchFamily="2" charset="-122"/>
+                  <a:ea typeface="DengXian" panose="02010600030101010101" pitchFamily="2" charset="-122"/>
+                </a:rPr>
+                <a:t> </a:t>
+              </a:r>
+              <a:r>
+                <a:rPr kumimoji="1" lang="en-US" altLang="zh-CN" sz="1200" dirty="0">
+                  <a:solidFill>
+                    <a:sysClr val="windowText" lastClr="000000"/>
+                  </a:solidFill>
+                  <a:latin typeface="DengXian" panose="02010600030101010101" pitchFamily="2" charset="-122"/>
+                  <a:ea typeface="DengXian" panose="02010600030101010101" pitchFamily="2" charset="-122"/>
+                </a:rPr>
+                <a:t>${id}</a:t>
+              </a:r>
+              <a:endParaRPr kumimoji="1" lang="zh-CN" altLang="en-US" sz="1200" dirty="0">
+                <a:solidFill>
+                  <a:sysClr val="windowText" lastClr="000000"/>
+                </a:solidFill>
+                <a:latin typeface="DengXian" panose="02010600030101010101" pitchFamily="2" charset="-122"/>
+                <a:ea typeface="DengXian" panose="02010600030101010101" pitchFamily="2" charset="-122"/>
+              </a:endParaRPr>
+            </a:p>
+          </p:txBody>
+        </p:sp>
+      </p:grpSp>
+      <p:cxnSp>
+        <p:nvCxnSpPr>
+          <p:cNvPr id="7" name="直线箭头连接符 6" descr="jytjh">
+            <a:extLst>
+              <a:ext uri="{FF2B5EF4-FFF2-40B4-BE49-F238E27FC236}">
+                <a16:creationId xmlns:a16="http://schemas.microsoft.com/office/drawing/2014/main" id="{5EE9E8BB-90C9-D248-91C8-388F49AE071F}"/>
+              </a:ext>
+            </a:extLst>
+          </p:cNvPr>
+          <p:cNvCxnSpPr>
+            <a:cxnSpLocks/>
+            <a:stCxn id="5" idx="3"/>
+            <a:endCxn id="9" idx="1"/>
+          </p:cNvCxnSpPr>
+          <p:nvPr/>
+        </p:nvCxnSpPr>
+        <p:spPr>
+          <a:xfrm>
+            <a:off x="3409119" y="3044736"/>
+            <a:ext cx="1472010" cy="0"/>
+          </a:xfrm>
+          <a:prstGeom prst="straightConnector1">
+            <a:avLst/>
+          </a:prstGeom>
+          <a:ln w="19050">
+            <a:solidFill>
+              <a:schemeClr val="tx1"/>
+            </a:solidFill>
+            <a:headEnd type="arrow" w="sm" len="lg"/>
+            <a:tailEnd type="none" w="sm" len="lg"/>
+          </a:ln>
+        </p:spPr>
+        <p:style>
+          <a:lnRef idx="1">
+            <a:schemeClr val="accent1"/>
+          </a:lnRef>
+          <a:fillRef idx="0">
+            <a:schemeClr val="accent1"/>
+          </a:fillRef>
+          <a:effectRef idx="0">
+            <a:schemeClr val="accent1"/>
+          </a:effectRef>
+          <a:fontRef idx="minor">
+            <a:schemeClr val="tx1"/>
+          </a:fontRef>
+        </p:style>
+      </p:cxnSp>
+      <p:sp>
+        <p:nvSpPr>
+          <p:cNvPr id="9" name="矩形 8">
+            <a:extLst>
+              <a:ext uri="{FF2B5EF4-FFF2-40B4-BE49-F238E27FC236}">
+                <a16:creationId xmlns:a16="http://schemas.microsoft.com/office/drawing/2014/main" id="{5ED561C5-57DC-D443-A819-254591D1E4E8}"/>
+              </a:ext>
+            </a:extLst>
+          </p:cNvPr>
+          <p:cNvSpPr/>
+          <p:nvPr/>
+        </p:nvSpPr>
+        <p:spPr>
+          <a:xfrm>
+            <a:off x="4881129" y="2829558"/>
+            <a:ext cx="1294383" cy="430356"/>
+          </a:xfrm>
+          <a:prstGeom prst="rect">
+            <a:avLst/>
+          </a:prstGeom>
+          <a:solidFill>
+            <a:schemeClr val="accent5">
+              <a:lumMod val="60000"/>
+              <a:lumOff val="40000"/>
+            </a:schemeClr>
+          </a:solidFill>
+          <a:ln w="25400">
+            <a:solidFill>
+              <a:schemeClr val="tx1"/>
+            </a:solidFill>
+          </a:ln>
+        </p:spPr>
+        <p:style>
+          <a:lnRef idx="2">
+            <a:schemeClr val="accent2">
+              <a:shade val="50000"/>
+            </a:schemeClr>
+          </a:lnRef>
+          <a:fillRef idx="1">
+            <a:schemeClr val="accent2"/>
+          </a:fillRef>
+          <a:effectRef idx="0">
+            <a:schemeClr val="accent2"/>
+          </a:effectRef>
+          <a:fontRef idx="minor">
+            <a:schemeClr val="lt1"/>
+          </a:fontRef>
+        </p:style>
+        <p:txBody>
+          <a:bodyPr rtlCol="0" anchor="ctr"/>
+          <a:lstStyle/>
+          <a:p>
+            <a:pPr algn="ctr"/>
+            <a:r>
+              <a:rPr kumimoji="1" lang="en-US" altLang="zh-CN" sz="1200" b="1" dirty="0">
+                <a:solidFill>
+                  <a:sysClr val="windowText" lastClr="000000"/>
+                </a:solidFill>
+              </a:rPr>
+              <a:t>mid</a:t>
+            </a:r>
+            <a:r>
+              <a:rPr kumimoji="1" lang="zh-CN" altLang="en-US" sz="1200" dirty="0">
+                <a:solidFill>
+                  <a:sysClr val="windowText" lastClr="000000"/>
+                </a:solidFill>
+              </a:rPr>
+              <a:t> </a:t>
+            </a:r>
+            <a:r>
+              <a:rPr kumimoji="1" lang="en-US" altLang="zh-CN" sz="1200" dirty="0">
+                <a:solidFill>
+                  <a:sysClr val="windowText" lastClr="000000"/>
+                </a:solidFill>
+              </a:rPr>
+              <a:t>:</a:t>
+            </a:r>
+            <a:r>
+              <a:rPr kumimoji="1" lang="zh-CN" altLang="en-US" sz="1200" dirty="0">
+                <a:solidFill>
+                  <a:sysClr val="windowText" lastClr="000000"/>
+                </a:solidFill>
+              </a:rPr>
+              <a:t> </a:t>
+            </a:r>
+            <a:r>
+              <a:rPr kumimoji="1" lang="en-US" altLang="zh-CN" sz="1200" dirty="0">
+                <a:solidFill>
+                  <a:sysClr val="windowText" lastClr="000000"/>
+                </a:solidFill>
+              </a:rPr>
+              <a:t>Account</a:t>
+            </a:r>
+            <a:endParaRPr kumimoji="1" lang="zh-CN" altLang="en-US" sz="1200" dirty="0">
+              <a:solidFill>
+                <a:sysClr val="windowText" lastClr="000000"/>
+              </a:solidFill>
+            </a:endParaRPr>
+          </a:p>
+        </p:txBody>
+      </p:sp>
+      <p:grpSp>
+        <p:nvGrpSpPr>
+          <p:cNvPr id="13" name="Group 12">
+            <a:extLst>
+              <a:ext uri="{FF2B5EF4-FFF2-40B4-BE49-F238E27FC236}">
+                <a16:creationId xmlns:a16="http://schemas.microsoft.com/office/drawing/2014/main" id="{BC038B88-1BC9-2CB0-DCF5-7FB8F4454790}"/>
+              </a:ext>
+            </a:extLst>
+          </p:cNvPr>
+          <p:cNvGrpSpPr/>
+          <p:nvPr/>
+        </p:nvGrpSpPr>
+        <p:grpSpPr>
+          <a:xfrm>
+            <a:off x="8091525" y="2829558"/>
+            <a:ext cx="1977761" cy="953444"/>
+            <a:chOff x="9087804" y="3296697"/>
+            <a:chExt cx="2114289" cy="953444"/>
+          </a:xfrm>
+        </p:grpSpPr>
+        <p:sp>
+          <p:nvSpPr>
+            <p:cNvPr id="10" name="矩形 9">
+              <a:extLst>
+                <a:ext uri="{FF2B5EF4-FFF2-40B4-BE49-F238E27FC236}">
+                  <a16:creationId xmlns:a16="http://schemas.microsoft.com/office/drawing/2014/main" id="{22EE813A-CCFA-3645-949F-45F605F0822E}"/>
+                </a:ext>
+              </a:extLst>
+            </p:cNvPr>
+            <p:cNvSpPr/>
+            <p:nvPr/>
+          </p:nvSpPr>
+          <p:spPr>
+            <a:xfrm>
+              <a:off x="9087804" y="3296697"/>
+              <a:ext cx="2114288" cy="430356"/>
+            </a:xfrm>
+            <a:prstGeom prst="rect">
+              <a:avLst/>
+            </a:prstGeom>
+            <a:solidFill>
+              <a:schemeClr val="accent5">
+                <a:lumMod val="60000"/>
+                <a:lumOff val="40000"/>
+              </a:schemeClr>
+            </a:solidFill>
+            <a:ln w="25400">
+              <a:solidFill>
+                <a:schemeClr val="tx1"/>
+              </a:solidFill>
+            </a:ln>
+          </p:spPr>
+          <p:style>
+            <a:lnRef idx="2">
+              <a:schemeClr val="accent2">
+                <a:shade val="50000"/>
+              </a:schemeClr>
+            </a:lnRef>
+            <a:fillRef idx="1">
+              <a:schemeClr val="accent2"/>
+            </a:fillRef>
+            <a:effectRef idx="0">
+              <a:schemeClr val="accent2"/>
+            </a:effectRef>
+            <a:fontRef idx="minor">
+              <a:schemeClr val="lt1"/>
+            </a:fontRef>
+          </p:style>
+          <p:txBody>
+            <a:bodyPr rtlCol="0" anchor="ctr"/>
+            <a:lstStyle/>
+            <a:p>
+              <a:pPr algn="ctr"/>
+              <a:r>
+                <a:rPr kumimoji="1" lang="en-US" altLang="zh-CN" sz="1200" b="1" dirty="0">
+                  <a:solidFill>
+                    <a:sysClr val="windowText" lastClr="000000"/>
+                  </a:solidFill>
+                </a:rPr>
+                <a:t>dst2</a:t>
+              </a:r>
+              <a:r>
+                <a:rPr kumimoji="1" lang="zh-CN" altLang="en-US" sz="1200" dirty="0">
+                  <a:solidFill>
+                    <a:sysClr val="windowText" lastClr="000000"/>
+                  </a:solidFill>
+                </a:rPr>
+                <a:t> </a:t>
+              </a:r>
+              <a:r>
+                <a:rPr kumimoji="1" lang="en-US" altLang="zh-CN" sz="1200" dirty="0">
+                  <a:solidFill>
+                    <a:sysClr val="windowText" lastClr="000000"/>
+                  </a:solidFill>
+                </a:rPr>
+                <a:t>:</a:t>
+              </a:r>
+              <a:r>
+                <a:rPr kumimoji="1" lang="zh-CN" altLang="en-US" sz="1200" dirty="0">
+                  <a:solidFill>
+                    <a:sysClr val="windowText" lastClr="000000"/>
+                  </a:solidFill>
+                </a:rPr>
+                <a:t> </a:t>
+              </a:r>
+              <a:r>
+                <a:rPr kumimoji="1" lang="en-US" altLang="zh-CN" sz="1200" dirty="0">
+                  <a:solidFill>
+                    <a:sysClr val="windowText" lastClr="000000"/>
+                  </a:solidFill>
+                </a:rPr>
+                <a:t>Account</a:t>
+              </a:r>
+              <a:endParaRPr kumimoji="1" lang="zh-CN" altLang="en-US" sz="1200" dirty="0">
+                <a:solidFill>
+                  <a:sysClr val="windowText" lastClr="000000"/>
+                </a:solidFill>
+              </a:endParaRPr>
+            </a:p>
+          </p:txBody>
+        </p:sp>
+        <p:sp>
+          <p:nvSpPr>
+            <p:cNvPr id="11" name="矩形 10">
+              <a:extLst>
+                <a:ext uri="{FF2B5EF4-FFF2-40B4-BE49-F238E27FC236}">
+                  <a16:creationId xmlns:a16="http://schemas.microsoft.com/office/drawing/2014/main" id="{A3D9F938-53F9-EC46-BCDA-603F1561FA36}"/>
+                </a:ext>
+              </a:extLst>
+            </p:cNvPr>
+            <p:cNvSpPr/>
+            <p:nvPr/>
+          </p:nvSpPr>
+          <p:spPr>
+            <a:xfrm>
+              <a:off x="9087804" y="3727055"/>
+              <a:ext cx="2114289" cy="523086"/>
+            </a:xfrm>
+            <a:prstGeom prst="rect">
+              <a:avLst/>
+            </a:prstGeom>
+            <a:noFill/>
+            <a:ln w="25400">
+              <a:solidFill>
+                <a:schemeClr val="tx1"/>
+              </a:solidFill>
+            </a:ln>
+          </p:spPr>
+          <p:style>
+            <a:lnRef idx="2">
+              <a:schemeClr val="accent2">
+                <a:shade val="50000"/>
+              </a:schemeClr>
+            </a:lnRef>
+            <a:fillRef idx="1">
+              <a:schemeClr val="accent2"/>
+            </a:fillRef>
+            <a:effectRef idx="0">
+              <a:schemeClr val="accent2"/>
+            </a:effectRef>
+            <a:fontRef idx="minor">
+              <a:schemeClr val="lt1"/>
+            </a:fontRef>
+          </p:style>
+          <p:txBody>
+            <a:bodyPr rtlCol="0" anchor="ctr"/>
+            <a:lstStyle/>
+            <a:p>
+              <a:pPr algn="ctr"/>
+              <a:r>
+                <a:rPr kumimoji="1" lang="en-US" altLang="zh-CN" sz="1200" b="1" dirty="0">
+                  <a:solidFill>
+                    <a:sysClr val="windowText" lastClr="000000"/>
+                  </a:solidFill>
+                  <a:latin typeface="DengXian" panose="02010600030101010101" pitchFamily="2" charset="-122"/>
+                  <a:ea typeface="DengXian" panose="02010600030101010101" pitchFamily="2" charset="-122"/>
+                </a:rPr>
+                <a:t>dst2</a:t>
+              </a:r>
+              <a:r>
+                <a:rPr kumimoji="1" lang="en-US" altLang="zh-CN" sz="1200" dirty="0">
+                  <a:solidFill>
+                    <a:sysClr val="windowText" lastClr="000000"/>
+                  </a:solidFill>
+                  <a:latin typeface="DengXian" panose="02010600030101010101" pitchFamily="2" charset="-122"/>
+                  <a:ea typeface="DengXian" panose="02010600030101010101" pitchFamily="2" charset="-122"/>
+                </a:rPr>
+                <a:t>.isBlocked</a:t>
+              </a:r>
+              <a:r>
+                <a:rPr kumimoji="1" lang="zh-CN" altLang="en-US" sz="1200" dirty="0">
+                  <a:solidFill>
+                    <a:sysClr val="windowText" lastClr="000000"/>
+                  </a:solidFill>
+                  <a:latin typeface="DengXian" panose="02010600030101010101" pitchFamily="2" charset="-122"/>
+                  <a:ea typeface="DengXian" panose="02010600030101010101" pitchFamily="2" charset="-122"/>
+                </a:rPr>
+                <a:t> </a:t>
+              </a:r>
+              <a:r>
+                <a:rPr kumimoji="1" lang="en-US" altLang="zh-CN" sz="1200" dirty="0">
+                  <a:solidFill>
+                    <a:sysClr val="windowText" lastClr="000000"/>
+                  </a:solidFill>
+                  <a:latin typeface="DengXian" panose="02010600030101010101" pitchFamily="2" charset="-122"/>
+                  <a:ea typeface="DengXian" panose="02010600030101010101" pitchFamily="2" charset="-122"/>
+                </a:rPr>
+                <a:t>=</a:t>
+              </a:r>
+              <a:r>
+                <a:rPr kumimoji="1" lang="zh-CN" altLang="en-US" sz="1200" dirty="0">
+                  <a:solidFill>
+                    <a:sysClr val="windowText" lastClr="000000"/>
+                  </a:solidFill>
+                  <a:latin typeface="DengXian" panose="02010600030101010101" pitchFamily="2" charset="-122"/>
+                  <a:ea typeface="DengXian" panose="02010600030101010101" pitchFamily="2" charset="-122"/>
+                </a:rPr>
+                <a:t> </a:t>
+              </a:r>
+              <a:r>
+                <a:rPr kumimoji="1" lang="en-US" altLang="zh-CN" sz="1200" dirty="0">
+                  <a:solidFill>
+                    <a:sysClr val="windowText" lastClr="000000"/>
+                  </a:solidFill>
+                  <a:latin typeface="DengXian" panose="02010600030101010101" pitchFamily="2" charset="-122"/>
+                  <a:ea typeface="DengXian" panose="02010600030101010101" pitchFamily="2" charset="-122"/>
+                </a:rPr>
+                <a:t>True</a:t>
+              </a:r>
+              <a:endParaRPr kumimoji="1" lang="zh-CN" altLang="en-US" sz="1200" dirty="0">
+                <a:solidFill>
+                  <a:sysClr val="windowText" lastClr="000000"/>
+                </a:solidFill>
+                <a:latin typeface="DengXian" panose="02010600030101010101" pitchFamily="2" charset="-122"/>
+                <a:ea typeface="DengXian" panose="02010600030101010101" pitchFamily="2" charset="-122"/>
+              </a:endParaRPr>
+            </a:p>
+          </p:txBody>
+        </p:sp>
+      </p:grpSp>
+      <p:cxnSp>
+        <p:nvCxnSpPr>
+          <p:cNvPr id="12" name="直线箭头连接符 11" descr="jytjh">
+            <a:extLst>
+              <a:ext uri="{FF2B5EF4-FFF2-40B4-BE49-F238E27FC236}">
+                <a16:creationId xmlns:a16="http://schemas.microsoft.com/office/drawing/2014/main" id="{F3A92E11-8BD3-BB4B-B091-A27598804000}"/>
+              </a:ext>
+            </a:extLst>
+          </p:cNvPr>
+          <p:cNvCxnSpPr>
+            <a:cxnSpLocks/>
+            <a:stCxn id="9" idx="3"/>
+            <a:endCxn id="10" idx="1"/>
+          </p:cNvCxnSpPr>
+          <p:nvPr/>
+        </p:nvCxnSpPr>
+        <p:spPr>
+          <a:xfrm>
+            <a:off x="6175512" y="3044736"/>
+            <a:ext cx="1916013" cy="0"/>
+          </a:xfrm>
+          <a:prstGeom prst="straightConnector1">
+            <a:avLst/>
+          </a:prstGeom>
+          <a:ln w="19050">
+            <a:solidFill>
+              <a:schemeClr val="tx1"/>
+            </a:solidFill>
+            <a:headEnd type="none" w="sm" len="lg"/>
+            <a:tailEnd type="arrow" w="sm" len="lg"/>
+          </a:ln>
+        </p:spPr>
+        <p:style>
+          <a:lnRef idx="1">
+            <a:schemeClr val="accent1"/>
+          </a:lnRef>
+          <a:fillRef idx="0">
+            <a:schemeClr val="accent1"/>
+          </a:fillRef>
+          <a:effectRef idx="0">
+            <a:schemeClr val="accent1"/>
+          </a:effectRef>
+          <a:fontRef idx="minor">
+            <a:schemeClr val="tx1"/>
+          </a:fontRef>
+        </p:style>
+      </p:cxnSp>
+      <p:sp>
+        <p:nvSpPr>
+          <p:cNvPr id="15" name="矩形 2">
+            <a:extLst>
+              <a:ext uri="{FF2B5EF4-FFF2-40B4-BE49-F238E27FC236}">
+                <a16:creationId xmlns:a16="http://schemas.microsoft.com/office/drawing/2014/main" id="{261E261B-04C2-D54A-A48E-E9B6DA36B3A9}"/>
+              </a:ext>
+            </a:extLst>
+          </p:cNvPr>
+          <p:cNvSpPr/>
+          <p:nvPr/>
+        </p:nvSpPr>
+        <p:spPr>
+          <a:xfrm>
+            <a:off x="7647521" y="1308652"/>
+            <a:ext cx="2607295" cy="4240696"/>
+          </a:xfrm>
+          <a:prstGeom prst="rect">
+            <a:avLst/>
+          </a:prstGeom>
+          <a:noFill/>
+          <a:ln w="25400">
+            <a:solidFill>
+              <a:schemeClr val="tx1"/>
+            </a:solidFill>
+            <a:prstDash val="dash"/>
+          </a:ln>
+        </p:spPr>
+        <p:style>
+          <a:lnRef idx="2">
+            <a:schemeClr val="accent2">
+              <a:shade val="50000"/>
+            </a:schemeClr>
+          </a:lnRef>
+          <a:fillRef idx="1">
+            <a:schemeClr val="accent2"/>
+          </a:fillRef>
+          <a:effectRef idx="0">
+            <a:schemeClr val="accent2"/>
+          </a:effectRef>
+          <a:fontRef idx="minor">
+            <a:schemeClr val="lt1"/>
+          </a:fontRef>
+        </p:style>
+        <p:txBody>
+          <a:bodyPr bIns="108000" rtlCol="0" anchor="b"/>
+          <a:lstStyle/>
+          <a:p>
+            <a:pPr algn="ctr"/>
+            <a:r>
+              <a:rPr kumimoji="1" lang="en-US" altLang="zh-CN" sz="1200" b="1" dirty="0">
+                <a:solidFill>
+                  <a:srgbClr val="FF0000"/>
+                </a:solidFill>
+                <a:latin typeface="DengXian" panose="02010600030101010101" pitchFamily="2" charset="-122"/>
+                <a:ea typeface="DengXian" panose="02010600030101010101" pitchFamily="2" charset="-122"/>
+              </a:rPr>
+              <a:t>RESULT</a:t>
+            </a:r>
+            <a:r>
+              <a:rPr kumimoji="1" lang="zh-CN" altLang="en-US" sz="1200" b="1" dirty="0">
+                <a:solidFill>
+                  <a:sysClr val="windowText" lastClr="000000"/>
+                </a:solidFill>
+                <a:latin typeface="DengXian" panose="02010600030101010101" pitchFamily="2" charset="-122"/>
+                <a:ea typeface="DengXian" panose="02010600030101010101" pitchFamily="2" charset="-122"/>
+              </a:rPr>
+              <a:t> </a:t>
+            </a:r>
+            <a:r>
+              <a:rPr kumimoji="1" lang="en-US" altLang="zh-CN" sz="1200" dirty="0">
+                <a:solidFill>
+                  <a:sysClr val="windowText" lastClr="000000"/>
+                </a:solidFill>
+                <a:latin typeface="DengXian" panose="02010600030101010101" pitchFamily="2" charset="-122"/>
+                <a:ea typeface="DengXian" panose="02010600030101010101" pitchFamily="2" charset="-122"/>
+              </a:rPr>
+              <a:t>COLLECT(</a:t>
+            </a:r>
+            <a:r>
+              <a:rPr kumimoji="1" lang="en-US" altLang="zh-CN" sz="1200" b="1" dirty="0" err="1">
+                <a:solidFill>
+                  <a:sysClr val="windowText" lastClr="000000"/>
+                </a:solidFill>
+                <a:latin typeface="DengXian" panose="02010600030101010101" pitchFamily="2" charset="-122"/>
+                <a:ea typeface="DengXian" panose="02010600030101010101" pitchFamily="2" charset="-122"/>
+              </a:rPr>
+              <a:t>dst</a:t>
+            </a:r>
+            <a:r>
+              <a:rPr kumimoji="1" lang="en-US" altLang="zh-CN" sz="1200" dirty="0" err="1">
+                <a:solidFill>
+                  <a:sysClr val="windowText" lastClr="000000"/>
+                </a:solidFill>
+                <a:latin typeface="DengXian" panose="02010600030101010101" pitchFamily="2" charset="-122"/>
+                <a:ea typeface="DengXian" panose="02010600030101010101" pitchFamily="2" charset="-122"/>
+              </a:rPr>
+              <a:t>.id</a:t>
+            </a:r>
+            <a:r>
+              <a:rPr kumimoji="1" lang="en-US" altLang="zh-CN" sz="1200" dirty="0">
+                <a:solidFill>
+                  <a:sysClr val="windowText" lastClr="000000"/>
+                </a:solidFill>
+                <a:latin typeface="DengXian" panose="02010600030101010101" pitchFamily="2" charset="-122"/>
+                <a:ea typeface="DengXian" panose="02010600030101010101" pitchFamily="2" charset="-122"/>
+              </a:rPr>
+              <a:t>)</a:t>
+            </a:r>
+          </a:p>
+        </p:txBody>
+      </p:sp>
+      <p:sp>
+        <p:nvSpPr>
+          <p:cNvPr id="17" name="文本框 7">
+            <a:extLst>
+              <a:ext uri="{FF2B5EF4-FFF2-40B4-BE49-F238E27FC236}">
+                <a16:creationId xmlns:a16="http://schemas.microsoft.com/office/drawing/2014/main" id="{1FDDA513-8732-C844-A094-0CA246E1850F}"/>
+              </a:ext>
+            </a:extLst>
+          </p:cNvPr>
+          <p:cNvSpPr txBox="1"/>
+          <p:nvPr/>
+        </p:nvSpPr>
+        <p:spPr>
+          <a:xfrm>
+            <a:off x="3531691" y="2797912"/>
+            <a:ext cx="1047881" cy="276999"/>
+          </a:xfrm>
+          <a:prstGeom prst="rect">
+            <a:avLst/>
+          </a:prstGeom>
+          <a:noFill/>
+        </p:spPr>
+        <p:txBody>
+          <a:bodyPr wrap="square" rtlCol="0">
+            <a:spAutoFit/>
+          </a:bodyPr>
+          <a:lstStyle/>
+          <a:p>
+            <a:pPr algn="ctr"/>
+            <a:r>
+              <a:rPr kumimoji="1" lang="en-US" altLang="zh-CN" sz="1200" b="1" dirty="0">
+                <a:latin typeface="DengXian" panose="02010600030101010101" pitchFamily="2" charset="-122"/>
+                <a:ea typeface="DengXian" panose="02010600030101010101" pitchFamily="2" charset="-122"/>
+              </a:rPr>
+              <a:t>edge1</a:t>
+            </a:r>
+          </a:p>
+        </p:txBody>
+      </p:sp>
+      <p:sp>
+        <p:nvSpPr>
+          <p:cNvPr id="19" name="文本框 12">
+            <a:extLst>
+              <a:ext uri="{FF2B5EF4-FFF2-40B4-BE49-F238E27FC236}">
+                <a16:creationId xmlns:a16="http://schemas.microsoft.com/office/drawing/2014/main" id="{D6636CF5-2D89-8E4F-9632-B024AF0F9754}"/>
+              </a:ext>
+            </a:extLst>
+          </p:cNvPr>
+          <p:cNvSpPr txBox="1"/>
+          <p:nvPr/>
+        </p:nvSpPr>
+        <p:spPr>
+          <a:xfrm>
+            <a:off x="1837394" y="3858536"/>
+            <a:ext cx="2305867" cy="646331"/>
+          </a:xfrm>
+          <a:prstGeom prst="rect">
+            <a:avLst/>
+          </a:prstGeom>
+          <a:noFill/>
+        </p:spPr>
+        <p:txBody>
+          <a:bodyPr wrap="square" numCol="1" rtlCol="0">
+            <a:spAutoFit/>
+          </a:bodyPr>
+          <a:lstStyle/>
+          <a:p>
+            <a:r>
+              <a:rPr kumimoji="1" lang="en-US" altLang="zh-CN" sz="1200" b="1" dirty="0">
+                <a:latin typeface="DengXian" panose="02010600030101010101" pitchFamily="2" charset="-122"/>
+                <a:ea typeface="DengXian" panose="02010600030101010101" pitchFamily="2" charset="-122"/>
+              </a:rPr>
+              <a:t>edge1</a:t>
+            </a:r>
+            <a:r>
+              <a:rPr kumimoji="1" lang="en-US" altLang="zh-CN" sz="1200" dirty="0">
+                <a:latin typeface="DengXian" panose="02010600030101010101" pitchFamily="2" charset="-122"/>
+                <a:ea typeface="DengXian" panose="02010600030101010101" pitchFamily="2" charset="-122"/>
+              </a:rPr>
+              <a:t>:</a:t>
+            </a:r>
+            <a:r>
+              <a:rPr kumimoji="1" lang="zh-CN" altLang="en-US" sz="1200" dirty="0">
+                <a:latin typeface="DengXian" panose="02010600030101010101" pitchFamily="2" charset="-122"/>
+                <a:ea typeface="DengXian" panose="02010600030101010101" pitchFamily="2" charset="-122"/>
+              </a:rPr>
+              <a:t> </a:t>
+            </a:r>
+            <a:r>
+              <a:rPr kumimoji="1" lang="en-US" altLang="zh-CN" sz="1200" dirty="0">
+                <a:latin typeface="DengXian" panose="02010600030101010101" pitchFamily="2" charset="-122"/>
+                <a:ea typeface="DengXian" panose="02010600030101010101" pitchFamily="2" charset="-122"/>
+              </a:rPr>
+              <a:t>transfer</a:t>
+            </a:r>
+          </a:p>
+          <a:p>
+            <a:r>
+              <a:rPr kumimoji="1" lang="en-US" altLang="zh-CN" sz="1200" b="1" dirty="0">
+                <a:latin typeface="DengXian" panose="02010600030101010101" pitchFamily="2" charset="-122"/>
+                <a:ea typeface="DengXian" panose="02010600030101010101" pitchFamily="2" charset="-122"/>
+              </a:rPr>
+              <a:t>edge1</a:t>
+            </a:r>
+            <a:r>
+              <a:rPr kumimoji="1" lang="en-US" altLang="zh-CN" sz="1200" dirty="0">
+                <a:latin typeface="DengXian" panose="02010600030101010101" pitchFamily="2" charset="-122"/>
+                <a:ea typeface="DengXian" panose="02010600030101010101" pitchFamily="2" charset="-122"/>
+              </a:rPr>
+              <a:t>.timestamp</a:t>
+            </a:r>
+            <a:r>
+              <a:rPr kumimoji="1" lang="zh-CN" altLang="en-US" sz="1200" dirty="0">
+                <a:latin typeface="DengXian" panose="02010600030101010101" pitchFamily="2" charset="-122"/>
+                <a:ea typeface="DengXian" panose="02010600030101010101" pitchFamily="2" charset="-122"/>
+              </a:rPr>
+              <a:t> </a:t>
+            </a:r>
+            <a:r>
+              <a:rPr kumimoji="1" lang="en-US" altLang="zh-CN" sz="1200" dirty="0">
+                <a:latin typeface="DengXian" panose="02010600030101010101" pitchFamily="2" charset="-122"/>
+                <a:ea typeface="DengXian" panose="02010600030101010101" pitchFamily="2" charset="-122"/>
+              </a:rPr>
+              <a:t>&gt;</a:t>
+            </a:r>
+            <a:r>
+              <a:rPr kumimoji="1" lang="zh-CN" altLang="en-US" sz="1200" dirty="0">
+                <a:latin typeface="DengXian" panose="02010600030101010101" pitchFamily="2" charset="-122"/>
+                <a:ea typeface="DengXian" panose="02010600030101010101" pitchFamily="2" charset="-122"/>
+              </a:rPr>
+              <a:t> </a:t>
+            </a:r>
+            <a:r>
+              <a:rPr kumimoji="1" lang="en-US" altLang="zh-CN" sz="1200" dirty="0">
+                <a:latin typeface="DengXian" panose="02010600030101010101" pitchFamily="2" charset="-122"/>
+                <a:ea typeface="DengXian" panose="02010600030101010101" pitchFamily="2" charset="-122"/>
+              </a:rPr>
+              <a:t>${</a:t>
+            </a:r>
+            <a:r>
+              <a:rPr kumimoji="1" lang="en-US" altLang="zh-CN" sz="1200" dirty="0" err="1">
+                <a:latin typeface="DengXian" panose="02010600030101010101" pitchFamily="2" charset="-122"/>
+                <a:ea typeface="DengXian" panose="02010600030101010101" pitchFamily="2" charset="-122"/>
+              </a:rPr>
+              <a:t>startTime</a:t>
+            </a:r>
+            <a:r>
+              <a:rPr kumimoji="1" lang="en-US" altLang="zh-CN" sz="1200" dirty="0">
+                <a:latin typeface="DengXian" panose="02010600030101010101" pitchFamily="2" charset="-122"/>
+                <a:ea typeface="DengXian" panose="02010600030101010101" pitchFamily="2" charset="-122"/>
+              </a:rPr>
+              <a:t>}</a:t>
+            </a:r>
+          </a:p>
+          <a:p>
+            <a:r>
+              <a:rPr kumimoji="1" lang="en-US" altLang="zh-CN" sz="1200" b="1" dirty="0">
+                <a:latin typeface="DengXian" panose="02010600030101010101" pitchFamily="2" charset="-122"/>
+                <a:ea typeface="DengXian" panose="02010600030101010101" pitchFamily="2" charset="-122"/>
+              </a:rPr>
+              <a:t>edge1</a:t>
+            </a:r>
+            <a:r>
+              <a:rPr kumimoji="1" lang="en-US" altLang="zh-CN" sz="1200" dirty="0">
+                <a:latin typeface="DengXian" panose="02010600030101010101" pitchFamily="2" charset="-122"/>
+                <a:ea typeface="DengXian" panose="02010600030101010101" pitchFamily="2" charset="-122"/>
+              </a:rPr>
+              <a:t>.timestamp</a:t>
+            </a:r>
+            <a:r>
+              <a:rPr kumimoji="1" lang="zh-CN" altLang="en-US" sz="1200" dirty="0">
+                <a:latin typeface="DengXian" panose="02010600030101010101" pitchFamily="2" charset="-122"/>
+                <a:ea typeface="DengXian" panose="02010600030101010101" pitchFamily="2" charset="-122"/>
+              </a:rPr>
+              <a:t> </a:t>
+            </a:r>
+            <a:r>
+              <a:rPr kumimoji="1" lang="en-US" altLang="zh-CN" sz="1200" dirty="0">
+                <a:latin typeface="DengXian" panose="02010600030101010101" pitchFamily="2" charset="-122"/>
+                <a:ea typeface="DengXian" panose="02010600030101010101" pitchFamily="2" charset="-122"/>
+              </a:rPr>
+              <a:t>&lt;</a:t>
+            </a:r>
+            <a:r>
+              <a:rPr kumimoji="1" lang="zh-CN" altLang="en-US" sz="1200" dirty="0">
+                <a:latin typeface="DengXian" panose="02010600030101010101" pitchFamily="2" charset="-122"/>
+                <a:ea typeface="DengXian" panose="02010600030101010101" pitchFamily="2" charset="-122"/>
+              </a:rPr>
+              <a:t> </a:t>
+            </a:r>
+            <a:r>
+              <a:rPr kumimoji="1" lang="en-US" altLang="zh-CN" sz="1200" dirty="0">
+                <a:latin typeface="DengXian" panose="02010600030101010101" pitchFamily="2" charset="-122"/>
+                <a:ea typeface="DengXian" panose="02010600030101010101" pitchFamily="2" charset="-122"/>
+              </a:rPr>
+              <a:t>${</a:t>
+            </a:r>
+            <a:r>
+              <a:rPr kumimoji="1" lang="en-US" altLang="zh-CN" sz="1200" dirty="0" err="1">
+                <a:latin typeface="DengXian" panose="02010600030101010101" pitchFamily="2" charset="-122"/>
+                <a:ea typeface="DengXian" panose="02010600030101010101" pitchFamily="2" charset="-122"/>
+              </a:rPr>
+              <a:t>endTime</a:t>
+            </a:r>
+            <a:r>
+              <a:rPr kumimoji="1" lang="en-US" altLang="zh-CN" sz="1200" dirty="0">
+                <a:latin typeface="DengXian" panose="02010600030101010101" pitchFamily="2" charset="-122"/>
+                <a:ea typeface="DengXian" panose="02010600030101010101" pitchFamily="2" charset="-122"/>
+              </a:rPr>
+              <a:t>}</a:t>
+            </a:r>
+          </a:p>
+        </p:txBody>
+      </p:sp>
+      <p:grpSp>
+        <p:nvGrpSpPr>
+          <p:cNvPr id="14" name="Group 13">
+            <a:extLst>
+              <a:ext uri="{FF2B5EF4-FFF2-40B4-BE49-F238E27FC236}">
+                <a16:creationId xmlns:a16="http://schemas.microsoft.com/office/drawing/2014/main" id="{117D08AC-F1C1-3457-B516-5C01DD81812E}"/>
+              </a:ext>
+            </a:extLst>
+          </p:cNvPr>
+          <p:cNvGrpSpPr/>
+          <p:nvPr/>
+        </p:nvGrpSpPr>
+        <p:grpSpPr>
+          <a:xfrm>
+            <a:off x="8091524" y="1477416"/>
+            <a:ext cx="1977761" cy="953444"/>
+            <a:chOff x="9087804" y="3296697"/>
+            <a:chExt cx="2114289" cy="953444"/>
+          </a:xfrm>
+        </p:grpSpPr>
+        <p:sp>
+          <p:nvSpPr>
+            <p:cNvPr id="16" name="矩形 9">
+              <a:extLst>
+                <a:ext uri="{FF2B5EF4-FFF2-40B4-BE49-F238E27FC236}">
+                  <a16:creationId xmlns:a16="http://schemas.microsoft.com/office/drawing/2014/main" id="{C0C2FBD8-D49C-CC6F-6A00-7C9D624E63CB}"/>
+                </a:ext>
+              </a:extLst>
+            </p:cNvPr>
+            <p:cNvSpPr/>
+            <p:nvPr/>
+          </p:nvSpPr>
+          <p:spPr>
+            <a:xfrm>
+              <a:off x="9087804" y="3296697"/>
+              <a:ext cx="2114288" cy="430356"/>
+            </a:xfrm>
+            <a:prstGeom prst="rect">
+              <a:avLst/>
+            </a:prstGeom>
+            <a:solidFill>
+              <a:schemeClr val="accent5">
+                <a:lumMod val="60000"/>
+                <a:lumOff val="40000"/>
+              </a:schemeClr>
+            </a:solidFill>
+            <a:ln w="25400">
+              <a:solidFill>
+                <a:schemeClr val="tx1"/>
+              </a:solidFill>
+            </a:ln>
+          </p:spPr>
+          <p:style>
+            <a:lnRef idx="2">
+              <a:schemeClr val="accent2">
+                <a:shade val="50000"/>
+              </a:schemeClr>
+            </a:lnRef>
+            <a:fillRef idx="1">
+              <a:schemeClr val="accent2"/>
+            </a:fillRef>
+            <a:effectRef idx="0">
+              <a:schemeClr val="accent2"/>
+            </a:effectRef>
+            <a:fontRef idx="minor">
+              <a:schemeClr val="lt1"/>
+            </a:fontRef>
+          </p:style>
+          <p:txBody>
+            <a:bodyPr rtlCol="0" anchor="ctr"/>
+            <a:lstStyle/>
+            <a:p>
+              <a:pPr algn="ctr"/>
+              <a:r>
+                <a:rPr kumimoji="1" lang="en-US" altLang="zh-CN" sz="1200" b="1" dirty="0">
+                  <a:solidFill>
+                    <a:sysClr val="windowText" lastClr="000000"/>
+                  </a:solidFill>
+                </a:rPr>
+                <a:t>dst1</a:t>
+              </a:r>
+              <a:r>
+                <a:rPr kumimoji="1" lang="zh-CN" altLang="en-US" sz="1200" dirty="0">
+                  <a:solidFill>
+                    <a:sysClr val="windowText" lastClr="000000"/>
+                  </a:solidFill>
+                </a:rPr>
+                <a:t> </a:t>
+              </a:r>
+              <a:r>
+                <a:rPr kumimoji="1" lang="en-US" altLang="zh-CN" sz="1200" dirty="0">
+                  <a:solidFill>
+                    <a:sysClr val="windowText" lastClr="000000"/>
+                  </a:solidFill>
+                </a:rPr>
+                <a:t>:</a:t>
+              </a:r>
+              <a:r>
+                <a:rPr kumimoji="1" lang="zh-CN" altLang="en-US" sz="1200" dirty="0">
+                  <a:solidFill>
+                    <a:sysClr val="windowText" lastClr="000000"/>
+                  </a:solidFill>
+                </a:rPr>
+                <a:t> </a:t>
+              </a:r>
+              <a:r>
+                <a:rPr kumimoji="1" lang="en-US" altLang="zh-CN" sz="1200" dirty="0">
+                  <a:solidFill>
+                    <a:sysClr val="windowText" lastClr="000000"/>
+                  </a:solidFill>
+                </a:rPr>
+                <a:t>Account</a:t>
+              </a:r>
+              <a:endParaRPr kumimoji="1" lang="zh-CN" altLang="en-US" sz="1200" dirty="0">
+                <a:solidFill>
+                  <a:sysClr val="windowText" lastClr="000000"/>
+                </a:solidFill>
+              </a:endParaRPr>
+            </a:p>
+          </p:txBody>
+        </p:sp>
+        <p:sp>
+          <p:nvSpPr>
+            <p:cNvPr id="18" name="矩形 10">
+              <a:extLst>
+                <a:ext uri="{FF2B5EF4-FFF2-40B4-BE49-F238E27FC236}">
+                  <a16:creationId xmlns:a16="http://schemas.microsoft.com/office/drawing/2014/main" id="{4A35D72E-1D8C-6BE5-FFE7-3909649EB585}"/>
+                </a:ext>
+              </a:extLst>
+            </p:cNvPr>
+            <p:cNvSpPr/>
+            <p:nvPr/>
+          </p:nvSpPr>
+          <p:spPr>
+            <a:xfrm>
+              <a:off x="9087804" y="3727055"/>
+              <a:ext cx="2114289" cy="523086"/>
+            </a:xfrm>
+            <a:prstGeom prst="rect">
+              <a:avLst/>
+            </a:prstGeom>
+            <a:noFill/>
+            <a:ln w="25400">
+              <a:solidFill>
+                <a:schemeClr val="tx1"/>
+              </a:solidFill>
+            </a:ln>
+          </p:spPr>
+          <p:style>
+            <a:lnRef idx="2">
+              <a:schemeClr val="accent2">
+                <a:shade val="50000"/>
+              </a:schemeClr>
+            </a:lnRef>
+            <a:fillRef idx="1">
+              <a:schemeClr val="accent2"/>
+            </a:fillRef>
+            <a:effectRef idx="0">
+              <a:schemeClr val="accent2"/>
+            </a:effectRef>
+            <a:fontRef idx="minor">
+              <a:schemeClr val="lt1"/>
+            </a:fontRef>
+          </p:style>
+          <p:txBody>
+            <a:bodyPr rtlCol="0" anchor="ctr"/>
+            <a:lstStyle/>
+            <a:p>
+              <a:pPr algn="ctr"/>
+              <a:r>
+                <a:rPr kumimoji="1" lang="en-US" altLang="zh-CN" sz="1200" b="1" dirty="0">
+                  <a:solidFill>
+                    <a:sysClr val="windowText" lastClr="000000"/>
+                  </a:solidFill>
+                  <a:latin typeface="DengXian" panose="02010600030101010101" pitchFamily="2" charset="-122"/>
+                  <a:ea typeface="DengXian" panose="02010600030101010101" pitchFamily="2" charset="-122"/>
+                </a:rPr>
+                <a:t>dst1</a:t>
+              </a:r>
+              <a:r>
+                <a:rPr kumimoji="1" lang="en-US" altLang="zh-CN" sz="1200" dirty="0">
+                  <a:solidFill>
+                    <a:sysClr val="windowText" lastClr="000000"/>
+                  </a:solidFill>
+                  <a:latin typeface="DengXian" panose="02010600030101010101" pitchFamily="2" charset="-122"/>
+                  <a:ea typeface="DengXian" panose="02010600030101010101" pitchFamily="2" charset="-122"/>
+                </a:rPr>
+                <a:t>.isBlocked</a:t>
+              </a:r>
+              <a:r>
+                <a:rPr kumimoji="1" lang="zh-CN" altLang="en-US" sz="1200" dirty="0">
+                  <a:solidFill>
+                    <a:sysClr val="windowText" lastClr="000000"/>
+                  </a:solidFill>
+                  <a:latin typeface="DengXian" panose="02010600030101010101" pitchFamily="2" charset="-122"/>
+                  <a:ea typeface="DengXian" panose="02010600030101010101" pitchFamily="2" charset="-122"/>
+                </a:rPr>
+                <a:t> </a:t>
+              </a:r>
+              <a:r>
+                <a:rPr kumimoji="1" lang="en-US" altLang="zh-CN" sz="1200" dirty="0">
+                  <a:solidFill>
+                    <a:sysClr val="windowText" lastClr="000000"/>
+                  </a:solidFill>
+                  <a:latin typeface="DengXian" panose="02010600030101010101" pitchFamily="2" charset="-122"/>
+                  <a:ea typeface="DengXian" panose="02010600030101010101" pitchFamily="2" charset="-122"/>
+                </a:rPr>
+                <a:t>=</a:t>
+              </a:r>
+              <a:r>
+                <a:rPr kumimoji="1" lang="zh-CN" altLang="en-US" sz="1200" dirty="0">
+                  <a:solidFill>
+                    <a:sysClr val="windowText" lastClr="000000"/>
+                  </a:solidFill>
+                  <a:latin typeface="DengXian" panose="02010600030101010101" pitchFamily="2" charset="-122"/>
+                  <a:ea typeface="DengXian" panose="02010600030101010101" pitchFamily="2" charset="-122"/>
+                </a:rPr>
+                <a:t> </a:t>
+              </a:r>
+              <a:r>
+                <a:rPr kumimoji="1" lang="en-US" altLang="zh-CN" sz="1200" dirty="0">
+                  <a:solidFill>
+                    <a:sysClr val="windowText" lastClr="000000"/>
+                  </a:solidFill>
+                  <a:latin typeface="DengXian" panose="02010600030101010101" pitchFamily="2" charset="-122"/>
+                  <a:ea typeface="DengXian" panose="02010600030101010101" pitchFamily="2" charset="-122"/>
+                </a:rPr>
+                <a:t>True</a:t>
+              </a:r>
+              <a:endParaRPr kumimoji="1" lang="zh-CN" altLang="en-US" sz="1200" dirty="0">
+                <a:solidFill>
+                  <a:sysClr val="windowText" lastClr="000000"/>
+                </a:solidFill>
+                <a:latin typeface="DengXian" panose="02010600030101010101" pitchFamily="2" charset="-122"/>
+                <a:ea typeface="DengXian" panose="02010600030101010101" pitchFamily="2" charset="-122"/>
+              </a:endParaRPr>
+            </a:p>
+          </p:txBody>
+        </p:sp>
+      </p:grpSp>
+      <p:cxnSp>
+        <p:nvCxnSpPr>
+          <p:cNvPr id="21" name="直线箭头连接符 11" descr="jytjh">
+            <a:extLst>
+              <a:ext uri="{FF2B5EF4-FFF2-40B4-BE49-F238E27FC236}">
+                <a16:creationId xmlns:a16="http://schemas.microsoft.com/office/drawing/2014/main" id="{4AF50B66-DE05-AD6A-78D9-3377FB8A0820}"/>
+              </a:ext>
+            </a:extLst>
+          </p:cNvPr>
+          <p:cNvCxnSpPr>
+            <a:cxnSpLocks/>
+            <a:stCxn id="9" idx="3"/>
+            <a:endCxn id="16" idx="1"/>
+          </p:cNvCxnSpPr>
+          <p:nvPr/>
+        </p:nvCxnSpPr>
+        <p:spPr>
+          <a:xfrm flipV="1">
+            <a:off x="6175512" y="1692594"/>
+            <a:ext cx="1916012" cy="1352142"/>
+          </a:xfrm>
+          <a:prstGeom prst="straightConnector1">
+            <a:avLst/>
+          </a:prstGeom>
+          <a:ln w="19050">
+            <a:solidFill>
+              <a:schemeClr val="tx1"/>
+            </a:solidFill>
+            <a:headEnd type="none" w="sm" len="lg"/>
+            <a:tailEnd type="arrow" w="sm" len="lg"/>
+          </a:ln>
+        </p:spPr>
+        <p:style>
+          <a:lnRef idx="1">
+            <a:schemeClr val="accent1"/>
+          </a:lnRef>
+          <a:fillRef idx="0">
+            <a:schemeClr val="accent1"/>
+          </a:fillRef>
+          <a:effectRef idx="0">
+            <a:schemeClr val="accent1"/>
+          </a:effectRef>
+          <a:fontRef idx="minor">
+            <a:schemeClr val="tx1"/>
+          </a:fontRef>
+        </p:style>
+      </p:cxnSp>
+      <p:grpSp>
+        <p:nvGrpSpPr>
+          <p:cNvPr id="24" name="Group 23">
+            <a:extLst>
+              <a:ext uri="{FF2B5EF4-FFF2-40B4-BE49-F238E27FC236}">
+                <a16:creationId xmlns:a16="http://schemas.microsoft.com/office/drawing/2014/main" id="{9274E11E-F66D-D104-81F1-308683A93A7A}"/>
+              </a:ext>
+            </a:extLst>
+          </p:cNvPr>
+          <p:cNvGrpSpPr/>
+          <p:nvPr/>
+        </p:nvGrpSpPr>
+        <p:grpSpPr>
+          <a:xfrm>
+            <a:off x="8091523" y="4181702"/>
+            <a:ext cx="1977761" cy="953444"/>
+            <a:chOff x="9087804" y="3296697"/>
+            <a:chExt cx="2114289" cy="953444"/>
+          </a:xfrm>
+        </p:grpSpPr>
+        <p:sp>
+          <p:nvSpPr>
+            <p:cNvPr id="25" name="矩形 9">
+              <a:extLst>
+                <a:ext uri="{FF2B5EF4-FFF2-40B4-BE49-F238E27FC236}">
+                  <a16:creationId xmlns:a16="http://schemas.microsoft.com/office/drawing/2014/main" id="{4AC57C51-88BB-B82A-9FB5-969500416864}"/>
+                </a:ext>
+              </a:extLst>
+            </p:cNvPr>
+            <p:cNvSpPr/>
+            <p:nvPr/>
+          </p:nvSpPr>
+          <p:spPr>
+            <a:xfrm>
+              <a:off x="9087804" y="3296697"/>
+              <a:ext cx="2114288" cy="430356"/>
+            </a:xfrm>
+            <a:prstGeom prst="rect">
+              <a:avLst/>
+            </a:prstGeom>
+            <a:solidFill>
+              <a:schemeClr val="accent5">
+                <a:lumMod val="60000"/>
+                <a:lumOff val="40000"/>
+              </a:schemeClr>
+            </a:solidFill>
+            <a:ln w="25400">
+              <a:solidFill>
+                <a:schemeClr val="tx1"/>
+              </a:solidFill>
+            </a:ln>
+          </p:spPr>
+          <p:style>
+            <a:lnRef idx="2">
+              <a:schemeClr val="accent2">
+                <a:shade val="50000"/>
+              </a:schemeClr>
+            </a:lnRef>
+            <a:fillRef idx="1">
+              <a:schemeClr val="accent2"/>
+            </a:fillRef>
+            <a:effectRef idx="0">
+              <a:schemeClr val="accent2"/>
+            </a:effectRef>
+            <a:fontRef idx="minor">
+              <a:schemeClr val="lt1"/>
+            </a:fontRef>
+          </p:style>
+          <p:txBody>
+            <a:bodyPr rtlCol="0" anchor="ctr"/>
+            <a:lstStyle/>
+            <a:p>
+              <a:pPr algn="ctr"/>
+              <a:r>
+                <a:rPr kumimoji="1" lang="en-US" altLang="zh-CN" sz="1200" b="1" dirty="0">
+                  <a:solidFill>
+                    <a:sysClr val="windowText" lastClr="000000"/>
+                  </a:solidFill>
+                </a:rPr>
+                <a:t>dst3</a:t>
+              </a:r>
+              <a:r>
+                <a:rPr kumimoji="1" lang="zh-CN" altLang="en-US" sz="1200" dirty="0">
+                  <a:solidFill>
+                    <a:sysClr val="windowText" lastClr="000000"/>
+                  </a:solidFill>
+                </a:rPr>
+                <a:t> </a:t>
+              </a:r>
+              <a:r>
+                <a:rPr kumimoji="1" lang="en-US" altLang="zh-CN" sz="1200" dirty="0">
+                  <a:solidFill>
+                    <a:sysClr val="windowText" lastClr="000000"/>
+                  </a:solidFill>
+                </a:rPr>
+                <a:t>:</a:t>
+              </a:r>
+              <a:r>
+                <a:rPr kumimoji="1" lang="zh-CN" altLang="en-US" sz="1200" dirty="0">
+                  <a:solidFill>
+                    <a:sysClr val="windowText" lastClr="000000"/>
+                  </a:solidFill>
+                </a:rPr>
+                <a:t> </a:t>
+              </a:r>
+              <a:r>
+                <a:rPr kumimoji="1" lang="en-US" altLang="zh-CN" sz="1200" dirty="0">
+                  <a:solidFill>
+                    <a:sysClr val="windowText" lastClr="000000"/>
+                  </a:solidFill>
+                </a:rPr>
+                <a:t>Account</a:t>
+              </a:r>
+              <a:endParaRPr kumimoji="1" lang="zh-CN" altLang="en-US" sz="1200" dirty="0">
+                <a:solidFill>
+                  <a:sysClr val="windowText" lastClr="000000"/>
+                </a:solidFill>
+              </a:endParaRPr>
+            </a:p>
+          </p:txBody>
+        </p:sp>
+        <p:sp>
+          <p:nvSpPr>
+            <p:cNvPr id="26" name="矩形 10">
+              <a:extLst>
+                <a:ext uri="{FF2B5EF4-FFF2-40B4-BE49-F238E27FC236}">
+                  <a16:creationId xmlns:a16="http://schemas.microsoft.com/office/drawing/2014/main" id="{A60E454A-1E53-3B57-7FCA-564F9EC1B05B}"/>
+                </a:ext>
+              </a:extLst>
+            </p:cNvPr>
+            <p:cNvSpPr/>
+            <p:nvPr/>
+          </p:nvSpPr>
+          <p:spPr>
+            <a:xfrm>
+              <a:off x="9087804" y="3727055"/>
+              <a:ext cx="2114289" cy="523086"/>
+            </a:xfrm>
+            <a:prstGeom prst="rect">
+              <a:avLst/>
+            </a:prstGeom>
+            <a:noFill/>
+            <a:ln w="25400">
+              <a:solidFill>
+                <a:schemeClr val="tx1"/>
+              </a:solidFill>
+            </a:ln>
+          </p:spPr>
+          <p:style>
+            <a:lnRef idx="2">
+              <a:schemeClr val="accent2">
+                <a:shade val="50000"/>
+              </a:schemeClr>
+            </a:lnRef>
+            <a:fillRef idx="1">
+              <a:schemeClr val="accent2"/>
+            </a:fillRef>
+            <a:effectRef idx="0">
+              <a:schemeClr val="accent2"/>
+            </a:effectRef>
+            <a:fontRef idx="minor">
+              <a:schemeClr val="lt1"/>
+            </a:fontRef>
+          </p:style>
+          <p:txBody>
+            <a:bodyPr rtlCol="0" anchor="ctr"/>
+            <a:lstStyle/>
+            <a:p>
+              <a:pPr algn="ctr"/>
+              <a:r>
+                <a:rPr kumimoji="1" lang="en-US" altLang="zh-CN" sz="1200" b="1" dirty="0">
+                  <a:solidFill>
+                    <a:sysClr val="windowText" lastClr="000000"/>
+                  </a:solidFill>
+                  <a:latin typeface="DengXian" panose="02010600030101010101" pitchFamily="2" charset="-122"/>
+                  <a:ea typeface="DengXian" panose="02010600030101010101" pitchFamily="2" charset="-122"/>
+                </a:rPr>
+                <a:t>dst3</a:t>
+              </a:r>
+              <a:r>
+                <a:rPr kumimoji="1" lang="en-US" altLang="zh-CN" sz="1200" dirty="0">
+                  <a:solidFill>
+                    <a:sysClr val="windowText" lastClr="000000"/>
+                  </a:solidFill>
+                  <a:latin typeface="DengXian" panose="02010600030101010101" pitchFamily="2" charset="-122"/>
+                  <a:ea typeface="DengXian" panose="02010600030101010101" pitchFamily="2" charset="-122"/>
+                </a:rPr>
+                <a:t>.isBlocked</a:t>
+              </a:r>
+              <a:r>
+                <a:rPr kumimoji="1" lang="zh-CN" altLang="en-US" sz="1200" dirty="0">
+                  <a:solidFill>
+                    <a:sysClr val="windowText" lastClr="000000"/>
+                  </a:solidFill>
+                  <a:latin typeface="DengXian" panose="02010600030101010101" pitchFamily="2" charset="-122"/>
+                  <a:ea typeface="DengXian" panose="02010600030101010101" pitchFamily="2" charset="-122"/>
+                </a:rPr>
+                <a:t> </a:t>
+              </a:r>
+              <a:r>
+                <a:rPr kumimoji="1" lang="en-US" altLang="zh-CN" sz="1200" dirty="0">
+                  <a:solidFill>
+                    <a:sysClr val="windowText" lastClr="000000"/>
+                  </a:solidFill>
+                  <a:latin typeface="DengXian" panose="02010600030101010101" pitchFamily="2" charset="-122"/>
+                  <a:ea typeface="DengXian" panose="02010600030101010101" pitchFamily="2" charset="-122"/>
+                </a:rPr>
+                <a:t>=</a:t>
+              </a:r>
+              <a:r>
+                <a:rPr kumimoji="1" lang="zh-CN" altLang="en-US" sz="1200" dirty="0">
+                  <a:solidFill>
+                    <a:sysClr val="windowText" lastClr="000000"/>
+                  </a:solidFill>
+                  <a:latin typeface="DengXian" panose="02010600030101010101" pitchFamily="2" charset="-122"/>
+                  <a:ea typeface="DengXian" panose="02010600030101010101" pitchFamily="2" charset="-122"/>
+                </a:rPr>
+                <a:t> </a:t>
+              </a:r>
+              <a:r>
+                <a:rPr kumimoji="1" lang="en-US" altLang="zh-CN" sz="1200" dirty="0">
+                  <a:solidFill>
+                    <a:sysClr val="windowText" lastClr="000000"/>
+                  </a:solidFill>
+                  <a:latin typeface="DengXian" panose="02010600030101010101" pitchFamily="2" charset="-122"/>
+                  <a:ea typeface="DengXian" panose="02010600030101010101" pitchFamily="2" charset="-122"/>
+                </a:rPr>
+                <a:t>True</a:t>
+              </a:r>
+              <a:endParaRPr kumimoji="1" lang="zh-CN" altLang="en-US" sz="1200" dirty="0">
+                <a:solidFill>
+                  <a:sysClr val="windowText" lastClr="000000"/>
+                </a:solidFill>
+                <a:latin typeface="DengXian" panose="02010600030101010101" pitchFamily="2" charset="-122"/>
+                <a:ea typeface="DengXian" panose="02010600030101010101" pitchFamily="2" charset="-122"/>
+              </a:endParaRPr>
+            </a:p>
+          </p:txBody>
+        </p:sp>
+      </p:grpSp>
+      <p:cxnSp>
+        <p:nvCxnSpPr>
+          <p:cNvPr id="27" name="直线箭头连接符 11" descr="jytjh">
+            <a:extLst>
+              <a:ext uri="{FF2B5EF4-FFF2-40B4-BE49-F238E27FC236}">
+                <a16:creationId xmlns:a16="http://schemas.microsoft.com/office/drawing/2014/main" id="{E670651F-47C8-7375-B33C-EB0518EB4034}"/>
+              </a:ext>
+            </a:extLst>
+          </p:cNvPr>
+          <p:cNvCxnSpPr>
+            <a:cxnSpLocks/>
+            <a:stCxn id="9" idx="3"/>
+            <a:endCxn id="25" idx="1"/>
+          </p:cNvCxnSpPr>
+          <p:nvPr/>
+        </p:nvCxnSpPr>
+        <p:spPr>
+          <a:xfrm>
+            <a:off x="6175512" y="3044736"/>
+            <a:ext cx="1916011" cy="1352144"/>
+          </a:xfrm>
+          <a:prstGeom prst="straightConnector1">
+            <a:avLst/>
+          </a:prstGeom>
+          <a:ln w="19050">
+            <a:solidFill>
+              <a:schemeClr val="tx1"/>
+            </a:solidFill>
+            <a:headEnd type="none" w="sm" len="lg"/>
+            <a:tailEnd type="arrow" w="sm" len="lg"/>
+          </a:ln>
+        </p:spPr>
+        <p:style>
+          <a:lnRef idx="1">
+            <a:schemeClr val="accent1"/>
+          </a:lnRef>
+          <a:fillRef idx="0">
+            <a:schemeClr val="accent1"/>
+          </a:fillRef>
+          <a:effectRef idx="0">
+            <a:schemeClr val="accent1"/>
+          </a:effectRef>
+          <a:fontRef idx="minor">
+            <a:schemeClr val="tx1"/>
+          </a:fontRef>
+        </p:style>
+      </p:cxnSp>
+      <p:sp>
+        <p:nvSpPr>
+          <p:cNvPr id="30" name="文本框 7">
+            <a:extLst>
+              <a:ext uri="{FF2B5EF4-FFF2-40B4-BE49-F238E27FC236}">
+                <a16:creationId xmlns:a16="http://schemas.microsoft.com/office/drawing/2014/main" id="{0A2D3505-CAE0-DBF6-9A13-CB33432E03DC}"/>
+              </a:ext>
+            </a:extLst>
+          </p:cNvPr>
+          <p:cNvSpPr txBox="1"/>
+          <p:nvPr/>
+        </p:nvSpPr>
+        <p:spPr>
+          <a:xfrm>
+            <a:off x="6649372" y="2767736"/>
+            <a:ext cx="1047881" cy="276999"/>
+          </a:xfrm>
+          <a:prstGeom prst="rect">
+            <a:avLst/>
+          </a:prstGeom>
+          <a:noFill/>
+        </p:spPr>
+        <p:txBody>
+          <a:bodyPr wrap="square" rtlCol="0">
+            <a:spAutoFit/>
+          </a:bodyPr>
+          <a:lstStyle/>
+          <a:p>
+            <a:pPr algn="ctr"/>
+            <a:r>
+              <a:rPr kumimoji="1" lang="en-US" altLang="zh-CN" sz="1200" b="1" dirty="0">
+                <a:latin typeface="DengXian" panose="02010600030101010101" pitchFamily="2" charset="-122"/>
+                <a:ea typeface="DengXian" panose="02010600030101010101" pitchFamily="2" charset="-122"/>
+              </a:rPr>
+              <a:t>edge2</a:t>
+            </a:r>
+          </a:p>
+        </p:txBody>
+      </p:sp>
+      <p:sp>
+        <p:nvSpPr>
+          <p:cNvPr id="4" name="TextBox 3">
+            <a:extLst>
+              <a:ext uri="{FF2B5EF4-FFF2-40B4-BE49-F238E27FC236}">
+                <a16:creationId xmlns:a16="http://schemas.microsoft.com/office/drawing/2014/main" id="{4D62BCED-55E3-1557-FA7B-451E0A7E0491}"/>
+              </a:ext>
+            </a:extLst>
+          </p:cNvPr>
+          <p:cNvSpPr txBox="1"/>
+          <p:nvPr/>
+        </p:nvSpPr>
+        <p:spPr>
+          <a:xfrm>
+            <a:off x="4544480" y="3858138"/>
+            <a:ext cx="2402941" cy="646331"/>
+          </a:xfrm>
+          <a:prstGeom prst="rect">
+            <a:avLst/>
+          </a:prstGeom>
+          <a:noFill/>
+        </p:spPr>
+        <p:txBody>
+          <a:bodyPr wrap="square">
+            <a:spAutoFit/>
+          </a:bodyPr>
+          <a:lstStyle/>
+          <a:p>
+            <a:r>
+              <a:rPr kumimoji="1" lang="en-US" altLang="zh-CN" sz="1200" b="1" dirty="0">
+                <a:latin typeface="DengXian" panose="02010600030101010101" pitchFamily="2" charset="-122"/>
+                <a:ea typeface="DengXian" panose="02010600030101010101" pitchFamily="2" charset="-122"/>
+              </a:rPr>
+              <a:t>edge2</a:t>
+            </a:r>
+            <a:r>
+              <a:rPr kumimoji="1" lang="en-US" altLang="zh-CN" sz="1200" dirty="0">
+                <a:latin typeface="DengXian" panose="02010600030101010101" pitchFamily="2" charset="-122"/>
+                <a:ea typeface="DengXian" panose="02010600030101010101" pitchFamily="2" charset="-122"/>
+              </a:rPr>
+              <a:t>:</a:t>
+            </a:r>
+            <a:r>
+              <a:rPr kumimoji="1" lang="zh-CN" altLang="en-US" sz="1200" dirty="0">
+                <a:latin typeface="DengXian" panose="02010600030101010101" pitchFamily="2" charset="-122"/>
+                <a:ea typeface="DengXian" panose="02010600030101010101" pitchFamily="2" charset="-122"/>
+              </a:rPr>
+              <a:t> </a:t>
+            </a:r>
+            <a:r>
+              <a:rPr kumimoji="1" lang="en-US" altLang="zh-CN" sz="1200" dirty="0">
+                <a:latin typeface="DengXian" panose="02010600030101010101" pitchFamily="2" charset="-122"/>
+                <a:ea typeface="DengXian" panose="02010600030101010101" pitchFamily="2" charset="-122"/>
+              </a:rPr>
+              <a:t>transfer</a:t>
+            </a:r>
+          </a:p>
+          <a:p>
+            <a:r>
+              <a:rPr kumimoji="1" lang="en-US" altLang="zh-CN" sz="1200" b="1" dirty="0">
+                <a:latin typeface="DengXian" panose="02010600030101010101" pitchFamily="2" charset="-122"/>
+                <a:ea typeface="DengXian" panose="02010600030101010101" pitchFamily="2" charset="-122"/>
+              </a:rPr>
+              <a:t>edge2</a:t>
+            </a:r>
+            <a:r>
+              <a:rPr kumimoji="1" lang="en-US" altLang="zh-CN" sz="1200" dirty="0">
+                <a:latin typeface="DengXian" panose="02010600030101010101" pitchFamily="2" charset="-122"/>
+                <a:ea typeface="DengXian" panose="02010600030101010101" pitchFamily="2" charset="-122"/>
+              </a:rPr>
+              <a:t>.timestamp</a:t>
+            </a:r>
+            <a:r>
+              <a:rPr kumimoji="1" lang="zh-CN" altLang="en-US" sz="1200" dirty="0">
+                <a:latin typeface="DengXian" panose="02010600030101010101" pitchFamily="2" charset="-122"/>
+                <a:ea typeface="DengXian" panose="02010600030101010101" pitchFamily="2" charset="-122"/>
+              </a:rPr>
+              <a:t> </a:t>
+            </a:r>
+            <a:r>
+              <a:rPr kumimoji="1" lang="en-US" altLang="zh-CN" sz="1200" dirty="0">
+                <a:latin typeface="DengXian" panose="02010600030101010101" pitchFamily="2" charset="-122"/>
+                <a:ea typeface="DengXian" panose="02010600030101010101" pitchFamily="2" charset="-122"/>
+              </a:rPr>
+              <a:t>&gt;</a:t>
+            </a:r>
+            <a:r>
+              <a:rPr kumimoji="1" lang="zh-CN" altLang="en-US" sz="1200" dirty="0">
+                <a:latin typeface="DengXian" panose="02010600030101010101" pitchFamily="2" charset="-122"/>
+                <a:ea typeface="DengXian" panose="02010600030101010101" pitchFamily="2" charset="-122"/>
+              </a:rPr>
+              <a:t> </a:t>
+            </a:r>
+            <a:r>
+              <a:rPr kumimoji="1" lang="en-US" altLang="zh-CN" sz="1200" dirty="0">
+                <a:latin typeface="DengXian" panose="02010600030101010101" pitchFamily="2" charset="-122"/>
+                <a:ea typeface="DengXian" panose="02010600030101010101" pitchFamily="2" charset="-122"/>
+              </a:rPr>
+              <a:t>${</a:t>
+            </a:r>
+            <a:r>
+              <a:rPr kumimoji="1" lang="en-US" altLang="zh-CN" sz="1200" dirty="0" err="1">
+                <a:latin typeface="DengXian" panose="02010600030101010101" pitchFamily="2" charset="-122"/>
+                <a:ea typeface="DengXian" panose="02010600030101010101" pitchFamily="2" charset="-122"/>
+              </a:rPr>
+              <a:t>startTime</a:t>
+            </a:r>
+            <a:r>
+              <a:rPr kumimoji="1" lang="en-US" altLang="zh-CN" sz="1200" dirty="0">
+                <a:latin typeface="DengXian" panose="02010600030101010101" pitchFamily="2" charset="-122"/>
+                <a:ea typeface="DengXian" panose="02010600030101010101" pitchFamily="2" charset="-122"/>
+              </a:rPr>
+              <a:t>}</a:t>
+            </a:r>
+          </a:p>
+          <a:p>
+            <a:r>
+              <a:rPr kumimoji="1" lang="en-US" altLang="zh-CN" sz="1200" b="1" dirty="0">
+                <a:latin typeface="DengXian" panose="02010600030101010101" pitchFamily="2" charset="-122"/>
+                <a:ea typeface="DengXian" panose="02010600030101010101" pitchFamily="2" charset="-122"/>
+              </a:rPr>
+              <a:t>edge2</a:t>
+            </a:r>
+            <a:r>
+              <a:rPr kumimoji="1" lang="en-US" altLang="zh-CN" sz="1200" dirty="0">
+                <a:latin typeface="DengXian" panose="02010600030101010101" pitchFamily="2" charset="-122"/>
+                <a:ea typeface="DengXian" panose="02010600030101010101" pitchFamily="2" charset="-122"/>
+              </a:rPr>
+              <a:t>.timestamp</a:t>
+            </a:r>
+            <a:r>
+              <a:rPr kumimoji="1" lang="zh-CN" altLang="en-US" sz="1200" dirty="0">
+                <a:latin typeface="DengXian" panose="02010600030101010101" pitchFamily="2" charset="-122"/>
+                <a:ea typeface="DengXian" panose="02010600030101010101" pitchFamily="2" charset="-122"/>
+              </a:rPr>
+              <a:t> </a:t>
+            </a:r>
+            <a:r>
+              <a:rPr kumimoji="1" lang="en-US" altLang="zh-CN" sz="1200" dirty="0">
+                <a:latin typeface="DengXian" panose="02010600030101010101" pitchFamily="2" charset="-122"/>
+                <a:ea typeface="DengXian" panose="02010600030101010101" pitchFamily="2" charset="-122"/>
+              </a:rPr>
+              <a:t>&lt;</a:t>
+            </a:r>
+            <a:r>
+              <a:rPr kumimoji="1" lang="zh-CN" altLang="en-US" sz="1200" dirty="0">
+                <a:latin typeface="DengXian" panose="02010600030101010101" pitchFamily="2" charset="-122"/>
+                <a:ea typeface="DengXian" panose="02010600030101010101" pitchFamily="2" charset="-122"/>
+              </a:rPr>
+              <a:t> </a:t>
+            </a:r>
+            <a:r>
+              <a:rPr kumimoji="1" lang="en-US" altLang="zh-CN" sz="1200" dirty="0">
+                <a:latin typeface="DengXian" panose="02010600030101010101" pitchFamily="2" charset="-122"/>
+                <a:ea typeface="DengXian" panose="02010600030101010101" pitchFamily="2" charset="-122"/>
+              </a:rPr>
+              <a:t>${</a:t>
+            </a:r>
+            <a:r>
+              <a:rPr kumimoji="1" lang="en-US" altLang="zh-CN" sz="1200" dirty="0" err="1">
+                <a:latin typeface="DengXian" panose="02010600030101010101" pitchFamily="2" charset="-122"/>
+                <a:ea typeface="DengXian" panose="02010600030101010101" pitchFamily="2" charset="-122"/>
+              </a:rPr>
+              <a:t>endTime</a:t>
+            </a:r>
+            <a:r>
+              <a:rPr kumimoji="1" lang="en-US" altLang="zh-CN" sz="1200" dirty="0">
+                <a:latin typeface="DengXian" panose="02010600030101010101" pitchFamily="2" charset="-122"/>
+                <a:ea typeface="DengXian" panose="02010600030101010101" pitchFamily="2" charset="-122"/>
+              </a:rPr>
+              <a:t>}</a:t>
+            </a:r>
+          </a:p>
+        </p:txBody>
+      </p:sp>
+    </p:spTree>
+    <p:extLst>
+      <p:ext uri="{BB962C8B-B14F-4D97-AF65-F5344CB8AC3E}">
+        <p14:creationId xmlns:p14="http://schemas.microsoft.com/office/powerpoint/2010/main" val="3621545658"/>
+      </p:ext>
+    </p:extLst>
+  </p:cSld>
+  <p:clrMapOvr>
+    <a:masterClrMapping/>
+  </p:clrMapOvr>
+</p:sld>
+</file>
+
+<file path=ppt/slides/slide7.xml><?xml version="1.0" encoding="utf-8"?>
+<p:sld xmlns:a="http://schemas.openxmlformats.org/drawingml/2006/main" xmlns:r="http://schemas.openxmlformats.org/officeDocument/2006/relationships" xmlns:p="http://schemas.openxmlformats.org/presentationml/2006/main">
+  <p:cSld>
+    <p:spTree>
+      <p:nvGrpSpPr>
+        <p:cNvPr id="1" name=""/>
+        <p:cNvGrpSpPr/>
+        <p:nvPr/>
+      </p:nvGrpSpPr>
+      <p:grpSpPr>
+        <a:xfrm>
+          <a:off x="0" y="0"/>
+          <a:ext cx="0" cy="0"/>
+          <a:chOff x="0" y="0"/>
+          <a:chExt cx="0" cy="0"/>
+        </a:xfrm>
+      </p:grpSpPr>
+      <p:grpSp>
+        <p:nvGrpSpPr>
           <p:cNvPr id="3" name="Group 2">
             <a:extLst>
               <a:ext uri="{FF2B5EF4-FFF2-40B4-BE49-F238E27FC236}">
@@ -8815,7 +10639,7 @@
                     <a:sysClr val="windowText" lastClr="000000"/>
                   </a:solidFill>
                 </a:rPr>
-                <a:t>comp</a:t>
+                <a:t>comp2</a:t>
               </a:r>
               <a:r>
                 <a:rPr kumimoji="1" lang="zh-CN" altLang="en-US" sz="1200" dirty="0">
@@ -9121,7 +10945,7 @@
                     <a:sysClr val="windowText" lastClr="000000"/>
                   </a:solidFill>
                 </a:rPr>
-                <a:t>comp</a:t>
+                <a:t>comp1</a:t>
               </a:r>
               <a:r>
                 <a:rPr kumimoji="1" lang="zh-CN" altLang="en-US" sz="1200" dirty="0">
@@ -9221,7 +11045,7 @@
                     <a:sysClr val="windowText" lastClr="000000"/>
                   </a:solidFill>
                 </a:rPr>
-                <a:t>comp</a:t>
+                <a:t>comp3</a:t>
               </a:r>
               <a:r>
                 <a:rPr kumimoji="1" lang="zh-CN" altLang="en-US" sz="1200" dirty="0">
@@ -9362,2021 +11186,6 @@
     <p:extLst>
       <p:ext uri="{BB962C8B-B14F-4D97-AF65-F5344CB8AC3E}">
         <p14:creationId xmlns:p14="http://schemas.microsoft.com/office/powerpoint/2010/main" val="3644517157"/>
-      </p:ext>
-    </p:extLst>
-  </p:cSld>
-  <p:clrMapOvr>
-    <a:masterClrMapping/>
-  </p:clrMapOvr>
-</p:sld>
-</file>
-
-<file path=ppt/slides/slide7.xml><?xml version="1.0" encoding="utf-8"?>
-<p:sld xmlns:a="http://schemas.openxmlformats.org/drawingml/2006/main" xmlns:r="http://schemas.openxmlformats.org/officeDocument/2006/relationships" xmlns:p="http://schemas.openxmlformats.org/presentationml/2006/main">
-  <p:cSld>
-    <p:spTree>
-      <p:nvGrpSpPr>
-        <p:cNvPr id="1" name=""/>
-        <p:cNvGrpSpPr/>
-        <p:nvPr/>
-      </p:nvGrpSpPr>
-      <p:grpSpPr>
-        <a:xfrm>
-          <a:off x="0" y="0"/>
-          <a:ext cx="0" cy="0"/>
-          <a:chOff x="0" y="0"/>
-          <a:chExt cx="0" cy="0"/>
-        </a:xfrm>
-      </p:grpSpPr>
-      <p:grpSp>
-        <p:nvGrpSpPr>
-          <p:cNvPr id="2" name="Group 1">
-            <a:extLst>
-              <a:ext uri="{FF2B5EF4-FFF2-40B4-BE49-F238E27FC236}">
-                <a16:creationId xmlns:a16="http://schemas.microsoft.com/office/drawing/2014/main" id="{97288F0E-5198-713B-9AE0-BDBD333B421F}"/>
-              </a:ext>
-            </a:extLst>
-          </p:cNvPr>
-          <p:cNvGrpSpPr/>
-          <p:nvPr/>
-        </p:nvGrpSpPr>
-        <p:grpSpPr>
-          <a:xfrm>
-            <a:off x="1937183" y="1308652"/>
-            <a:ext cx="8317633" cy="4240696"/>
-            <a:chOff x="1937183" y="1308652"/>
-            <a:chExt cx="8317633" cy="4240696"/>
-          </a:xfrm>
-        </p:grpSpPr>
-        <p:grpSp>
-          <p:nvGrpSpPr>
-            <p:cNvPr id="31" name="Group 30">
-              <a:extLst>
-                <a:ext uri="{FF2B5EF4-FFF2-40B4-BE49-F238E27FC236}">
-                  <a16:creationId xmlns:a16="http://schemas.microsoft.com/office/drawing/2014/main" id="{28B695F6-1443-28CA-72DB-1C63B4970414}"/>
-                </a:ext>
-              </a:extLst>
-            </p:cNvPr>
-            <p:cNvGrpSpPr/>
-            <p:nvPr/>
-          </p:nvGrpSpPr>
-          <p:grpSpPr>
-            <a:xfrm>
-              <a:off x="1937183" y="2829558"/>
-              <a:ext cx="1471936" cy="738264"/>
-              <a:chOff x="1488974" y="3296697"/>
-              <a:chExt cx="1471936" cy="738264"/>
-            </a:xfrm>
-          </p:grpSpPr>
-          <p:sp>
-            <p:nvSpPr>
-              <p:cNvPr id="5" name="矩形 4">
-                <a:extLst>
-                  <a:ext uri="{FF2B5EF4-FFF2-40B4-BE49-F238E27FC236}">
-                    <a16:creationId xmlns:a16="http://schemas.microsoft.com/office/drawing/2014/main" id="{4F7CE573-D2EE-B544-9AF9-A133E6C5E6B5}"/>
-                  </a:ext>
-                </a:extLst>
-              </p:cNvPr>
-              <p:cNvSpPr/>
-              <p:nvPr/>
-            </p:nvSpPr>
-            <p:spPr>
-              <a:xfrm>
-                <a:off x="1488974" y="3296697"/>
-                <a:ext cx="1471936" cy="430356"/>
-              </a:xfrm>
-              <a:prstGeom prst="rect">
-                <a:avLst/>
-              </a:prstGeom>
-              <a:solidFill>
-                <a:schemeClr val="accent5">
-                  <a:lumMod val="60000"/>
-                  <a:lumOff val="40000"/>
-                </a:schemeClr>
-              </a:solidFill>
-              <a:ln w="25400">
-                <a:solidFill>
-                  <a:schemeClr val="tx1"/>
-                </a:solidFill>
-              </a:ln>
-            </p:spPr>
-            <p:style>
-              <a:lnRef idx="2">
-                <a:schemeClr val="accent2">
-                  <a:shade val="50000"/>
-                </a:schemeClr>
-              </a:lnRef>
-              <a:fillRef idx="1">
-                <a:schemeClr val="accent2"/>
-              </a:fillRef>
-              <a:effectRef idx="0">
-                <a:schemeClr val="accent2"/>
-              </a:effectRef>
-              <a:fontRef idx="minor">
-                <a:schemeClr val="lt1"/>
-              </a:fontRef>
-            </p:style>
-            <p:txBody>
-              <a:bodyPr rtlCol="0" anchor="ctr"/>
-              <a:lstStyle/>
-              <a:p>
-                <a:pPr algn="ctr"/>
-                <a:r>
-                  <a:rPr kumimoji="1" lang="en-US" altLang="zh-CN" sz="1200" b="1" dirty="0" err="1">
-                    <a:solidFill>
-                      <a:sysClr val="windowText" lastClr="000000"/>
-                    </a:solidFill>
-                  </a:rPr>
-                  <a:t>src</a:t>
-                </a:r>
-                <a:r>
-                  <a:rPr kumimoji="1" lang="zh-CN" altLang="en-US" sz="1200" dirty="0">
-                    <a:solidFill>
-                      <a:sysClr val="windowText" lastClr="000000"/>
-                    </a:solidFill>
-                  </a:rPr>
-                  <a:t> </a:t>
-                </a:r>
-                <a:r>
-                  <a:rPr kumimoji="1" lang="en-US" altLang="zh-CN" sz="1200" dirty="0">
-                    <a:solidFill>
-                      <a:sysClr val="windowText" lastClr="000000"/>
-                    </a:solidFill>
-                  </a:rPr>
-                  <a:t>:</a:t>
-                </a:r>
-                <a:r>
-                  <a:rPr kumimoji="1" lang="zh-CN" altLang="en-US" sz="1200" dirty="0">
-                    <a:solidFill>
-                      <a:sysClr val="windowText" lastClr="000000"/>
-                    </a:solidFill>
-                  </a:rPr>
-                  <a:t> </a:t>
-                </a:r>
-                <a:r>
-                  <a:rPr kumimoji="1" lang="en-US" altLang="zh-CN" sz="1200" dirty="0">
-                    <a:solidFill>
-                      <a:sysClr val="windowText" lastClr="000000"/>
-                    </a:solidFill>
-                  </a:rPr>
-                  <a:t>Account</a:t>
-                </a:r>
-                <a:endParaRPr kumimoji="1" lang="zh-CN" altLang="en-US" sz="1200" dirty="0">
-                  <a:solidFill>
-                    <a:sysClr val="windowText" lastClr="000000"/>
-                  </a:solidFill>
-                </a:endParaRPr>
-              </a:p>
-            </p:txBody>
-          </p:sp>
-          <p:sp>
-            <p:nvSpPr>
-              <p:cNvPr id="6" name="矩形 5">
-                <a:extLst>
-                  <a:ext uri="{FF2B5EF4-FFF2-40B4-BE49-F238E27FC236}">
-                    <a16:creationId xmlns:a16="http://schemas.microsoft.com/office/drawing/2014/main" id="{D9E4A41A-CB40-AC47-87AB-621C9DE49842}"/>
-                  </a:ext>
-                </a:extLst>
-              </p:cNvPr>
-              <p:cNvSpPr/>
-              <p:nvPr/>
-            </p:nvSpPr>
-            <p:spPr>
-              <a:xfrm>
-                <a:off x="1488974" y="3727053"/>
-                <a:ext cx="1471935" cy="307908"/>
-              </a:xfrm>
-              <a:prstGeom prst="rect">
-                <a:avLst/>
-              </a:prstGeom>
-              <a:noFill/>
-              <a:ln w="25400">
-                <a:solidFill>
-                  <a:schemeClr val="tx1"/>
-                </a:solidFill>
-              </a:ln>
-            </p:spPr>
-            <p:style>
-              <a:lnRef idx="2">
-                <a:schemeClr val="accent2">
-                  <a:shade val="50000"/>
-                </a:schemeClr>
-              </a:lnRef>
-              <a:fillRef idx="1">
-                <a:schemeClr val="accent2"/>
-              </a:fillRef>
-              <a:effectRef idx="0">
-                <a:schemeClr val="accent2"/>
-              </a:effectRef>
-              <a:fontRef idx="minor">
-                <a:schemeClr val="lt1"/>
-              </a:fontRef>
-            </p:style>
-            <p:txBody>
-              <a:bodyPr rtlCol="0" anchor="ctr"/>
-              <a:lstStyle/>
-              <a:p>
-                <a:pPr algn="ctr"/>
-                <a:r>
-                  <a:rPr kumimoji="1" lang="en-US" altLang="zh-CN" sz="1200" b="1" dirty="0" err="1">
-                    <a:solidFill>
-                      <a:sysClr val="windowText" lastClr="000000"/>
-                    </a:solidFill>
-                    <a:latin typeface="DengXian" panose="02010600030101010101" pitchFamily="2" charset="-122"/>
-                    <a:ea typeface="DengXian" panose="02010600030101010101" pitchFamily="2" charset="-122"/>
-                  </a:rPr>
-                  <a:t>src</a:t>
-                </a:r>
-                <a:r>
-                  <a:rPr kumimoji="1" lang="en-US" altLang="zh-CN" sz="1200" dirty="0" err="1">
-                    <a:solidFill>
-                      <a:sysClr val="windowText" lastClr="000000"/>
-                    </a:solidFill>
-                    <a:latin typeface="DengXian" panose="02010600030101010101" pitchFamily="2" charset="-122"/>
-                    <a:ea typeface="DengXian" panose="02010600030101010101" pitchFamily="2" charset="-122"/>
-                  </a:rPr>
-                  <a:t>.id</a:t>
-                </a:r>
-                <a:r>
-                  <a:rPr kumimoji="1" lang="zh-CN" altLang="en-US" sz="1200" dirty="0">
-                    <a:solidFill>
-                      <a:sysClr val="windowText" lastClr="000000"/>
-                    </a:solidFill>
-                    <a:latin typeface="DengXian" panose="02010600030101010101" pitchFamily="2" charset="-122"/>
-                    <a:ea typeface="DengXian" panose="02010600030101010101" pitchFamily="2" charset="-122"/>
-                  </a:rPr>
-                  <a:t> </a:t>
-                </a:r>
-                <a:r>
-                  <a:rPr kumimoji="1" lang="en-US" altLang="zh-CN" sz="1200" dirty="0">
-                    <a:solidFill>
-                      <a:sysClr val="windowText" lastClr="000000"/>
-                    </a:solidFill>
-                    <a:latin typeface="DengXian" panose="02010600030101010101" pitchFamily="2" charset="-122"/>
-                    <a:ea typeface="DengXian" panose="02010600030101010101" pitchFamily="2" charset="-122"/>
-                  </a:rPr>
-                  <a:t>=</a:t>
-                </a:r>
-                <a:r>
-                  <a:rPr kumimoji="1" lang="zh-CN" altLang="en-US" sz="1200" dirty="0">
-                    <a:solidFill>
-                      <a:sysClr val="windowText" lastClr="000000"/>
-                    </a:solidFill>
-                    <a:latin typeface="DengXian" panose="02010600030101010101" pitchFamily="2" charset="-122"/>
-                    <a:ea typeface="DengXian" panose="02010600030101010101" pitchFamily="2" charset="-122"/>
-                  </a:rPr>
-                  <a:t> </a:t>
-                </a:r>
-                <a:r>
-                  <a:rPr kumimoji="1" lang="en-US" altLang="zh-CN" sz="1200" dirty="0">
-                    <a:solidFill>
-                      <a:sysClr val="windowText" lastClr="000000"/>
-                    </a:solidFill>
-                    <a:latin typeface="DengXian" panose="02010600030101010101" pitchFamily="2" charset="-122"/>
-                    <a:ea typeface="DengXian" panose="02010600030101010101" pitchFamily="2" charset="-122"/>
-                  </a:rPr>
-                  <a:t>${id}</a:t>
-                </a:r>
-                <a:endParaRPr kumimoji="1" lang="zh-CN" altLang="en-US" sz="1200" dirty="0">
-                  <a:solidFill>
-                    <a:sysClr val="windowText" lastClr="000000"/>
-                  </a:solidFill>
-                  <a:latin typeface="DengXian" panose="02010600030101010101" pitchFamily="2" charset="-122"/>
-                  <a:ea typeface="DengXian" panose="02010600030101010101" pitchFamily="2" charset="-122"/>
-                </a:endParaRPr>
-              </a:p>
-            </p:txBody>
-          </p:sp>
-        </p:grpSp>
-        <p:cxnSp>
-          <p:nvCxnSpPr>
-            <p:cNvPr id="7" name="直线箭头连接符 6" descr="jytjh">
-              <a:extLst>
-                <a:ext uri="{FF2B5EF4-FFF2-40B4-BE49-F238E27FC236}">
-                  <a16:creationId xmlns:a16="http://schemas.microsoft.com/office/drawing/2014/main" id="{5EE9E8BB-90C9-D248-91C8-388F49AE071F}"/>
-                </a:ext>
-              </a:extLst>
-            </p:cNvPr>
-            <p:cNvCxnSpPr>
-              <a:cxnSpLocks/>
-              <a:stCxn id="5" idx="3"/>
-              <a:endCxn id="9" idx="1"/>
-            </p:cNvCxnSpPr>
-            <p:nvPr/>
-          </p:nvCxnSpPr>
-          <p:spPr>
-            <a:xfrm>
-              <a:off x="3409119" y="3044736"/>
-              <a:ext cx="1472010" cy="0"/>
-            </a:xfrm>
-            <a:prstGeom prst="straightConnector1">
-              <a:avLst/>
-            </a:prstGeom>
-            <a:ln w="19050">
-              <a:solidFill>
-                <a:schemeClr val="tx1"/>
-              </a:solidFill>
-              <a:headEnd type="arrow" w="sm" len="lg"/>
-              <a:tailEnd type="none" w="sm" len="lg"/>
-            </a:ln>
-          </p:spPr>
-          <p:style>
-            <a:lnRef idx="1">
-              <a:schemeClr val="accent1"/>
-            </a:lnRef>
-            <a:fillRef idx="0">
-              <a:schemeClr val="accent1"/>
-            </a:fillRef>
-            <a:effectRef idx="0">
-              <a:schemeClr val="accent1"/>
-            </a:effectRef>
-            <a:fontRef idx="minor">
-              <a:schemeClr val="tx1"/>
-            </a:fontRef>
-          </p:style>
-        </p:cxnSp>
-        <p:sp>
-          <p:nvSpPr>
-            <p:cNvPr id="9" name="矩形 8">
-              <a:extLst>
-                <a:ext uri="{FF2B5EF4-FFF2-40B4-BE49-F238E27FC236}">
-                  <a16:creationId xmlns:a16="http://schemas.microsoft.com/office/drawing/2014/main" id="{5ED561C5-57DC-D443-A819-254591D1E4E8}"/>
-                </a:ext>
-              </a:extLst>
-            </p:cNvPr>
-            <p:cNvSpPr/>
-            <p:nvPr/>
-          </p:nvSpPr>
-          <p:spPr>
-            <a:xfrm>
-              <a:off x="4881129" y="2829558"/>
-              <a:ext cx="1294383" cy="430356"/>
-            </a:xfrm>
-            <a:prstGeom prst="rect">
-              <a:avLst/>
-            </a:prstGeom>
-            <a:solidFill>
-              <a:schemeClr val="accent5">
-                <a:lumMod val="60000"/>
-                <a:lumOff val="40000"/>
-              </a:schemeClr>
-            </a:solidFill>
-            <a:ln w="25400">
-              <a:solidFill>
-                <a:schemeClr val="tx1"/>
-              </a:solidFill>
-            </a:ln>
-          </p:spPr>
-          <p:style>
-            <a:lnRef idx="2">
-              <a:schemeClr val="accent2">
-                <a:shade val="50000"/>
-              </a:schemeClr>
-            </a:lnRef>
-            <a:fillRef idx="1">
-              <a:schemeClr val="accent2"/>
-            </a:fillRef>
-            <a:effectRef idx="0">
-              <a:schemeClr val="accent2"/>
-            </a:effectRef>
-            <a:fontRef idx="minor">
-              <a:schemeClr val="lt1"/>
-            </a:fontRef>
-          </p:style>
-          <p:txBody>
-            <a:bodyPr rtlCol="0" anchor="ctr"/>
-            <a:lstStyle/>
-            <a:p>
-              <a:pPr algn="ctr"/>
-              <a:r>
-                <a:rPr kumimoji="1" lang="en-US" altLang="zh-CN" sz="1200" b="1" dirty="0">
-                  <a:solidFill>
-                    <a:sysClr val="windowText" lastClr="000000"/>
-                  </a:solidFill>
-                </a:rPr>
-                <a:t>mid</a:t>
-              </a:r>
-              <a:r>
-                <a:rPr kumimoji="1" lang="zh-CN" altLang="en-US" sz="1200" dirty="0">
-                  <a:solidFill>
-                    <a:sysClr val="windowText" lastClr="000000"/>
-                  </a:solidFill>
-                </a:rPr>
-                <a:t> </a:t>
-              </a:r>
-              <a:r>
-                <a:rPr kumimoji="1" lang="en-US" altLang="zh-CN" sz="1200" dirty="0">
-                  <a:solidFill>
-                    <a:sysClr val="windowText" lastClr="000000"/>
-                  </a:solidFill>
-                </a:rPr>
-                <a:t>:</a:t>
-              </a:r>
-              <a:r>
-                <a:rPr kumimoji="1" lang="zh-CN" altLang="en-US" sz="1200" dirty="0">
-                  <a:solidFill>
-                    <a:sysClr val="windowText" lastClr="000000"/>
-                  </a:solidFill>
-                </a:rPr>
-                <a:t> </a:t>
-              </a:r>
-              <a:r>
-                <a:rPr kumimoji="1" lang="en-US" altLang="zh-CN" sz="1200" dirty="0">
-                  <a:solidFill>
-                    <a:sysClr val="windowText" lastClr="000000"/>
-                  </a:solidFill>
-                </a:rPr>
-                <a:t>Account</a:t>
-              </a:r>
-              <a:endParaRPr kumimoji="1" lang="zh-CN" altLang="en-US" sz="1200" dirty="0">
-                <a:solidFill>
-                  <a:sysClr val="windowText" lastClr="000000"/>
-                </a:solidFill>
-              </a:endParaRPr>
-            </a:p>
-          </p:txBody>
-        </p:sp>
-        <p:grpSp>
-          <p:nvGrpSpPr>
-            <p:cNvPr id="13" name="Group 12">
-              <a:extLst>
-                <a:ext uri="{FF2B5EF4-FFF2-40B4-BE49-F238E27FC236}">
-                  <a16:creationId xmlns:a16="http://schemas.microsoft.com/office/drawing/2014/main" id="{BC038B88-1BC9-2CB0-DCF5-7FB8F4454790}"/>
-                </a:ext>
-              </a:extLst>
-            </p:cNvPr>
-            <p:cNvGrpSpPr/>
-            <p:nvPr/>
-          </p:nvGrpSpPr>
-          <p:grpSpPr>
-            <a:xfrm>
-              <a:off x="8091525" y="2829558"/>
-              <a:ext cx="1977761" cy="953444"/>
-              <a:chOff x="9087804" y="3296697"/>
-              <a:chExt cx="2114289" cy="953444"/>
-            </a:xfrm>
-          </p:grpSpPr>
-          <p:sp>
-            <p:nvSpPr>
-              <p:cNvPr id="10" name="矩形 9">
-                <a:extLst>
-                  <a:ext uri="{FF2B5EF4-FFF2-40B4-BE49-F238E27FC236}">
-                    <a16:creationId xmlns:a16="http://schemas.microsoft.com/office/drawing/2014/main" id="{22EE813A-CCFA-3645-949F-45F605F0822E}"/>
-                  </a:ext>
-                </a:extLst>
-              </p:cNvPr>
-              <p:cNvSpPr/>
-              <p:nvPr/>
-            </p:nvSpPr>
-            <p:spPr>
-              <a:xfrm>
-                <a:off x="9087804" y="3296697"/>
-                <a:ext cx="2114288" cy="430356"/>
-              </a:xfrm>
-              <a:prstGeom prst="rect">
-                <a:avLst/>
-              </a:prstGeom>
-              <a:solidFill>
-                <a:schemeClr val="accent5">
-                  <a:lumMod val="60000"/>
-                  <a:lumOff val="40000"/>
-                </a:schemeClr>
-              </a:solidFill>
-              <a:ln w="25400">
-                <a:solidFill>
-                  <a:schemeClr val="tx1"/>
-                </a:solidFill>
-              </a:ln>
-            </p:spPr>
-            <p:style>
-              <a:lnRef idx="2">
-                <a:schemeClr val="accent2">
-                  <a:shade val="50000"/>
-                </a:schemeClr>
-              </a:lnRef>
-              <a:fillRef idx="1">
-                <a:schemeClr val="accent2"/>
-              </a:fillRef>
-              <a:effectRef idx="0">
-                <a:schemeClr val="accent2"/>
-              </a:effectRef>
-              <a:fontRef idx="minor">
-                <a:schemeClr val="lt1"/>
-              </a:fontRef>
-            </p:style>
-            <p:txBody>
-              <a:bodyPr rtlCol="0" anchor="ctr"/>
-              <a:lstStyle/>
-              <a:p>
-                <a:pPr algn="ctr"/>
-                <a:r>
-                  <a:rPr kumimoji="1" lang="en-US" altLang="zh-CN" sz="1200" b="1" dirty="0" err="1">
-                    <a:solidFill>
-                      <a:sysClr val="windowText" lastClr="000000"/>
-                    </a:solidFill>
-                  </a:rPr>
-                  <a:t>dst</a:t>
-                </a:r>
-                <a:r>
-                  <a:rPr kumimoji="1" lang="zh-CN" altLang="en-US" sz="1200" dirty="0">
-                    <a:solidFill>
-                      <a:sysClr val="windowText" lastClr="000000"/>
-                    </a:solidFill>
-                  </a:rPr>
-                  <a:t> </a:t>
-                </a:r>
-                <a:r>
-                  <a:rPr kumimoji="1" lang="en-US" altLang="zh-CN" sz="1200" dirty="0">
-                    <a:solidFill>
-                      <a:sysClr val="windowText" lastClr="000000"/>
-                    </a:solidFill>
-                  </a:rPr>
-                  <a:t>:</a:t>
-                </a:r>
-                <a:r>
-                  <a:rPr kumimoji="1" lang="zh-CN" altLang="en-US" sz="1200" dirty="0">
-                    <a:solidFill>
-                      <a:sysClr val="windowText" lastClr="000000"/>
-                    </a:solidFill>
-                  </a:rPr>
-                  <a:t> </a:t>
-                </a:r>
-                <a:r>
-                  <a:rPr kumimoji="1" lang="en-US" altLang="zh-CN" sz="1200" dirty="0">
-                    <a:solidFill>
-                      <a:sysClr val="windowText" lastClr="000000"/>
-                    </a:solidFill>
-                  </a:rPr>
-                  <a:t>Account</a:t>
-                </a:r>
-                <a:endParaRPr kumimoji="1" lang="zh-CN" altLang="en-US" sz="1200" dirty="0">
-                  <a:solidFill>
-                    <a:sysClr val="windowText" lastClr="000000"/>
-                  </a:solidFill>
-                </a:endParaRPr>
-              </a:p>
-            </p:txBody>
-          </p:sp>
-          <p:sp>
-            <p:nvSpPr>
-              <p:cNvPr id="11" name="矩形 10">
-                <a:extLst>
-                  <a:ext uri="{FF2B5EF4-FFF2-40B4-BE49-F238E27FC236}">
-                    <a16:creationId xmlns:a16="http://schemas.microsoft.com/office/drawing/2014/main" id="{A3D9F938-53F9-EC46-BCDA-603F1561FA36}"/>
-                  </a:ext>
-                </a:extLst>
-              </p:cNvPr>
-              <p:cNvSpPr/>
-              <p:nvPr/>
-            </p:nvSpPr>
-            <p:spPr>
-              <a:xfrm>
-                <a:off x="9087804" y="3727055"/>
-                <a:ext cx="2114289" cy="523086"/>
-              </a:xfrm>
-              <a:prstGeom prst="rect">
-                <a:avLst/>
-              </a:prstGeom>
-              <a:noFill/>
-              <a:ln w="25400">
-                <a:solidFill>
-                  <a:schemeClr val="tx1"/>
-                </a:solidFill>
-              </a:ln>
-            </p:spPr>
-            <p:style>
-              <a:lnRef idx="2">
-                <a:schemeClr val="accent2">
-                  <a:shade val="50000"/>
-                </a:schemeClr>
-              </a:lnRef>
-              <a:fillRef idx="1">
-                <a:schemeClr val="accent2"/>
-              </a:fillRef>
-              <a:effectRef idx="0">
-                <a:schemeClr val="accent2"/>
-              </a:effectRef>
-              <a:fontRef idx="minor">
-                <a:schemeClr val="lt1"/>
-              </a:fontRef>
-            </p:style>
-            <p:txBody>
-              <a:bodyPr rtlCol="0" anchor="ctr"/>
-              <a:lstStyle/>
-              <a:p>
-                <a:pPr algn="ctr"/>
-                <a:r>
-                  <a:rPr kumimoji="1" lang="en-US" altLang="zh-CN" sz="1200" b="1" dirty="0" err="1">
-                    <a:solidFill>
-                      <a:sysClr val="windowText" lastClr="000000"/>
-                    </a:solidFill>
-                  </a:rPr>
-                  <a:t>src</a:t>
-                </a:r>
-                <a:r>
-                  <a:rPr kumimoji="1" lang="en-US" altLang="zh-CN" sz="1200" dirty="0" err="1">
-                    <a:solidFill>
-                      <a:sysClr val="windowText" lastClr="000000"/>
-                    </a:solidFill>
-                  </a:rPr>
-                  <a:t>.id</a:t>
-                </a:r>
-                <a:r>
-                  <a:rPr kumimoji="1" lang="zh-CN" altLang="en-US" sz="1200" dirty="0">
-                    <a:solidFill>
-                      <a:sysClr val="windowText" lastClr="000000"/>
-                    </a:solidFill>
-                  </a:rPr>
-                  <a:t> </a:t>
-                </a:r>
-                <a:r>
-                  <a:rPr kumimoji="1" lang="en-US" altLang="zh-CN" sz="1200" dirty="0">
-                    <a:solidFill>
-                      <a:sysClr val="windowText" lastClr="000000"/>
-                    </a:solidFill>
-                  </a:rPr>
-                  <a:t>!=</a:t>
-                </a:r>
-                <a:r>
-                  <a:rPr kumimoji="1" lang="zh-CN" altLang="en-US" sz="1200" dirty="0">
-                    <a:solidFill>
-                      <a:sysClr val="windowText" lastClr="000000"/>
-                    </a:solidFill>
-                  </a:rPr>
-                  <a:t> </a:t>
-                </a:r>
-                <a:r>
-                  <a:rPr kumimoji="1" lang="en-US" altLang="zh-CN" sz="1200" b="1" dirty="0" err="1">
-                    <a:solidFill>
-                      <a:sysClr val="windowText" lastClr="000000"/>
-                    </a:solidFill>
-                  </a:rPr>
-                  <a:t>dst</a:t>
-                </a:r>
-                <a:r>
-                  <a:rPr kumimoji="1" lang="en-US" altLang="zh-CN" sz="1200" dirty="0" err="1">
-                    <a:solidFill>
-                      <a:sysClr val="windowText" lastClr="000000"/>
-                    </a:solidFill>
-                  </a:rPr>
-                  <a:t>.id</a:t>
-                </a:r>
-                <a:endParaRPr kumimoji="1" lang="en-US" altLang="zh-CN" sz="1200" dirty="0">
-                  <a:solidFill>
-                    <a:sysClr val="windowText" lastClr="000000"/>
-                  </a:solidFill>
-                  <a:latin typeface="DengXian" panose="02010600030101010101" pitchFamily="2" charset="-122"/>
-                  <a:ea typeface="DengXian" panose="02010600030101010101" pitchFamily="2" charset="-122"/>
-                </a:endParaRPr>
-              </a:p>
-              <a:p>
-                <a:pPr algn="ctr"/>
-                <a:r>
-                  <a:rPr kumimoji="1" lang="en-US" altLang="zh-CN" sz="1200" b="1" dirty="0" err="1">
-                    <a:solidFill>
-                      <a:sysClr val="windowText" lastClr="000000"/>
-                    </a:solidFill>
-                    <a:latin typeface="DengXian" panose="02010600030101010101" pitchFamily="2" charset="-122"/>
-                    <a:ea typeface="DengXian" panose="02010600030101010101" pitchFamily="2" charset="-122"/>
-                  </a:rPr>
-                  <a:t>dst</a:t>
-                </a:r>
-                <a:r>
-                  <a:rPr kumimoji="1" lang="en-US" altLang="zh-CN" sz="1200" dirty="0" err="1">
-                    <a:solidFill>
-                      <a:sysClr val="windowText" lastClr="000000"/>
-                    </a:solidFill>
-                    <a:latin typeface="DengXian" panose="02010600030101010101" pitchFamily="2" charset="-122"/>
-                    <a:ea typeface="DengXian" panose="02010600030101010101" pitchFamily="2" charset="-122"/>
-                  </a:rPr>
-                  <a:t>.isBlocked</a:t>
-                </a:r>
-                <a:r>
-                  <a:rPr kumimoji="1" lang="zh-CN" altLang="en-US" sz="1200" dirty="0">
-                    <a:solidFill>
-                      <a:sysClr val="windowText" lastClr="000000"/>
-                    </a:solidFill>
-                    <a:latin typeface="DengXian" panose="02010600030101010101" pitchFamily="2" charset="-122"/>
-                    <a:ea typeface="DengXian" panose="02010600030101010101" pitchFamily="2" charset="-122"/>
-                  </a:rPr>
-                  <a:t> </a:t>
-                </a:r>
-                <a:r>
-                  <a:rPr kumimoji="1" lang="en-US" altLang="zh-CN" sz="1200" dirty="0">
-                    <a:solidFill>
-                      <a:sysClr val="windowText" lastClr="000000"/>
-                    </a:solidFill>
-                    <a:latin typeface="DengXian" panose="02010600030101010101" pitchFamily="2" charset="-122"/>
-                    <a:ea typeface="DengXian" panose="02010600030101010101" pitchFamily="2" charset="-122"/>
-                  </a:rPr>
-                  <a:t>=</a:t>
-                </a:r>
-                <a:r>
-                  <a:rPr kumimoji="1" lang="zh-CN" altLang="en-US" sz="1200" dirty="0">
-                    <a:solidFill>
-                      <a:sysClr val="windowText" lastClr="000000"/>
-                    </a:solidFill>
-                    <a:latin typeface="DengXian" panose="02010600030101010101" pitchFamily="2" charset="-122"/>
-                    <a:ea typeface="DengXian" panose="02010600030101010101" pitchFamily="2" charset="-122"/>
-                  </a:rPr>
-                  <a:t> </a:t>
-                </a:r>
-                <a:r>
-                  <a:rPr kumimoji="1" lang="en-US" altLang="zh-CN" sz="1200" dirty="0">
-                    <a:solidFill>
-                      <a:sysClr val="windowText" lastClr="000000"/>
-                    </a:solidFill>
-                    <a:latin typeface="DengXian" panose="02010600030101010101" pitchFamily="2" charset="-122"/>
-                    <a:ea typeface="DengXian" panose="02010600030101010101" pitchFamily="2" charset="-122"/>
-                  </a:rPr>
-                  <a:t>True</a:t>
-                </a:r>
-                <a:endParaRPr kumimoji="1" lang="zh-CN" altLang="en-US" sz="1200" dirty="0">
-                  <a:solidFill>
-                    <a:sysClr val="windowText" lastClr="000000"/>
-                  </a:solidFill>
-                  <a:latin typeface="DengXian" panose="02010600030101010101" pitchFamily="2" charset="-122"/>
-                  <a:ea typeface="DengXian" panose="02010600030101010101" pitchFamily="2" charset="-122"/>
-                </a:endParaRPr>
-              </a:p>
-            </p:txBody>
-          </p:sp>
-        </p:grpSp>
-        <p:cxnSp>
-          <p:nvCxnSpPr>
-            <p:cNvPr id="12" name="直线箭头连接符 11" descr="jytjh">
-              <a:extLst>
-                <a:ext uri="{FF2B5EF4-FFF2-40B4-BE49-F238E27FC236}">
-                  <a16:creationId xmlns:a16="http://schemas.microsoft.com/office/drawing/2014/main" id="{F3A92E11-8BD3-BB4B-B091-A27598804000}"/>
-                </a:ext>
-              </a:extLst>
-            </p:cNvPr>
-            <p:cNvCxnSpPr>
-              <a:cxnSpLocks/>
-              <a:stCxn id="9" idx="3"/>
-              <a:endCxn id="10" idx="1"/>
-            </p:cNvCxnSpPr>
-            <p:nvPr/>
-          </p:nvCxnSpPr>
-          <p:spPr>
-            <a:xfrm>
-              <a:off x="6175512" y="3044736"/>
-              <a:ext cx="1916013" cy="0"/>
-            </a:xfrm>
-            <a:prstGeom prst="straightConnector1">
-              <a:avLst/>
-            </a:prstGeom>
-            <a:ln w="19050">
-              <a:solidFill>
-                <a:schemeClr val="tx1"/>
-              </a:solidFill>
-              <a:headEnd type="none" w="sm" len="lg"/>
-              <a:tailEnd type="arrow" w="sm" len="lg"/>
-            </a:ln>
-          </p:spPr>
-          <p:style>
-            <a:lnRef idx="1">
-              <a:schemeClr val="accent1"/>
-            </a:lnRef>
-            <a:fillRef idx="0">
-              <a:schemeClr val="accent1"/>
-            </a:fillRef>
-            <a:effectRef idx="0">
-              <a:schemeClr val="accent1"/>
-            </a:effectRef>
-            <a:fontRef idx="minor">
-              <a:schemeClr val="tx1"/>
-            </a:fontRef>
-          </p:style>
-        </p:cxnSp>
-        <p:sp>
-          <p:nvSpPr>
-            <p:cNvPr id="15" name="矩形 2">
-              <a:extLst>
-                <a:ext uri="{FF2B5EF4-FFF2-40B4-BE49-F238E27FC236}">
-                  <a16:creationId xmlns:a16="http://schemas.microsoft.com/office/drawing/2014/main" id="{261E261B-04C2-D54A-A48E-E9B6DA36B3A9}"/>
-                </a:ext>
-              </a:extLst>
-            </p:cNvPr>
-            <p:cNvSpPr/>
-            <p:nvPr/>
-          </p:nvSpPr>
-          <p:spPr>
-            <a:xfrm>
-              <a:off x="7647521" y="1308652"/>
-              <a:ext cx="2607295" cy="4240696"/>
-            </a:xfrm>
-            <a:prstGeom prst="rect">
-              <a:avLst/>
-            </a:prstGeom>
-            <a:noFill/>
-            <a:ln w="25400">
-              <a:solidFill>
-                <a:schemeClr val="tx1"/>
-              </a:solidFill>
-              <a:prstDash val="dash"/>
-            </a:ln>
-          </p:spPr>
-          <p:style>
-            <a:lnRef idx="2">
-              <a:schemeClr val="accent2">
-                <a:shade val="50000"/>
-              </a:schemeClr>
-            </a:lnRef>
-            <a:fillRef idx="1">
-              <a:schemeClr val="accent2"/>
-            </a:fillRef>
-            <a:effectRef idx="0">
-              <a:schemeClr val="accent2"/>
-            </a:effectRef>
-            <a:fontRef idx="minor">
-              <a:schemeClr val="lt1"/>
-            </a:fontRef>
-          </p:style>
-          <p:txBody>
-            <a:bodyPr bIns="108000" rtlCol="0" anchor="b"/>
-            <a:lstStyle/>
-            <a:p>
-              <a:pPr algn="ctr"/>
-              <a:r>
-                <a:rPr kumimoji="1" lang="en-US" altLang="zh-CN" sz="1200" b="1" dirty="0">
-                  <a:solidFill>
-                    <a:srgbClr val="FF0000"/>
-                  </a:solidFill>
-                  <a:latin typeface="DengXian" panose="02010600030101010101" pitchFamily="2" charset="-122"/>
-                  <a:ea typeface="DengXian" panose="02010600030101010101" pitchFamily="2" charset="-122"/>
-                </a:rPr>
-                <a:t>RESULT</a:t>
-              </a:r>
-              <a:r>
-                <a:rPr kumimoji="1" lang="zh-CN" altLang="en-US" sz="1200" b="1" dirty="0">
-                  <a:solidFill>
-                    <a:sysClr val="windowText" lastClr="000000"/>
-                  </a:solidFill>
-                  <a:latin typeface="DengXian" panose="02010600030101010101" pitchFamily="2" charset="-122"/>
-                  <a:ea typeface="DengXian" panose="02010600030101010101" pitchFamily="2" charset="-122"/>
-                </a:rPr>
-                <a:t> </a:t>
-              </a:r>
-              <a:r>
-                <a:rPr kumimoji="1" lang="en-US" altLang="zh-CN" sz="1200" dirty="0">
-                  <a:solidFill>
-                    <a:sysClr val="windowText" lastClr="000000"/>
-                  </a:solidFill>
-                  <a:latin typeface="DengXian" panose="02010600030101010101" pitchFamily="2" charset="-122"/>
-                  <a:ea typeface="DengXian" panose="02010600030101010101" pitchFamily="2" charset="-122"/>
-                </a:rPr>
-                <a:t>COLLECT(</a:t>
-              </a:r>
-              <a:r>
-                <a:rPr kumimoji="1" lang="en-US" altLang="zh-CN" sz="1200" b="1" dirty="0" err="1">
-                  <a:solidFill>
-                    <a:sysClr val="windowText" lastClr="000000"/>
-                  </a:solidFill>
-                  <a:latin typeface="DengXian" panose="02010600030101010101" pitchFamily="2" charset="-122"/>
-                  <a:ea typeface="DengXian" panose="02010600030101010101" pitchFamily="2" charset="-122"/>
-                </a:rPr>
-                <a:t>dst</a:t>
-              </a:r>
-              <a:r>
-                <a:rPr kumimoji="1" lang="en-US" altLang="zh-CN" sz="1200" dirty="0" err="1">
-                  <a:solidFill>
-                    <a:sysClr val="windowText" lastClr="000000"/>
-                  </a:solidFill>
-                  <a:latin typeface="DengXian" panose="02010600030101010101" pitchFamily="2" charset="-122"/>
-                  <a:ea typeface="DengXian" panose="02010600030101010101" pitchFamily="2" charset="-122"/>
-                </a:rPr>
-                <a:t>.id</a:t>
-              </a:r>
-              <a:r>
-                <a:rPr kumimoji="1" lang="en-US" altLang="zh-CN" sz="1200" dirty="0">
-                  <a:solidFill>
-                    <a:sysClr val="windowText" lastClr="000000"/>
-                  </a:solidFill>
-                  <a:latin typeface="DengXian" panose="02010600030101010101" pitchFamily="2" charset="-122"/>
-                  <a:ea typeface="DengXian" panose="02010600030101010101" pitchFamily="2" charset="-122"/>
-                </a:rPr>
-                <a:t>)</a:t>
-              </a:r>
-            </a:p>
-          </p:txBody>
-        </p:sp>
-        <p:sp>
-          <p:nvSpPr>
-            <p:cNvPr id="17" name="文本框 7">
-              <a:extLst>
-                <a:ext uri="{FF2B5EF4-FFF2-40B4-BE49-F238E27FC236}">
-                  <a16:creationId xmlns:a16="http://schemas.microsoft.com/office/drawing/2014/main" id="{1FDDA513-8732-C844-A094-0CA246E1850F}"/>
-                </a:ext>
-              </a:extLst>
-            </p:cNvPr>
-            <p:cNvSpPr txBox="1"/>
-            <p:nvPr/>
-          </p:nvSpPr>
-          <p:spPr>
-            <a:xfrm>
-              <a:off x="3531691" y="2797912"/>
-              <a:ext cx="1047881" cy="276999"/>
-            </a:xfrm>
-            <a:prstGeom prst="rect">
-              <a:avLst/>
-            </a:prstGeom>
-            <a:noFill/>
-          </p:spPr>
-          <p:txBody>
-            <a:bodyPr wrap="square" rtlCol="0">
-              <a:spAutoFit/>
-            </a:bodyPr>
-            <a:lstStyle/>
-            <a:p>
-              <a:pPr algn="ctr"/>
-              <a:r>
-                <a:rPr kumimoji="1" lang="en-US" altLang="zh-CN" sz="1200" b="1" dirty="0">
-                  <a:latin typeface="DengXian" panose="02010600030101010101" pitchFamily="2" charset="-122"/>
-                  <a:ea typeface="DengXian" panose="02010600030101010101" pitchFamily="2" charset="-122"/>
-                </a:rPr>
-                <a:t>e1</a:t>
-              </a:r>
-            </a:p>
-          </p:txBody>
-        </p:sp>
-        <p:sp>
-          <p:nvSpPr>
-            <p:cNvPr id="19" name="文本框 12">
-              <a:extLst>
-                <a:ext uri="{FF2B5EF4-FFF2-40B4-BE49-F238E27FC236}">
-                  <a16:creationId xmlns:a16="http://schemas.microsoft.com/office/drawing/2014/main" id="{D6636CF5-2D89-8E4F-9632-B024AF0F9754}"/>
-                </a:ext>
-              </a:extLst>
-            </p:cNvPr>
-            <p:cNvSpPr txBox="1"/>
-            <p:nvPr/>
-          </p:nvSpPr>
-          <p:spPr>
-            <a:xfrm>
-              <a:off x="4881129" y="3769536"/>
-              <a:ext cx="2344766" cy="1384995"/>
-            </a:xfrm>
-            <a:prstGeom prst="rect">
-              <a:avLst/>
-            </a:prstGeom>
-            <a:noFill/>
-          </p:spPr>
-          <p:txBody>
-            <a:bodyPr wrap="square" rtlCol="0">
-              <a:spAutoFit/>
-            </a:bodyPr>
-            <a:lstStyle/>
-            <a:p>
-              <a:r>
-                <a:rPr kumimoji="1" lang="en-US" altLang="zh-CN" sz="1200" b="1" dirty="0">
-                  <a:latin typeface="DengXian" panose="02010600030101010101" pitchFamily="2" charset="-122"/>
-                  <a:ea typeface="DengXian" panose="02010600030101010101" pitchFamily="2" charset="-122"/>
-                </a:rPr>
-                <a:t>e1</a:t>
-              </a:r>
-              <a:r>
-                <a:rPr kumimoji="1" lang="en-US" altLang="zh-CN" sz="1200" dirty="0">
-                  <a:latin typeface="DengXian" panose="02010600030101010101" pitchFamily="2" charset="-122"/>
-                  <a:ea typeface="DengXian" panose="02010600030101010101" pitchFamily="2" charset="-122"/>
-                </a:rPr>
-                <a:t>:</a:t>
-              </a:r>
-              <a:r>
-                <a:rPr kumimoji="1" lang="zh-CN" altLang="en-US" sz="1200" dirty="0">
-                  <a:latin typeface="DengXian" panose="02010600030101010101" pitchFamily="2" charset="-122"/>
-                  <a:ea typeface="DengXian" panose="02010600030101010101" pitchFamily="2" charset="-122"/>
-                </a:rPr>
-                <a:t> </a:t>
-              </a:r>
-              <a:r>
-                <a:rPr kumimoji="1" lang="en-US" altLang="zh-CN" sz="1200" dirty="0">
-                  <a:latin typeface="DengXian" panose="02010600030101010101" pitchFamily="2" charset="-122"/>
-                  <a:ea typeface="DengXian" panose="02010600030101010101" pitchFamily="2" charset="-122"/>
-                </a:rPr>
-                <a:t>transfer</a:t>
-              </a:r>
-            </a:p>
-            <a:p>
-              <a:r>
-                <a:rPr kumimoji="1" lang="en-US" altLang="zh-CN" sz="1200" b="1" dirty="0">
-                  <a:latin typeface="DengXian" panose="02010600030101010101" pitchFamily="2" charset="-122"/>
-                  <a:ea typeface="DengXian" panose="02010600030101010101" pitchFamily="2" charset="-122"/>
-                </a:rPr>
-                <a:t>e1</a:t>
-              </a:r>
-              <a:r>
-                <a:rPr kumimoji="1" lang="en-US" altLang="zh-CN" sz="1200" dirty="0">
-                  <a:latin typeface="DengXian" panose="02010600030101010101" pitchFamily="2" charset="-122"/>
-                  <a:ea typeface="DengXian" panose="02010600030101010101" pitchFamily="2" charset="-122"/>
-                </a:rPr>
-                <a:t>.timestamp</a:t>
-              </a:r>
-              <a:r>
-                <a:rPr kumimoji="1" lang="zh-CN" altLang="en-US" sz="1200" dirty="0">
-                  <a:latin typeface="DengXian" panose="02010600030101010101" pitchFamily="2" charset="-122"/>
-                  <a:ea typeface="DengXian" panose="02010600030101010101" pitchFamily="2" charset="-122"/>
-                </a:rPr>
-                <a:t> </a:t>
-              </a:r>
-              <a:r>
-                <a:rPr kumimoji="1" lang="en-US" altLang="zh-CN" sz="1200" dirty="0">
-                  <a:latin typeface="DengXian" panose="02010600030101010101" pitchFamily="2" charset="-122"/>
-                  <a:ea typeface="DengXian" panose="02010600030101010101" pitchFamily="2" charset="-122"/>
-                </a:rPr>
-                <a:t>&gt;</a:t>
-              </a:r>
-              <a:r>
-                <a:rPr kumimoji="1" lang="zh-CN" altLang="en-US" sz="1200" dirty="0">
-                  <a:latin typeface="DengXian" panose="02010600030101010101" pitchFamily="2" charset="-122"/>
-                  <a:ea typeface="DengXian" panose="02010600030101010101" pitchFamily="2" charset="-122"/>
-                </a:rPr>
-                <a:t> </a:t>
-              </a:r>
-              <a:r>
-                <a:rPr kumimoji="1" lang="en-US" altLang="zh-CN" sz="1200" dirty="0">
-                  <a:latin typeface="DengXian" panose="02010600030101010101" pitchFamily="2" charset="-122"/>
-                  <a:ea typeface="DengXian" panose="02010600030101010101" pitchFamily="2" charset="-122"/>
-                </a:rPr>
-                <a:t>${</a:t>
-              </a:r>
-              <a:r>
-                <a:rPr kumimoji="1" lang="en-US" altLang="zh-CN" sz="1200" dirty="0" err="1">
-                  <a:latin typeface="DengXian" panose="02010600030101010101" pitchFamily="2" charset="-122"/>
-                  <a:ea typeface="DengXian" panose="02010600030101010101" pitchFamily="2" charset="-122"/>
-                </a:rPr>
-                <a:t>startTime</a:t>
-              </a:r>
-              <a:r>
-                <a:rPr kumimoji="1" lang="en-US" altLang="zh-CN" sz="1200" dirty="0">
-                  <a:latin typeface="DengXian" panose="02010600030101010101" pitchFamily="2" charset="-122"/>
-                  <a:ea typeface="DengXian" panose="02010600030101010101" pitchFamily="2" charset="-122"/>
-                </a:rPr>
-                <a:t>}</a:t>
-              </a:r>
-            </a:p>
-            <a:p>
-              <a:r>
-                <a:rPr kumimoji="1" lang="en-US" altLang="zh-CN" sz="1200" b="1" dirty="0">
-                  <a:latin typeface="DengXian" panose="02010600030101010101" pitchFamily="2" charset="-122"/>
-                  <a:ea typeface="DengXian" panose="02010600030101010101" pitchFamily="2" charset="-122"/>
-                </a:rPr>
-                <a:t>e1</a:t>
-              </a:r>
-              <a:r>
-                <a:rPr kumimoji="1" lang="en-US" altLang="zh-CN" sz="1200" dirty="0">
-                  <a:latin typeface="DengXian" panose="02010600030101010101" pitchFamily="2" charset="-122"/>
-                  <a:ea typeface="DengXian" panose="02010600030101010101" pitchFamily="2" charset="-122"/>
-                </a:rPr>
-                <a:t>.timestamp</a:t>
-              </a:r>
-              <a:r>
-                <a:rPr kumimoji="1" lang="zh-CN" altLang="en-US" sz="1200" dirty="0">
-                  <a:latin typeface="DengXian" panose="02010600030101010101" pitchFamily="2" charset="-122"/>
-                  <a:ea typeface="DengXian" panose="02010600030101010101" pitchFamily="2" charset="-122"/>
-                </a:rPr>
-                <a:t> </a:t>
-              </a:r>
-              <a:r>
-                <a:rPr kumimoji="1" lang="en-US" altLang="zh-CN" sz="1200" dirty="0">
-                  <a:latin typeface="DengXian" panose="02010600030101010101" pitchFamily="2" charset="-122"/>
-                  <a:ea typeface="DengXian" panose="02010600030101010101" pitchFamily="2" charset="-122"/>
-                </a:rPr>
-                <a:t>&lt;</a:t>
-              </a:r>
-              <a:r>
-                <a:rPr kumimoji="1" lang="zh-CN" altLang="en-US" sz="1200" dirty="0">
-                  <a:latin typeface="DengXian" panose="02010600030101010101" pitchFamily="2" charset="-122"/>
-                  <a:ea typeface="DengXian" panose="02010600030101010101" pitchFamily="2" charset="-122"/>
-                </a:rPr>
-                <a:t> </a:t>
-              </a:r>
-              <a:r>
-                <a:rPr kumimoji="1" lang="en-US" altLang="zh-CN" sz="1200" dirty="0">
-                  <a:latin typeface="DengXian" panose="02010600030101010101" pitchFamily="2" charset="-122"/>
-                  <a:ea typeface="DengXian" panose="02010600030101010101" pitchFamily="2" charset="-122"/>
-                </a:rPr>
-                <a:t>${</a:t>
-              </a:r>
-              <a:r>
-                <a:rPr kumimoji="1" lang="en-US" altLang="zh-CN" sz="1200" dirty="0" err="1">
-                  <a:latin typeface="DengXian" panose="02010600030101010101" pitchFamily="2" charset="-122"/>
-                  <a:ea typeface="DengXian" panose="02010600030101010101" pitchFamily="2" charset="-122"/>
-                </a:rPr>
-                <a:t>endTime</a:t>
-              </a:r>
-              <a:r>
-                <a:rPr kumimoji="1" lang="en-US" altLang="zh-CN" sz="1200" dirty="0">
-                  <a:latin typeface="DengXian" panose="02010600030101010101" pitchFamily="2" charset="-122"/>
-                  <a:ea typeface="DengXian" panose="02010600030101010101" pitchFamily="2" charset="-122"/>
-                </a:rPr>
-                <a:t>}</a:t>
-              </a:r>
-            </a:p>
-            <a:p>
-              <a:endParaRPr kumimoji="1" lang="en-US" altLang="zh-CN" sz="1200" b="1" dirty="0">
-                <a:latin typeface="DengXian" panose="02010600030101010101" pitchFamily="2" charset="-122"/>
-                <a:ea typeface="DengXian" panose="02010600030101010101" pitchFamily="2" charset="-122"/>
-              </a:endParaRPr>
-            </a:p>
-            <a:p>
-              <a:r>
-                <a:rPr kumimoji="1" lang="en-US" altLang="zh-CN" sz="1200" b="1" dirty="0">
-                  <a:latin typeface="DengXian" panose="02010600030101010101" pitchFamily="2" charset="-122"/>
-                  <a:ea typeface="DengXian" panose="02010600030101010101" pitchFamily="2" charset="-122"/>
-                </a:rPr>
-                <a:t>e2</a:t>
-              </a:r>
-              <a:r>
-                <a:rPr kumimoji="1" lang="en-US" altLang="zh-CN" sz="1200" dirty="0">
-                  <a:latin typeface="DengXian" panose="02010600030101010101" pitchFamily="2" charset="-122"/>
-                  <a:ea typeface="DengXian" panose="02010600030101010101" pitchFamily="2" charset="-122"/>
-                </a:rPr>
-                <a:t>:</a:t>
-              </a:r>
-              <a:r>
-                <a:rPr kumimoji="1" lang="zh-CN" altLang="en-US" sz="1200" dirty="0">
-                  <a:latin typeface="DengXian" panose="02010600030101010101" pitchFamily="2" charset="-122"/>
-                  <a:ea typeface="DengXian" panose="02010600030101010101" pitchFamily="2" charset="-122"/>
-                </a:rPr>
-                <a:t> </a:t>
-              </a:r>
-              <a:r>
-                <a:rPr kumimoji="1" lang="en-US" altLang="zh-CN" sz="1200" dirty="0">
-                  <a:latin typeface="DengXian" panose="02010600030101010101" pitchFamily="2" charset="-122"/>
-                  <a:ea typeface="DengXian" panose="02010600030101010101" pitchFamily="2" charset="-122"/>
-                </a:rPr>
-                <a:t>transfer</a:t>
-              </a:r>
-            </a:p>
-            <a:p>
-              <a:r>
-                <a:rPr kumimoji="1" lang="en-US" altLang="zh-CN" sz="1200" b="1" dirty="0">
-                  <a:latin typeface="DengXian" panose="02010600030101010101" pitchFamily="2" charset="-122"/>
-                  <a:ea typeface="DengXian" panose="02010600030101010101" pitchFamily="2" charset="-122"/>
-                </a:rPr>
-                <a:t>e2</a:t>
-              </a:r>
-              <a:r>
-                <a:rPr kumimoji="1" lang="en-US" altLang="zh-CN" sz="1200" dirty="0">
-                  <a:latin typeface="DengXian" panose="02010600030101010101" pitchFamily="2" charset="-122"/>
-                  <a:ea typeface="DengXian" panose="02010600030101010101" pitchFamily="2" charset="-122"/>
-                </a:rPr>
-                <a:t>.timestamp</a:t>
-              </a:r>
-              <a:r>
-                <a:rPr kumimoji="1" lang="zh-CN" altLang="en-US" sz="1200" dirty="0">
-                  <a:latin typeface="DengXian" panose="02010600030101010101" pitchFamily="2" charset="-122"/>
-                  <a:ea typeface="DengXian" panose="02010600030101010101" pitchFamily="2" charset="-122"/>
-                </a:rPr>
-                <a:t> </a:t>
-              </a:r>
-              <a:r>
-                <a:rPr kumimoji="1" lang="en-US" altLang="zh-CN" sz="1200" dirty="0">
-                  <a:latin typeface="DengXian" panose="02010600030101010101" pitchFamily="2" charset="-122"/>
-                  <a:ea typeface="DengXian" panose="02010600030101010101" pitchFamily="2" charset="-122"/>
-                </a:rPr>
-                <a:t>&gt;</a:t>
-              </a:r>
-              <a:r>
-                <a:rPr kumimoji="1" lang="zh-CN" altLang="en-US" sz="1200" dirty="0">
-                  <a:latin typeface="DengXian" panose="02010600030101010101" pitchFamily="2" charset="-122"/>
-                  <a:ea typeface="DengXian" panose="02010600030101010101" pitchFamily="2" charset="-122"/>
-                </a:rPr>
-                <a:t> </a:t>
-              </a:r>
-              <a:r>
-                <a:rPr kumimoji="1" lang="en-US" altLang="zh-CN" sz="1200" dirty="0">
-                  <a:latin typeface="DengXian" panose="02010600030101010101" pitchFamily="2" charset="-122"/>
-                  <a:ea typeface="DengXian" panose="02010600030101010101" pitchFamily="2" charset="-122"/>
-                </a:rPr>
-                <a:t>${</a:t>
-              </a:r>
-              <a:r>
-                <a:rPr kumimoji="1" lang="en-US" altLang="zh-CN" sz="1200" dirty="0" err="1">
-                  <a:latin typeface="DengXian" panose="02010600030101010101" pitchFamily="2" charset="-122"/>
-                  <a:ea typeface="DengXian" panose="02010600030101010101" pitchFamily="2" charset="-122"/>
-                </a:rPr>
-                <a:t>startTime</a:t>
-              </a:r>
-              <a:r>
-                <a:rPr kumimoji="1" lang="en-US" altLang="zh-CN" sz="1200" dirty="0">
-                  <a:latin typeface="DengXian" panose="02010600030101010101" pitchFamily="2" charset="-122"/>
-                  <a:ea typeface="DengXian" panose="02010600030101010101" pitchFamily="2" charset="-122"/>
-                </a:rPr>
-                <a:t>}</a:t>
-              </a:r>
-            </a:p>
-            <a:p>
-              <a:r>
-                <a:rPr kumimoji="1" lang="en-US" altLang="zh-CN" sz="1200" b="1" dirty="0">
-                  <a:latin typeface="DengXian" panose="02010600030101010101" pitchFamily="2" charset="-122"/>
-                  <a:ea typeface="DengXian" panose="02010600030101010101" pitchFamily="2" charset="-122"/>
-                </a:rPr>
-                <a:t>e2</a:t>
-              </a:r>
-              <a:r>
-                <a:rPr kumimoji="1" lang="en-US" altLang="zh-CN" sz="1200" dirty="0">
-                  <a:latin typeface="DengXian" panose="02010600030101010101" pitchFamily="2" charset="-122"/>
-                  <a:ea typeface="DengXian" panose="02010600030101010101" pitchFamily="2" charset="-122"/>
-                </a:rPr>
-                <a:t>.timestamp</a:t>
-              </a:r>
-              <a:r>
-                <a:rPr kumimoji="1" lang="zh-CN" altLang="en-US" sz="1200" dirty="0">
-                  <a:latin typeface="DengXian" panose="02010600030101010101" pitchFamily="2" charset="-122"/>
-                  <a:ea typeface="DengXian" panose="02010600030101010101" pitchFamily="2" charset="-122"/>
-                </a:rPr>
-                <a:t> </a:t>
-              </a:r>
-              <a:r>
-                <a:rPr kumimoji="1" lang="en-US" altLang="zh-CN" sz="1200" dirty="0">
-                  <a:latin typeface="DengXian" panose="02010600030101010101" pitchFamily="2" charset="-122"/>
-                  <a:ea typeface="DengXian" panose="02010600030101010101" pitchFamily="2" charset="-122"/>
-                </a:rPr>
-                <a:t>&lt;</a:t>
-              </a:r>
-              <a:r>
-                <a:rPr kumimoji="1" lang="zh-CN" altLang="en-US" sz="1200" dirty="0">
-                  <a:latin typeface="DengXian" panose="02010600030101010101" pitchFamily="2" charset="-122"/>
-                  <a:ea typeface="DengXian" panose="02010600030101010101" pitchFamily="2" charset="-122"/>
-                </a:rPr>
-                <a:t> </a:t>
-              </a:r>
-              <a:r>
-                <a:rPr kumimoji="1" lang="en-US" altLang="zh-CN" sz="1200" dirty="0">
-                  <a:latin typeface="DengXian" panose="02010600030101010101" pitchFamily="2" charset="-122"/>
-                  <a:ea typeface="DengXian" panose="02010600030101010101" pitchFamily="2" charset="-122"/>
-                </a:rPr>
-                <a:t>${</a:t>
-              </a:r>
-              <a:r>
-                <a:rPr kumimoji="1" lang="en-US" altLang="zh-CN" sz="1200" dirty="0" err="1">
-                  <a:latin typeface="DengXian" panose="02010600030101010101" pitchFamily="2" charset="-122"/>
-                  <a:ea typeface="DengXian" panose="02010600030101010101" pitchFamily="2" charset="-122"/>
-                </a:rPr>
-                <a:t>endTime</a:t>
-              </a:r>
-              <a:r>
-                <a:rPr kumimoji="1" lang="en-US" altLang="zh-CN" sz="1200" dirty="0">
-                  <a:latin typeface="DengXian" panose="02010600030101010101" pitchFamily="2" charset="-122"/>
-                  <a:ea typeface="DengXian" panose="02010600030101010101" pitchFamily="2" charset="-122"/>
-                </a:rPr>
-                <a:t>}</a:t>
-              </a:r>
-            </a:p>
-          </p:txBody>
-        </p:sp>
-        <p:grpSp>
-          <p:nvGrpSpPr>
-            <p:cNvPr id="14" name="Group 13">
-              <a:extLst>
-                <a:ext uri="{FF2B5EF4-FFF2-40B4-BE49-F238E27FC236}">
-                  <a16:creationId xmlns:a16="http://schemas.microsoft.com/office/drawing/2014/main" id="{117D08AC-F1C1-3457-B516-5C01DD81812E}"/>
-                </a:ext>
-              </a:extLst>
-            </p:cNvPr>
-            <p:cNvGrpSpPr/>
-            <p:nvPr/>
-          </p:nvGrpSpPr>
-          <p:grpSpPr>
-            <a:xfrm>
-              <a:off x="8091524" y="1477416"/>
-              <a:ext cx="1977761" cy="953444"/>
-              <a:chOff x="9087804" y="3296697"/>
-              <a:chExt cx="2114289" cy="953444"/>
-            </a:xfrm>
-          </p:grpSpPr>
-          <p:sp>
-            <p:nvSpPr>
-              <p:cNvPr id="16" name="矩形 9">
-                <a:extLst>
-                  <a:ext uri="{FF2B5EF4-FFF2-40B4-BE49-F238E27FC236}">
-                    <a16:creationId xmlns:a16="http://schemas.microsoft.com/office/drawing/2014/main" id="{C0C2FBD8-D49C-CC6F-6A00-7C9D624E63CB}"/>
-                  </a:ext>
-                </a:extLst>
-              </p:cNvPr>
-              <p:cNvSpPr/>
-              <p:nvPr/>
-            </p:nvSpPr>
-            <p:spPr>
-              <a:xfrm>
-                <a:off x="9087804" y="3296697"/>
-                <a:ext cx="2114288" cy="430356"/>
-              </a:xfrm>
-              <a:prstGeom prst="rect">
-                <a:avLst/>
-              </a:prstGeom>
-              <a:solidFill>
-                <a:schemeClr val="accent5">
-                  <a:lumMod val="60000"/>
-                  <a:lumOff val="40000"/>
-                </a:schemeClr>
-              </a:solidFill>
-              <a:ln w="25400">
-                <a:solidFill>
-                  <a:schemeClr val="tx1"/>
-                </a:solidFill>
-              </a:ln>
-            </p:spPr>
-            <p:style>
-              <a:lnRef idx="2">
-                <a:schemeClr val="accent2">
-                  <a:shade val="50000"/>
-                </a:schemeClr>
-              </a:lnRef>
-              <a:fillRef idx="1">
-                <a:schemeClr val="accent2"/>
-              </a:fillRef>
-              <a:effectRef idx="0">
-                <a:schemeClr val="accent2"/>
-              </a:effectRef>
-              <a:fontRef idx="minor">
-                <a:schemeClr val="lt1"/>
-              </a:fontRef>
-            </p:style>
-            <p:txBody>
-              <a:bodyPr rtlCol="0" anchor="ctr"/>
-              <a:lstStyle/>
-              <a:p>
-                <a:pPr algn="ctr"/>
-                <a:r>
-                  <a:rPr kumimoji="1" lang="en-US" altLang="zh-CN" sz="1200" b="1" dirty="0" err="1">
-                    <a:solidFill>
-                      <a:sysClr val="windowText" lastClr="000000"/>
-                    </a:solidFill>
-                  </a:rPr>
-                  <a:t>dst</a:t>
-                </a:r>
-                <a:r>
-                  <a:rPr kumimoji="1" lang="zh-CN" altLang="en-US" sz="1200" dirty="0">
-                    <a:solidFill>
-                      <a:sysClr val="windowText" lastClr="000000"/>
-                    </a:solidFill>
-                  </a:rPr>
-                  <a:t> </a:t>
-                </a:r>
-                <a:r>
-                  <a:rPr kumimoji="1" lang="en-US" altLang="zh-CN" sz="1200" dirty="0">
-                    <a:solidFill>
-                      <a:sysClr val="windowText" lastClr="000000"/>
-                    </a:solidFill>
-                  </a:rPr>
-                  <a:t>:</a:t>
-                </a:r>
-                <a:r>
-                  <a:rPr kumimoji="1" lang="zh-CN" altLang="en-US" sz="1200" dirty="0">
-                    <a:solidFill>
-                      <a:sysClr val="windowText" lastClr="000000"/>
-                    </a:solidFill>
-                  </a:rPr>
-                  <a:t> </a:t>
-                </a:r>
-                <a:r>
-                  <a:rPr kumimoji="1" lang="en-US" altLang="zh-CN" sz="1200" dirty="0">
-                    <a:solidFill>
-                      <a:sysClr val="windowText" lastClr="000000"/>
-                    </a:solidFill>
-                  </a:rPr>
-                  <a:t>Account</a:t>
-                </a:r>
-                <a:endParaRPr kumimoji="1" lang="zh-CN" altLang="en-US" sz="1200" dirty="0">
-                  <a:solidFill>
-                    <a:sysClr val="windowText" lastClr="000000"/>
-                  </a:solidFill>
-                </a:endParaRPr>
-              </a:p>
-            </p:txBody>
-          </p:sp>
-          <p:sp>
-            <p:nvSpPr>
-              <p:cNvPr id="18" name="矩形 10">
-                <a:extLst>
-                  <a:ext uri="{FF2B5EF4-FFF2-40B4-BE49-F238E27FC236}">
-                    <a16:creationId xmlns:a16="http://schemas.microsoft.com/office/drawing/2014/main" id="{4A35D72E-1D8C-6BE5-FFE7-3909649EB585}"/>
-                  </a:ext>
-                </a:extLst>
-              </p:cNvPr>
-              <p:cNvSpPr/>
-              <p:nvPr/>
-            </p:nvSpPr>
-            <p:spPr>
-              <a:xfrm>
-                <a:off x="9087804" y="3727055"/>
-                <a:ext cx="2114289" cy="523086"/>
-              </a:xfrm>
-              <a:prstGeom prst="rect">
-                <a:avLst/>
-              </a:prstGeom>
-              <a:noFill/>
-              <a:ln w="25400">
-                <a:solidFill>
-                  <a:schemeClr val="tx1"/>
-                </a:solidFill>
-              </a:ln>
-            </p:spPr>
-            <p:style>
-              <a:lnRef idx="2">
-                <a:schemeClr val="accent2">
-                  <a:shade val="50000"/>
-                </a:schemeClr>
-              </a:lnRef>
-              <a:fillRef idx="1">
-                <a:schemeClr val="accent2"/>
-              </a:fillRef>
-              <a:effectRef idx="0">
-                <a:schemeClr val="accent2"/>
-              </a:effectRef>
-              <a:fontRef idx="minor">
-                <a:schemeClr val="lt1"/>
-              </a:fontRef>
-            </p:style>
-            <p:txBody>
-              <a:bodyPr rtlCol="0" anchor="ctr"/>
-              <a:lstStyle/>
-              <a:p>
-                <a:pPr algn="ctr"/>
-                <a:r>
-                  <a:rPr kumimoji="1" lang="en-US" altLang="zh-CN" sz="1200" b="1" dirty="0" err="1">
-                    <a:solidFill>
-                      <a:sysClr val="windowText" lastClr="000000"/>
-                    </a:solidFill>
-                  </a:rPr>
-                  <a:t>src</a:t>
-                </a:r>
-                <a:r>
-                  <a:rPr kumimoji="1" lang="en-US" altLang="zh-CN" sz="1200" dirty="0" err="1">
-                    <a:solidFill>
-                      <a:sysClr val="windowText" lastClr="000000"/>
-                    </a:solidFill>
-                  </a:rPr>
-                  <a:t>.id</a:t>
-                </a:r>
-                <a:r>
-                  <a:rPr kumimoji="1" lang="zh-CN" altLang="en-US" sz="1200" dirty="0">
-                    <a:solidFill>
-                      <a:sysClr val="windowText" lastClr="000000"/>
-                    </a:solidFill>
-                  </a:rPr>
-                  <a:t> </a:t>
-                </a:r>
-                <a:r>
-                  <a:rPr kumimoji="1" lang="en-US" altLang="zh-CN" sz="1200" dirty="0">
-                    <a:solidFill>
-                      <a:sysClr val="windowText" lastClr="000000"/>
-                    </a:solidFill>
-                  </a:rPr>
-                  <a:t>!=</a:t>
-                </a:r>
-                <a:r>
-                  <a:rPr kumimoji="1" lang="zh-CN" altLang="en-US" sz="1200" dirty="0">
-                    <a:solidFill>
-                      <a:sysClr val="windowText" lastClr="000000"/>
-                    </a:solidFill>
-                  </a:rPr>
-                  <a:t> </a:t>
-                </a:r>
-                <a:r>
-                  <a:rPr kumimoji="1" lang="en-US" altLang="zh-CN" sz="1200" b="1" dirty="0" err="1">
-                    <a:solidFill>
-                      <a:sysClr val="windowText" lastClr="000000"/>
-                    </a:solidFill>
-                  </a:rPr>
-                  <a:t>dst</a:t>
-                </a:r>
-                <a:r>
-                  <a:rPr kumimoji="1" lang="en-US" altLang="zh-CN" sz="1200" dirty="0" err="1">
-                    <a:solidFill>
-                      <a:sysClr val="windowText" lastClr="000000"/>
-                    </a:solidFill>
-                  </a:rPr>
-                  <a:t>.id</a:t>
-                </a:r>
-                <a:endParaRPr kumimoji="1" lang="en-US" altLang="zh-CN" sz="1200" dirty="0">
-                  <a:solidFill>
-                    <a:sysClr val="windowText" lastClr="000000"/>
-                  </a:solidFill>
-                  <a:latin typeface="DengXian" panose="02010600030101010101" pitchFamily="2" charset="-122"/>
-                  <a:ea typeface="DengXian" panose="02010600030101010101" pitchFamily="2" charset="-122"/>
-                </a:endParaRPr>
-              </a:p>
-              <a:p>
-                <a:pPr algn="ctr"/>
-                <a:r>
-                  <a:rPr kumimoji="1" lang="en-US" altLang="zh-CN" sz="1200" b="1" dirty="0" err="1">
-                    <a:solidFill>
-                      <a:sysClr val="windowText" lastClr="000000"/>
-                    </a:solidFill>
-                    <a:latin typeface="DengXian" panose="02010600030101010101" pitchFamily="2" charset="-122"/>
-                    <a:ea typeface="DengXian" panose="02010600030101010101" pitchFamily="2" charset="-122"/>
-                  </a:rPr>
-                  <a:t>dst</a:t>
-                </a:r>
-                <a:r>
-                  <a:rPr kumimoji="1" lang="en-US" altLang="zh-CN" sz="1200" dirty="0" err="1">
-                    <a:solidFill>
-                      <a:sysClr val="windowText" lastClr="000000"/>
-                    </a:solidFill>
-                    <a:latin typeface="DengXian" panose="02010600030101010101" pitchFamily="2" charset="-122"/>
-                    <a:ea typeface="DengXian" panose="02010600030101010101" pitchFamily="2" charset="-122"/>
-                  </a:rPr>
-                  <a:t>.isBlocked</a:t>
-                </a:r>
-                <a:r>
-                  <a:rPr kumimoji="1" lang="zh-CN" altLang="en-US" sz="1200" dirty="0">
-                    <a:solidFill>
-                      <a:sysClr val="windowText" lastClr="000000"/>
-                    </a:solidFill>
-                    <a:latin typeface="DengXian" panose="02010600030101010101" pitchFamily="2" charset="-122"/>
-                    <a:ea typeface="DengXian" panose="02010600030101010101" pitchFamily="2" charset="-122"/>
-                  </a:rPr>
-                  <a:t> </a:t>
-                </a:r>
-                <a:r>
-                  <a:rPr kumimoji="1" lang="en-US" altLang="zh-CN" sz="1200" dirty="0">
-                    <a:solidFill>
-                      <a:sysClr val="windowText" lastClr="000000"/>
-                    </a:solidFill>
-                    <a:latin typeface="DengXian" panose="02010600030101010101" pitchFamily="2" charset="-122"/>
-                    <a:ea typeface="DengXian" panose="02010600030101010101" pitchFamily="2" charset="-122"/>
-                  </a:rPr>
-                  <a:t>=</a:t>
-                </a:r>
-                <a:r>
-                  <a:rPr kumimoji="1" lang="zh-CN" altLang="en-US" sz="1200" dirty="0">
-                    <a:solidFill>
-                      <a:sysClr val="windowText" lastClr="000000"/>
-                    </a:solidFill>
-                    <a:latin typeface="DengXian" panose="02010600030101010101" pitchFamily="2" charset="-122"/>
-                    <a:ea typeface="DengXian" panose="02010600030101010101" pitchFamily="2" charset="-122"/>
-                  </a:rPr>
-                  <a:t> </a:t>
-                </a:r>
-                <a:r>
-                  <a:rPr kumimoji="1" lang="en-US" altLang="zh-CN" sz="1200" dirty="0">
-                    <a:solidFill>
-                      <a:sysClr val="windowText" lastClr="000000"/>
-                    </a:solidFill>
-                    <a:latin typeface="DengXian" panose="02010600030101010101" pitchFamily="2" charset="-122"/>
-                    <a:ea typeface="DengXian" panose="02010600030101010101" pitchFamily="2" charset="-122"/>
-                  </a:rPr>
-                  <a:t>True</a:t>
-                </a:r>
-                <a:endParaRPr kumimoji="1" lang="zh-CN" altLang="en-US" sz="1200" dirty="0">
-                  <a:solidFill>
-                    <a:sysClr val="windowText" lastClr="000000"/>
-                  </a:solidFill>
-                  <a:latin typeface="DengXian" panose="02010600030101010101" pitchFamily="2" charset="-122"/>
-                  <a:ea typeface="DengXian" panose="02010600030101010101" pitchFamily="2" charset="-122"/>
-                </a:endParaRPr>
-              </a:p>
-            </p:txBody>
-          </p:sp>
-        </p:grpSp>
-        <p:cxnSp>
-          <p:nvCxnSpPr>
-            <p:cNvPr id="21" name="直线箭头连接符 11" descr="jytjh">
-              <a:extLst>
-                <a:ext uri="{FF2B5EF4-FFF2-40B4-BE49-F238E27FC236}">
-                  <a16:creationId xmlns:a16="http://schemas.microsoft.com/office/drawing/2014/main" id="{4AF50B66-DE05-AD6A-78D9-3377FB8A0820}"/>
-                </a:ext>
-              </a:extLst>
-            </p:cNvPr>
-            <p:cNvCxnSpPr>
-              <a:cxnSpLocks/>
-              <a:stCxn id="9" idx="3"/>
-              <a:endCxn id="16" idx="1"/>
-            </p:cNvCxnSpPr>
-            <p:nvPr/>
-          </p:nvCxnSpPr>
-          <p:spPr>
-            <a:xfrm flipV="1">
-              <a:off x="6175512" y="1692594"/>
-              <a:ext cx="1916012" cy="1352142"/>
-            </a:xfrm>
-            <a:prstGeom prst="straightConnector1">
-              <a:avLst/>
-            </a:prstGeom>
-            <a:ln w="19050">
-              <a:solidFill>
-                <a:schemeClr val="tx1"/>
-              </a:solidFill>
-              <a:headEnd type="none" w="sm" len="lg"/>
-              <a:tailEnd type="arrow" w="sm" len="lg"/>
-            </a:ln>
-          </p:spPr>
-          <p:style>
-            <a:lnRef idx="1">
-              <a:schemeClr val="accent1"/>
-            </a:lnRef>
-            <a:fillRef idx="0">
-              <a:schemeClr val="accent1"/>
-            </a:fillRef>
-            <a:effectRef idx="0">
-              <a:schemeClr val="accent1"/>
-            </a:effectRef>
-            <a:fontRef idx="minor">
-              <a:schemeClr val="tx1"/>
-            </a:fontRef>
-          </p:style>
-        </p:cxnSp>
-        <p:grpSp>
-          <p:nvGrpSpPr>
-            <p:cNvPr id="24" name="Group 23">
-              <a:extLst>
-                <a:ext uri="{FF2B5EF4-FFF2-40B4-BE49-F238E27FC236}">
-                  <a16:creationId xmlns:a16="http://schemas.microsoft.com/office/drawing/2014/main" id="{9274E11E-F66D-D104-81F1-308683A93A7A}"/>
-                </a:ext>
-              </a:extLst>
-            </p:cNvPr>
-            <p:cNvGrpSpPr/>
-            <p:nvPr/>
-          </p:nvGrpSpPr>
-          <p:grpSpPr>
-            <a:xfrm>
-              <a:off x="8091523" y="4181702"/>
-              <a:ext cx="1977761" cy="953444"/>
-              <a:chOff x="9087804" y="3296697"/>
-              <a:chExt cx="2114289" cy="953444"/>
-            </a:xfrm>
-          </p:grpSpPr>
-          <p:sp>
-            <p:nvSpPr>
-              <p:cNvPr id="25" name="矩形 9">
-                <a:extLst>
-                  <a:ext uri="{FF2B5EF4-FFF2-40B4-BE49-F238E27FC236}">
-                    <a16:creationId xmlns:a16="http://schemas.microsoft.com/office/drawing/2014/main" id="{4AC57C51-88BB-B82A-9FB5-969500416864}"/>
-                  </a:ext>
-                </a:extLst>
-              </p:cNvPr>
-              <p:cNvSpPr/>
-              <p:nvPr/>
-            </p:nvSpPr>
-            <p:spPr>
-              <a:xfrm>
-                <a:off x="9087804" y="3296697"/>
-                <a:ext cx="2114288" cy="430356"/>
-              </a:xfrm>
-              <a:prstGeom prst="rect">
-                <a:avLst/>
-              </a:prstGeom>
-              <a:solidFill>
-                <a:schemeClr val="accent5">
-                  <a:lumMod val="60000"/>
-                  <a:lumOff val="40000"/>
-                </a:schemeClr>
-              </a:solidFill>
-              <a:ln w="25400">
-                <a:solidFill>
-                  <a:schemeClr val="tx1"/>
-                </a:solidFill>
-              </a:ln>
-            </p:spPr>
-            <p:style>
-              <a:lnRef idx="2">
-                <a:schemeClr val="accent2">
-                  <a:shade val="50000"/>
-                </a:schemeClr>
-              </a:lnRef>
-              <a:fillRef idx="1">
-                <a:schemeClr val="accent2"/>
-              </a:fillRef>
-              <a:effectRef idx="0">
-                <a:schemeClr val="accent2"/>
-              </a:effectRef>
-              <a:fontRef idx="minor">
-                <a:schemeClr val="lt1"/>
-              </a:fontRef>
-            </p:style>
-            <p:txBody>
-              <a:bodyPr rtlCol="0" anchor="ctr"/>
-              <a:lstStyle/>
-              <a:p>
-                <a:pPr algn="ctr"/>
-                <a:r>
-                  <a:rPr kumimoji="1" lang="en-US" altLang="zh-CN" sz="1200" b="1" dirty="0" err="1">
-                    <a:solidFill>
-                      <a:sysClr val="windowText" lastClr="000000"/>
-                    </a:solidFill>
-                  </a:rPr>
-                  <a:t>dst</a:t>
-                </a:r>
-                <a:r>
-                  <a:rPr kumimoji="1" lang="zh-CN" altLang="en-US" sz="1200" dirty="0">
-                    <a:solidFill>
-                      <a:sysClr val="windowText" lastClr="000000"/>
-                    </a:solidFill>
-                  </a:rPr>
-                  <a:t> </a:t>
-                </a:r>
-                <a:r>
-                  <a:rPr kumimoji="1" lang="en-US" altLang="zh-CN" sz="1200" dirty="0">
-                    <a:solidFill>
-                      <a:sysClr val="windowText" lastClr="000000"/>
-                    </a:solidFill>
-                  </a:rPr>
-                  <a:t>:</a:t>
-                </a:r>
-                <a:r>
-                  <a:rPr kumimoji="1" lang="zh-CN" altLang="en-US" sz="1200" dirty="0">
-                    <a:solidFill>
-                      <a:sysClr val="windowText" lastClr="000000"/>
-                    </a:solidFill>
-                  </a:rPr>
-                  <a:t> </a:t>
-                </a:r>
-                <a:r>
-                  <a:rPr kumimoji="1" lang="en-US" altLang="zh-CN" sz="1200" dirty="0">
-                    <a:solidFill>
-                      <a:sysClr val="windowText" lastClr="000000"/>
-                    </a:solidFill>
-                  </a:rPr>
-                  <a:t>Account</a:t>
-                </a:r>
-                <a:endParaRPr kumimoji="1" lang="zh-CN" altLang="en-US" sz="1200" dirty="0">
-                  <a:solidFill>
-                    <a:sysClr val="windowText" lastClr="000000"/>
-                  </a:solidFill>
-                </a:endParaRPr>
-              </a:p>
-            </p:txBody>
-          </p:sp>
-          <p:sp>
-            <p:nvSpPr>
-              <p:cNvPr id="26" name="矩形 10">
-                <a:extLst>
-                  <a:ext uri="{FF2B5EF4-FFF2-40B4-BE49-F238E27FC236}">
-                    <a16:creationId xmlns:a16="http://schemas.microsoft.com/office/drawing/2014/main" id="{A60E454A-1E53-3B57-7FCA-564F9EC1B05B}"/>
-                  </a:ext>
-                </a:extLst>
-              </p:cNvPr>
-              <p:cNvSpPr/>
-              <p:nvPr/>
-            </p:nvSpPr>
-            <p:spPr>
-              <a:xfrm>
-                <a:off x="9087804" y="3727055"/>
-                <a:ext cx="2114289" cy="523086"/>
-              </a:xfrm>
-              <a:prstGeom prst="rect">
-                <a:avLst/>
-              </a:prstGeom>
-              <a:noFill/>
-              <a:ln w="25400">
-                <a:solidFill>
-                  <a:schemeClr val="tx1"/>
-                </a:solidFill>
-              </a:ln>
-            </p:spPr>
-            <p:style>
-              <a:lnRef idx="2">
-                <a:schemeClr val="accent2">
-                  <a:shade val="50000"/>
-                </a:schemeClr>
-              </a:lnRef>
-              <a:fillRef idx="1">
-                <a:schemeClr val="accent2"/>
-              </a:fillRef>
-              <a:effectRef idx="0">
-                <a:schemeClr val="accent2"/>
-              </a:effectRef>
-              <a:fontRef idx="minor">
-                <a:schemeClr val="lt1"/>
-              </a:fontRef>
-            </p:style>
-            <p:txBody>
-              <a:bodyPr rtlCol="0" anchor="ctr"/>
-              <a:lstStyle/>
-              <a:p>
-                <a:pPr algn="ctr"/>
-                <a:r>
-                  <a:rPr kumimoji="1" lang="en-US" altLang="zh-CN" sz="1200" b="1" dirty="0" err="1">
-                    <a:solidFill>
-                      <a:sysClr val="windowText" lastClr="000000"/>
-                    </a:solidFill>
-                  </a:rPr>
-                  <a:t>src</a:t>
-                </a:r>
-                <a:r>
-                  <a:rPr kumimoji="1" lang="en-US" altLang="zh-CN" sz="1200" dirty="0" err="1">
-                    <a:solidFill>
-                      <a:sysClr val="windowText" lastClr="000000"/>
-                    </a:solidFill>
-                  </a:rPr>
-                  <a:t>.id</a:t>
-                </a:r>
-                <a:r>
-                  <a:rPr kumimoji="1" lang="zh-CN" altLang="en-US" sz="1200" dirty="0">
-                    <a:solidFill>
-                      <a:sysClr val="windowText" lastClr="000000"/>
-                    </a:solidFill>
-                  </a:rPr>
-                  <a:t> </a:t>
-                </a:r>
-                <a:r>
-                  <a:rPr kumimoji="1" lang="en-US" altLang="zh-CN" sz="1200" dirty="0">
-                    <a:solidFill>
-                      <a:sysClr val="windowText" lastClr="000000"/>
-                    </a:solidFill>
-                  </a:rPr>
-                  <a:t>!=</a:t>
-                </a:r>
-                <a:r>
-                  <a:rPr kumimoji="1" lang="zh-CN" altLang="en-US" sz="1200" dirty="0">
-                    <a:solidFill>
-                      <a:sysClr val="windowText" lastClr="000000"/>
-                    </a:solidFill>
-                  </a:rPr>
-                  <a:t> </a:t>
-                </a:r>
-                <a:r>
-                  <a:rPr kumimoji="1" lang="en-US" altLang="zh-CN" sz="1200" b="1" dirty="0" err="1">
-                    <a:solidFill>
-                      <a:sysClr val="windowText" lastClr="000000"/>
-                    </a:solidFill>
-                  </a:rPr>
-                  <a:t>dst</a:t>
-                </a:r>
-                <a:r>
-                  <a:rPr kumimoji="1" lang="en-US" altLang="zh-CN" sz="1200" dirty="0" err="1">
-                    <a:solidFill>
-                      <a:sysClr val="windowText" lastClr="000000"/>
-                    </a:solidFill>
-                  </a:rPr>
-                  <a:t>.id</a:t>
-                </a:r>
-                <a:endParaRPr kumimoji="1" lang="en-US" altLang="zh-CN" sz="1200" dirty="0">
-                  <a:solidFill>
-                    <a:sysClr val="windowText" lastClr="000000"/>
-                  </a:solidFill>
-                  <a:latin typeface="DengXian" panose="02010600030101010101" pitchFamily="2" charset="-122"/>
-                  <a:ea typeface="DengXian" panose="02010600030101010101" pitchFamily="2" charset="-122"/>
-                </a:endParaRPr>
-              </a:p>
-              <a:p>
-                <a:pPr algn="ctr"/>
-                <a:r>
-                  <a:rPr kumimoji="1" lang="en-US" altLang="zh-CN" sz="1200" b="1" dirty="0" err="1">
-                    <a:solidFill>
-                      <a:sysClr val="windowText" lastClr="000000"/>
-                    </a:solidFill>
-                    <a:latin typeface="DengXian" panose="02010600030101010101" pitchFamily="2" charset="-122"/>
-                    <a:ea typeface="DengXian" panose="02010600030101010101" pitchFamily="2" charset="-122"/>
-                  </a:rPr>
-                  <a:t>dst</a:t>
-                </a:r>
-                <a:r>
-                  <a:rPr kumimoji="1" lang="en-US" altLang="zh-CN" sz="1200" dirty="0" err="1">
-                    <a:solidFill>
-                      <a:sysClr val="windowText" lastClr="000000"/>
-                    </a:solidFill>
-                    <a:latin typeface="DengXian" panose="02010600030101010101" pitchFamily="2" charset="-122"/>
-                    <a:ea typeface="DengXian" panose="02010600030101010101" pitchFamily="2" charset="-122"/>
-                  </a:rPr>
-                  <a:t>.isBlocked</a:t>
-                </a:r>
-                <a:r>
-                  <a:rPr kumimoji="1" lang="zh-CN" altLang="en-US" sz="1200" dirty="0">
-                    <a:solidFill>
-                      <a:sysClr val="windowText" lastClr="000000"/>
-                    </a:solidFill>
-                    <a:latin typeface="DengXian" panose="02010600030101010101" pitchFamily="2" charset="-122"/>
-                    <a:ea typeface="DengXian" panose="02010600030101010101" pitchFamily="2" charset="-122"/>
-                  </a:rPr>
-                  <a:t> </a:t>
-                </a:r>
-                <a:r>
-                  <a:rPr kumimoji="1" lang="en-US" altLang="zh-CN" sz="1200" dirty="0">
-                    <a:solidFill>
-                      <a:sysClr val="windowText" lastClr="000000"/>
-                    </a:solidFill>
-                    <a:latin typeface="DengXian" panose="02010600030101010101" pitchFamily="2" charset="-122"/>
-                    <a:ea typeface="DengXian" panose="02010600030101010101" pitchFamily="2" charset="-122"/>
-                  </a:rPr>
-                  <a:t>=</a:t>
-                </a:r>
-                <a:r>
-                  <a:rPr kumimoji="1" lang="zh-CN" altLang="en-US" sz="1200" dirty="0">
-                    <a:solidFill>
-                      <a:sysClr val="windowText" lastClr="000000"/>
-                    </a:solidFill>
-                    <a:latin typeface="DengXian" panose="02010600030101010101" pitchFamily="2" charset="-122"/>
-                    <a:ea typeface="DengXian" panose="02010600030101010101" pitchFamily="2" charset="-122"/>
-                  </a:rPr>
-                  <a:t> </a:t>
-                </a:r>
-                <a:r>
-                  <a:rPr kumimoji="1" lang="en-US" altLang="zh-CN" sz="1200" dirty="0">
-                    <a:solidFill>
-                      <a:sysClr val="windowText" lastClr="000000"/>
-                    </a:solidFill>
-                    <a:latin typeface="DengXian" panose="02010600030101010101" pitchFamily="2" charset="-122"/>
-                    <a:ea typeface="DengXian" panose="02010600030101010101" pitchFamily="2" charset="-122"/>
-                  </a:rPr>
-                  <a:t>True</a:t>
-                </a:r>
-                <a:endParaRPr kumimoji="1" lang="zh-CN" altLang="en-US" sz="1200" dirty="0">
-                  <a:solidFill>
-                    <a:sysClr val="windowText" lastClr="000000"/>
-                  </a:solidFill>
-                  <a:latin typeface="DengXian" panose="02010600030101010101" pitchFamily="2" charset="-122"/>
-                  <a:ea typeface="DengXian" panose="02010600030101010101" pitchFamily="2" charset="-122"/>
-                </a:endParaRPr>
-              </a:p>
-            </p:txBody>
-          </p:sp>
-        </p:grpSp>
-        <p:cxnSp>
-          <p:nvCxnSpPr>
-            <p:cNvPr id="27" name="直线箭头连接符 11" descr="jytjh">
-              <a:extLst>
-                <a:ext uri="{FF2B5EF4-FFF2-40B4-BE49-F238E27FC236}">
-                  <a16:creationId xmlns:a16="http://schemas.microsoft.com/office/drawing/2014/main" id="{E670651F-47C8-7375-B33C-EB0518EB4034}"/>
-                </a:ext>
-              </a:extLst>
-            </p:cNvPr>
-            <p:cNvCxnSpPr>
-              <a:cxnSpLocks/>
-              <a:stCxn id="9" idx="3"/>
-              <a:endCxn id="25" idx="1"/>
-            </p:cNvCxnSpPr>
-            <p:nvPr/>
-          </p:nvCxnSpPr>
-          <p:spPr>
-            <a:xfrm>
-              <a:off x="6175512" y="3044736"/>
-              <a:ext cx="1916011" cy="1352144"/>
-            </a:xfrm>
-            <a:prstGeom prst="straightConnector1">
-              <a:avLst/>
-            </a:prstGeom>
-            <a:ln w="19050">
-              <a:solidFill>
-                <a:schemeClr val="tx1"/>
-              </a:solidFill>
-              <a:headEnd type="none" w="sm" len="lg"/>
-              <a:tailEnd type="arrow" w="sm" len="lg"/>
-            </a:ln>
-          </p:spPr>
-          <p:style>
-            <a:lnRef idx="1">
-              <a:schemeClr val="accent1"/>
-            </a:lnRef>
-            <a:fillRef idx="0">
-              <a:schemeClr val="accent1"/>
-            </a:fillRef>
-            <a:effectRef idx="0">
-              <a:schemeClr val="accent1"/>
-            </a:effectRef>
-            <a:fontRef idx="minor">
-              <a:schemeClr val="tx1"/>
-            </a:fontRef>
-          </p:style>
-        </p:cxnSp>
-        <p:sp>
-          <p:nvSpPr>
-            <p:cNvPr id="30" name="文本框 7">
-              <a:extLst>
-                <a:ext uri="{FF2B5EF4-FFF2-40B4-BE49-F238E27FC236}">
-                  <a16:creationId xmlns:a16="http://schemas.microsoft.com/office/drawing/2014/main" id="{0A2D3505-CAE0-DBF6-9A13-CB33432E03DC}"/>
-                </a:ext>
-              </a:extLst>
-            </p:cNvPr>
-            <p:cNvSpPr txBox="1"/>
-            <p:nvPr/>
-          </p:nvSpPr>
-          <p:spPr>
-            <a:xfrm>
-              <a:off x="6649372" y="2767736"/>
-              <a:ext cx="1047881" cy="276999"/>
-            </a:xfrm>
-            <a:prstGeom prst="rect">
-              <a:avLst/>
-            </a:prstGeom>
-            <a:noFill/>
-          </p:spPr>
-          <p:txBody>
-            <a:bodyPr wrap="square" rtlCol="0">
-              <a:spAutoFit/>
-            </a:bodyPr>
-            <a:lstStyle/>
-            <a:p>
-              <a:pPr algn="ctr"/>
-              <a:r>
-                <a:rPr kumimoji="1" lang="en-US" altLang="zh-CN" sz="1200" b="1" dirty="0">
-                  <a:latin typeface="DengXian" panose="02010600030101010101" pitchFamily="2" charset="-122"/>
-                  <a:ea typeface="DengXian" panose="02010600030101010101" pitchFamily="2" charset="-122"/>
-                </a:rPr>
-                <a:t>e2</a:t>
-              </a:r>
-            </a:p>
-          </p:txBody>
-        </p:sp>
-      </p:grpSp>
-    </p:spTree>
-    <p:extLst>
-      <p:ext uri="{BB962C8B-B14F-4D97-AF65-F5344CB8AC3E}">
-        <p14:creationId xmlns:p14="http://schemas.microsoft.com/office/powerpoint/2010/main" val="3621545658"/>
       </p:ext>
     </p:extLst>
   </p:cSld>

--- a/patterns/transaction-simple-read.pptx
+++ b/patterns/transaction-simple-read.pptx
@@ -14,10 +14,10 @@
     <p:sldId id="414" r:id="rId5"/>
     <p:sldId id="363" r:id="rId6"/>
     <p:sldId id="373" r:id="rId7"/>
-    <p:sldId id="402" r:id="rId8"/>
-    <p:sldId id="398" r:id="rId9"/>
-    <p:sldId id="418" r:id="rId10"/>
-    <p:sldId id="417" r:id="rId11"/>
+    <p:sldId id="417" r:id="rId8"/>
+    <p:sldId id="402" r:id="rId9"/>
+    <p:sldId id="398" r:id="rId10"/>
+    <p:sldId id="418" r:id="rId11"/>
   </p:sldIdLst>
   <p:sldSz cx="12192000" cy="6858000"/>
   <p:notesSz cx="6858000" cy="9144000"/>
@@ -206,7 +206,7 @@
           <a:p>
             <a:fld id="{CAD4BD24-A097-4F9D-85E9-6A2A24CA2D98}" type="datetimeFigureOut">
               <a:rPr lang="zh-CN" altLang="en-US" smtClean="0"/>
-              <a:t>2023/4/28</a:t>
+              <a:t>2023/5/6</a:t>
             </a:fld>
             <a:endParaRPr lang="zh-CN" altLang="en-US"/>
           </a:p>
@@ -2854,7 +2854,7 @@
 </file>
 
 <file path=ppt/slides/slide10.xml><?xml version="1.0" encoding="utf-8"?>
-<p:sld xmlns:a="http://schemas.openxmlformats.org/drawingml/2006/main" xmlns:r="http://schemas.openxmlformats.org/officeDocument/2006/relationships" xmlns:p="http://schemas.openxmlformats.org/presentationml/2006/main">
+<p:sld xmlns:a="http://schemas.openxmlformats.org/drawingml/2006/main" xmlns:r="http://schemas.openxmlformats.org/officeDocument/2006/relationships" xmlns:p="http://schemas.openxmlformats.org/presentationml/2006/main" show="0">
   <p:cSld>
     <p:spTree>
       <p:nvGrpSpPr>
@@ -2870,631 +2870,772 @@
           <a:chExt cx="0" cy="0"/>
         </a:xfrm>
       </p:grpSpPr>
-      <p:sp>
-        <p:nvSpPr>
-          <p:cNvPr id="4" name="Rectangle 3">
+      <p:grpSp>
+        <p:nvGrpSpPr>
+          <p:cNvPr id="13" name="Group 12">
             <a:extLst>
               <a:ext uri="{FF2B5EF4-FFF2-40B4-BE49-F238E27FC236}">
-                <a16:creationId xmlns:a16="http://schemas.microsoft.com/office/drawing/2014/main" id="{5EFB2F0D-ABB3-D995-FA04-8C359C1827B4}"/>
+                <a16:creationId xmlns:a16="http://schemas.microsoft.com/office/drawing/2014/main" id="{5C8602AD-DA4E-8373-A4A1-319A52DFC519}"/>
               </a:ext>
             </a:extLst>
           </p:cNvPr>
-          <p:cNvSpPr/>
+          <p:cNvGrpSpPr/>
           <p:nvPr/>
-        </p:nvSpPr>
-        <p:spPr>
+        </p:nvGrpSpPr>
+        <p:grpSpPr>
           <a:xfrm>
-            <a:off x="2468880" y="2861420"/>
-            <a:ext cx="1215845" cy="387178"/>
+            <a:off x="2292625" y="2640495"/>
+            <a:ext cx="7610060" cy="1577009"/>
+            <a:chOff x="2292625" y="2640495"/>
+            <a:chExt cx="7610060" cy="1577009"/>
           </a:xfrm>
-          <a:prstGeom prst="rect">
-            <a:avLst/>
-          </a:prstGeom>
-          <a:solidFill>
-            <a:schemeClr val="accent6">
-              <a:lumMod val="60000"/>
-              <a:lumOff val="40000"/>
-            </a:schemeClr>
-          </a:solidFill>
-          <a:ln w="22225">
-            <a:solidFill>
-              <a:schemeClr val="tx1"/>
-            </a:solidFill>
-          </a:ln>
-        </p:spPr>
-        <p:style>
-          <a:lnRef idx="2">
-            <a:schemeClr val="accent1">
-              <a:shade val="50000"/>
-            </a:schemeClr>
-          </a:lnRef>
-          <a:fillRef idx="1">
-            <a:schemeClr val="accent1"/>
-          </a:fillRef>
-          <a:effectRef idx="0">
-            <a:schemeClr val="accent1"/>
-          </a:effectRef>
-          <a:fontRef idx="minor">
-            <a:schemeClr val="lt1"/>
-          </a:fontRef>
-        </p:style>
-        <p:txBody>
-          <a:bodyPr rtlCol="0" anchor="ctr"/>
-          <a:lstStyle/>
-          <a:p>
-            <a:pPr algn="ctr"/>
-            <a:r>
-              <a:rPr lang="en-US" altLang="zh-CN" b="1" dirty="0">
+        </p:grpSpPr>
+        <p:grpSp>
+          <p:nvGrpSpPr>
+            <p:cNvPr id="11" name="Group 10">
+              <a:extLst>
+                <a:ext uri="{FF2B5EF4-FFF2-40B4-BE49-F238E27FC236}">
+                  <a16:creationId xmlns:a16="http://schemas.microsoft.com/office/drawing/2014/main" id="{5168FCA5-A509-D54C-EC9F-42AEB9B2CE83}"/>
+                </a:ext>
+              </a:extLst>
+            </p:cNvPr>
+            <p:cNvGrpSpPr/>
+            <p:nvPr/>
+          </p:nvGrpSpPr>
+          <p:grpSpPr>
+            <a:xfrm>
+              <a:off x="2292625" y="2640495"/>
+              <a:ext cx="2716695" cy="1577009"/>
+              <a:chOff x="1606827" y="2640495"/>
+              <a:chExt cx="2716695" cy="1577009"/>
+            </a:xfrm>
+          </p:grpSpPr>
+          <p:sp>
+            <p:nvSpPr>
+              <p:cNvPr id="3" name="矩形 2">
+                <a:extLst>
+                  <a:ext uri="{FF2B5EF4-FFF2-40B4-BE49-F238E27FC236}">
+                    <a16:creationId xmlns:a16="http://schemas.microsoft.com/office/drawing/2014/main" id="{22DC280B-9C65-A140-A46D-687EE8B9A3F0}"/>
+                  </a:ext>
+                </a:extLst>
+              </p:cNvPr>
+              <p:cNvSpPr/>
+              <p:nvPr/>
+            </p:nvSpPr>
+            <p:spPr>
+              <a:xfrm>
+                <a:off x="1606827" y="2640495"/>
+                <a:ext cx="2716695" cy="1577009"/>
+              </a:xfrm>
+              <a:prstGeom prst="rect">
+                <a:avLst/>
+              </a:prstGeom>
+              <a:noFill/>
+              <a:ln w="25400">
                 <a:solidFill>
                   <a:schemeClr val="tx1"/>
                 </a:solidFill>
-              </a:rPr>
-              <a:t>Person</a:t>
-            </a:r>
-            <a:endParaRPr lang="en-CN" b="1" dirty="0">
-              <a:solidFill>
-                <a:schemeClr val="tx1"/>
-              </a:solidFill>
-            </a:endParaRPr>
-          </a:p>
-        </p:txBody>
-      </p:sp>
-      <p:sp>
-        <p:nvSpPr>
-          <p:cNvPr id="5" name="Rectangle 4">
-            <a:extLst>
-              <a:ext uri="{FF2B5EF4-FFF2-40B4-BE49-F238E27FC236}">
-                <a16:creationId xmlns:a16="http://schemas.microsoft.com/office/drawing/2014/main" id="{71799D25-8F4B-3E78-7E33-C84644F1D35C}"/>
-              </a:ext>
-            </a:extLst>
-          </p:cNvPr>
-          <p:cNvSpPr/>
-          <p:nvPr/>
-        </p:nvSpPr>
-        <p:spPr>
-          <a:xfrm>
-            <a:off x="3984346" y="2861420"/>
-            <a:ext cx="1215845" cy="387178"/>
-          </a:xfrm>
-          <a:prstGeom prst="rect">
-            <a:avLst/>
-          </a:prstGeom>
-          <a:solidFill>
-            <a:srgbClr val="FF0000">
-              <a:alpha val="30000"/>
-            </a:srgbClr>
-          </a:solidFill>
-          <a:ln w="22225">
-            <a:solidFill>
-              <a:schemeClr val="tx1"/>
-            </a:solidFill>
-          </a:ln>
-        </p:spPr>
-        <p:style>
-          <a:lnRef idx="2">
-            <a:schemeClr val="accent1">
-              <a:shade val="50000"/>
-            </a:schemeClr>
-          </a:lnRef>
-          <a:fillRef idx="1">
-            <a:schemeClr val="accent1"/>
-          </a:fillRef>
-          <a:effectRef idx="0">
-            <a:schemeClr val="accent1"/>
-          </a:effectRef>
-          <a:fontRef idx="minor">
-            <a:schemeClr val="lt1"/>
-          </a:fontRef>
-        </p:style>
-        <p:txBody>
-          <a:bodyPr rtlCol="0" anchor="ctr"/>
-          <a:lstStyle/>
-          <a:p>
-            <a:pPr algn="ctr"/>
-            <a:r>
-              <a:rPr lang="en-US" altLang="zh-CN" b="1" dirty="0">
+                <a:prstDash val="dash"/>
+              </a:ln>
+            </p:spPr>
+            <p:style>
+              <a:lnRef idx="2">
+                <a:schemeClr val="accent2">
+                  <a:shade val="50000"/>
+                </a:schemeClr>
+              </a:lnRef>
+              <a:fillRef idx="1">
+                <a:schemeClr val="accent2"/>
+              </a:fillRef>
+              <a:effectRef idx="0">
+                <a:schemeClr val="accent2"/>
+              </a:effectRef>
+              <a:fontRef idx="minor">
+                <a:schemeClr val="lt1"/>
+              </a:fontRef>
+            </p:style>
+            <p:txBody>
+              <a:bodyPr rtlCol="0" anchor="b"/>
+              <a:lstStyle/>
+              <a:p>
+                <a:pPr algn="ctr"/>
+                <a:r>
+                  <a:rPr kumimoji="1" lang="en-US" altLang="zh-CN" sz="1200" b="1" dirty="0">
+                    <a:solidFill>
+                      <a:srgbClr val="FF0000"/>
+                    </a:solidFill>
+                    <a:latin typeface="DengXian" panose="02010600030101010101" pitchFamily="2" charset="-122"/>
+                    <a:ea typeface="DengXian" panose="02010600030101010101" pitchFamily="2" charset="-122"/>
+                  </a:rPr>
+                  <a:t>RESULT</a:t>
+                </a:r>
+                <a:r>
+                  <a:rPr kumimoji="1" lang="zh-CN" altLang="en-US" sz="1200" b="1" dirty="0">
+                    <a:solidFill>
+                      <a:srgbClr val="FF0000"/>
+                    </a:solidFill>
+                    <a:latin typeface="DengXian" panose="02010600030101010101" pitchFamily="2" charset="-122"/>
+                    <a:ea typeface="DengXian" panose="02010600030101010101" pitchFamily="2" charset="-122"/>
+                  </a:rPr>
+                  <a:t> </a:t>
+                </a:r>
+                <a:r>
+                  <a:rPr kumimoji="1" lang="en-US" altLang="zh-CN" sz="1200" dirty="0">
+                    <a:solidFill>
+                      <a:sysClr val="windowText" lastClr="000000"/>
+                    </a:solidFill>
+                    <a:latin typeface="DengXian" panose="02010600030101010101" pitchFamily="2" charset="-122"/>
+                    <a:ea typeface="DengXian" panose="02010600030101010101" pitchFamily="2" charset="-122"/>
+                  </a:rPr>
+                  <a:t>properties(</a:t>
+                </a:r>
+                <a:r>
+                  <a:rPr kumimoji="1" lang="en-US" altLang="zh-CN" sz="1200" b="1" dirty="0">
+                    <a:solidFill>
+                      <a:sysClr val="windowText" lastClr="000000"/>
+                    </a:solidFill>
+                    <a:latin typeface="DengXian" panose="02010600030101010101" pitchFamily="2" charset="-122"/>
+                    <a:ea typeface="DengXian" panose="02010600030101010101" pitchFamily="2" charset="-122"/>
+                  </a:rPr>
+                  <a:t>account</a:t>
+                </a:r>
+                <a:r>
+                  <a:rPr kumimoji="1" lang="en-US" altLang="zh-CN" sz="1200" dirty="0">
+                    <a:solidFill>
+                      <a:sysClr val="windowText" lastClr="000000"/>
+                    </a:solidFill>
+                    <a:latin typeface="DengXian" panose="02010600030101010101" pitchFamily="2" charset="-122"/>
+                    <a:ea typeface="DengXian" panose="02010600030101010101" pitchFamily="2" charset="-122"/>
+                  </a:rPr>
+                  <a:t>)</a:t>
+                </a:r>
+              </a:p>
+            </p:txBody>
+          </p:sp>
+          <p:grpSp>
+            <p:nvGrpSpPr>
+              <p:cNvPr id="9" name="Group 8">
+                <a:extLst>
+                  <a:ext uri="{FF2B5EF4-FFF2-40B4-BE49-F238E27FC236}">
+                    <a16:creationId xmlns:a16="http://schemas.microsoft.com/office/drawing/2014/main" id="{52A08965-7938-02E8-7A5E-CD3A10264DA7}"/>
+                  </a:ext>
+                </a:extLst>
+              </p:cNvPr>
+              <p:cNvGrpSpPr/>
+              <p:nvPr/>
+            </p:nvGrpSpPr>
+            <p:grpSpPr>
+              <a:xfrm>
+                <a:off x="1906774" y="2815878"/>
+                <a:ext cx="2116800" cy="1010292"/>
+                <a:chOff x="1814274" y="2815878"/>
+                <a:chExt cx="2116800" cy="1010292"/>
+              </a:xfrm>
+            </p:grpSpPr>
+            <p:sp>
+              <p:nvSpPr>
+                <p:cNvPr id="2" name="矩形 1">
+                  <a:extLst>
+                    <a:ext uri="{FF2B5EF4-FFF2-40B4-BE49-F238E27FC236}">
+                      <a16:creationId xmlns:a16="http://schemas.microsoft.com/office/drawing/2014/main" id="{B72C642D-A526-CE45-ADFB-CA4FB6B38A11}"/>
+                    </a:ext>
+                  </a:extLst>
+                </p:cNvPr>
+                <p:cNvSpPr/>
+                <p:nvPr/>
+              </p:nvSpPr>
+              <p:spPr>
+                <a:xfrm>
+                  <a:off x="1814274" y="2815878"/>
+                  <a:ext cx="2116800" cy="505147"/>
+                </a:xfrm>
+                <a:prstGeom prst="rect">
+                  <a:avLst/>
+                </a:prstGeom>
+                <a:solidFill>
+                  <a:schemeClr val="accent5">
+                    <a:lumMod val="60000"/>
+                    <a:lumOff val="40000"/>
+                  </a:schemeClr>
+                </a:solidFill>
+                <a:ln w="25400">
+                  <a:solidFill>
+                    <a:schemeClr val="tx1"/>
+                  </a:solidFill>
+                </a:ln>
+              </p:spPr>
+              <p:style>
+                <a:lnRef idx="2">
+                  <a:schemeClr val="accent2">
+                    <a:shade val="50000"/>
+                  </a:schemeClr>
+                </a:lnRef>
+                <a:fillRef idx="1">
+                  <a:schemeClr val="accent2"/>
+                </a:fillRef>
+                <a:effectRef idx="0">
+                  <a:schemeClr val="accent2"/>
+                </a:effectRef>
+                <a:fontRef idx="minor">
+                  <a:schemeClr val="lt1"/>
+                </a:fontRef>
+              </p:style>
+              <p:txBody>
+                <a:bodyPr rtlCol="0" anchor="ctr"/>
+                <a:lstStyle/>
+                <a:p>
+                  <a:pPr algn="ctr"/>
+                  <a:r>
+                    <a:rPr kumimoji="1" lang="en-US" altLang="zh-CN" sz="1200" b="1" dirty="0">
+                      <a:solidFill>
+                        <a:sysClr val="windowText" lastClr="000000"/>
+                      </a:solidFill>
+                    </a:rPr>
+                    <a:t>account</a:t>
+                  </a:r>
+                  <a:r>
+                    <a:rPr kumimoji="1" lang="en-US" altLang="zh-CN" sz="1200" dirty="0">
+                      <a:solidFill>
+                        <a:sysClr val="windowText" lastClr="000000"/>
+                      </a:solidFill>
+                    </a:rPr>
+                    <a:t>:</a:t>
+                  </a:r>
+                  <a:r>
+                    <a:rPr kumimoji="1" lang="zh-CN" altLang="en-US" sz="1200" dirty="0">
+                      <a:solidFill>
+                        <a:sysClr val="windowText" lastClr="000000"/>
+                      </a:solidFill>
+                    </a:rPr>
+                    <a:t> </a:t>
+                  </a:r>
+                  <a:r>
+                    <a:rPr kumimoji="1" lang="en-US" altLang="zh-CN" sz="1200" dirty="0">
+                      <a:solidFill>
+                        <a:sysClr val="windowText" lastClr="000000"/>
+                      </a:solidFill>
+                    </a:rPr>
+                    <a:t>Account</a:t>
+                  </a:r>
+                  <a:endParaRPr kumimoji="1" lang="zh-CN" altLang="en-US" sz="1200" dirty="0">
+                    <a:solidFill>
+                      <a:sysClr val="windowText" lastClr="000000"/>
+                    </a:solidFill>
+                  </a:endParaRPr>
+                </a:p>
+              </p:txBody>
+            </p:sp>
+            <p:sp>
+              <p:nvSpPr>
+                <p:cNvPr id="6" name="矩形 3">
+                  <a:extLst>
+                    <a:ext uri="{FF2B5EF4-FFF2-40B4-BE49-F238E27FC236}">
+                      <a16:creationId xmlns:a16="http://schemas.microsoft.com/office/drawing/2014/main" id="{BD3A2398-8C0D-7E74-5100-BA996C38E61A}"/>
+                    </a:ext>
+                  </a:extLst>
+                </p:cNvPr>
+                <p:cNvSpPr/>
+                <p:nvPr/>
+              </p:nvSpPr>
+              <p:spPr>
+                <a:xfrm>
+                  <a:off x="1814274" y="3321023"/>
+                  <a:ext cx="2116800" cy="505147"/>
+                </a:xfrm>
+                <a:prstGeom prst="rect">
+                  <a:avLst/>
+                </a:prstGeom>
+                <a:noFill/>
+                <a:ln w="25400">
+                  <a:solidFill>
+                    <a:schemeClr val="tx1"/>
+                  </a:solidFill>
+                </a:ln>
+              </p:spPr>
+              <p:style>
+                <a:lnRef idx="2">
+                  <a:schemeClr val="accent2">
+                    <a:shade val="50000"/>
+                  </a:schemeClr>
+                </a:lnRef>
+                <a:fillRef idx="1">
+                  <a:schemeClr val="accent2"/>
+                </a:fillRef>
+                <a:effectRef idx="0">
+                  <a:schemeClr val="accent2"/>
+                </a:effectRef>
+                <a:fontRef idx="minor">
+                  <a:schemeClr val="lt1"/>
+                </a:fontRef>
+              </p:style>
+              <p:txBody>
+                <a:bodyPr rtlCol="0" anchor="ctr"/>
+                <a:lstStyle/>
+                <a:p>
+                  <a:pPr algn="ctr"/>
+                  <a:r>
+                    <a:rPr kumimoji="1" lang="en-US" altLang="zh-CN" sz="1200" b="1" dirty="0" err="1">
+                      <a:solidFill>
+                        <a:sysClr val="windowText" lastClr="000000"/>
+                      </a:solidFill>
+                      <a:latin typeface="DengXian" panose="02010600030101010101" pitchFamily="2" charset="-122"/>
+                      <a:ea typeface="DengXian" panose="02010600030101010101" pitchFamily="2" charset="-122"/>
+                    </a:rPr>
+                    <a:t>account</a:t>
+                  </a:r>
+                  <a:r>
+                    <a:rPr kumimoji="1" lang="en-US" altLang="zh-CN" sz="1200" dirty="0" err="1">
+                      <a:solidFill>
+                        <a:sysClr val="windowText" lastClr="000000"/>
+                      </a:solidFill>
+                      <a:latin typeface="DengXian" panose="02010600030101010101" pitchFamily="2" charset="-122"/>
+                      <a:ea typeface="DengXian" panose="02010600030101010101" pitchFamily="2" charset="-122"/>
+                    </a:rPr>
+                    <a:t>.id</a:t>
+                  </a:r>
+                  <a:r>
+                    <a:rPr kumimoji="1" lang="en-US" altLang="zh-CN" sz="1200" dirty="0">
+                      <a:solidFill>
+                        <a:sysClr val="windowText" lastClr="000000"/>
+                      </a:solidFill>
+                      <a:latin typeface="DengXian" panose="02010600030101010101" pitchFamily="2" charset="-122"/>
+                      <a:ea typeface="DengXian" panose="02010600030101010101" pitchFamily="2" charset="-122"/>
+                    </a:rPr>
+                    <a:t>:</a:t>
+                  </a:r>
+                  <a:r>
+                    <a:rPr kumimoji="1" lang="zh-CN" altLang="en-US" sz="1200" dirty="0">
+                      <a:solidFill>
+                        <a:sysClr val="windowText" lastClr="000000"/>
+                      </a:solidFill>
+                      <a:latin typeface="DengXian" panose="02010600030101010101" pitchFamily="2" charset="-122"/>
+                      <a:ea typeface="DengXian" panose="02010600030101010101" pitchFamily="2" charset="-122"/>
+                    </a:rPr>
+                    <a:t> </a:t>
+                  </a:r>
+                  <a:r>
+                    <a:rPr kumimoji="1" lang="en-US" altLang="zh-CN" sz="1200" dirty="0">
+                      <a:solidFill>
+                        <a:sysClr val="windowText" lastClr="000000"/>
+                      </a:solidFill>
+                      <a:latin typeface="DengXian" panose="02010600030101010101" pitchFamily="2" charset="-122"/>
+                      <a:ea typeface="DengXian" panose="02010600030101010101" pitchFamily="2" charset="-122"/>
+                    </a:rPr>
+                    <a:t>${id}</a:t>
+                  </a:r>
+                  <a:endParaRPr kumimoji="1" lang="zh-CN" altLang="en-US" sz="1200" dirty="0">
+                    <a:solidFill>
+                      <a:sysClr val="windowText" lastClr="000000"/>
+                    </a:solidFill>
+                    <a:latin typeface="DengXian" panose="02010600030101010101" pitchFamily="2" charset="-122"/>
+                    <a:ea typeface="DengXian" panose="02010600030101010101" pitchFamily="2" charset="-122"/>
+                  </a:endParaRPr>
+                </a:p>
+              </p:txBody>
+            </p:sp>
+          </p:grpSp>
+        </p:grpSp>
+        <p:grpSp>
+          <p:nvGrpSpPr>
+            <p:cNvPr id="10" name="Group 9">
+              <a:extLst>
+                <a:ext uri="{FF2B5EF4-FFF2-40B4-BE49-F238E27FC236}">
+                  <a16:creationId xmlns:a16="http://schemas.microsoft.com/office/drawing/2014/main" id="{A43BD305-30B1-E286-02CD-0C8134774423}"/>
+                </a:ext>
+              </a:extLst>
+            </p:cNvPr>
+            <p:cNvGrpSpPr/>
+            <p:nvPr/>
+          </p:nvGrpSpPr>
+          <p:grpSpPr>
+            <a:xfrm>
+              <a:off x="7185990" y="2640495"/>
+              <a:ext cx="2716695" cy="1577009"/>
+              <a:chOff x="6500192" y="2640495"/>
+              <a:chExt cx="2716695" cy="1577009"/>
+            </a:xfrm>
+          </p:grpSpPr>
+          <p:grpSp>
+            <p:nvGrpSpPr>
+              <p:cNvPr id="8" name="Group 7">
+                <a:extLst>
+                  <a:ext uri="{FF2B5EF4-FFF2-40B4-BE49-F238E27FC236}">
+                    <a16:creationId xmlns:a16="http://schemas.microsoft.com/office/drawing/2014/main" id="{7CE25A49-AE87-2B55-03D7-B1DC81E8A317}"/>
+                  </a:ext>
+                </a:extLst>
+              </p:cNvPr>
+              <p:cNvGrpSpPr/>
+              <p:nvPr/>
+            </p:nvGrpSpPr>
+            <p:grpSpPr>
+              <a:xfrm>
+                <a:off x="6800300" y="2815877"/>
+                <a:ext cx="2116478" cy="1010294"/>
+                <a:chOff x="6743980" y="2815877"/>
+                <a:chExt cx="2116478" cy="1010294"/>
+              </a:xfrm>
+            </p:grpSpPr>
+            <p:sp>
+              <p:nvSpPr>
+                <p:cNvPr id="4" name="矩形 3">
+                  <a:extLst>
+                    <a:ext uri="{FF2B5EF4-FFF2-40B4-BE49-F238E27FC236}">
+                      <a16:creationId xmlns:a16="http://schemas.microsoft.com/office/drawing/2014/main" id="{68924B86-E5E9-2247-A385-17C2F6B27826}"/>
+                    </a:ext>
+                  </a:extLst>
+                </p:cNvPr>
+                <p:cNvSpPr/>
+                <p:nvPr/>
+              </p:nvSpPr>
+              <p:spPr>
+                <a:xfrm>
+                  <a:off x="6743980" y="3321024"/>
+                  <a:ext cx="2116478" cy="505147"/>
+                </a:xfrm>
+                <a:prstGeom prst="rect">
+                  <a:avLst/>
+                </a:prstGeom>
+                <a:noFill/>
+                <a:ln w="25400">
+                  <a:solidFill>
+                    <a:schemeClr val="tx1"/>
+                  </a:solidFill>
+                </a:ln>
+              </p:spPr>
+              <p:style>
+                <a:lnRef idx="2">
+                  <a:schemeClr val="accent2">
+                    <a:shade val="50000"/>
+                  </a:schemeClr>
+                </a:lnRef>
+                <a:fillRef idx="1">
+                  <a:schemeClr val="accent2"/>
+                </a:fillRef>
+                <a:effectRef idx="0">
+                  <a:schemeClr val="accent2"/>
+                </a:effectRef>
+                <a:fontRef idx="minor">
+                  <a:schemeClr val="lt1"/>
+                </a:fontRef>
+              </p:style>
+              <p:txBody>
+                <a:bodyPr rtlCol="0" anchor="ctr"/>
+                <a:lstStyle/>
+                <a:p>
+                  <a:pPr algn="ctr"/>
+                  <a:r>
+                    <a:rPr kumimoji="1" lang="en-US" altLang="zh-CN" sz="1200" b="1" dirty="0" err="1">
+                      <a:solidFill>
+                        <a:sysClr val="windowText" lastClr="000000"/>
+                      </a:solidFill>
+                      <a:latin typeface="DengXian" panose="02010600030101010101" pitchFamily="2" charset="-122"/>
+                      <a:ea typeface="DengXian" panose="02010600030101010101" pitchFamily="2" charset="-122"/>
+                    </a:rPr>
+                    <a:t>person</a:t>
+                  </a:r>
+                  <a:r>
+                    <a:rPr kumimoji="1" lang="en-US" altLang="zh-CN" sz="1200" dirty="0" err="1">
+                      <a:solidFill>
+                        <a:sysClr val="windowText" lastClr="000000"/>
+                      </a:solidFill>
+                      <a:latin typeface="DengXian" panose="02010600030101010101" pitchFamily="2" charset="-122"/>
+                      <a:ea typeface="DengXian" panose="02010600030101010101" pitchFamily="2" charset="-122"/>
+                    </a:rPr>
+                    <a:t>.id</a:t>
+                  </a:r>
+                  <a:r>
+                    <a:rPr kumimoji="1" lang="en-US" altLang="zh-CN" sz="1200" dirty="0">
+                      <a:solidFill>
+                        <a:sysClr val="windowText" lastClr="000000"/>
+                      </a:solidFill>
+                      <a:latin typeface="DengXian" panose="02010600030101010101" pitchFamily="2" charset="-122"/>
+                      <a:ea typeface="DengXian" panose="02010600030101010101" pitchFamily="2" charset="-122"/>
+                    </a:rPr>
+                    <a:t>:</a:t>
+                  </a:r>
+                  <a:r>
+                    <a:rPr kumimoji="1" lang="zh-CN" altLang="en-US" sz="1200" dirty="0">
+                      <a:solidFill>
+                        <a:sysClr val="windowText" lastClr="000000"/>
+                      </a:solidFill>
+                      <a:latin typeface="DengXian" panose="02010600030101010101" pitchFamily="2" charset="-122"/>
+                      <a:ea typeface="DengXian" panose="02010600030101010101" pitchFamily="2" charset="-122"/>
+                    </a:rPr>
+                    <a:t> </a:t>
+                  </a:r>
+                  <a:r>
+                    <a:rPr kumimoji="1" lang="en-US" altLang="zh-CN" sz="1200" dirty="0">
+                      <a:solidFill>
+                        <a:sysClr val="windowText" lastClr="000000"/>
+                      </a:solidFill>
+                      <a:latin typeface="DengXian" panose="02010600030101010101" pitchFamily="2" charset="-122"/>
+                      <a:ea typeface="DengXian" panose="02010600030101010101" pitchFamily="2" charset="-122"/>
+                    </a:rPr>
+                    <a:t>${id}</a:t>
+                  </a:r>
+                  <a:endParaRPr kumimoji="1" lang="zh-CN" altLang="en-US" sz="1200" dirty="0">
+                    <a:solidFill>
+                      <a:sysClr val="windowText" lastClr="000000"/>
+                    </a:solidFill>
+                    <a:latin typeface="DengXian" panose="02010600030101010101" pitchFamily="2" charset="-122"/>
+                    <a:ea typeface="DengXian" panose="02010600030101010101" pitchFamily="2" charset="-122"/>
+                  </a:endParaRPr>
+                </a:p>
+              </p:txBody>
+            </p:sp>
+            <p:sp>
+              <p:nvSpPr>
+                <p:cNvPr id="5" name="矩形 9">
+                  <a:extLst>
+                    <a:ext uri="{FF2B5EF4-FFF2-40B4-BE49-F238E27FC236}">
+                      <a16:creationId xmlns:a16="http://schemas.microsoft.com/office/drawing/2014/main" id="{6641C98C-130F-B917-6069-671A355C0494}"/>
+                    </a:ext>
+                  </a:extLst>
+                </p:cNvPr>
+                <p:cNvSpPr/>
+                <p:nvPr/>
+              </p:nvSpPr>
+              <p:spPr>
+                <a:xfrm>
+                  <a:off x="6743980" y="2815877"/>
+                  <a:ext cx="2116478" cy="505147"/>
+                </a:xfrm>
+                <a:prstGeom prst="rect">
+                  <a:avLst/>
+                </a:prstGeom>
+                <a:solidFill>
+                  <a:schemeClr val="accent6">
+                    <a:lumMod val="60000"/>
+                    <a:lumOff val="40000"/>
+                  </a:schemeClr>
+                </a:solidFill>
+                <a:ln w="25400">
+                  <a:solidFill>
+                    <a:schemeClr val="tx1"/>
+                  </a:solidFill>
+                </a:ln>
+              </p:spPr>
+              <p:style>
+                <a:lnRef idx="2">
+                  <a:schemeClr val="accent2">
+                    <a:shade val="50000"/>
+                  </a:schemeClr>
+                </a:lnRef>
+                <a:fillRef idx="1">
+                  <a:schemeClr val="accent2"/>
+                </a:fillRef>
+                <a:effectRef idx="0">
+                  <a:schemeClr val="accent2"/>
+                </a:effectRef>
+                <a:fontRef idx="minor">
+                  <a:schemeClr val="lt1"/>
+                </a:fontRef>
+              </p:style>
+              <p:txBody>
+                <a:bodyPr rtlCol="0" anchor="ctr"/>
+                <a:lstStyle/>
+                <a:p>
+                  <a:pPr algn="ctr"/>
+                  <a:r>
+                    <a:rPr kumimoji="1" lang="en-US" altLang="zh-CN" sz="1200" b="1" dirty="0">
+                      <a:solidFill>
+                        <a:sysClr val="windowText" lastClr="000000"/>
+                      </a:solidFill>
+                    </a:rPr>
+                    <a:t>person</a:t>
+                  </a:r>
+                  <a:r>
+                    <a:rPr kumimoji="1" lang="zh-CN" altLang="en-US" sz="1200" dirty="0">
+                      <a:solidFill>
+                        <a:sysClr val="windowText" lastClr="000000"/>
+                      </a:solidFill>
+                    </a:rPr>
+                    <a:t> </a:t>
+                  </a:r>
+                  <a:r>
+                    <a:rPr kumimoji="1" lang="en-US" altLang="zh-CN" sz="1200" dirty="0">
+                      <a:solidFill>
+                        <a:sysClr val="windowText" lastClr="000000"/>
+                      </a:solidFill>
+                    </a:rPr>
+                    <a:t>:</a:t>
+                  </a:r>
+                  <a:r>
+                    <a:rPr kumimoji="1" lang="zh-CN" altLang="en-US" sz="1200" dirty="0">
+                      <a:solidFill>
+                        <a:sysClr val="windowText" lastClr="000000"/>
+                      </a:solidFill>
+                    </a:rPr>
+                    <a:t> </a:t>
+                  </a:r>
+                  <a:r>
+                    <a:rPr kumimoji="1" lang="en-US" altLang="zh-CN" sz="1200" dirty="0">
+                      <a:solidFill>
+                        <a:sysClr val="windowText" lastClr="000000"/>
+                      </a:solidFill>
+                    </a:rPr>
+                    <a:t>Person</a:t>
+                  </a:r>
+                  <a:endParaRPr kumimoji="1" lang="zh-CN" altLang="en-US" sz="1200" dirty="0">
+                    <a:solidFill>
+                      <a:sysClr val="windowText" lastClr="000000"/>
+                    </a:solidFill>
+                  </a:endParaRPr>
+                </a:p>
+              </p:txBody>
+            </p:sp>
+          </p:grpSp>
+          <p:sp>
+            <p:nvSpPr>
+              <p:cNvPr id="7" name="矩形 2">
+                <a:extLst>
+                  <a:ext uri="{FF2B5EF4-FFF2-40B4-BE49-F238E27FC236}">
+                    <a16:creationId xmlns:a16="http://schemas.microsoft.com/office/drawing/2014/main" id="{796335C9-7FF2-C371-B888-EBFB3C3FDC46}"/>
+                  </a:ext>
+                </a:extLst>
+              </p:cNvPr>
+              <p:cNvSpPr/>
+              <p:nvPr/>
+            </p:nvSpPr>
+            <p:spPr>
+              <a:xfrm>
+                <a:off x="6500192" y="2640495"/>
+                <a:ext cx="2716695" cy="1577009"/>
+              </a:xfrm>
+              <a:prstGeom prst="rect">
+                <a:avLst/>
+              </a:prstGeom>
+              <a:noFill/>
+              <a:ln w="25400">
                 <a:solidFill>
                   <a:schemeClr val="tx1"/>
                 </a:solidFill>
-              </a:rPr>
-              <a:t>Company</a:t>
-            </a:r>
-            <a:endParaRPr lang="en-CN" b="1" dirty="0">
-              <a:solidFill>
-                <a:schemeClr val="tx1"/>
-              </a:solidFill>
-            </a:endParaRPr>
-          </a:p>
-        </p:txBody>
-      </p:sp>
-      <p:sp>
-        <p:nvSpPr>
-          <p:cNvPr id="6" name="Rectangle 5">
-            <a:extLst>
-              <a:ext uri="{FF2B5EF4-FFF2-40B4-BE49-F238E27FC236}">
-                <a16:creationId xmlns:a16="http://schemas.microsoft.com/office/drawing/2014/main" id="{4C51DCB4-07F1-ACD1-2A47-E37BE04A33BA}"/>
-              </a:ext>
-            </a:extLst>
-          </p:cNvPr>
-          <p:cNvSpPr/>
-          <p:nvPr/>
-        </p:nvSpPr>
-        <p:spPr>
-          <a:xfrm>
-            <a:off x="7040605" y="2861420"/>
-            <a:ext cx="1226941" cy="387178"/>
-          </a:xfrm>
-          <a:prstGeom prst="rect">
-            <a:avLst/>
-          </a:prstGeom>
-          <a:solidFill>
-            <a:schemeClr val="accent1">
-              <a:lumMod val="60000"/>
-              <a:lumOff val="40000"/>
-            </a:schemeClr>
-          </a:solidFill>
-          <a:ln w="22225">
-            <a:solidFill>
-              <a:schemeClr val="tx1"/>
-            </a:solidFill>
-          </a:ln>
-        </p:spPr>
-        <p:style>
-          <a:lnRef idx="2">
-            <a:schemeClr val="accent1">
-              <a:shade val="50000"/>
-            </a:schemeClr>
-          </a:lnRef>
-          <a:fillRef idx="1">
-            <a:schemeClr val="accent1"/>
-          </a:fillRef>
-          <a:effectRef idx="0">
-            <a:schemeClr val="accent1"/>
-          </a:effectRef>
-          <a:fontRef idx="minor">
-            <a:schemeClr val="lt1"/>
-          </a:fontRef>
-        </p:style>
-        <p:txBody>
-          <a:bodyPr rtlCol="0" anchor="ctr"/>
-          <a:lstStyle/>
-          <a:p>
-            <a:pPr algn="ctr"/>
-            <a:r>
-              <a:rPr lang="en-US" altLang="zh-CN" b="1" dirty="0">
-                <a:solidFill>
-                  <a:schemeClr val="tx1"/>
-                </a:solidFill>
-              </a:rPr>
-              <a:t>Account</a:t>
-            </a:r>
-            <a:endParaRPr lang="en-CN" b="1" dirty="0">
-              <a:solidFill>
-                <a:schemeClr val="tx1"/>
-              </a:solidFill>
-            </a:endParaRPr>
-          </a:p>
-        </p:txBody>
-      </p:sp>
-      <p:sp>
-        <p:nvSpPr>
-          <p:cNvPr id="9" name="Rectangle 8">
-            <a:extLst>
-              <a:ext uri="{FF2B5EF4-FFF2-40B4-BE49-F238E27FC236}">
-                <a16:creationId xmlns:a16="http://schemas.microsoft.com/office/drawing/2014/main" id="{5F68F319-B446-C876-5ECA-738B6558B6E1}"/>
-              </a:ext>
-            </a:extLst>
-          </p:cNvPr>
-          <p:cNvSpPr/>
-          <p:nvPr/>
-        </p:nvSpPr>
-        <p:spPr>
-          <a:xfrm>
-            <a:off x="8567168" y="2861420"/>
-            <a:ext cx="1215845" cy="387178"/>
-          </a:xfrm>
-          <a:prstGeom prst="rect">
-            <a:avLst/>
-          </a:prstGeom>
-          <a:solidFill>
-            <a:schemeClr val="accent4">
-              <a:lumMod val="60000"/>
-              <a:lumOff val="40000"/>
-            </a:schemeClr>
-          </a:solidFill>
-          <a:ln w="22225">
-            <a:solidFill>
-              <a:schemeClr val="tx1"/>
-            </a:solidFill>
-          </a:ln>
-        </p:spPr>
-        <p:style>
-          <a:lnRef idx="2">
-            <a:schemeClr val="accent1">
-              <a:shade val="50000"/>
-            </a:schemeClr>
-          </a:lnRef>
-          <a:fillRef idx="1">
-            <a:schemeClr val="accent1"/>
-          </a:fillRef>
-          <a:effectRef idx="0">
-            <a:schemeClr val="accent1"/>
-          </a:effectRef>
-          <a:fontRef idx="minor">
-            <a:schemeClr val="lt1"/>
-          </a:fontRef>
-        </p:style>
-        <p:txBody>
-          <a:bodyPr rtlCol="0" anchor="ctr"/>
-          <a:lstStyle/>
-          <a:p>
-            <a:pPr algn="ctr"/>
-            <a:r>
-              <a:rPr lang="en-US" altLang="zh-CN" b="1" dirty="0">
-                <a:solidFill>
-                  <a:schemeClr val="tx1"/>
-                </a:solidFill>
-              </a:rPr>
-              <a:t>Medium</a:t>
-            </a:r>
-            <a:endParaRPr lang="en-CN" b="1" dirty="0">
-              <a:solidFill>
-                <a:schemeClr val="tx1"/>
-              </a:solidFill>
-            </a:endParaRPr>
-          </a:p>
-        </p:txBody>
-      </p:sp>
-      <p:sp>
-        <p:nvSpPr>
-          <p:cNvPr id="12" name="Rectangle 11">
-            <a:extLst>
-              <a:ext uri="{FF2B5EF4-FFF2-40B4-BE49-F238E27FC236}">
-                <a16:creationId xmlns:a16="http://schemas.microsoft.com/office/drawing/2014/main" id="{74363A22-BDF1-F1C7-E411-2E379C3A7160}"/>
-              </a:ext>
-            </a:extLst>
-          </p:cNvPr>
-          <p:cNvSpPr/>
-          <p:nvPr/>
-        </p:nvSpPr>
-        <p:spPr>
-          <a:xfrm>
-            <a:off x="5506920" y="2861420"/>
-            <a:ext cx="1226977" cy="387178"/>
-          </a:xfrm>
-          <a:prstGeom prst="rect">
-            <a:avLst/>
-          </a:prstGeom>
-          <a:solidFill>
-            <a:schemeClr val="accent2">
-              <a:lumMod val="60000"/>
-              <a:lumOff val="40000"/>
-            </a:schemeClr>
-          </a:solidFill>
-          <a:ln w="22225">
-            <a:solidFill>
-              <a:schemeClr val="tx1"/>
-            </a:solidFill>
-          </a:ln>
-        </p:spPr>
-        <p:style>
-          <a:lnRef idx="2">
-            <a:schemeClr val="accent1">
-              <a:shade val="50000"/>
-            </a:schemeClr>
-          </a:lnRef>
-          <a:fillRef idx="1">
-            <a:schemeClr val="accent1"/>
-          </a:fillRef>
-          <a:effectRef idx="0">
-            <a:schemeClr val="accent1"/>
-          </a:effectRef>
-          <a:fontRef idx="minor">
-            <a:schemeClr val="lt1"/>
-          </a:fontRef>
-        </p:style>
-        <p:txBody>
-          <a:bodyPr rtlCol="0" anchor="ctr"/>
-          <a:lstStyle/>
-          <a:p>
-            <a:pPr algn="ctr"/>
-            <a:r>
-              <a:rPr lang="en-US" altLang="zh-CN" b="1" dirty="0">
-                <a:solidFill>
-                  <a:schemeClr val="tx1"/>
-                </a:solidFill>
-              </a:rPr>
-              <a:t>Loan</a:t>
-            </a:r>
-            <a:endParaRPr lang="en-CN" b="1" dirty="0">
-              <a:solidFill>
-                <a:schemeClr val="tx1"/>
-              </a:solidFill>
-            </a:endParaRPr>
-          </a:p>
-        </p:txBody>
-      </p:sp>
-      <p:sp>
-        <p:nvSpPr>
-          <p:cNvPr id="2" name="文本框 12">
-            <a:extLst>
-              <a:ext uri="{FF2B5EF4-FFF2-40B4-BE49-F238E27FC236}">
-                <a16:creationId xmlns:a16="http://schemas.microsoft.com/office/drawing/2014/main" id="{F15BB429-1D1A-0E43-F714-5B25121059E2}"/>
-              </a:ext>
-            </a:extLst>
-          </p:cNvPr>
-          <p:cNvSpPr txBox="1"/>
-          <p:nvPr/>
-        </p:nvSpPr>
-        <p:spPr>
-          <a:xfrm>
-            <a:off x="2468880" y="3867488"/>
-            <a:ext cx="2583766" cy="1015663"/>
-          </a:xfrm>
-          <a:prstGeom prst="rect">
-            <a:avLst/>
-          </a:prstGeom>
-          <a:noFill/>
-        </p:spPr>
-        <p:txBody>
-          <a:bodyPr wrap="square" rtlCol="0">
-            <a:spAutoFit/>
-          </a:bodyPr>
-          <a:lstStyle/>
-          <a:p>
-            <a:r>
-              <a:rPr kumimoji="1" lang="en-US" altLang="zh-CN" sz="1200" b="1" dirty="0">
+                <a:prstDash val="dash"/>
+              </a:ln>
+            </p:spPr>
+            <p:style>
+              <a:lnRef idx="2">
+                <a:schemeClr val="accent2">
+                  <a:shade val="50000"/>
+                </a:schemeClr>
+              </a:lnRef>
+              <a:fillRef idx="1">
+                <a:schemeClr val="accent2"/>
+              </a:fillRef>
+              <a:effectRef idx="0">
+                <a:schemeClr val="accent2"/>
+              </a:effectRef>
+              <a:fontRef idx="minor">
+                <a:schemeClr val="lt1"/>
+              </a:fontRef>
+            </p:style>
+            <p:txBody>
+              <a:bodyPr rtlCol="0" anchor="b"/>
+              <a:lstStyle/>
+              <a:p>
+                <a:pPr algn="ctr"/>
+                <a:r>
+                  <a:rPr kumimoji="1" lang="en-US" altLang="zh-CN" sz="1200" b="1" dirty="0">
+                    <a:solidFill>
+                      <a:srgbClr val="FF0000"/>
+                    </a:solidFill>
+                    <a:latin typeface="DengXian" panose="02010600030101010101" pitchFamily="2" charset="-122"/>
+                    <a:ea typeface="DengXian" panose="02010600030101010101" pitchFamily="2" charset="-122"/>
+                  </a:rPr>
+                  <a:t>RESULT</a:t>
+                </a:r>
+                <a:r>
+                  <a:rPr kumimoji="1" lang="zh-CN" altLang="en-US" sz="1200" b="1" dirty="0">
+                    <a:solidFill>
+                      <a:srgbClr val="FF0000"/>
+                    </a:solidFill>
+                    <a:latin typeface="DengXian" panose="02010600030101010101" pitchFamily="2" charset="-122"/>
+                    <a:ea typeface="DengXian" panose="02010600030101010101" pitchFamily="2" charset="-122"/>
+                  </a:rPr>
+                  <a:t> </a:t>
+                </a:r>
+                <a:r>
+                  <a:rPr kumimoji="1" lang="en-US" altLang="zh-CN" sz="1200" dirty="0">
+                    <a:solidFill>
+                      <a:sysClr val="windowText" lastClr="000000"/>
+                    </a:solidFill>
+                    <a:latin typeface="DengXian" panose="02010600030101010101" pitchFamily="2" charset="-122"/>
+                    <a:ea typeface="DengXian" panose="02010600030101010101" pitchFamily="2" charset="-122"/>
+                  </a:rPr>
+                  <a:t>properties(</a:t>
+                </a:r>
+                <a:r>
+                  <a:rPr kumimoji="1" lang="en-US" altLang="zh-CN" sz="1200" b="1" dirty="0">
+                    <a:solidFill>
+                      <a:sysClr val="windowText" lastClr="000000"/>
+                    </a:solidFill>
+                    <a:latin typeface="DengXian" panose="02010600030101010101" pitchFamily="2" charset="-122"/>
+                    <a:ea typeface="DengXian" panose="02010600030101010101" pitchFamily="2" charset="-122"/>
+                  </a:rPr>
+                  <a:t>account</a:t>
+                </a:r>
+                <a:r>
+                  <a:rPr kumimoji="1" lang="en-US" altLang="zh-CN" sz="1200" dirty="0">
+                    <a:solidFill>
+                      <a:sysClr val="windowText" lastClr="000000"/>
+                    </a:solidFill>
+                    <a:latin typeface="DengXian" panose="02010600030101010101" pitchFamily="2" charset="-122"/>
+                    <a:ea typeface="DengXian" panose="02010600030101010101" pitchFamily="2" charset="-122"/>
+                  </a:rPr>
+                  <a:t>)</a:t>
+                </a:r>
+              </a:p>
+            </p:txBody>
+          </p:sp>
+        </p:grpSp>
+        <p:sp>
+          <p:nvSpPr>
+            <p:cNvPr id="12" name="文本框 7">
+              <a:extLst>
+                <a:ext uri="{FF2B5EF4-FFF2-40B4-BE49-F238E27FC236}">
+                  <a16:creationId xmlns:a16="http://schemas.microsoft.com/office/drawing/2014/main" id="{AD01137A-7769-D5E3-C126-DE166D6BD9DD}"/>
+                </a:ext>
+              </a:extLst>
+            </p:cNvPr>
+            <p:cNvSpPr txBox="1"/>
+            <p:nvPr/>
+          </p:nvSpPr>
+          <p:spPr>
+            <a:xfrm>
+              <a:off x="5768906" y="3228945"/>
+              <a:ext cx="654188" cy="400110"/>
+            </a:xfrm>
+            <a:prstGeom prst="rect">
+              <a:avLst/>
+            </a:prstGeom>
+            <a:noFill/>
+          </p:spPr>
+          <p:txBody>
+            <a:bodyPr wrap="square" rtlCol="0">
+              <a:spAutoFit/>
+            </a:bodyPr>
+            <a:lstStyle/>
+            <a:p>
+              <a:pPr algn="ctr"/>
+              <a:r>
+                <a:rPr kumimoji="1" lang="en-US" altLang="zh-CN" sz="2000" b="1" dirty="0">
+                  <a:latin typeface="DengXian" panose="02010600030101010101" pitchFamily="2" charset="-122"/>
+                  <a:ea typeface="DengXian" panose="02010600030101010101" pitchFamily="2" charset="-122"/>
+                </a:rPr>
+                <a:t>or</a:t>
+              </a:r>
+              <a:endParaRPr kumimoji="1" lang="en-US" altLang="zh-CN" sz="2000" dirty="0">
                 <a:latin typeface="DengXian" panose="02010600030101010101" pitchFamily="2" charset="-122"/>
                 <a:ea typeface="DengXian" panose="02010600030101010101" pitchFamily="2" charset="-122"/>
-              </a:rPr>
-              <a:t>Color:</a:t>
-            </a:r>
-            <a:r>
-              <a:rPr kumimoji="1" lang="zh-CN" altLang="en-US" sz="1200" b="1" dirty="0">
-                <a:latin typeface="DengXian" panose="02010600030101010101" pitchFamily="2" charset="-122"/>
-                <a:ea typeface="DengXian" panose="02010600030101010101" pitchFamily="2" charset="-122"/>
-              </a:rPr>
-              <a:t> </a:t>
-            </a:r>
-            <a:r>
-              <a:rPr kumimoji="1" lang="en-US" altLang="zh-CN" sz="1200" b="1" dirty="0">
-                <a:latin typeface="DengXian" panose="02010600030101010101" pitchFamily="2" charset="-122"/>
-                <a:ea typeface="DengXian" panose="02010600030101010101" pitchFamily="2" charset="-122"/>
-              </a:rPr>
-              <a:t>as</a:t>
-            </a:r>
-            <a:r>
-              <a:rPr kumimoji="1" lang="zh-CN" altLang="en-US" sz="1200" b="1" dirty="0">
-                <a:latin typeface="DengXian" panose="02010600030101010101" pitchFamily="2" charset="-122"/>
-                <a:ea typeface="DengXian" panose="02010600030101010101" pitchFamily="2" charset="-122"/>
-              </a:rPr>
-              <a:t> </a:t>
-            </a:r>
-            <a:r>
-              <a:rPr kumimoji="1" lang="en-US" altLang="zh-CN" sz="1200" b="1" dirty="0">
-                <a:latin typeface="DengXian" panose="02010600030101010101" pitchFamily="2" charset="-122"/>
-                <a:ea typeface="DengXian" panose="02010600030101010101" pitchFamily="2" charset="-122"/>
-              </a:rPr>
-              <a:t>above</a:t>
-            </a:r>
-          </a:p>
-          <a:p>
-            <a:r>
-              <a:rPr kumimoji="1" lang="en-US" altLang="zh-CN" sz="1200" b="1" dirty="0">
-                <a:latin typeface="DengXian" panose="02010600030101010101" pitchFamily="2" charset="-122"/>
-                <a:ea typeface="DengXian" panose="02010600030101010101" pitchFamily="2" charset="-122"/>
-              </a:rPr>
-              <a:t>Font</a:t>
-            </a:r>
-            <a:r>
-              <a:rPr kumimoji="1" lang="zh-CN" altLang="en-US" sz="1200" b="1" dirty="0">
-                <a:latin typeface="DengXian" panose="02010600030101010101" pitchFamily="2" charset="-122"/>
-                <a:ea typeface="DengXian" panose="02010600030101010101" pitchFamily="2" charset="-122"/>
-              </a:rPr>
-              <a:t> </a:t>
-            </a:r>
-            <a:r>
-              <a:rPr kumimoji="1" lang="en-US" altLang="zh-CN" sz="1200" b="1" dirty="0">
-                <a:latin typeface="DengXian" panose="02010600030101010101" pitchFamily="2" charset="-122"/>
-                <a:ea typeface="DengXian" panose="02010600030101010101" pitchFamily="2" charset="-122"/>
-              </a:rPr>
-              <a:t>size:</a:t>
-            </a:r>
-            <a:r>
-              <a:rPr kumimoji="1" lang="zh-CN" altLang="en-US" sz="1200" b="1" dirty="0">
-                <a:latin typeface="DengXian" panose="02010600030101010101" pitchFamily="2" charset="-122"/>
-                <a:ea typeface="DengXian" panose="02010600030101010101" pitchFamily="2" charset="-122"/>
-              </a:rPr>
-              <a:t> </a:t>
-            </a:r>
-            <a:r>
-              <a:rPr kumimoji="1" lang="en-US" altLang="zh-CN" sz="1200" b="1" dirty="0">
-                <a:latin typeface="DengXian" panose="02010600030101010101" pitchFamily="2" charset="-122"/>
-                <a:ea typeface="DengXian" panose="02010600030101010101" pitchFamily="2" charset="-122"/>
-              </a:rPr>
-              <a:t>12</a:t>
-            </a:r>
-          </a:p>
-          <a:p>
-            <a:r>
-              <a:rPr kumimoji="1" lang="en-US" altLang="zh-CN" sz="1200" b="1" dirty="0">
-                <a:latin typeface="DengXian" panose="02010600030101010101" pitchFamily="2" charset="-122"/>
-                <a:ea typeface="DengXian" panose="02010600030101010101" pitchFamily="2" charset="-122"/>
-              </a:rPr>
-              <a:t>Border</a:t>
-            </a:r>
-            <a:r>
-              <a:rPr kumimoji="1" lang="zh-CN" altLang="en-US" sz="1200" b="1" dirty="0">
-                <a:latin typeface="DengXian" panose="02010600030101010101" pitchFamily="2" charset="-122"/>
-                <a:ea typeface="DengXian" panose="02010600030101010101" pitchFamily="2" charset="-122"/>
-              </a:rPr>
-              <a:t> </a:t>
-            </a:r>
-            <a:r>
-              <a:rPr kumimoji="1" lang="en-US" altLang="zh-CN" sz="1200" b="1" dirty="0">
-                <a:latin typeface="DengXian" panose="02010600030101010101" pitchFamily="2" charset="-122"/>
-                <a:ea typeface="DengXian" panose="02010600030101010101" pitchFamily="2" charset="-122"/>
-              </a:rPr>
-              <a:t>width:</a:t>
-            </a:r>
-            <a:r>
-              <a:rPr kumimoji="1" lang="zh-CN" altLang="en-US" sz="1200" b="1" dirty="0">
-                <a:latin typeface="DengXian" panose="02010600030101010101" pitchFamily="2" charset="-122"/>
-                <a:ea typeface="DengXian" panose="02010600030101010101" pitchFamily="2" charset="-122"/>
-              </a:rPr>
-              <a:t> </a:t>
-            </a:r>
-            <a:r>
-              <a:rPr kumimoji="1" lang="en-US" altLang="zh-CN" sz="1200" b="1" dirty="0">
-                <a:latin typeface="DengXian" panose="02010600030101010101" pitchFamily="2" charset="-122"/>
-                <a:ea typeface="DengXian" panose="02010600030101010101" pitchFamily="2" charset="-122"/>
-              </a:rPr>
-              <a:t>2pt</a:t>
-            </a:r>
-          </a:p>
-          <a:p>
-            <a:r>
-              <a:rPr kumimoji="1" lang="en-US" altLang="zh-CN" sz="1200" b="1" dirty="0">
-                <a:latin typeface="DengXian" panose="02010600030101010101" pitchFamily="2" charset="-122"/>
-                <a:ea typeface="DengXian" panose="02010600030101010101" pitchFamily="2" charset="-122"/>
-              </a:rPr>
-              <a:t>Result:</a:t>
-            </a:r>
-            <a:r>
-              <a:rPr kumimoji="1" lang="zh-CN" altLang="en-US" sz="1200" b="1" dirty="0">
-                <a:latin typeface="DengXian" panose="02010600030101010101" pitchFamily="2" charset="-122"/>
-                <a:ea typeface="DengXian" panose="02010600030101010101" pitchFamily="2" charset="-122"/>
-              </a:rPr>
-              <a:t> </a:t>
-            </a:r>
-            <a:r>
-              <a:rPr kumimoji="1" lang="en-US" altLang="zh-CN" sz="1200" b="1" dirty="0">
-                <a:latin typeface="DengXian" panose="02010600030101010101" pitchFamily="2" charset="-122"/>
-                <a:ea typeface="DengXian" panose="02010600030101010101" pitchFamily="2" charset="-122"/>
-              </a:rPr>
-              <a:t>red</a:t>
-            </a:r>
-            <a:r>
-              <a:rPr kumimoji="1" lang="zh-CN" altLang="en-US" sz="1200" b="1" dirty="0">
-                <a:latin typeface="DengXian" panose="02010600030101010101" pitchFamily="2" charset="-122"/>
-                <a:ea typeface="DengXian" panose="02010600030101010101" pitchFamily="2" charset="-122"/>
-              </a:rPr>
-              <a:t> </a:t>
-            </a:r>
-            <a:r>
-              <a:rPr kumimoji="1" lang="en-US" altLang="zh-CN" sz="1200" b="1" dirty="0">
-                <a:latin typeface="DengXian" panose="02010600030101010101" pitchFamily="2" charset="-122"/>
-                <a:ea typeface="DengXian" panose="02010600030101010101" pitchFamily="2" charset="-122"/>
-              </a:rPr>
-              <a:t>color</a:t>
-            </a:r>
-            <a:r>
-              <a:rPr kumimoji="1" lang="zh-CN" altLang="en-US" sz="1200" b="1" dirty="0">
-                <a:latin typeface="DengXian" panose="02010600030101010101" pitchFamily="2" charset="-122"/>
-                <a:ea typeface="DengXian" panose="02010600030101010101" pitchFamily="2" charset="-122"/>
-              </a:rPr>
-              <a:t> </a:t>
-            </a:r>
-            <a:r>
-              <a:rPr kumimoji="1" lang="en-US" altLang="zh-CN" sz="1200" b="1" dirty="0">
-                <a:latin typeface="DengXian" panose="02010600030101010101" pitchFamily="2" charset="-122"/>
-                <a:ea typeface="DengXian" panose="02010600030101010101" pitchFamily="2" charset="-122"/>
-              </a:rPr>
-              <a:t>and</a:t>
-            </a:r>
-            <a:r>
-              <a:rPr kumimoji="1" lang="zh-CN" altLang="en-US" sz="1200" b="1" dirty="0">
-                <a:latin typeface="DengXian" panose="02010600030101010101" pitchFamily="2" charset="-122"/>
-                <a:ea typeface="DengXian" panose="02010600030101010101" pitchFamily="2" charset="-122"/>
-              </a:rPr>
-              <a:t> </a:t>
-            </a:r>
-            <a:r>
-              <a:rPr kumimoji="1" lang="en-US" altLang="zh-CN" sz="1200" b="1" dirty="0">
-                <a:latin typeface="DengXian" panose="02010600030101010101" pitchFamily="2" charset="-122"/>
-                <a:ea typeface="DengXian" panose="02010600030101010101" pitchFamily="2" charset="-122"/>
-              </a:rPr>
-              <a:t>bold</a:t>
-            </a:r>
-          </a:p>
-          <a:p>
-            <a:r>
-              <a:rPr kumimoji="1" lang="en-US" altLang="zh-CN" sz="1200" b="1" dirty="0" err="1">
-                <a:latin typeface="DengXian" panose="02010600030101010101" pitchFamily="2" charset="-122"/>
-                <a:ea typeface="DengXian" panose="02010600030101010101" pitchFamily="2" charset="-122"/>
-              </a:rPr>
-              <a:t>Groupby</a:t>
-            </a:r>
-            <a:r>
-              <a:rPr kumimoji="1" lang="en-US" altLang="zh-CN" sz="1200" b="1" dirty="0">
-                <a:latin typeface="DengXian" panose="02010600030101010101" pitchFamily="2" charset="-122"/>
-                <a:ea typeface="DengXian" panose="02010600030101010101" pitchFamily="2" charset="-122"/>
-              </a:rPr>
-              <a:t>:</a:t>
-            </a:r>
-            <a:r>
-              <a:rPr kumimoji="1" lang="zh-CN" altLang="en-US" sz="1200" b="1" dirty="0">
-                <a:latin typeface="DengXian" panose="02010600030101010101" pitchFamily="2" charset="-122"/>
-                <a:ea typeface="DengXian" panose="02010600030101010101" pitchFamily="2" charset="-122"/>
-              </a:rPr>
-              <a:t> </a:t>
-            </a:r>
-            <a:r>
-              <a:rPr kumimoji="1" lang="en-US" altLang="zh-CN" sz="1200" b="1" dirty="0">
-                <a:latin typeface="DengXian" panose="02010600030101010101" pitchFamily="2" charset="-122"/>
-                <a:ea typeface="DengXian" panose="02010600030101010101" pitchFamily="2" charset="-122"/>
-              </a:rPr>
-              <a:t>red</a:t>
-            </a:r>
-            <a:r>
-              <a:rPr kumimoji="1" lang="zh-CN" altLang="en-US" sz="1200" b="1" dirty="0">
-                <a:latin typeface="DengXian" panose="02010600030101010101" pitchFamily="2" charset="-122"/>
-                <a:ea typeface="DengXian" panose="02010600030101010101" pitchFamily="2" charset="-122"/>
-              </a:rPr>
-              <a:t> </a:t>
-            </a:r>
-            <a:r>
-              <a:rPr kumimoji="1" lang="en-US" altLang="zh-CN" sz="1200" b="1" dirty="0">
-                <a:latin typeface="DengXian" panose="02010600030101010101" pitchFamily="2" charset="-122"/>
-                <a:ea typeface="DengXian" panose="02010600030101010101" pitchFamily="2" charset="-122"/>
-              </a:rPr>
-              <a:t>color</a:t>
-            </a:r>
-            <a:r>
-              <a:rPr kumimoji="1" lang="zh-CN" altLang="en-US" sz="1200" b="1" dirty="0">
-                <a:latin typeface="DengXian" panose="02010600030101010101" pitchFamily="2" charset="-122"/>
-                <a:ea typeface="DengXian" panose="02010600030101010101" pitchFamily="2" charset="-122"/>
-              </a:rPr>
-              <a:t> </a:t>
-            </a:r>
-            <a:r>
-              <a:rPr kumimoji="1" lang="en-US" altLang="zh-CN" sz="1200" b="1" dirty="0">
-                <a:latin typeface="DengXian" panose="02010600030101010101" pitchFamily="2" charset="-122"/>
-                <a:ea typeface="DengXian" panose="02010600030101010101" pitchFamily="2" charset="-122"/>
-              </a:rPr>
-              <a:t>and</a:t>
-            </a:r>
-            <a:r>
-              <a:rPr kumimoji="1" lang="zh-CN" altLang="en-US" sz="1200" b="1" dirty="0">
-                <a:latin typeface="DengXian" panose="02010600030101010101" pitchFamily="2" charset="-122"/>
-                <a:ea typeface="DengXian" panose="02010600030101010101" pitchFamily="2" charset="-122"/>
-              </a:rPr>
-              <a:t> </a:t>
-            </a:r>
-            <a:r>
-              <a:rPr kumimoji="1" lang="en-US" altLang="zh-CN" sz="1200" b="1" dirty="0">
-                <a:latin typeface="DengXian" panose="02010600030101010101" pitchFamily="2" charset="-122"/>
-                <a:ea typeface="DengXian" panose="02010600030101010101" pitchFamily="2" charset="-122"/>
-              </a:rPr>
-              <a:t>bold</a:t>
-            </a:r>
-          </a:p>
-        </p:txBody>
-      </p:sp>
+              </a:endParaRPr>
+            </a:p>
+          </p:txBody>
+        </p:sp>
+      </p:grpSp>
     </p:spTree>
     <p:extLst>
       <p:ext uri="{BB962C8B-B14F-4D97-AF65-F5344CB8AC3E}">
-        <p14:creationId xmlns:p14="http://schemas.microsoft.com/office/powerpoint/2010/main" val="3265552492"/>
+        <p14:creationId xmlns:p14="http://schemas.microsoft.com/office/powerpoint/2010/main" val="3136280630"/>
       </p:ext>
     </p:extLst>
   </p:cSld>
@@ -10342,6 +10483,657 @@
           <a:chExt cx="0" cy="0"/>
         </a:xfrm>
       </p:grpSpPr>
+      <p:sp>
+        <p:nvSpPr>
+          <p:cNvPr id="4" name="Rectangle 3">
+            <a:extLst>
+              <a:ext uri="{FF2B5EF4-FFF2-40B4-BE49-F238E27FC236}">
+                <a16:creationId xmlns:a16="http://schemas.microsoft.com/office/drawing/2014/main" id="{5EFB2F0D-ABB3-D995-FA04-8C359C1827B4}"/>
+              </a:ext>
+            </a:extLst>
+          </p:cNvPr>
+          <p:cNvSpPr/>
+          <p:nvPr/>
+        </p:nvSpPr>
+        <p:spPr>
+          <a:xfrm>
+            <a:off x="2468880" y="2861420"/>
+            <a:ext cx="1215845" cy="387178"/>
+          </a:xfrm>
+          <a:prstGeom prst="rect">
+            <a:avLst/>
+          </a:prstGeom>
+          <a:solidFill>
+            <a:schemeClr val="accent6">
+              <a:lumMod val="60000"/>
+              <a:lumOff val="40000"/>
+            </a:schemeClr>
+          </a:solidFill>
+          <a:ln w="22225">
+            <a:solidFill>
+              <a:schemeClr val="tx1"/>
+            </a:solidFill>
+          </a:ln>
+        </p:spPr>
+        <p:style>
+          <a:lnRef idx="2">
+            <a:schemeClr val="accent1">
+              <a:shade val="50000"/>
+            </a:schemeClr>
+          </a:lnRef>
+          <a:fillRef idx="1">
+            <a:schemeClr val="accent1"/>
+          </a:fillRef>
+          <a:effectRef idx="0">
+            <a:schemeClr val="accent1"/>
+          </a:effectRef>
+          <a:fontRef idx="minor">
+            <a:schemeClr val="lt1"/>
+          </a:fontRef>
+        </p:style>
+        <p:txBody>
+          <a:bodyPr rtlCol="0" anchor="ctr"/>
+          <a:lstStyle/>
+          <a:p>
+            <a:pPr algn="ctr"/>
+            <a:r>
+              <a:rPr lang="en-US" altLang="zh-CN" b="1" dirty="0">
+                <a:solidFill>
+                  <a:schemeClr val="tx1"/>
+                </a:solidFill>
+              </a:rPr>
+              <a:t>Person</a:t>
+            </a:r>
+            <a:endParaRPr lang="en-CN" b="1" dirty="0">
+              <a:solidFill>
+                <a:schemeClr val="tx1"/>
+              </a:solidFill>
+            </a:endParaRPr>
+          </a:p>
+        </p:txBody>
+      </p:sp>
+      <p:sp>
+        <p:nvSpPr>
+          <p:cNvPr id="5" name="Rectangle 4">
+            <a:extLst>
+              <a:ext uri="{FF2B5EF4-FFF2-40B4-BE49-F238E27FC236}">
+                <a16:creationId xmlns:a16="http://schemas.microsoft.com/office/drawing/2014/main" id="{71799D25-8F4B-3E78-7E33-C84644F1D35C}"/>
+              </a:ext>
+            </a:extLst>
+          </p:cNvPr>
+          <p:cNvSpPr/>
+          <p:nvPr/>
+        </p:nvSpPr>
+        <p:spPr>
+          <a:xfrm>
+            <a:off x="3984346" y="2861420"/>
+            <a:ext cx="1215845" cy="387178"/>
+          </a:xfrm>
+          <a:prstGeom prst="rect">
+            <a:avLst/>
+          </a:prstGeom>
+          <a:solidFill>
+            <a:srgbClr val="FF0000">
+              <a:alpha val="30000"/>
+            </a:srgbClr>
+          </a:solidFill>
+          <a:ln w="22225">
+            <a:solidFill>
+              <a:schemeClr val="tx1"/>
+            </a:solidFill>
+          </a:ln>
+        </p:spPr>
+        <p:style>
+          <a:lnRef idx="2">
+            <a:schemeClr val="accent1">
+              <a:shade val="50000"/>
+            </a:schemeClr>
+          </a:lnRef>
+          <a:fillRef idx="1">
+            <a:schemeClr val="accent1"/>
+          </a:fillRef>
+          <a:effectRef idx="0">
+            <a:schemeClr val="accent1"/>
+          </a:effectRef>
+          <a:fontRef idx="minor">
+            <a:schemeClr val="lt1"/>
+          </a:fontRef>
+        </p:style>
+        <p:txBody>
+          <a:bodyPr rtlCol="0" anchor="ctr"/>
+          <a:lstStyle/>
+          <a:p>
+            <a:pPr algn="ctr"/>
+            <a:r>
+              <a:rPr lang="en-US" altLang="zh-CN" b="1" dirty="0">
+                <a:solidFill>
+                  <a:schemeClr val="tx1"/>
+                </a:solidFill>
+              </a:rPr>
+              <a:t>Company</a:t>
+            </a:r>
+            <a:endParaRPr lang="en-CN" b="1" dirty="0">
+              <a:solidFill>
+                <a:schemeClr val="tx1"/>
+              </a:solidFill>
+            </a:endParaRPr>
+          </a:p>
+        </p:txBody>
+      </p:sp>
+      <p:sp>
+        <p:nvSpPr>
+          <p:cNvPr id="6" name="Rectangle 5">
+            <a:extLst>
+              <a:ext uri="{FF2B5EF4-FFF2-40B4-BE49-F238E27FC236}">
+                <a16:creationId xmlns:a16="http://schemas.microsoft.com/office/drawing/2014/main" id="{4C51DCB4-07F1-ACD1-2A47-E37BE04A33BA}"/>
+              </a:ext>
+            </a:extLst>
+          </p:cNvPr>
+          <p:cNvSpPr/>
+          <p:nvPr/>
+        </p:nvSpPr>
+        <p:spPr>
+          <a:xfrm>
+            <a:off x="7040605" y="2861420"/>
+            <a:ext cx="1226941" cy="387178"/>
+          </a:xfrm>
+          <a:prstGeom prst="rect">
+            <a:avLst/>
+          </a:prstGeom>
+          <a:solidFill>
+            <a:schemeClr val="accent1">
+              <a:lumMod val="60000"/>
+              <a:lumOff val="40000"/>
+            </a:schemeClr>
+          </a:solidFill>
+          <a:ln w="22225">
+            <a:solidFill>
+              <a:schemeClr val="tx1"/>
+            </a:solidFill>
+          </a:ln>
+        </p:spPr>
+        <p:style>
+          <a:lnRef idx="2">
+            <a:schemeClr val="accent1">
+              <a:shade val="50000"/>
+            </a:schemeClr>
+          </a:lnRef>
+          <a:fillRef idx="1">
+            <a:schemeClr val="accent1"/>
+          </a:fillRef>
+          <a:effectRef idx="0">
+            <a:schemeClr val="accent1"/>
+          </a:effectRef>
+          <a:fontRef idx="minor">
+            <a:schemeClr val="lt1"/>
+          </a:fontRef>
+        </p:style>
+        <p:txBody>
+          <a:bodyPr rtlCol="0" anchor="ctr"/>
+          <a:lstStyle/>
+          <a:p>
+            <a:pPr algn="ctr"/>
+            <a:r>
+              <a:rPr lang="en-US" altLang="zh-CN" b="1" dirty="0">
+                <a:solidFill>
+                  <a:schemeClr val="tx1"/>
+                </a:solidFill>
+              </a:rPr>
+              <a:t>Account</a:t>
+            </a:r>
+            <a:endParaRPr lang="en-CN" b="1" dirty="0">
+              <a:solidFill>
+                <a:schemeClr val="tx1"/>
+              </a:solidFill>
+            </a:endParaRPr>
+          </a:p>
+        </p:txBody>
+      </p:sp>
+      <p:sp>
+        <p:nvSpPr>
+          <p:cNvPr id="9" name="Rectangle 8">
+            <a:extLst>
+              <a:ext uri="{FF2B5EF4-FFF2-40B4-BE49-F238E27FC236}">
+                <a16:creationId xmlns:a16="http://schemas.microsoft.com/office/drawing/2014/main" id="{5F68F319-B446-C876-5ECA-738B6558B6E1}"/>
+              </a:ext>
+            </a:extLst>
+          </p:cNvPr>
+          <p:cNvSpPr/>
+          <p:nvPr/>
+        </p:nvSpPr>
+        <p:spPr>
+          <a:xfrm>
+            <a:off x="8567168" y="2861420"/>
+            <a:ext cx="1215845" cy="387178"/>
+          </a:xfrm>
+          <a:prstGeom prst="rect">
+            <a:avLst/>
+          </a:prstGeom>
+          <a:solidFill>
+            <a:schemeClr val="accent4">
+              <a:lumMod val="60000"/>
+              <a:lumOff val="40000"/>
+            </a:schemeClr>
+          </a:solidFill>
+          <a:ln w="22225">
+            <a:solidFill>
+              <a:schemeClr val="tx1"/>
+            </a:solidFill>
+          </a:ln>
+        </p:spPr>
+        <p:style>
+          <a:lnRef idx="2">
+            <a:schemeClr val="accent1">
+              <a:shade val="50000"/>
+            </a:schemeClr>
+          </a:lnRef>
+          <a:fillRef idx="1">
+            <a:schemeClr val="accent1"/>
+          </a:fillRef>
+          <a:effectRef idx="0">
+            <a:schemeClr val="accent1"/>
+          </a:effectRef>
+          <a:fontRef idx="minor">
+            <a:schemeClr val="lt1"/>
+          </a:fontRef>
+        </p:style>
+        <p:txBody>
+          <a:bodyPr rtlCol="0" anchor="ctr"/>
+          <a:lstStyle/>
+          <a:p>
+            <a:pPr algn="ctr"/>
+            <a:r>
+              <a:rPr lang="en-US" altLang="zh-CN" b="1" dirty="0">
+                <a:solidFill>
+                  <a:schemeClr val="tx1"/>
+                </a:solidFill>
+              </a:rPr>
+              <a:t>Medium</a:t>
+            </a:r>
+            <a:endParaRPr lang="en-CN" b="1" dirty="0">
+              <a:solidFill>
+                <a:schemeClr val="tx1"/>
+              </a:solidFill>
+            </a:endParaRPr>
+          </a:p>
+        </p:txBody>
+      </p:sp>
+      <p:sp>
+        <p:nvSpPr>
+          <p:cNvPr id="12" name="Rectangle 11">
+            <a:extLst>
+              <a:ext uri="{FF2B5EF4-FFF2-40B4-BE49-F238E27FC236}">
+                <a16:creationId xmlns:a16="http://schemas.microsoft.com/office/drawing/2014/main" id="{74363A22-BDF1-F1C7-E411-2E379C3A7160}"/>
+              </a:ext>
+            </a:extLst>
+          </p:cNvPr>
+          <p:cNvSpPr/>
+          <p:nvPr/>
+        </p:nvSpPr>
+        <p:spPr>
+          <a:xfrm>
+            <a:off x="5506920" y="2861420"/>
+            <a:ext cx="1226977" cy="387178"/>
+          </a:xfrm>
+          <a:prstGeom prst="rect">
+            <a:avLst/>
+          </a:prstGeom>
+          <a:solidFill>
+            <a:schemeClr val="accent2">
+              <a:lumMod val="60000"/>
+              <a:lumOff val="40000"/>
+            </a:schemeClr>
+          </a:solidFill>
+          <a:ln w="22225">
+            <a:solidFill>
+              <a:schemeClr val="tx1"/>
+            </a:solidFill>
+          </a:ln>
+        </p:spPr>
+        <p:style>
+          <a:lnRef idx="2">
+            <a:schemeClr val="accent1">
+              <a:shade val="50000"/>
+            </a:schemeClr>
+          </a:lnRef>
+          <a:fillRef idx="1">
+            <a:schemeClr val="accent1"/>
+          </a:fillRef>
+          <a:effectRef idx="0">
+            <a:schemeClr val="accent1"/>
+          </a:effectRef>
+          <a:fontRef idx="minor">
+            <a:schemeClr val="lt1"/>
+          </a:fontRef>
+        </p:style>
+        <p:txBody>
+          <a:bodyPr rtlCol="0" anchor="ctr"/>
+          <a:lstStyle/>
+          <a:p>
+            <a:pPr algn="ctr"/>
+            <a:r>
+              <a:rPr lang="en-US" altLang="zh-CN" b="1" dirty="0">
+                <a:solidFill>
+                  <a:schemeClr val="tx1"/>
+                </a:solidFill>
+              </a:rPr>
+              <a:t>Loan</a:t>
+            </a:r>
+            <a:endParaRPr lang="en-CN" b="1" dirty="0">
+              <a:solidFill>
+                <a:schemeClr val="tx1"/>
+              </a:solidFill>
+            </a:endParaRPr>
+          </a:p>
+        </p:txBody>
+      </p:sp>
+      <p:sp>
+        <p:nvSpPr>
+          <p:cNvPr id="2" name="文本框 12">
+            <a:extLst>
+              <a:ext uri="{FF2B5EF4-FFF2-40B4-BE49-F238E27FC236}">
+                <a16:creationId xmlns:a16="http://schemas.microsoft.com/office/drawing/2014/main" id="{F15BB429-1D1A-0E43-F714-5B25121059E2}"/>
+              </a:ext>
+            </a:extLst>
+          </p:cNvPr>
+          <p:cNvSpPr txBox="1"/>
+          <p:nvPr/>
+        </p:nvSpPr>
+        <p:spPr>
+          <a:xfrm>
+            <a:off x="2468880" y="3867488"/>
+            <a:ext cx="2583766" cy="1015663"/>
+          </a:xfrm>
+          <a:prstGeom prst="rect">
+            <a:avLst/>
+          </a:prstGeom>
+          <a:noFill/>
+        </p:spPr>
+        <p:txBody>
+          <a:bodyPr wrap="square" rtlCol="0">
+            <a:spAutoFit/>
+          </a:bodyPr>
+          <a:lstStyle/>
+          <a:p>
+            <a:r>
+              <a:rPr kumimoji="1" lang="en-US" altLang="zh-CN" sz="1200" b="1" dirty="0">
+                <a:latin typeface="DengXian" panose="02010600030101010101" pitchFamily="2" charset="-122"/>
+                <a:ea typeface="DengXian" panose="02010600030101010101" pitchFamily="2" charset="-122"/>
+              </a:rPr>
+              <a:t>Color:</a:t>
+            </a:r>
+            <a:r>
+              <a:rPr kumimoji="1" lang="zh-CN" altLang="en-US" sz="1200" b="1" dirty="0">
+                <a:latin typeface="DengXian" panose="02010600030101010101" pitchFamily="2" charset="-122"/>
+                <a:ea typeface="DengXian" panose="02010600030101010101" pitchFamily="2" charset="-122"/>
+              </a:rPr>
+              <a:t> </a:t>
+            </a:r>
+            <a:r>
+              <a:rPr kumimoji="1" lang="en-US" altLang="zh-CN" sz="1200" b="1" dirty="0">
+                <a:latin typeface="DengXian" panose="02010600030101010101" pitchFamily="2" charset="-122"/>
+                <a:ea typeface="DengXian" panose="02010600030101010101" pitchFamily="2" charset="-122"/>
+              </a:rPr>
+              <a:t>as</a:t>
+            </a:r>
+            <a:r>
+              <a:rPr kumimoji="1" lang="zh-CN" altLang="en-US" sz="1200" b="1" dirty="0">
+                <a:latin typeface="DengXian" panose="02010600030101010101" pitchFamily="2" charset="-122"/>
+                <a:ea typeface="DengXian" panose="02010600030101010101" pitchFamily="2" charset="-122"/>
+              </a:rPr>
+              <a:t> </a:t>
+            </a:r>
+            <a:r>
+              <a:rPr kumimoji="1" lang="en-US" altLang="zh-CN" sz="1200" b="1" dirty="0">
+                <a:latin typeface="DengXian" panose="02010600030101010101" pitchFamily="2" charset="-122"/>
+                <a:ea typeface="DengXian" panose="02010600030101010101" pitchFamily="2" charset="-122"/>
+              </a:rPr>
+              <a:t>above</a:t>
+            </a:r>
+          </a:p>
+          <a:p>
+            <a:r>
+              <a:rPr kumimoji="1" lang="en-US" altLang="zh-CN" sz="1200" b="1" dirty="0">
+                <a:latin typeface="DengXian" panose="02010600030101010101" pitchFamily="2" charset="-122"/>
+                <a:ea typeface="DengXian" panose="02010600030101010101" pitchFamily="2" charset="-122"/>
+              </a:rPr>
+              <a:t>Font</a:t>
+            </a:r>
+            <a:r>
+              <a:rPr kumimoji="1" lang="zh-CN" altLang="en-US" sz="1200" b="1" dirty="0">
+                <a:latin typeface="DengXian" panose="02010600030101010101" pitchFamily="2" charset="-122"/>
+                <a:ea typeface="DengXian" panose="02010600030101010101" pitchFamily="2" charset="-122"/>
+              </a:rPr>
+              <a:t> </a:t>
+            </a:r>
+            <a:r>
+              <a:rPr kumimoji="1" lang="en-US" altLang="zh-CN" sz="1200" b="1" dirty="0">
+                <a:latin typeface="DengXian" panose="02010600030101010101" pitchFamily="2" charset="-122"/>
+                <a:ea typeface="DengXian" panose="02010600030101010101" pitchFamily="2" charset="-122"/>
+              </a:rPr>
+              <a:t>size:</a:t>
+            </a:r>
+            <a:r>
+              <a:rPr kumimoji="1" lang="zh-CN" altLang="en-US" sz="1200" b="1" dirty="0">
+                <a:latin typeface="DengXian" panose="02010600030101010101" pitchFamily="2" charset="-122"/>
+                <a:ea typeface="DengXian" panose="02010600030101010101" pitchFamily="2" charset="-122"/>
+              </a:rPr>
+              <a:t> </a:t>
+            </a:r>
+            <a:r>
+              <a:rPr kumimoji="1" lang="en-US" altLang="zh-CN" sz="1200" b="1" dirty="0">
+                <a:latin typeface="DengXian" panose="02010600030101010101" pitchFamily="2" charset="-122"/>
+                <a:ea typeface="DengXian" panose="02010600030101010101" pitchFamily="2" charset="-122"/>
+              </a:rPr>
+              <a:t>12</a:t>
+            </a:r>
+          </a:p>
+          <a:p>
+            <a:r>
+              <a:rPr kumimoji="1" lang="en-US" altLang="zh-CN" sz="1200" b="1" dirty="0">
+                <a:latin typeface="DengXian" panose="02010600030101010101" pitchFamily="2" charset="-122"/>
+                <a:ea typeface="DengXian" panose="02010600030101010101" pitchFamily="2" charset="-122"/>
+              </a:rPr>
+              <a:t>Border</a:t>
+            </a:r>
+            <a:r>
+              <a:rPr kumimoji="1" lang="zh-CN" altLang="en-US" sz="1200" b="1" dirty="0">
+                <a:latin typeface="DengXian" panose="02010600030101010101" pitchFamily="2" charset="-122"/>
+                <a:ea typeface="DengXian" panose="02010600030101010101" pitchFamily="2" charset="-122"/>
+              </a:rPr>
+              <a:t> </a:t>
+            </a:r>
+            <a:r>
+              <a:rPr kumimoji="1" lang="en-US" altLang="zh-CN" sz="1200" b="1" dirty="0">
+                <a:latin typeface="DengXian" panose="02010600030101010101" pitchFamily="2" charset="-122"/>
+                <a:ea typeface="DengXian" panose="02010600030101010101" pitchFamily="2" charset="-122"/>
+              </a:rPr>
+              <a:t>width:</a:t>
+            </a:r>
+            <a:r>
+              <a:rPr kumimoji="1" lang="zh-CN" altLang="en-US" sz="1200" b="1" dirty="0">
+                <a:latin typeface="DengXian" panose="02010600030101010101" pitchFamily="2" charset="-122"/>
+                <a:ea typeface="DengXian" panose="02010600030101010101" pitchFamily="2" charset="-122"/>
+              </a:rPr>
+              <a:t> </a:t>
+            </a:r>
+            <a:r>
+              <a:rPr kumimoji="1" lang="en-US" altLang="zh-CN" sz="1200" b="1" dirty="0">
+                <a:latin typeface="DengXian" panose="02010600030101010101" pitchFamily="2" charset="-122"/>
+                <a:ea typeface="DengXian" panose="02010600030101010101" pitchFamily="2" charset="-122"/>
+              </a:rPr>
+              <a:t>2pt</a:t>
+            </a:r>
+          </a:p>
+          <a:p>
+            <a:r>
+              <a:rPr kumimoji="1" lang="en-US" altLang="zh-CN" sz="1200" b="1" dirty="0">
+                <a:latin typeface="DengXian" panose="02010600030101010101" pitchFamily="2" charset="-122"/>
+                <a:ea typeface="DengXian" panose="02010600030101010101" pitchFamily="2" charset="-122"/>
+              </a:rPr>
+              <a:t>Result:</a:t>
+            </a:r>
+            <a:r>
+              <a:rPr kumimoji="1" lang="zh-CN" altLang="en-US" sz="1200" b="1" dirty="0">
+                <a:latin typeface="DengXian" panose="02010600030101010101" pitchFamily="2" charset="-122"/>
+                <a:ea typeface="DengXian" panose="02010600030101010101" pitchFamily="2" charset="-122"/>
+              </a:rPr>
+              <a:t> </a:t>
+            </a:r>
+            <a:r>
+              <a:rPr kumimoji="1" lang="en-US" altLang="zh-CN" sz="1200" b="1" dirty="0">
+                <a:latin typeface="DengXian" panose="02010600030101010101" pitchFamily="2" charset="-122"/>
+                <a:ea typeface="DengXian" panose="02010600030101010101" pitchFamily="2" charset="-122"/>
+              </a:rPr>
+              <a:t>red</a:t>
+            </a:r>
+            <a:r>
+              <a:rPr kumimoji="1" lang="zh-CN" altLang="en-US" sz="1200" b="1" dirty="0">
+                <a:latin typeface="DengXian" panose="02010600030101010101" pitchFamily="2" charset="-122"/>
+                <a:ea typeface="DengXian" panose="02010600030101010101" pitchFamily="2" charset="-122"/>
+              </a:rPr>
+              <a:t> </a:t>
+            </a:r>
+            <a:r>
+              <a:rPr kumimoji="1" lang="en-US" altLang="zh-CN" sz="1200" b="1" dirty="0">
+                <a:latin typeface="DengXian" panose="02010600030101010101" pitchFamily="2" charset="-122"/>
+                <a:ea typeface="DengXian" panose="02010600030101010101" pitchFamily="2" charset="-122"/>
+              </a:rPr>
+              <a:t>color</a:t>
+            </a:r>
+            <a:r>
+              <a:rPr kumimoji="1" lang="zh-CN" altLang="en-US" sz="1200" b="1" dirty="0">
+                <a:latin typeface="DengXian" panose="02010600030101010101" pitchFamily="2" charset="-122"/>
+                <a:ea typeface="DengXian" panose="02010600030101010101" pitchFamily="2" charset="-122"/>
+              </a:rPr>
+              <a:t> </a:t>
+            </a:r>
+            <a:r>
+              <a:rPr kumimoji="1" lang="en-US" altLang="zh-CN" sz="1200" b="1" dirty="0">
+                <a:latin typeface="DengXian" panose="02010600030101010101" pitchFamily="2" charset="-122"/>
+                <a:ea typeface="DengXian" panose="02010600030101010101" pitchFamily="2" charset="-122"/>
+              </a:rPr>
+              <a:t>and</a:t>
+            </a:r>
+            <a:r>
+              <a:rPr kumimoji="1" lang="zh-CN" altLang="en-US" sz="1200" b="1" dirty="0">
+                <a:latin typeface="DengXian" panose="02010600030101010101" pitchFamily="2" charset="-122"/>
+                <a:ea typeface="DengXian" panose="02010600030101010101" pitchFamily="2" charset="-122"/>
+              </a:rPr>
+              <a:t> </a:t>
+            </a:r>
+            <a:r>
+              <a:rPr kumimoji="1" lang="en-US" altLang="zh-CN" sz="1200" b="1" dirty="0">
+                <a:latin typeface="DengXian" panose="02010600030101010101" pitchFamily="2" charset="-122"/>
+                <a:ea typeface="DengXian" panose="02010600030101010101" pitchFamily="2" charset="-122"/>
+              </a:rPr>
+              <a:t>bold</a:t>
+            </a:r>
+          </a:p>
+          <a:p>
+            <a:r>
+              <a:rPr kumimoji="1" lang="en-US" altLang="zh-CN" sz="1200" b="1" dirty="0" err="1">
+                <a:latin typeface="DengXian" panose="02010600030101010101" pitchFamily="2" charset="-122"/>
+                <a:ea typeface="DengXian" panose="02010600030101010101" pitchFamily="2" charset="-122"/>
+              </a:rPr>
+              <a:t>Groupby</a:t>
+            </a:r>
+            <a:r>
+              <a:rPr kumimoji="1" lang="en-US" altLang="zh-CN" sz="1200" b="1" dirty="0">
+                <a:latin typeface="DengXian" panose="02010600030101010101" pitchFamily="2" charset="-122"/>
+                <a:ea typeface="DengXian" panose="02010600030101010101" pitchFamily="2" charset="-122"/>
+              </a:rPr>
+              <a:t>:</a:t>
+            </a:r>
+            <a:r>
+              <a:rPr kumimoji="1" lang="zh-CN" altLang="en-US" sz="1200" b="1" dirty="0">
+                <a:latin typeface="DengXian" panose="02010600030101010101" pitchFamily="2" charset="-122"/>
+                <a:ea typeface="DengXian" panose="02010600030101010101" pitchFamily="2" charset="-122"/>
+              </a:rPr>
+              <a:t> </a:t>
+            </a:r>
+            <a:r>
+              <a:rPr kumimoji="1" lang="en-US" altLang="zh-CN" sz="1200" b="1" dirty="0">
+                <a:latin typeface="DengXian" panose="02010600030101010101" pitchFamily="2" charset="-122"/>
+                <a:ea typeface="DengXian" panose="02010600030101010101" pitchFamily="2" charset="-122"/>
+              </a:rPr>
+              <a:t>red</a:t>
+            </a:r>
+            <a:r>
+              <a:rPr kumimoji="1" lang="zh-CN" altLang="en-US" sz="1200" b="1" dirty="0">
+                <a:latin typeface="DengXian" panose="02010600030101010101" pitchFamily="2" charset="-122"/>
+                <a:ea typeface="DengXian" panose="02010600030101010101" pitchFamily="2" charset="-122"/>
+              </a:rPr>
+              <a:t> </a:t>
+            </a:r>
+            <a:r>
+              <a:rPr kumimoji="1" lang="en-US" altLang="zh-CN" sz="1200" b="1" dirty="0">
+                <a:latin typeface="DengXian" panose="02010600030101010101" pitchFamily="2" charset="-122"/>
+                <a:ea typeface="DengXian" panose="02010600030101010101" pitchFamily="2" charset="-122"/>
+              </a:rPr>
+              <a:t>color</a:t>
+            </a:r>
+            <a:r>
+              <a:rPr kumimoji="1" lang="zh-CN" altLang="en-US" sz="1200" b="1" dirty="0">
+                <a:latin typeface="DengXian" panose="02010600030101010101" pitchFamily="2" charset="-122"/>
+                <a:ea typeface="DengXian" panose="02010600030101010101" pitchFamily="2" charset="-122"/>
+              </a:rPr>
+              <a:t> </a:t>
+            </a:r>
+            <a:r>
+              <a:rPr kumimoji="1" lang="en-US" altLang="zh-CN" sz="1200" b="1" dirty="0">
+                <a:latin typeface="DengXian" panose="02010600030101010101" pitchFamily="2" charset="-122"/>
+                <a:ea typeface="DengXian" panose="02010600030101010101" pitchFamily="2" charset="-122"/>
+              </a:rPr>
+              <a:t>and</a:t>
+            </a:r>
+            <a:r>
+              <a:rPr kumimoji="1" lang="zh-CN" altLang="en-US" sz="1200" b="1" dirty="0">
+                <a:latin typeface="DengXian" panose="02010600030101010101" pitchFamily="2" charset="-122"/>
+                <a:ea typeface="DengXian" panose="02010600030101010101" pitchFamily="2" charset="-122"/>
+              </a:rPr>
+              <a:t> </a:t>
+            </a:r>
+            <a:r>
+              <a:rPr kumimoji="1" lang="en-US" altLang="zh-CN" sz="1200" b="1" dirty="0">
+                <a:latin typeface="DengXian" panose="02010600030101010101" pitchFamily="2" charset="-122"/>
+                <a:ea typeface="DengXian" panose="02010600030101010101" pitchFamily="2" charset="-122"/>
+              </a:rPr>
+              <a:t>bold</a:t>
+            </a:r>
+          </a:p>
+        </p:txBody>
+      </p:sp>
+    </p:spTree>
+    <p:extLst>
+      <p:ext uri="{BB962C8B-B14F-4D97-AF65-F5344CB8AC3E}">
+        <p14:creationId xmlns:p14="http://schemas.microsoft.com/office/powerpoint/2010/main" val="3265552492"/>
+      </p:ext>
+    </p:extLst>
+  </p:cSld>
+  <p:clrMapOvr>
+    <a:masterClrMapping/>
+  </p:clrMapOvr>
+</p:sld>
+</file>
+
+<file path=ppt/slides/slide8.xml><?xml version="1.0" encoding="utf-8"?>
+<p:sld xmlns:a="http://schemas.openxmlformats.org/drawingml/2006/main" xmlns:r="http://schemas.openxmlformats.org/officeDocument/2006/relationships" xmlns:p="http://schemas.openxmlformats.org/presentationml/2006/main" show="0">
+  <p:cSld>
+    <p:spTree>
+      <p:nvGrpSpPr>
+        <p:cNvPr id="1" name=""/>
+        <p:cNvGrpSpPr/>
+        <p:nvPr/>
+      </p:nvGrpSpPr>
+      <p:grpSpPr>
+        <a:xfrm>
+          <a:off x="0" y="0"/>
+          <a:ext cx="0" cy="0"/>
+          <a:chOff x="0" y="0"/>
+          <a:chExt cx="0" cy="0"/>
+        </a:xfrm>
+      </p:grpSpPr>
       <p:grpSp>
         <p:nvGrpSpPr>
           <p:cNvPr id="3" name="Group 2">
@@ -11195,8 +11987,8 @@
 </p:sld>
 </file>
 
-<file path=ppt/slides/slide8.xml><?xml version="1.0" encoding="utf-8"?>
-<p:sld xmlns:a="http://schemas.openxmlformats.org/drawingml/2006/main" xmlns:r="http://schemas.openxmlformats.org/officeDocument/2006/relationships" xmlns:p="http://schemas.openxmlformats.org/presentationml/2006/main">
+<file path=ppt/slides/slide9.xml><?xml version="1.0" encoding="utf-8"?>
+<p:sld xmlns:a="http://schemas.openxmlformats.org/drawingml/2006/main" xmlns:r="http://schemas.openxmlformats.org/officeDocument/2006/relationships" xmlns:p="http://schemas.openxmlformats.org/presentationml/2006/main" show="0">
   <p:cSld>
     <p:spTree>
       <p:nvGrpSpPr>
@@ -12766,798 +13558,6 @@
     <p:extLst>
       <p:ext uri="{BB962C8B-B14F-4D97-AF65-F5344CB8AC3E}">
         <p14:creationId xmlns:p14="http://schemas.microsoft.com/office/powerpoint/2010/main" val="2765736608"/>
-      </p:ext>
-    </p:extLst>
-  </p:cSld>
-  <p:clrMapOvr>
-    <a:masterClrMapping/>
-  </p:clrMapOvr>
-</p:sld>
-</file>
-
-<file path=ppt/slides/slide9.xml><?xml version="1.0" encoding="utf-8"?>
-<p:sld xmlns:a="http://schemas.openxmlformats.org/drawingml/2006/main" xmlns:r="http://schemas.openxmlformats.org/officeDocument/2006/relationships" xmlns:p="http://schemas.openxmlformats.org/presentationml/2006/main" show="0">
-  <p:cSld>
-    <p:spTree>
-      <p:nvGrpSpPr>
-        <p:cNvPr id="1" name=""/>
-        <p:cNvGrpSpPr/>
-        <p:nvPr/>
-      </p:nvGrpSpPr>
-      <p:grpSpPr>
-        <a:xfrm>
-          <a:off x="0" y="0"/>
-          <a:ext cx="0" cy="0"/>
-          <a:chOff x="0" y="0"/>
-          <a:chExt cx="0" cy="0"/>
-        </a:xfrm>
-      </p:grpSpPr>
-      <p:grpSp>
-        <p:nvGrpSpPr>
-          <p:cNvPr id="13" name="Group 12">
-            <a:extLst>
-              <a:ext uri="{FF2B5EF4-FFF2-40B4-BE49-F238E27FC236}">
-                <a16:creationId xmlns:a16="http://schemas.microsoft.com/office/drawing/2014/main" id="{5C8602AD-DA4E-8373-A4A1-319A52DFC519}"/>
-              </a:ext>
-            </a:extLst>
-          </p:cNvPr>
-          <p:cNvGrpSpPr/>
-          <p:nvPr/>
-        </p:nvGrpSpPr>
-        <p:grpSpPr>
-          <a:xfrm>
-            <a:off x="2292625" y="2640495"/>
-            <a:ext cx="7610060" cy="1577009"/>
-            <a:chOff x="2292625" y="2640495"/>
-            <a:chExt cx="7610060" cy="1577009"/>
-          </a:xfrm>
-        </p:grpSpPr>
-        <p:grpSp>
-          <p:nvGrpSpPr>
-            <p:cNvPr id="11" name="Group 10">
-              <a:extLst>
-                <a:ext uri="{FF2B5EF4-FFF2-40B4-BE49-F238E27FC236}">
-                  <a16:creationId xmlns:a16="http://schemas.microsoft.com/office/drawing/2014/main" id="{5168FCA5-A509-D54C-EC9F-42AEB9B2CE83}"/>
-                </a:ext>
-              </a:extLst>
-            </p:cNvPr>
-            <p:cNvGrpSpPr/>
-            <p:nvPr/>
-          </p:nvGrpSpPr>
-          <p:grpSpPr>
-            <a:xfrm>
-              <a:off x="2292625" y="2640495"/>
-              <a:ext cx="2716695" cy="1577009"/>
-              <a:chOff x="1606827" y="2640495"/>
-              <a:chExt cx="2716695" cy="1577009"/>
-            </a:xfrm>
-          </p:grpSpPr>
-          <p:sp>
-            <p:nvSpPr>
-              <p:cNvPr id="3" name="矩形 2">
-                <a:extLst>
-                  <a:ext uri="{FF2B5EF4-FFF2-40B4-BE49-F238E27FC236}">
-                    <a16:creationId xmlns:a16="http://schemas.microsoft.com/office/drawing/2014/main" id="{22DC280B-9C65-A140-A46D-687EE8B9A3F0}"/>
-                  </a:ext>
-                </a:extLst>
-              </p:cNvPr>
-              <p:cNvSpPr/>
-              <p:nvPr/>
-            </p:nvSpPr>
-            <p:spPr>
-              <a:xfrm>
-                <a:off x="1606827" y="2640495"/>
-                <a:ext cx="2716695" cy="1577009"/>
-              </a:xfrm>
-              <a:prstGeom prst="rect">
-                <a:avLst/>
-              </a:prstGeom>
-              <a:noFill/>
-              <a:ln w="25400">
-                <a:solidFill>
-                  <a:schemeClr val="tx1"/>
-                </a:solidFill>
-                <a:prstDash val="dash"/>
-              </a:ln>
-            </p:spPr>
-            <p:style>
-              <a:lnRef idx="2">
-                <a:schemeClr val="accent2">
-                  <a:shade val="50000"/>
-                </a:schemeClr>
-              </a:lnRef>
-              <a:fillRef idx="1">
-                <a:schemeClr val="accent2"/>
-              </a:fillRef>
-              <a:effectRef idx="0">
-                <a:schemeClr val="accent2"/>
-              </a:effectRef>
-              <a:fontRef idx="minor">
-                <a:schemeClr val="lt1"/>
-              </a:fontRef>
-            </p:style>
-            <p:txBody>
-              <a:bodyPr rtlCol="0" anchor="b"/>
-              <a:lstStyle/>
-              <a:p>
-                <a:pPr algn="ctr"/>
-                <a:r>
-                  <a:rPr kumimoji="1" lang="en-US" altLang="zh-CN" sz="1200" b="1" dirty="0">
-                    <a:solidFill>
-                      <a:srgbClr val="FF0000"/>
-                    </a:solidFill>
-                    <a:latin typeface="DengXian" panose="02010600030101010101" pitchFamily="2" charset="-122"/>
-                    <a:ea typeface="DengXian" panose="02010600030101010101" pitchFamily="2" charset="-122"/>
-                  </a:rPr>
-                  <a:t>RESULT</a:t>
-                </a:r>
-                <a:r>
-                  <a:rPr kumimoji="1" lang="zh-CN" altLang="en-US" sz="1200" b="1" dirty="0">
-                    <a:solidFill>
-                      <a:srgbClr val="FF0000"/>
-                    </a:solidFill>
-                    <a:latin typeface="DengXian" panose="02010600030101010101" pitchFamily="2" charset="-122"/>
-                    <a:ea typeface="DengXian" panose="02010600030101010101" pitchFamily="2" charset="-122"/>
-                  </a:rPr>
-                  <a:t> </a:t>
-                </a:r>
-                <a:r>
-                  <a:rPr kumimoji="1" lang="en-US" altLang="zh-CN" sz="1200" dirty="0">
-                    <a:solidFill>
-                      <a:sysClr val="windowText" lastClr="000000"/>
-                    </a:solidFill>
-                    <a:latin typeface="DengXian" panose="02010600030101010101" pitchFamily="2" charset="-122"/>
-                    <a:ea typeface="DengXian" panose="02010600030101010101" pitchFamily="2" charset="-122"/>
-                  </a:rPr>
-                  <a:t>properties(</a:t>
-                </a:r>
-                <a:r>
-                  <a:rPr kumimoji="1" lang="en-US" altLang="zh-CN" sz="1200" b="1" dirty="0">
-                    <a:solidFill>
-                      <a:sysClr val="windowText" lastClr="000000"/>
-                    </a:solidFill>
-                    <a:latin typeface="DengXian" panose="02010600030101010101" pitchFamily="2" charset="-122"/>
-                    <a:ea typeface="DengXian" panose="02010600030101010101" pitchFamily="2" charset="-122"/>
-                  </a:rPr>
-                  <a:t>account</a:t>
-                </a:r>
-                <a:r>
-                  <a:rPr kumimoji="1" lang="en-US" altLang="zh-CN" sz="1200" dirty="0">
-                    <a:solidFill>
-                      <a:sysClr val="windowText" lastClr="000000"/>
-                    </a:solidFill>
-                    <a:latin typeface="DengXian" panose="02010600030101010101" pitchFamily="2" charset="-122"/>
-                    <a:ea typeface="DengXian" panose="02010600030101010101" pitchFamily="2" charset="-122"/>
-                  </a:rPr>
-                  <a:t>)</a:t>
-                </a:r>
-              </a:p>
-            </p:txBody>
-          </p:sp>
-          <p:grpSp>
-            <p:nvGrpSpPr>
-              <p:cNvPr id="9" name="Group 8">
-                <a:extLst>
-                  <a:ext uri="{FF2B5EF4-FFF2-40B4-BE49-F238E27FC236}">
-                    <a16:creationId xmlns:a16="http://schemas.microsoft.com/office/drawing/2014/main" id="{52A08965-7938-02E8-7A5E-CD3A10264DA7}"/>
-                  </a:ext>
-                </a:extLst>
-              </p:cNvPr>
-              <p:cNvGrpSpPr/>
-              <p:nvPr/>
-            </p:nvGrpSpPr>
-            <p:grpSpPr>
-              <a:xfrm>
-                <a:off x="1906774" y="2815878"/>
-                <a:ext cx="2116800" cy="1010292"/>
-                <a:chOff x="1814274" y="2815878"/>
-                <a:chExt cx="2116800" cy="1010292"/>
-              </a:xfrm>
-            </p:grpSpPr>
-            <p:sp>
-              <p:nvSpPr>
-                <p:cNvPr id="2" name="矩形 1">
-                  <a:extLst>
-                    <a:ext uri="{FF2B5EF4-FFF2-40B4-BE49-F238E27FC236}">
-                      <a16:creationId xmlns:a16="http://schemas.microsoft.com/office/drawing/2014/main" id="{B72C642D-A526-CE45-ADFB-CA4FB6B38A11}"/>
-                    </a:ext>
-                  </a:extLst>
-                </p:cNvPr>
-                <p:cNvSpPr/>
-                <p:nvPr/>
-              </p:nvSpPr>
-              <p:spPr>
-                <a:xfrm>
-                  <a:off x="1814274" y="2815878"/>
-                  <a:ext cx="2116800" cy="505147"/>
-                </a:xfrm>
-                <a:prstGeom prst="rect">
-                  <a:avLst/>
-                </a:prstGeom>
-                <a:solidFill>
-                  <a:schemeClr val="accent5">
-                    <a:lumMod val="60000"/>
-                    <a:lumOff val="40000"/>
-                  </a:schemeClr>
-                </a:solidFill>
-                <a:ln w="25400">
-                  <a:solidFill>
-                    <a:schemeClr val="tx1"/>
-                  </a:solidFill>
-                </a:ln>
-              </p:spPr>
-              <p:style>
-                <a:lnRef idx="2">
-                  <a:schemeClr val="accent2">
-                    <a:shade val="50000"/>
-                  </a:schemeClr>
-                </a:lnRef>
-                <a:fillRef idx="1">
-                  <a:schemeClr val="accent2"/>
-                </a:fillRef>
-                <a:effectRef idx="0">
-                  <a:schemeClr val="accent2"/>
-                </a:effectRef>
-                <a:fontRef idx="minor">
-                  <a:schemeClr val="lt1"/>
-                </a:fontRef>
-              </p:style>
-              <p:txBody>
-                <a:bodyPr rtlCol="0" anchor="ctr"/>
-                <a:lstStyle/>
-                <a:p>
-                  <a:pPr algn="ctr"/>
-                  <a:r>
-                    <a:rPr kumimoji="1" lang="en-US" altLang="zh-CN" sz="1200" b="1" dirty="0">
-                      <a:solidFill>
-                        <a:sysClr val="windowText" lastClr="000000"/>
-                      </a:solidFill>
-                    </a:rPr>
-                    <a:t>account</a:t>
-                  </a:r>
-                  <a:r>
-                    <a:rPr kumimoji="1" lang="en-US" altLang="zh-CN" sz="1200" dirty="0">
-                      <a:solidFill>
-                        <a:sysClr val="windowText" lastClr="000000"/>
-                      </a:solidFill>
-                    </a:rPr>
-                    <a:t>:</a:t>
-                  </a:r>
-                  <a:r>
-                    <a:rPr kumimoji="1" lang="zh-CN" altLang="en-US" sz="1200" dirty="0">
-                      <a:solidFill>
-                        <a:sysClr val="windowText" lastClr="000000"/>
-                      </a:solidFill>
-                    </a:rPr>
-                    <a:t> </a:t>
-                  </a:r>
-                  <a:r>
-                    <a:rPr kumimoji="1" lang="en-US" altLang="zh-CN" sz="1200" dirty="0">
-                      <a:solidFill>
-                        <a:sysClr val="windowText" lastClr="000000"/>
-                      </a:solidFill>
-                    </a:rPr>
-                    <a:t>Account</a:t>
-                  </a:r>
-                  <a:endParaRPr kumimoji="1" lang="zh-CN" altLang="en-US" sz="1200" dirty="0">
-                    <a:solidFill>
-                      <a:sysClr val="windowText" lastClr="000000"/>
-                    </a:solidFill>
-                  </a:endParaRPr>
-                </a:p>
-              </p:txBody>
-            </p:sp>
-            <p:sp>
-              <p:nvSpPr>
-                <p:cNvPr id="6" name="矩形 3">
-                  <a:extLst>
-                    <a:ext uri="{FF2B5EF4-FFF2-40B4-BE49-F238E27FC236}">
-                      <a16:creationId xmlns:a16="http://schemas.microsoft.com/office/drawing/2014/main" id="{BD3A2398-8C0D-7E74-5100-BA996C38E61A}"/>
-                    </a:ext>
-                  </a:extLst>
-                </p:cNvPr>
-                <p:cNvSpPr/>
-                <p:nvPr/>
-              </p:nvSpPr>
-              <p:spPr>
-                <a:xfrm>
-                  <a:off x="1814274" y="3321023"/>
-                  <a:ext cx="2116800" cy="505147"/>
-                </a:xfrm>
-                <a:prstGeom prst="rect">
-                  <a:avLst/>
-                </a:prstGeom>
-                <a:noFill/>
-                <a:ln w="25400">
-                  <a:solidFill>
-                    <a:schemeClr val="tx1"/>
-                  </a:solidFill>
-                </a:ln>
-              </p:spPr>
-              <p:style>
-                <a:lnRef idx="2">
-                  <a:schemeClr val="accent2">
-                    <a:shade val="50000"/>
-                  </a:schemeClr>
-                </a:lnRef>
-                <a:fillRef idx="1">
-                  <a:schemeClr val="accent2"/>
-                </a:fillRef>
-                <a:effectRef idx="0">
-                  <a:schemeClr val="accent2"/>
-                </a:effectRef>
-                <a:fontRef idx="minor">
-                  <a:schemeClr val="lt1"/>
-                </a:fontRef>
-              </p:style>
-              <p:txBody>
-                <a:bodyPr rtlCol="0" anchor="ctr"/>
-                <a:lstStyle/>
-                <a:p>
-                  <a:pPr algn="ctr"/>
-                  <a:r>
-                    <a:rPr kumimoji="1" lang="en-US" altLang="zh-CN" sz="1200" b="1" dirty="0" err="1">
-                      <a:solidFill>
-                        <a:sysClr val="windowText" lastClr="000000"/>
-                      </a:solidFill>
-                      <a:latin typeface="DengXian" panose="02010600030101010101" pitchFamily="2" charset="-122"/>
-                      <a:ea typeface="DengXian" panose="02010600030101010101" pitchFamily="2" charset="-122"/>
-                    </a:rPr>
-                    <a:t>account</a:t>
-                  </a:r>
-                  <a:r>
-                    <a:rPr kumimoji="1" lang="en-US" altLang="zh-CN" sz="1200" dirty="0" err="1">
-                      <a:solidFill>
-                        <a:sysClr val="windowText" lastClr="000000"/>
-                      </a:solidFill>
-                      <a:latin typeface="DengXian" panose="02010600030101010101" pitchFamily="2" charset="-122"/>
-                      <a:ea typeface="DengXian" panose="02010600030101010101" pitchFamily="2" charset="-122"/>
-                    </a:rPr>
-                    <a:t>.id</a:t>
-                  </a:r>
-                  <a:r>
-                    <a:rPr kumimoji="1" lang="en-US" altLang="zh-CN" sz="1200" dirty="0">
-                      <a:solidFill>
-                        <a:sysClr val="windowText" lastClr="000000"/>
-                      </a:solidFill>
-                      <a:latin typeface="DengXian" panose="02010600030101010101" pitchFamily="2" charset="-122"/>
-                      <a:ea typeface="DengXian" panose="02010600030101010101" pitchFamily="2" charset="-122"/>
-                    </a:rPr>
-                    <a:t>:</a:t>
-                  </a:r>
-                  <a:r>
-                    <a:rPr kumimoji="1" lang="zh-CN" altLang="en-US" sz="1200" dirty="0">
-                      <a:solidFill>
-                        <a:sysClr val="windowText" lastClr="000000"/>
-                      </a:solidFill>
-                      <a:latin typeface="DengXian" panose="02010600030101010101" pitchFamily="2" charset="-122"/>
-                      <a:ea typeface="DengXian" panose="02010600030101010101" pitchFamily="2" charset="-122"/>
-                    </a:rPr>
-                    <a:t> </a:t>
-                  </a:r>
-                  <a:r>
-                    <a:rPr kumimoji="1" lang="en-US" altLang="zh-CN" sz="1200" dirty="0">
-                      <a:solidFill>
-                        <a:sysClr val="windowText" lastClr="000000"/>
-                      </a:solidFill>
-                      <a:latin typeface="DengXian" panose="02010600030101010101" pitchFamily="2" charset="-122"/>
-                      <a:ea typeface="DengXian" panose="02010600030101010101" pitchFamily="2" charset="-122"/>
-                    </a:rPr>
-                    <a:t>${id}</a:t>
-                  </a:r>
-                  <a:endParaRPr kumimoji="1" lang="zh-CN" altLang="en-US" sz="1200" dirty="0">
-                    <a:solidFill>
-                      <a:sysClr val="windowText" lastClr="000000"/>
-                    </a:solidFill>
-                    <a:latin typeface="DengXian" panose="02010600030101010101" pitchFamily="2" charset="-122"/>
-                    <a:ea typeface="DengXian" panose="02010600030101010101" pitchFamily="2" charset="-122"/>
-                  </a:endParaRPr>
-                </a:p>
-              </p:txBody>
-            </p:sp>
-          </p:grpSp>
-        </p:grpSp>
-        <p:grpSp>
-          <p:nvGrpSpPr>
-            <p:cNvPr id="10" name="Group 9">
-              <a:extLst>
-                <a:ext uri="{FF2B5EF4-FFF2-40B4-BE49-F238E27FC236}">
-                  <a16:creationId xmlns:a16="http://schemas.microsoft.com/office/drawing/2014/main" id="{A43BD305-30B1-E286-02CD-0C8134774423}"/>
-                </a:ext>
-              </a:extLst>
-            </p:cNvPr>
-            <p:cNvGrpSpPr/>
-            <p:nvPr/>
-          </p:nvGrpSpPr>
-          <p:grpSpPr>
-            <a:xfrm>
-              <a:off x="7185990" y="2640495"/>
-              <a:ext cx="2716695" cy="1577009"/>
-              <a:chOff x="6500192" y="2640495"/>
-              <a:chExt cx="2716695" cy="1577009"/>
-            </a:xfrm>
-          </p:grpSpPr>
-          <p:grpSp>
-            <p:nvGrpSpPr>
-              <p:cNvPr id="8" name="Group 7">
-                <a:extLst>
-                  <a:ext uri="{FF2B5EF4-FFF2-40B4-BE49-F238E27FC236}">
-                    <a16:creationId xmlns:a16="http://schemas.microsoft.com/office/drawing/2014/main" id="{7CE25A49-AE87-2B55-03D7-B1DC81E8A317}"/>
-                  </a:ext>
-                </a:extLst>
-              </p:cNvPr>
-              <p:cNvGrpSpPr/>
-              <p:nvPr/>
-            </p:nvGrpSpPr>
-            <p:grpSpPr>
-              <a:xfrm>
-                <a:off x="6800300" y="2815877"/>
-                <a:ext cx="2116478" cy="1010294"/>
-                <a:chOff x="6743980" y="2815877"/>
-                <a:chExt cx="2116478" cy="1010294"/>
-              </a:xfrm>
-            </p:grpSpPr>
-            <p:sp>
-              <p:nvSpPr>
-                <p:cNvPr id="4" name="矩形 3">
-                  <a:extLst>
-                    <a:ext uri="{FF2B5EF4-FFF2-40B4-BE49-F238E27FC236}">
-                      <a16:creationId xmlns:a16="http://schemas.microsoft.com/office/drawing/2014/main" id="{68924B86-E5E9-2247-A385-17C2F6B27826}"/>
-                    </a:ext>
-                  </a:extLst>
-                </p:cNvPr>
-                <p:cNvSpPr/>
-                <p:nvPr/>
-              </p:nvSpPr>
-              <p:spPr>
-                <a:xfrm>
-                  <a:off x="6743980" y="3321024"/>
-                  <a:ext cx="2116478" cy="505147"/>
-                </a:xfrm>
-                <a:prstGeom prst="rect">
-                  <a:avLst/>
-                </a:prstGeom>
-                <a:noFill/>
-                <a:ln w="25400">
-                  <a:solidFill>
-                    <a:schemeClr val="tx1"/>
-                  </a:solidFill>
-                </a:ln>
-              </p:spPr>
-              <p:style>
-                <a:lnRef idx="2">
-                  <a:schemeClr val="accent2">
-                    <a:shade val="50000"/>
-                  </a:schemeClr>
-                </a:lnRef>
-                <a:fillRef idx="1">
-                  <a:schemeClr val="accent2"/>
-                </a:fillRef>
-                <a:effectRef idx="0">
-                  <a:schemeClr val="accent2"/>
-                </a:effectRef>
-                <a:fontRef idx="minor">
-                  <a:schemeClr val="lt1"/>
-                </a:fontRef>
-              </p:style>
-              <p:txBody>
-                <a:bodyPr rtlCol="0" anchor="ctr"/>
-                <a:lstStyle/>
-                <a:p>
-                  <a:pPr algn="ctr"/>
-                  <a:r>
-                    <a:rPr kumimoji="1" lang="en-US" altLang="zh-CN" sz="1200" b="1" dirty="0" err="1">
-                      <a:solidFill>
-                        <a:sysClr val="windowText" lastClr="000000"/>
-                      </a:solidFill>
-                      <a:latin typeface="DengXian" panose="02010600030101010101" pitchFamily="2" charset="-122"/>
-                      <a:ea typeface="DengXian" panose="02010600030101010101" pitchFamily="2" charset="-122"/>
-                    </a:rPr>
-                    <a:t>person</a:t>
-                  </a:r>
-                  <a:r>
-                    <a:rPr kumimoji="1" lang="en-US" altLang="zh-CN" sz="1200" dirty="0" err="1">
-                      <a:solidFill>
-                        <a:sysClr val="windowText" lastClr="000000"/>
-                      </a:solidFill>
-                      <a:latin typeface="DengXian" panose="02010600030101010101" pitchFamily="2" charset="-122"/>
-                      <a:ea typeface="DengXian" panose="02010600030101010101" pitchFamily="2" charset="-122"/>
-                    </a:rPr>
-                    <a:t>.id</a:t>
-                  </a:r>
-                  <a:r>
-                    <a:rPr kumimoji="1" lang="en-US" altLang="zh-CN" sz="1200" dirty="0">
-                      <a:solidFill>
-                        <a:sysClr val="windowText" lastClr="000000"/>
-                      </a:solidFill>
-                      <a:latin typeface="DengXian" panose="02010600030101010101" pitchFamily="2" charset="-122"/>
-                      <a:ea typeface="DengXian" panose="02010600030101010101" pitchFamily="2" charset="-122"/>
-                    </a:rPr>
-                    <a:t>:</a:t>
-                  </a:r>
-                  <a:r>
-                    <a:rPr kumimoji="1" lang="zh-CN" altLang="en-US" sz="1200" dirty="0">
-                      <a:solidFill>
-                        <a:sysClr val="windowText" lastClr="000000"/>
-                      </a:solidFill>
-                      <a:latin typeface="DengXian" panose="02010600030101010101" pitchFamily="2" charset="-122"/>
-                      <a:ea typeface="DengXian" panose="02010600030101010101" pitchFamily="2" charset="-122"/>
-                    </a:rPr>
-                    <a:t> </a:t>
-                  </a:r>
-                  <a:r>
-                    <a:rPr kumimoji="1" lang="en-US" altLang="zh-CN" sz="1200" dirty="0">
-                      <a:solidFill>
-                        <a:sysClr val="windowText" lastClr="000000"/>
-                      </a:solidFill>
-                      <a:latin typeface="DengXian" panose="02010600030101010101" pitchFamily="2" charset="-122"/>
-                      <a:ea typeface="DengXian" panose="02010600030101010101" pitchFamily="2" charset="-122"/>
-                    </a:rPr>
-                    <a:t>${id}</a:t>
-                  </a:r>
-                  <a:endParaRPr kumimoji="1" lang="zh-CN" altLang="en-US" sz="1200" dirty="0">
-                    <a:solidFill>
-                      <a:sysClr val="windowText" lastClr="000000"/>
-                    </a:solidFill>
-                    <a:latin typeface="DengXian" panose="02010600030101010101" pitchFamily="2" charset="-122"/>
-                    <a:ea typeface="DengXian" panose="02010600030101010101" pitchFamily="2" charset="-122"/>
-                  </a:endParaRPr>
-                </a:p>
-              </p:txBody>
-            </p:sp>
-            <p:sp>
-              <p:nvSpPr>
-                <p:cNvPr id="5" name="矩形 9">
-                  <a:extLst>
-                    <a:ext uri="{FF2B5EF4-FFF2-40B4-BE49-F238E27FC236}">
-                      <a16:creationId xmlns:a16="http://schemas.microsoft.com/office/drawing/2014/main" id="{6641C98C-130F-B917-6069-671A355C0494}"/>
-                    </a:ext>
-                  </a:extLst>
-                </p:cNvPr>
-                <p:cNvSpPr/>
-                <p:nvPr/>
-              </p:nvSpPr>
-              <p:spPr>
-                <a:xfrm>
-                  <a:off x="6743980" y="2815877"/>
-                  <a:ext cx="2116478" cy="505147"/>
-                </a:xfrm>
-                <a:prstGeom prst="rect">
-                  <a:avLst/>
-                </a:prstGeom>
-                <a:solidFill>
-                  <a:schemeClr val="accent6">
-                    <a:lumMod val="60000"/>
-                    <a:lumOff val="40000"/>
-                  </a:schemeClr>
-                </a:solidFill>
-                <a:ln w="25400">
-                  <a:solidFill>
-                    <a:schemeClr val="tx1"/>
-                  </a:solidFill>
-                </a:ln>
-              </p:spPr>
-              <p:style>
-                <a:lnRef idx="2">
-                  <a:schemeClr val="accent2">
-                    <a:shade val="50000"/>
-                  </a:schemeClr>
-                </a:lnRef>
-                <a:fillRef idx="1">
-                  <a:schemeClr val="accent2"/>
-                </a:fillRef>
-                <a:effectRef idx="0">
-                  <a:schemeClr val="accent2"/>
-                </a:effectRef>
-                <a:fontRef idx="minor">
-                  <a:schemeClr val="lt1"/>
-                </a:fontRef>
-              </p:style>
-              <p:txBody>
-                <a:bodyPr rtlCol="0" anchor="ctr"/>
-                <a:lstStyle/>
-                <a:p>
-                  <a:pPr algn="ctr"/>
-                  <a:r>
-                    <a:rPr kumimoji="1" lang="en-US" altLang="zh-CN" sz="1200" b="1" dirty="0">
-                      <a:solidFill>
-                        <a:sysClr val="windowText" lastClr="000000"/>
-                      </a:solidFill>
-                    </a:rPr>
-                    <a:t>person</a:t>
-                  </a:r>
-                  <a:r>
-                    <a:rPr kumimoji="1" lang="zh-CN" altLang="en-US" sz="1200" dirty="0">
-                      <a:solidFill>
-                        <a:sysClr val="windowText" lastClr="000000"/>
-                      </a:solidFill>
-                    </a:rPr>
-                    <a:t> </a:t>
-                  </a:r>
-                  <a:r>
-                    <a:rPr kumimoji="1" lang="en-US" altLang="zh-CN" sz="1200" dirty="0">
-                      <a:solidFill>
-                        <a:sysClr val="windowText" lastClr="000000"/>
-                      </a:solidFill>
-                    </a:rPr>
-                    <a:t>:</a:t>
-                  </a:r>
-                  <a:r>
-                    <a:rPr kumimoji="1" lang="zh-CN" altLang="en-US" sz="1200" dirty="0">
-                      <a:solidFill>
-                        <a:sysClr val="windowText" lastClr="000000"/>
-                      </a:solidFill>
-                    </a:rPr>
-                    <a:t> </a:t>
-                  </a:r>
-                  <a:r>
-                    <a:rPr kumimoji="1" lang="en-US" altLang="zh-CN" sz="1200" dirty="0">
-                      <a:solidFill>
-                        <a:sysClr val="windowText" lastClr="000000"/>
-                      </a:solidFill>
-                    </a:rPr>
-                    <a:t>Person</a:t>
-                  </a:r>
-                  <a:endParaRPr kumimoji="1" lang="zh-CN" altLang="en-US" sz="1200" dirty="0">
-                    <a:solidFill>
-                      <a:sysClr val="windowText" lastClr="000000"/>
-                    </a:solidFill>
-                  </a:endParaRPr>
-                </a:p>
-              </p:txBody>
-            </p:sp>
-          </p:grpSp>
-          <p:sp>
-            <p:nvSpPr>
-              <p:cNvPr id="7" name="矩形 2">
-                <a:extLst>
-                  <a:ext uri="{FF2B5EF4-FFF2-40B4-BE49-F238E27FC236}">
-                    <a16:creationId xmlns:a16="http://schemas.microsoft.com/office/drawing/2014/main" id="{796335C9-7FF2-C371-B888-EBFB3C3FDC46}"/>
-                  </a:ext>
-                </a:extLst>
-              </p:cNvPr>
-              <p:cNvSpPr/>
-              <p:nvPr/>
-            </p:nvSpPr>
-            <p:spPr>
-              <a:xfrm>
-                <a:off x="6500192" y="2640495"/>
-                <a:ext cx="2716695" cy="1577009"/>
-              </a:xfrm>
-              <a:prstGeom prst="rect">
-                <a:avLst/>
-              </a:prstGeom>
-              <a:noFill/>
-              <a:ln w="25400">
-                <a:solidFill>
-                  <a:schemeClr val="tx1"/>
-                </a:solidFill>
-                <a:prstDash val="dash"/>
-              </a:ln>
-            </p:spPr>
-            <p:style>
-              <a:lnRef idx="2">
-                <a:schemeClr val="accent2">
-                  <a:shade val="50000"/>
-                </a:schemeClr>
-              </a:lnRef>
-              <a:fillRef idx="1">
-                <a:schemeClr val="accent2"/>
-              </a:fillRef>
-              <a:effectRef idx="0">
-                <a:schemeClr val="accent2"/>
-              </a:effectRef>
-              <a:fontRef idx="minor">
-                <a:schemeClr val="lt1"/>
-              </a:fontRef>
-            </p:style>
-            <p:txBody>
-              <a:bodyPr rtlCol="0" anchor="b"/>
-              <a:lstStyle/>
-              <a:p>
-                <a:pPr algn="ctr"/>
-                <a:r>
-                  <a:rPr kumimoji="1" lang="en-US" altLang="zh-CN" sz="1200" b="1" dirty="0">
-                    <a:solidFill>
-                      <a:srgbClr val="FF0000"/>
-                    </a:solidFill>
-                    <a:latin typeface="DengXian" panose="02010600030101010101" pitchFamily="2" charset="-122"/>
-                    <a:ea typeface="DengXian" panose="02010600030101010101" pitchFamily="2" charset="-122"/>
-                  </a:rPr>
-                  <a:t>RESULT</a:t>
-                </a:r>
-                <a:r>
-                  <a:rPr kumimoji="1" lang="zh-CN" altLang="en-US" sz="1200" b="1" dirty="0">
-                    <a:solidFill>
-                      <a:srgbClr val="FF0000"/>
-                    </a:solidFill>
-                    <a:latin typeface="DengXian" panose="02010600030101010101" pitchFamily="2" charset="-122"/>
-                    <a:ea typeface="DengXian" panose="02010600030101010101" pitchFamily="2" charset="-122"/>
-                  </a:rPr>
-                  <a:t> </a:t>
-                </a:r>
-                <a:r>
-                  <a:rPr kumimoji="1" lang="en-US" altLang="zh-CN" sz="1200" dirty="0">
-                    <a:solidFill>
-                      <a:sysClr val="windowText" lastClr="000000"/>
-                    </a:solidFill>
-                    <a:latin typeface="DengXian" panose="02010600030101010101" pitchFamily="2" charset="-122"/>
-                    <a:ea typeface="DengXian" panose="02010600030101010101" pitchFamily="2" charset="-122"/>
-                  </a:rPr>
-                  <a:t>properties(</a:t>
-                </a:r>
-                <a:r>
-                  <a:rPr kumimoji="1" lang="en-US" altLang="zh-CN" sz="1200" b="1" dirty="0">
-                    <a:solidFill>
-                      <a:sysClr val="windowText" lastClr="000000"/>
-                    </a:solidFill>
-                    <a:latin typeface="DengXian" panose="02010600030101010101" pitchFamily="2" charset="-122"/>
-                    <a:ea typeface="DengXian" panose="02010600030101010101" pitchFamily="2" charset="-122"/>
-                  </a:rPr>
-                  <a:t>account</a:t>
-                </a:r>
-                <a:r>
-                  <a:rPr kumimoji="1" lang="en-US" altLang="zh-CN" sz="1200" dirty="0">
-                    <a:solidFill>
-                      <a:sysClr val="windowText" lastClr="000000"/>
-                    </a:solidFill>
-                    <a:latin typeface="DengXian" panose="02010600030101010101" pitchFamily="2" charset="-122"/>
-                    <a:ea typeface="DengXian" panose="02010600030101010101" pitchFamily="2" charset="-122"/>
-                  </a:rPr>
-                  <a:t>)</a:t>
-                </a:r>
-              </a:p>
-            </p:txBody>
-          </p:sp>
-        </p:grpSp>
-        <p:sp>
-          <p:nvSpPr>
-            <p:cNvPr id="12" name="文本框 7">
-              <a:extLst>
-                <a:ext uri="{FF2B5EF4-FFF2-40B4-BE49-F238E27FC236}">
-                  <a16:creationId xmlns:a16="http://schemas.microsoft.com/office/drawing/2014/main" id="{AD01137A-7769-D5E3-C126-DE166D6BD9DD}"/>
-                </a:ext>
-              </a:extLst>
-            </p:cNvPr>
-            <p:cNvSpPr txBox="1"/>
-            <p:nvPr/>
-          </p:nvSpPr>
-          <p:spPr>
-            <a:xfrm>
-              <a:off x="5768906" y="3228945"/>
-              <a:ext cx="654188" cy="400110"/>
-            </a:xfrm>
-            <a:prstGeom prst="rect">
-              <a:avLst/>
-            </a:prstGeom>
-            <a:noFill/>
-          </p:spPr>
-          <p:txBody>
-            <a:bodyPr wrap="square" rtlCol="0">
-              <a:spAutoFit/>
-            </a:bodyPr>
-            <a:lstStyle/>
-            <a:p>
-              <a:pPr algn="ctr"/>
-              <a:r>
-                <a:rPr kumimoji="1" lang="en-US" altLang="zh-CN" sz="2000" b="1" dirty="0">
-                  <a:latin typeface="DengXian" panose="02010600030101010101" pitchFamily="2" charset="-122"/>
-                  <a:ea typeface="DengXian" panose="02010600030101010101" pitchFamily="2" charset="-122"/>
-                </a:rPr>
-                <a:t>or</a:t>
-              </a:r>
-              <a:endParaRPr kumimoji="1" lang="en-US" altLang="zh-CN" sz="2000" dirty="0">
-                <a:latin typeface="DengXian" panose="02010600030101010101" pitchFamily="2" charset="-122"/>
-                <a:ea typeface="DengXian" panose="02010600030101010101" pitchFamily="2" charset="-122"/>
-              </a:endParaRPr>
-            </a:p>
-          </p:txBody>
-        </p:sp>
-      </p:grpSp>
-    </p:spTree>
-    <p:extLst>
-      <p:ext uri="{BB962C8B-B14F-4D97-AF65-F5344CB8AC3E}">
-        <p14:creationId xmlns:p14="http://schemas.microsoft.com/office/powerpoint/2010/main" val="3136280630"/>
       </p:ext>
     </p:extLst>
   </p:cSld>

--- a/patterns/transaction-simple-read.pptx
+++ b/patterns/transaction-simple-read.pptx
@@ -2480,16 +2480,16 @@
       </p:grpSpPr>
       <p:grpSp>
         <p:nvGrpSpPr>
-          <p:cNvPr id="11" name="Group 10"/>
+          <p:cNvPr id="4" name="组合 3"/>
           <p:cNvGrpSpPr/>
           <p:nvPr/>
         </p:nvGrpSpPr>
         <p:grpSpPr>
           <a:xfrm>
-            <a:off x="4737652" y="2640495"/>
-            <a:ext cx="2716695" cy="1577009"/>
-            <a:chOff x="1606827" y="2640495"/>
-            <a:chExt cx="2716695" cy="1577009"/>
+            <a:off x="4737735" y="2640330"/>
+            <a:ext cx="2716530" cy="1576070"/>
+            <a:chOff x="7461" y="4158"/>
+            <a:chExt cx="4278" cy="2482"/>
           </a:xfrm>
         </p:grpSpPr>
         <p:sp>
@@ -2500,8 +2500,8 @@
           </p:nvSpPr>
           <p:spPr>
             <a:xfrm>
-              <a:off x="1606827" y="2640495"/>
-              <a:ext cx="2716695" cy="1577009"/>
+              <a:off x="7461" y="4158"/>
+              <a:ext cx="4278" cy="2483"/>
             </a:xfrm>
             <a:prstGeom prst="rect">
               <a:avLst/>
@@ -2602,9 +2602,9 @@
             <p:nvPr/>
           </p:nvGrpSpPr>
           <p:grpSpPr>
-            <a:xfrm>
-              <a:off x="1906774" y="2815878"/>
-              <a:ext cx="2116800" cy="1010292"/>
+            <a:xfrm rot="0">
+              <a:off x="7933" y="4434"/>
+              <a:ext cx="3334" cy="1591"/>
               <a:chOff x="1814274" y="2815878"/>
               <a:chExt cx="2116800" cy="1010292"/>
             </a:xfrm>
@@ -2631,7 +2631,7 @@
               </a:solidFill>
               <a:ln w="25400">
                 <a:solidFill>
-                  <a:schemeClr val="accent3"/>
+                  <a:schemeClr val="tx1"/>
                 </a:solidFill>
               </a:ln>
             </p:spPr>
@@ -2713,7 +2713,7 @@
               <a:noFill/>
               <a:ln w="25400">
                 <a:solidFill>
-                  <a:schemeClr val="accent3"/>
+                  <a:schemeClr val="tx1"/>
                 </a:solidFill>
               </a:ln>
             </p:spPr>
